--- a/output/ebook - template.pptx
+++ b/output/ebook - template.pptx
@@ -5,10 +5,10 @@
     <p:sldMasterId id="2147483660" r:id="rId1"/>
   </p:sldMasterIdLst>
   <p:notesMasterIdLst>
-    <p:notesMasterId r:id="rId27"/>
+    <p:notesMasterId r:id="rId15"/>
   </p:notesMasterIdLst>
   <p:handoutMasterIdLst>
-    <p:handoutMasterId r:id="rId28"/>
+    <p:handoutMasterId r:id="rId16"/>
   </p:handoutMasterIdLst>
   <p:sldIdLst>
     <p:sldId id="257" r:id="rId2"/>
@@ -22,20 +22,8 @@
     <p:sldId id="262" r:id="rId10"/>
     <p:sldId id="269" r:id="rId11"/>
     <p:sldId id="270" r:id="rId12"/>
-    <p:sldId id="271" r:id="rId13"/>
-    <p:sldId id="273" r:id="rId14"/>
-    <p:sldId id="274" r:id="rId15"/>
-    <p:sldId id="272" r:id="rId16"/>
-    <p:sldId id="275" r:id="rId17"/>
-    <p:sldId id="276" r:id="rId18"/>
-    <p:sldId id="277" r:id="rId19"/>
-    <p:sldId id="279" r:id="rId20"/>
-    <p:sldId id="280" r:id="rId21"/>
-    <p:sldId id="278" r:id="rId22"/>
-    <p:sldId id="281" r:id="rId23"/>
-    <p:sldId id="282" r:id="rId24"/>
-    <p:sldId id="284" r:id="rId25"/>
-    <p:sldId id="283" r:id="rId26"/>
+    <p:sldId id="284" r:id="rId13"/>
+    <p:sldId id="283" r:id="rId14"/>
   </p:sldIdLst>
   <p:sldSz cx="9601200" cy="12801600" type="A3"/>
   <p:notesSz cx="6858000" cy="9144000"/>
@@ -247,7 +235,7 @@
           <a:p>
             <a:fld id="{55E237D1-EB3E-42ED-8017-A3E0F540A544}" type="datetimeFigureOut">
               <a:rPr lang="pt-BR" smtClean="0"/>
-              <a:t>27/06/2023</a:t>
+              <a:t>22/03/2024</a:t>
             </a:fld>
             <a:endParaRPr lang="pt-BR"/>
           </a:p>
@@ -424,7 +412,7 @@
           <a:p>
             <a:fld id="{AE8E0544-B9E7-47A8-ABD7-B3CFDECA6595}" type="datetimeFigureOut">
               <a:rPr lang="pt-BR" smtClean="0"/>
-              <a:t>27/06/2023</a:t>
+              <a:t>22/03/2024</a:t>
             </a:fld>
             <a:endParaRPr lang="pt-BR"/>
           </a:p>
@@ -822,7 +810,7 @@
           <a:p>
             <a:fld id="{CCC30072-6D31-42F3-B5CC-185B6D0A6822}" type="datetime1">
               <a:rPr lang="pt-BR" smtClean="0"/>
-              <a:t>27/06/2023</a:t>
+              <a:t>22/03/2024</a:t>
             </a:fld>
             <a:endParaRPr lang="pt-BR"/>
           </a:p>
@@ -995,7 +983,7 @@
           <a:p>
             <a:fld id="{BDF6D1A7-EFFC-4966-822B-4C00AB2CB4F1}" type="datetime1">
               <a:rPr lang="pt-BR" smtClean="0"/>
-              <a:t>27/06/2023</a:t>
+              <a:t>22/03/2024</a:t>
             </a:fld>
             <a:endParaRPr lang="pt-BR"/>
           </a:p>
@@ -1178,7 +1166,7 @@
           <a:p>
             <a:fld id="{C6FB7C60-0DA7-42D4-A820-E1D03EB49949}" type="datetime1">
               <a:rPr lang="pt-BR" smtClean="0"/>
-              <a:t>27/06/2023</a:t>
+              <a:t>22/03/2024</a:t>
             </a:fld>
             <a:endParaRPr lang="pt-BR"/>
           </a:p>
@@ -1351,7 +1339,7 @@
           <a:p>
             <a:fld id="{6A95A0BC-388F-4CA7-BE51-03B9510F86C7}" type="datetime1">
               <a:rPr lang="pt-BR" smtClean="0"/>
-              <a:t>27/06/2023</a:t>
+              <a:t>22/03/2024</a:t>
             </a:fld>
             <a:endParaRPr lang="pt-BR"/>
           </a:p>
@@ -1598,7 +1586,7 @@
           <a:p>
             <a:fld id="{920B0A53-1723-472B-8809-AF93A93C6B7D}" type="datetime1">
               <a:rPr lang="pt-BR" smtClean="0"/>
-              <a:t>27/06/2023</a:t>
+              <a:t>22/03/2024</a:t>
             </a:fld>
             <a:endParaRPr lang="pt-BR"/>
           </a:p>
@@ -1833,7 +1821,7 @@
           <a:p>
             <a:fld id="{F473D0C2-0B29-4E63-8862-AEF7CD2FD74C}" type="datetime1">
               <a:rPr lang="pt-BR" smtClean="0"/>
-              <a:t>27/06/2023</a:t>
+              <a:t>22/03/2024</a:t>
             </a:fld>
             <a:endParaRPr lang="pt-BR"/>
           </a:p>
@@ -2203,7 +2191,7 @@
           <a:p>
             <a:fld id="{10B68ADD-7F35-4AEB-BEB1-AD3CCDF011CE}" type="datetime1">
               <a:rPr lang="pt-BR" smtClean="0"/>
-              <a:t>27/06/2023</a:t>
+              <a:t>22/03/2024</a:t>
             </a:fld>
             <a:endParaRPr lang="pt-BR"/>
           </a:p>
@@ -2324,7 +2312,7 @@
           <a:p>
             <a:fld id="{ABF6779A-9BC4-4AC0-8880-1B792DDACBDD}" type="datetime1">
               <a:rPr lang="pt-BR" smtClean="0"/>
-              <a:t>27/06/2023</a:t>
+              <a:t>22/03/2024</a:t>
             </a:fld>
             <a:endParaRPr lang="pt-BR"/>
           </a:p>
@@ -2422,7 +2410,7 @@
           <a:p>
             <a:fld id="{E1175754-B528-45A3-9A7A-655123E17D0E}" type="datetime1">
               <a:rPr lang="pt-BR" smtClean="0"/>
-              <a:t>27/06/2023</a:t>
+              <a:t>22/03/2024</a:t>
             </a:fld>
             <a:endParaRPr lang="pt-BR"/>
           </a:p>
@@ -2702,7 +2690,7 @@
           <a:p>
             <a:fld id="{702BC77C-1A26-4515-863F-461CD234F563}" type="datetime1">
               <a:rPr lang="pt-BR" smtClean="0"/>
-              <a:t>27/06/2023</a:t>
+              <a:t>22/03/2024</a:t>
             </a:fld>
             <a:endParaRPr lang="pt-BR"/>
           </a:p>
@@ -2962,7 +2950,7 @@
           <a:p>
             <a:fld id="{2CE6D11F-A570-44DC-98A9-9E7070BCD645}" type="datetime1">
               <a:rPr lang="pt-BR" smtClean="0"/>
-              <a:t>27/06/2023</a:t>
+              <a:t>22/03/2024</a:t>
             </a:fld>
             <a:endParaRPr lang="pt-BR"/>
           </a:p>
@@ -3178,7 +3166,7 @@
           <a:p>
             <a:fld id="{925CAA1B-DFB8-467D-A20E-1BF5C572C99B}" type="datetime1">
               <a:rPr lang="pt-BR" smtClean="0"/>
-              <a:t>27/06/2023</a:t>
+              <a:t>22/03/2024</a:t>
             </a:fld>
             <a:endParaRPr lang="pt-BR"/>
           </a:p>
@@ -3589,10 +3577,10 @@
       </p:grpSpPr>
       <p:sp>
         <p:nvSpPr>
-          <p:cNvPr id="2" name="Retângulo 1">
-            <a:extLst>
-              <a:ext uri="{FF2B5EF4-FFF2-40B4-BE49-F238E27FC236}">
-                <a16:creationId xmlns:a16="http://schemas.microsoft.com/office/drawing/2014/main" id="{BC59D0F3-0831-BB4F-5869-4C89A7608B75}"/>
+          <p:cNvPr id="6" name="Retângulo 5">
+            <a:extLst>
+              <a:ext uri="{FF2B5EF4-FFF2-40B4-BE49-F238E27FC236}">
+                <a16:creationId xmlns:a16="http://schemas.microsoft.com/office/drawing/2014/main" id="{D0030379-04B0-990D-0230-0458A5D5938E}"/>
               </a:ext>
             </a:extLst>
           </p:cNvPr>
@@ -3608,7 +3596,7 @@
             <a:avLst/>
           </a:prstGeom>
           <a:solidFill>
-            <a:srgbClr val="0D0A27"/>
+            <a:srgbClr val="111215"/>
           </a:solidFill>
           <a:ln>
             <a:noFill/>
@@ -3641,10 +3629,10 @@
       </p:sp>
       <p:pic>
         <p:nvPicPr>
-          <p:cNvPr id="5" name="jedi_img" descr="Homem de camisa azul em fundo escuro&#10;&#10;Descrição gerada automaticamente com confiança baixa">
-            <a:extLst>
-              <a:ext uri="{FF2B5EF4-FFF2-40B4-BE49-F238E27FC236}">
-                <a16:creationId xmlns:a16="http://schemas.microsoft.com/office/drawing/2014/main" id="{37B0524B-3D93-0DB0-4816-D121B4197E9C}"/>
+          <p:cNvPr id="4" name="Imagem 3" descr="Homem sentado em frente a computador&#10;&#10;Descrição gerada automaticamente com confiança média">
+            <a:extLst>
+              <a:ext uri="{FF2B5EF4-FFF2-40B4-BE49-F238E27FC236}">
+                <a16:creationId xmlns:a16="http://schemas.microsoft.com/office/drawing/2014/main" id="{2EBCAC79-78BF-72A8-B03A-E5927164A78B}"/>
               </a:ext>
             </a:extLst>
           </p:cNvPr>
@@ -3667,7 +3655,7 @@
         </p:blipFill>
         <p:spPr>
           <a:xfrm>
-            <a:off x="0" y="1835131"/>
+            <a:off x="0" y="1473200"/>
             <a:ext cx="9601200" cy="9601200"/>
           </a:xfrm>
           <a:prstGeom prst="rect">
@@ -3689,14 +3677,14 @@
         </p:nvSpPr>
         <p:spPr>
           <a:xfrm>
-            <a:off x="0" y="2446960"/>
+            <a:off x="0" y="1015731"/>
             <a:ext cx="9601200" cy="830997"/>
           </a:xfrm>
           <a:prstGeom prst="rect">
             <a:avLst/>
           </a:prstGeom>
           <a:solidFill>
-            <a:srgbClr val="36ABFF"/>
+            <a:srgbClr val="2F7586"/>
           </a:solidFill>
           <a:ln>
             <a:noFill/>
@@ -3727,50 +3715,6 @@
           </a:p>
         </p:txBody>
       </p:sp>
-      <p:pic>
-        <p:nvPicPr>
-          <p:cNvPr id="8" name="logo_css" descr="Ícone&#10;&#10;Descrição gerada automaticamente">
-            <a:extLst>
-              <a:ext uri="{FF2B5EF4-FFF2-40B4-BE49-F238E27FC236}">
-                <a16:creationId xmlns:a16="http://schemas.microsoft.com/office/drawing/2014/main" id="{EA26D580-CAFF-82C8-5A63-D0CFDDFA665B}"/>
-              </a:ext>
-            </a:extLst>
-          </p:cNvPr>
-          <p:cNvPicPr>
-            <a:picLocks noChangeAspect="1"/>
-          </p:cNvPicPr>
-          <p:nvPr/>
-        </p:nvPicPr>
-        <p:blipFill rotWithShape="1">
-          <a:blip r:embed="rId3">
-            <a:extLst>
-              <a:ext uri="{BEBA8EAE-BF5A-486C-A8C5-ECC9F3942E4B}">
-                <a14:imgProps xmlns:a14="http://schemas.microsoft.com/office/drawing/2010/main">
-                  <a14:imgLayer r:embed="rId4">
-                    <a14:imgEffect>
-                      <a14:brightnessContrast bright="40000" contrast="40000"/>
-                    </a14:imgEffect>
-                  </a14:imgLayer>
-                </a14:imgProps>
-              </a:ext>
-              <a:ext uri="{28A0092B-C50C-407E-A947-70E740481C1C}">
-                <a14:useLocalDpi xmlns:a14="http://schemas.microsoft.com/office/drawing/2010/main" val="0"/>
-              </a:ext>
-            </a:extLst>
-          </a:blip>
-          <a:srcRect t="16575"/>
-          <a:stretch/>
-        </p:blipFill>
-        <p:spPr>
-          <a:xfrm>
-            <a:off x="1838231" y="7203543"/>
-            <a:ext cx="5924736" cy="2797577"/>
-          </a:xfrm>
-          <a:prstGeom prst="rect">
-            <a:avLst/>
-          </a:prstGeom>
-        </p:spPr>
-      </p:pic>
       <p:sp>
         <p:nvSpPr>
           <p:cNvPr id="10" name="CaixaDeTexto 9">
@@ -3785,8 +3729,8 @@
         </p:nvSpPr>
         <p:spPr>
           <a:xfrm>
-            <a:off x="553133" y="337942"/>
-            <a:ext cx="10124699" cy="1569660"/>
+            <a:off x="1" y="185454"/>
+            <a:ext cx="9601200" cy="646331"/>
           </a:xfrm>
           <a:prstGeom prst="rect">
             <a:avLst/>
@@ -3809,19 +3753,15 @@
           </a:bodyPr>
           <a:lstStyle/>
           <a:p>
-            <a:r>
-              <a:rPr lang="pt-BR" sz="9600" dirty="0">
+            <a:pPr algn="ctr"/>
+            <a:r>
+              <a:rPr lang="pt-BR" sz="3600" dirty="0">
                 <a:solidFill>
-                  <a:schemeClr val="bg1"/>
+                  <a:srgbClr val="2E7D8B"/>
                 </a:solidFill>
-                <a:effectLst>
-                  <a:glow rad="342900">
-                    <a:srgbClr val="37ABFF"/>
-                  </a:glow>
-                </a:effectLst>
-                <a:latin typeface="8BIT WONDER" panose="00000400000000000000" pitchFamily="2" charset="0"/>
+                <a:latin typeface="Impact" panose="020B0806030902050204" pitchFamily="34" charset="0"/>
               </a:rPr>
-              <a:t>CSS JEDI</a:t>
+              <a:t>O Poder Oculto dos Algoritmos</a:t>
             </a:r>
           </a:p>
         </p:txBody>
@@ -3840,8 +3780,8 @@
         </p:nvSpPr>
         <p:spPr>
           <a:xfrm>
-            <a:off x="1133243" y="2446960"/>
-            <a:ext cx="7967117" cy="830997"/>
+            <a:off x="0" y="1015731"/>
+            <a:ext cx="9601199" cy="830997"/>
           </a:xfrm>
           <a:prstGeom prst="rect">
             <a:avLst/>
@@ -3849,11 +3789,12 @@
           <a:noFill/>
         </p:spPr>
         <p:txBody>
-          <a:bodyPr wrap="none" rtlCol="0">
+          <a:bodyPr wrap="square" rtlCol="0">
             <a:spAutoFit/>
           </a:bodyPr>
           <a:lstStyle/>
           <a:p>
+            <a:pPr algn="ctr"/>
             <a:r>
               <a:rPr lang="pt-BR" sz="4800" dirty="0">
                 <a:solidFill>
@@ -3861,17 +3802,58 @@
                 </a:solidFill>
                 <a:latin typeface="Impact" panose="020B0806030902050204" pitchFamily="34" charset="0"/>
               </a:rPr>
-              <a:t>DOMINE A FORÇA DOS SELETORES</a:t>
-            </a:r>
-          </a:p>
-        </p:txBody>
-      </p:sp>
-      <p:sp>
-        <p:nvSpPr>
-          <p:cNvPr id="16" name="fundo_rodape">
-            <a:extLst>
-              <a:ext uri="{FF2B5EF4-FFF2-40B4-BE49-F238E27FC236}">
-                <a16:creationId xmlns:a16="http://schemas.microsoft.com/office/drawing/2014/main" id="{8A5EDDAD-04F3-2FDC-9612-B1EBD47701CD}"/>
+              <a:t>Domine a Ordenação em C#</a:t>
+            </a:r>
+          </a:p>
+        </p:txBody>
+      </p:sp>
+      <p:sp>
+        <p:nvSpPr>
+          <p:cNvPr id="7" name="subtitulo_componente">
+            <a:extLst>
+              <a:ext uri="{FF2B5EF4-FFF2-40B4-BE49-F238E27FC236}">
+                <a16:creationId xmlns:a16="http://schemas.microsoft.com/office/drawing/2014/main" id="{DDE84096-B56C-A3FF-DABA-10049F9C84BE}"/>
+              </a:ext>
+            </a:extLst>
+          </p:cNvPr>
+          <p:cNvSpPr txBox="1"/>
+          <p:nvPr/>
+        </p:nvSpPr>
+        <p:spPr>
+          <a:xfrm>
+            <a:off x="-713059" y="12351228"/>
+            <a:ext cx="4386158" cy="400110"/>
+          </a:xfrm>
+          <a:prstGeom prst="rect">
+            <a:avLst/>
+          </a:prstGeom>
+          <a:noFill/>
+        </p:spPr>
+        <p:txBody>
+          <a:bodyPr wrap="square" rtlCol="0">
+            <a:spAutoFit/>
+          </a:bodyPr>
+          <a:lstStyle/>
+          <a:p>
+            <a:pPr algn="ctr"/>
+            <a:r>
+              <a:rPr lang="pt-BR" sz="2000" dirty="0">
+                <a:solidFill>
+                  <a:schemeClr val="bg1"/>
+                </a:solidFill>
+                <a:latin typeface="+mj-lt"/>
+              </a:rPr>
+              <a:t>Jefferson Mesquita</a:t>
+            </a:r>
+          </a:p>
+        </p:txBody>
+      </p:sp>
+      <p:sp>
+        <p:nvSpPr>
+          <p:cNvPr id="11" name="fundo_subtitulo">
+            <a:extLst>
+              <a:ext uri="{FF2B5EF4-FFF2-40B4-BE49-F238E27FC236}">
+                <a16:creationId xmlns:a16="http://schemas.microsoft.com/office/drawing/2014/main" id="{A5853D67-E750-7FE0-6BF2-FD7086A9DF5E}"/>
               </a:ext>
             </a:extLst>
           </p:cNvPr>
@@ -3880,16 +3862,14 @@
         </p:nvSpPr>
         <p:spPr>
           <a:xfrm>
-            <a:off x="2612571" y="11632661"/>
-            <a:ext cx="4378164" cy="830997"/>
+            <a:off x="0" y="12250420"/>
+            <a:ext cx="9601200" cy="56167"/>
           </a:xfrm>
           <a:prstGeom prst="rect">
             <a:avLst/>
           </a:prstGeom>
           <a:solidFill>
-            <a:srgbClr val="36ABFF">
-              <a:alpha val="80000"/>
-            </a:srgbClr>
+            <a:srgbClr val="2F7586"/>
           </a:solidFill>
           <a:ln>
             <a:noFill/>
@@ -3922,10 +3902,64 @@
       </p:sp>
       <p:sp>
         <p:nvSpPr>
-          <p:cNvPr id="17" name="rodape">
-            <a:extLst>
-              <a:ext uri="{FF2B5EF4-FFF2-40B4-BE49-F238E27FC236}">
-                <a16:creationId xmlns:a16="http://schemas.microsoft.com/office/drawing/2014/main" id="{6275A980-272E-6995-30C1-C7DA34BD34F2}"/>
+          <p:cNvPr id="12" name="fundo_subtitulo">
+            <a:extLst>
+              <a:ext uri="{FF2B5EF4-FFF2-40B4-BE49-F238E27FC236}">
+                <a16:creationId xmlns:a16="http://schemas.microsoft.com/office/drawing/2014/main" id="{FB7F7F9F-0A70-C2FD-BFF6-D1A197A416E7}"/>
+              </a:ext>
+            </a:extLst>
+          </p:cNvPr>
+          <p:cNvSpPr/>
+          <p:nvPr/>
+        </p:nvSpPr>
+        <p:spPr>
+          <a:xfrm>
+            <a:off x="3673099" y="9817100"/>
+            <a:ext cx="5928102" cy="2961476"/>
+          </a:xfrm>
+          <a:prstGeom prst="rect">
+            <a:avLst/>
+          </a:prstGeom>
+          <a:solidFill>
+            <a:srgbClr val="2B4248">
+              <a:alpha val="72000"/>
+            </a:srgbClr>
+          </a:solidFill>
+          <a:ln>
+            <a:noFill/>
+          </a:ln>
+        </p:spPr>
+        <p:style>
+          <a:lnRef idx="2">
+            <a:schemeClr val="accent1">
+              <a:shade val="50000"/>
+            </a:schemeClr>
+          </a:lnRef>
+          <a:fillRef idx="1">
+            <a:schemeClr val="accent1"/>
+          </a:fillRef>
+          <a:effectRef idx="0">
+            <a:schemeClr val="accent1"/>
+          </a:effectRef>
+          <a:fontRef idx="minor">
+            <a:schemeClr val="lt1"/>
+          </a:fontRef>
+        </p:style>
+        <p:txBody>
+          <a:bodyPr rtlCol="0" anchor="ctr"/>
+          <a:lstStyle/>
+          <a:p>
+            <a:pPr algn="ctr"/>
+            <a:endParaRPr lang="pt-BR"/>
+          </a:p>
+        </p:txBody>
+      </p:sp>
+      <p:sp>
+        <p:nvSpPr>
+          <p:cNvPr id="15" name="subtitulo_componente">
+            <a:extLst>
+              <a:ext uri="{FF2B5EF4-FFF2-40B4-BE49-F238E27FC236}">
+                <a16:creationId xmlns:a16="http://schemas.microsoft.com/office/drawing/2014/main" id="{4AC64B63-F496-F80D-2DF0-D95D155A98DB}"/>
               </a:ext>
             </a:extLst>
           </p:cNvPr>
@@ -3934,8 +3968,8 @@
         </p:nvSpPr>
         <p:spPr>
           <a:xfrm>
-            <a:off x="3008282" y="11632661"/>
-            <a:ext cx="3584636" cy="830997"/>
+            <a:off x="4371598" y="10389897"/>
+            <a:ext cx="4727952" cy="1815882"/>
           </a:xfrm>
           <a:prstGeom prst="rect">
             <a:avLst/>
@@ -3948,55 +3982,15 @@
           </a:bodyPr>
           <a:lstStyle/>
           <a:p>
-            <a:r>
-              <a:rPr lang="pt-BR" sz="4800" dirty="0">
-                <a:solidFill>
-                  <a:srgbClr val="0D0A27"/>
-                </a:solidFill>
-                <a:latin typeface="Impact" panose="020B0806030902050204" pitchFamily="34" charset="0"/>
-              </a:rPr>
-              <a:t>FELIPE AGUIAR</a:t>
-            </a:r>
-          </a:p>
-        </p:txBody>
-      </p:sp>
-      <p:sp>
-        <p:nvSpPr>
-          <p:cNvPr id="15" name="subtitulo_componente">
-            <a:extLst>
-              <a:ext uri="{FF2B5EF4-FFF2-40B4-BE49-F238E27FC236}">
-                <a16:creationId xmlns:a16="http://schemas.microsoft.com/office/drawing/2014/main" id="{4AC64B63-F496-F80D-2DF0-D95D155A98DB}"/>
-              </a:ext>
-            </a:extLst>
-          </p:cNvPr>
-          <p:cNvSpPr txBox="1"/>
-          <p:nvPr/>
-        </p:nvSpPr>
-        <p:spPr>
-          <a:xfrm>
-            <a:off x="250420" y="10217501"/>
-            <a:ext cx="9100360" cy="1077218"/>
-          </a:xfrm>
-          <a:prstGeom prst="rect">
-            <a:avLst/>
-          </a:prstGeom>
-          <a:noFill/>
-        </p:spPr>
-        <p:txBody>
-          <a:bodyPr wrap="square" rtlCol="0">
-            <a:spAutoFit/>
-          </a:bodyPr>
-          <a:lstStyle/>
-          <a:p>
             <a:pPr algn="ctr"/>
             <a:r>
-              <a:rPr lang="pt-BR" sz="3200" dirty="0">
+              <a:rPr lang="pt-BR" sz="2800" dirty="0">
                 <a:solidFill>
                   <a:schemeClr val="bg1"/>
                 </a:solidFill>
                 <a:latin typeface="+mj-lt"/>
               </a:rPr>
-              <a:t>Aprenda quais são os principais tipos de seletores mais utilizadas na hora de construir páginas web</a:t>
+              <a:t>Aprenda quais são os principais algoritmos de ordenação e construa aplicações mais performáticas</a:t>
             </a:r>
           </a:p>
         </p:txBody>
@@ -4120,12 +4114,206 @@
           </a:p>
         </p:txBody>
       </p:sp>
-      <p:sp>
-        <p:nvSpPr>
-          <p:cNvPr id="5" name="Retângulo 4">
-            <a:extLst>
-              <a:ext uri="{FF2B5EF4-FFF2-40B4-BE49-F238E27FC236}">
-                <a16:creationId xmlns:a16="http://schemas.microsoft.com/office/drawing/2014/main" id="{F3548456-7C95-80DE-D379-01E177977A3D}"/>
+      <p:pic>
+        <p:nvPicPr>
+          <p:cNvPr id="7" name="Imagem 6">
+            <a:extLst>
+              <a:ext uri="{FF2B5EF4-FFF2-40B4-BE49-F238E27FC236}">
+                <a16:creationId xmlns:a16="http://schemas.microsoft.com/office/drawing/2014/main" id="{A95D5724-24DA-ADC3-C379-B601C7A51FD0}"/>
+              </a:ext>
+            </a:extLst>
+          </p:cNvPr>
+          <p:cNvPicPr>
+            <a:picLocks noChangeAspect="1"/>
+          </p:cNvPicPr>
+          <p:nvPr/>
+        </p:nvPicPr>
+        <p:blipFill>
+          <a:blip r:embed="rId2"/>
+          <a:stretch>
+            <a:fillRect/>
+          </a:stretch>
+        </p:blipFill>
+        <p:spPr>
+          <a:xfrm>
+            <a:off x="-21510" y="5329404"/>
+            <a:ext cx="9601200" cy="4384548"/>
+          </a:xfrm>
+          <a:prstGeom prst="rect">
+            <a:avLst/>
+          </a:prstGeom>
+        </p:spPr>
+      </p:pic>
+      <p:sp>
+        <p:nvSpPr>
+          <p:cNvPr id="11" name="Espaço Reservado para Rodapé 10">
+            <a:extLst>
+              <a:ext uri="{FF2B5EF4-FFF2-40B4-BE49-F238E27FC236}">
+                <a16:creationId xmlns:a16="http://schemas.microsoft.com/office/drawing/2014/main" id="{16565A60-9FB1-1F97-0762-8DE359BBB925}"/>
+              </a:ext>
+            </a:extLst>
+          </p:cNvPr>
+          <p:cNvSpPr>
+            <a:spLocks noGrp="1"/>
+          </p:cNvSpPr>
+          <p:nvPr>
+            <p:ph type="ftr" sz="quarter" idx="11"/>
+          </p:nvPr>
+        </p:nvSpPr>
+        <p:spPr/>
+        <p:txBody>
+          <a:bodyPr/>
+          <a:lstStyle/>
+          <a:p>
+            <a:r>
+              <a:rPr lang="pt-BR"/>
+              <a:t>SELETORES CSS PARA JEDIS - FELIPE AGUIAR</a:t>
+            </a:r>
+          </a:p>
+        </p:txBody>
+      </p:sp>
+      <p:sp>
+        <p:nvSpPr>
+          <p:cNvPr id="12" name="Espaço Reservado para Número de Slide 11">
+            <a:extLst>
+              <a:ext uri="{FF2B5EF4-FFF2-40B4-BE49-F238E27FC236}">
+                <a16:creationId xmlns:a16="http://schemas.microsoft.com/office/drawing/2014/main" id="{30BC083C-9C5F-F316-D781-2502741E52CB}"/>
+              </a:ext>
+            </a:extLst>
+          </p:cNvPr>
+          <p:cNvSpPr>
+            <a:spLocks noGrp="1"/>
+          </p:cNvSpPr>
+          <p:nvPr>
+            <p:ph type="sldNum" sz="quarter" idx="12"/>
+          </p:nvPr>
+        </p:nvSpPr>
+        <p:spPr/>
+        <p:txBody>
+          <a:bodyPr/>
+          <a:lstStyle/>
+          <a:p>
+            <a:fld id="{9BB46D60-96CE-4402-8D7C-2F4B1C382689}" type="slidenum">
+              <a:rPr lang="pt-BR" smtClean="0"/>
+              <a:t>10</a:t>
+            </a:fld>
+            <a:endParaRPr lang="pt-BR"/>
+          </a:p>
+        </p:txBody>
+      </p:sp>
+      <p:pic>
+        <p:nvPicPr>
+          <p:cNvPr id="13" name="Picture 8" descr="Would you like to see new lightsaber variants in the future? | Fandom">
+            <a:extLst>
+              <a:ext uri="{FF2B5EF4-FFF2-40B4-BE49-F238E27FC236}">
+                <a16:creationId xmlns:a16="http://schemas.microsoft.com/office/drawing/2014/main" id="{562CDC66-64EC-BBA5-302D-9A56F562002E}"/>
+              </a:ext>
+            </a:extLst>
+          </p:cNvPr>
+          <p:cNvPicPr>
+            <a:picLocks noChangeAspect="1" noChangeArrowheads="1"/>
+          </p:cNvPicPr>
+          <p:nvPr/>
+        </p:nvPicPr>
+        <p:blipFill>
+          <a:blip r:embed="rId3">
+            <a:extLst>
+              <a:ext uri="{BEBA8EAE-BF5A-486C-A8C5-ECC9F3942E4B}">
+                <a14:imgProps xmlns:a14="http://schemas.microsoft.com/office/drawing/2010/main">
+                  <a14:imgLayer r:embed="rId4">
+                    <a14:imgEffect>
+                      <a14:brightnessContrast bright="40000" contrast="20000"/>
+                    </a14:imgEffect>
+                  </a14:imgLayer>
+                </a14:imgProps>
+              </a:ext>
+              <a:ext uri="{28A0092B-C50C-407E-A947-70E740481C1C}">
+                <a14:useLocalDpi xmlns:a14="http://schemas.microsoft.com/office/drawing/2010/main" val="0"/>
+              </a:ext>
+            </a:extLst>
+          </a:blip>
+          <a:srcRect/>
+          <a:stretch>
+            <a:fillRect/>
+          </a:stretch>
+        </p:blipFill>
+        <p:spPr bwMode="auto">
+          <a:xfrm rot="1987839">
+            <a:off x="3038474" y="971271"/>
+            <a:ext cx="3524250" cy="2447925"/>
+          </a:xfrm>
+          <a:prstGeom prst="rect">
+            <a:avLst/>
+          </a:prstGeom>
+          <a:noFill/>
+          <a:extLst>
+            <a:ext uri="{909E8E84-426E-40DD-AFC4-6F175D3DCCD1}">
+              <a14:hiddenFill xmlns:a14="http://schemas.microsoft.com/office/drawing/2010/main">
+                <a:solidFill>
+                  <a:srgbClr val="FFFFFF"/>
+                </a:solidFill>
+              </a14:hiddenFill>
+            </a:ext>
+          </a:extLst>
+        </p:spPr>
+      </p:pic>
+      <p:pic>
+        <p:nvPicPr>
+          <p:cNvPr id="14" name="logo_css" descr="Ícone&#10;&#10;Descrição gerada automaticamente">
+            <a:extLst>
+              <a:ext uri="{FF2B5EF4-FFF2-40B4-BE49-F238E27FC236}">
+                <a16:creationId xmlns:a16="http://schemas.microsoft.com/office/drawing/2014/main" id="{48CEEBD9-BF75-49F8-2AA7-2B759F4CF8ED}"/>
+              </a:ext>
+            </a:extLst>
+          </p:cNvPr>
+          <p:cNvPicPr>
+            <a:picLocks noChangeAspect="1"/>
+          </p:cNvPicPr>
+          <p:nvPr/>
+        </p:nvPicPr>
+        <p:blipFill rotWithShape="1">
+          <a:blip r:embed="rId5">
+            <a:duotone>
+              <a:schemeClr val="bg2">
+                <a:shade val="45000"/>
+                <a:satMod val="135000"/>
+              </a:schemeClr>
+              <a:prstClr val="white"/>
+            </a:duotone>
+            <a:extLst>
+              <a:ext uri="{BEBA8EAE-BF5A-486C-A8C5-ECC9F3942E4B}">
+                <a14:imgProps xmlns:a14="http://schemas.microsoft.com/office/drawing/2010/main">
+                  <a14:imgLayer r:embed="rId6">
+                    <a14:imgEffect>
+                      <a14:brightnessContrast bright="40000" contrast="40000"/>
+                    </a14:imgEffect>
+                  </a14:imgLayer>
+                </a14:imgProps>
+              </a:ext>
+              <a:ext uri="{28A0092B-C50C-407E-A947-70E740481C1C}">
+                <a14:useLocalDpi xmlns:a14="http://schemas.microsoft.com/office/drawing/2010/main" val="0"/>
+              </a:ext>
+            </a:extLst>
+          </a:blip>
+          <a:srcRect t="-3689"/>
+          <a:stretch/>
+        </p:blipFill>
+        <p:spPr>
+          <a:xfrm>
+            <a:off x="3535992" y="9979522"/>
+            <a:ext cx="2529215" cy="1484352"/>
+          </a:xfrm>
+          <a:prstGeom prst="rect">
+            <a:avLst/>
+          </a:prstGeom>
+        </p:spPr>
+      </p:pic>
+      <p:sp>
+        <p:nvSpPr>
+          <p:cNvPr id="4" name="Retângulo 3">
+            <a:extLst>
+              <a:ext uri="{FF2B5EF4-FFF2-40B4-BE49-F238E27FC236}">
+                <a16:creationId xmlns:a16="http://schemas.microsoft.com/office/drawing/2014/main" id="{3DAE5F33-B885-CAF9-6CDF-5184AF7AA645}"/>
               </a:ext>
             </a:extLst>
           </p:cNvPr>
@@ -4143,7 +4331,7 @@
           <a:gradFill flip="none" rotWithShape="1">
             <a:gsLst>
               <a:gs pos="0">
-                <a:srgbClr val="11FFFE"/>
+                <a:srgbClr val="2F7586"/>
               </a:gs>
               <a:gs pos="74000">
                 <a:schemeClr val="accent1">
@@ -4156,9 +4344,6 @@
                   <a:lumMod val="45000"/>
                   <a:lumOff val="55000"/>
                 </a:schemeClr>
-              </a:gs>
-              <a:gs pos="100000">
-                <a:srgbClr val="36ABFF"/>
               </a:gs>
             </a:gsLst>
             <a:lin ang="5400000" scaled="1"/>
@@ -4193,200 +4378,6 @@
           </a:p>
         </p:txBody>
       </p:sp>
-      <p:pic>
-        <p:nvPicPr>
-          <p:cNvPr id="7" name="Imagem 6">
-            <a:extLst>
-              <a:ext uri="{FF2B5EF4-FFF2-40B4-BE49-F238E27FC236}">
-                <a16:creationId xmlns:a16="http://schemas.microsoft.com/office/drawing/2014/main" id="{A95D5724-24DA-ADC3-C379-B601C7A51FD0}"/>
-              </a:ext>
-            </a:extLst>
-          </p:cNvPr>
-          <p:cNvPicPr>
-            <a:picLocks noChangeAspect="1"/>
-          </p:cNvPicPr>
-          <p:nvPr/>
-        </p:nvPicPr>
-        <p:blipFill>
-          <a:blip r:embed="rId2"/>
-          <a:stretch>
-            <a:fillRect/>
-          </a:stretch>
-        </p:blipFill>
-        <p:spPr>
-          <a:xfrm>
-            <a:off x="-21510" y="5329404"/>
-            <a:ext cx="9601200" cy="4384548"/>
-          </a:xfrm>
-          <a:prstGeom prst="rect">
-            <a:avLst/>
-          </a:prstGeom>
-        </p:spPr>
-      </p:pic>
-      <p:sp>
-        <p:nvSpPr>
-          <p:cNvPr id="11" name="Espaço Reservado para Rodapé 10">
-            <a:extLst>
-              <a:ext uri="{FF2B5EF4-FFF2-40B4-BE49-F238E27FC236}">
-                <a16:creationId xmlns:a16="http://schemas.microsoft.com/office/drawing/2014/main" id="{16565A60-9FB1-1F97-0762-8DE359BBB925}"/>
-              </a:ext>
-            </a:extLst>
-          </p:cNvPr>
-          <p:cNvSpPr>
-            <a:spLocks noGrp="1"/>
-          </p:cNvSpPr>
-          <p:nvPr>
-            <p:ph type="ftr" sz="quarter" idx="11"/>
-          </p:nvPr>
-        </p:nvSpPr>
-        <p:spPr/>
-        <p:txBody>
-          <a:bodyPr/>
-          <a:lstStyle/>
-          <a:p>
-            <a:r>
-              <a:rPr lang="pt-BR"/>
-              <a:t>SELETORES CSS PARA JEDIS - FELIPE AGUIAR</a:t>
-            </a:r>
-          </a:p>
-        </p:txBody>
-      </p:sp>
-      <p:sp>
-        <p:nvSpPr>
-          <p:cNvPr id="12" name="Espaço Reservado para Número de Slide 11">
-            <a:extLst>
-              <a:ext uri="{FF2B5EF4-FFF2-40B4-BE49-F238E27FC236}">
-                <a16:creationId xmlns:a16="http://schemas.microsoft.com/office/drawing/2014/main" id="{30BC083C-9C5F-F316-D781-2502741E52CB}"/>
-              </a:ext>
-            </a:extLst>
-          </p:cNvPr>
-          <p:cNvSpPr>
-            <a:spLocks noGrp="1"/>
-          </p:cNvSpPr>
-          <p:nvPr>
-            <p:ph type="sldNum" sz="quarter" idx="12"/>
-          </p:nvPr>
-        </p:nvSpPr>
-        <p:spPr/>
-        <p:txBody>
-          <a:bodyPr/>
-          <a:lstStyle/>
-          <a:p>
-            <a:fld id="{9BB46D60-96CE-4402-8D7C-2F4B1C382689}" type="slidenum">
-              <a:rPr lang="pt-BR" smtClean="0"/>
-              <a:t>10</a:t>
-            </a:fld>
-            <a:endParaRPr lang="pt-BR"/>
-          </a:p>
-        </p:txBody>
-      </p:sp>
-      <p:pic>
-        <p:nvPicPr>
-          <p:cNvPr id="13" name="Picture 8" descr="Would you like to see new lightsaber variants in the future? | Fandom">
-            <a:extLst>
-              <a:ext uri="{FF2B5EF4-FFF2-40B4-BE49-F238E27FC236}">
-                <a16:creationId xmlns:a16="http://schemas.microsoft.com/office/drawing/2014/main" id="{562CDC66-64EC-BBA5-302D-9A56F562002E}"/>
-              </a:ext>
-            </a:extLst>
-          </p:cNvPr>
-          <p:cNvPicPr>
-            <a:picLocks noChangeAspect="1" noChangeArrowheads="1"/>
-          </p:cNvPicPr>
-          <p:nvPr/>
-        </p:nvPicPr>
-        <p:blipFill>
-          <a:blip r:embed="rId3">
-            <a:extLst>
-              <a:ext uri="{BEBA8EAE-BF5A-486C-A8C5-ECC9F3942E4B}">
-                <a14:imgProps xmlns:a14="http://schemas.microsoft.com/office/drawing/2010/main">
-                  <a14:imgLayer r:embed="rId4">
-                    <a14:imgEffect>
-                      <a14:brightnessContrast bright="40000" contrast="20000"/>
-                    </a14:imgEffect>
-                  </a14:imgLayer>
-                </a14:imgProps>
-              </a:ext>
-              <a:ext uri="{28A0092B-C50C-407E-A947-70E740481C1C}">
-                <a14:useLocalDpi xmlns:a14="http://schemas.microsoft.com/office/drawing/2010/main" val="0"/>
-              </a:ext>
-            </a:extLst>
-          </a:blip>
-          <a:srcRect/>
-          <a:stretch>
-            <a:fillRect/>
-          </a:stretch>
-        </p:blipFill>
-        <p:spPr bwMode="auto">
-          <a:xfrm rot="1987839">
-            <a:off x="3038474" y="971271"/>
-            <a:ext cx="3524250" cy="2447925"/>
-          </a:xfrm>
-          <a:prstGeom prst="rect">
-            <a:avLst/>
-          </a:prstGeom>
-          <a:noFill/>
-          <a:extLst>
-            <a:ext uri="{909E8E84-426E-40DD-AFC4-6F175D3DCCD1}">
-              <a14:hiddenFill xmlns:a14="http://schemas.microsoft.com/office/drawing/2010/main">
-                <a:solidFill>
-                  <a:srgbClr val="FFFFFF"/>
-                </a:solidFill>
-              </a14:hiddenFill>
-            </a:ext>
-          </a:extLst>
-        </p:spPr>
-      </p:pic>
-      <p:pic>
-        <p:nvPicPr>
-          <p:cNvPr id="14" name="logo_css" descr="Ícone&#10;&#10;Descrição gerada automaticamente">
-            <a:extLst>
-              <a:ext uri="{FF2B5EF4-FFF2-40B4-BE49-F238E27FC236}">
-                <a16:creationId xmlns:a16="http://schemas.microsoft.com/office/drawing/2014/main" id="{48CEEBD9-BF75-49F8-2AA7-2B759F4CF8ED}"/>
-              </a:ext>
-            </a:extLst>
-          </p:cNvPr>
-          <p:cNvPicPr>
-            <a:picLocks noChangeAspect="1"/>
-          </p:cNvPicPr>
-          <p:nvPr/>
-        </p:nvPicPr>
-        <p:blipFill rotWithShape="1">
-          <a:blip r:embed="rId5">
-            <a:duotone>
-              <a:schemeClr val="bg2">
-                <a:shade val="45000"/>
-                <a:satMod val="135000"/>
-              </a:schemeClr>
-              <a:prstClr val="white"/>
-            </a:duotone>
-            <a:extLst>
-              <a:ext uri="{BEBA8EAE-BF5A-486C-A8C5-ECC9F3942E4B}">
-                <a14:imgProps xmlns:a14="http://schemas.microsoft.com/office/drawing/2010/main">
-                  <a14:imgLayer r:embed="rId6">
-                    <a14:imgEffect>
-                      <a14:brightnessContrast bright="40000" contrast="40000"/>
-                    </a14:imgEffect>
-                  </a14:imgLayer>
-                </a14:imgProps>
-              </a:ext>
-              <a:ext uri="{28A0092B-C50C-407E-A947-70E740481C1C}">
-                <a14:useLocalDpi xmlns:a14="http://schemas.microsoft.com/office/drawing/2010/main" val="0"/>
-              </a:ext>
-            </a:extLst>
-          </a:blip>
-          <a:srcRect t="-3689"/>
-          <a:stretch/>
-        </p:blipFill>
-        <p:spPr>
-          <a:xfrm>
-            <a:off x="3535992" y="9979522"/>
-            <a:ext cx="2529215" cy="1484352"/>
-          </a:xfrm>
-          <a:prstGeom prst="rect">
-            <a:avLst/>
-          </a:prstGeom>
-        </p:spPr>
-      </p:pic>
     </p:spTree>
     <p:extLst>
       <p:ext uri="{BB962C8B-B14F-4D97-AF65-F5344CB8AC3E}">
@@ -4498,12 +4489,206 @@
           </a:p>
         </p:txBody>
       </p:sp>
-      <p:sp>
-        <p:nvSpPr>
-          <p:cNvPr id="5" name="Retângulo 4">
-            <a:extLst>
-              <a:ext uri="{FF2B5EF4-FFF2-40B4-BE49-F238E27FC236}">
-                <a16:creationId xmlns:a16="http://schemas.microsoft.com/office/drawing/2014/main" id="{F3548456-7C95-80DE-D379-01E177977A3D}"/>
+      <p:pic>
+        <p:nvPicPr>
+          <p:cNvPr id="6" name="Imagem 5">
+            <a:extLst>
+              <a:ext uri="{FF2B5EF4-FFF2-40B4-BE49-F238E27FC236}">
+                <a16:creationId xmlns:a16="http://schemas.microsoft.com/office/drawing/2014/main" id="{E37A2726-DEDE-D6F8-5606-6CD681A8B339}"/>
+              </a:ext>
+            </a:extLst>
+          </p:cNvPr>
+          <p:cNvPicPr>
+            <a:picLocks noChangeAspect="1"/>
+          </p:cNvPicPr>
+          <p:nvPr/>
+        </p:nvPicPr>
+        <p:blipFill>
+          <a:blip r:embed="rId2"/>
+          <a:stretch>
+            <a:fillRect/>
+          </a:stretch>
+        </p:blipFill>
+        <p:spPr>
+          <a:xfrm>
+            <a:off x="0" y="4916449"/>
+            <a:ext cx="9601200" cy="4384548"/>
+          </a:xfrm>
+          <a:prstGeom prst="rect">
+            <a:avLst/>
+          </a:prstGeom>
+        </p:spPr>
+      </p:pic>
+      <p:sp>
+        <p:nvSpPr>
+          <p:cNvPr id="11" name="Espaço Reservado para Rodapé 10">
+            <a:extLst>
+              <a:ext uri="{FF2B5EF4-FFF2-40B4-BE49-F238E27FC236}">
+                <a16:creationId xmlns:a16="http://schemas.microsoft.com/office/drawing/2014/main" id="{1C2FB977-C576-929A-11F8-065104F07336}"/>
+              </a:ext>
+            </a:extLst>
+          </p:cNvPr>
+          <p:cNvSpPr>
+            <a:spLocks noGrp="1"/>
+          </p:cNvSpPr>
+          <p:nvPr>
+            <p:ph type="ftr" sz="quarter" idx="11"/>
+          </p:nvPr>
+        </p:nvSpPr>
+        <p:spPr/>
+        <p:txBody>
+          <a:bodyPr/>
+          <a:lstStyle/>
+          <a:p>
+            <a:r>
+              <a:rPr lang="pt-BR"/>
+              <a:t>SELETORES CSS PARA JEDIS - FELIPE AGUIAR</a:t>
+            </a:r>
+          </a:p>
+        </p:txBody>
+      </p:sp>
+      <p:sp>
+        <p:nvSpPr>
+          <p:cNvPr id="12" name="Espaço Reservado para Número de Slide 11">
+            <a:extLst>
+              <a:ext uri="{FF2B5EF4-FFF2-40B4-BE49-F238E27FC236}">
+                <a16:creationId xmlns:a16="http://schemas.microsoft.com/office/drawing/2014/main" id="{C0112A6A-8045-BDE1-CBCD-30BA39BF33D2}"/>
+              </a:ext>
+            </a:extLst>
+          </p:cNvPr>
+          <p:cNvSpPr>
+            <a:spLocks noGrp="1"/>
+          </p:cNvSpPr>
+          <p:nvPr>
+            <p:ph type="sldNum" sz="quarter" idx="12"/>
+          </p:nvPr>
+        </p:nvSpPr>
+        <p:spPr/>
+        <p:txBody>
+          <a:bodyPr/>
+          <a:lstStyle/>
+          <a:p>
+            <a:fld id="{9BB46D60-96CE-4402-8D7C-2F4B1C382689}" type="slidenum">
+              <a:rPr lang="pt-BR" smtClean="0"/>
+              <a:t>11</a:t>
+            </a:fld>
+            <a:endParaRPr lang="pt-BR"/>
+          </a:p>
+        </p:txBody>
+      </p:sp>
+      <p:pic>
+        <p:nvPicPr>
+          <p:cNvPr id="13" name="Picture 8" descr="Would you like to see new lightsaber variants in the future? | Fandom">
+            <a:extLst>
+              <a:ext uri="{FF2B5EF4-FFF2-40B4-BE49-F238E27FC236}">
+                <a16:creationId xmlns:a16="http://schemas.microsoft.com/office/drawing/2014/main" id="{4E14F219-994E-D2D9-CDB3-F00CFDFF6616}"/>
+              </a:ext>
+            </a:extLst>
+          </p:cNvPr>
+          <p:cNvPicPr>
+            <a:picLocks noChangeAspect="1" noChangeArrowheads="1"/>
+          </p:cNvPicPr>
+          <p:nvPr/>
+        </p:nvPicPr>
+        <p:blipFill>
+          <a:blip r:embed="rId3">
+            <a:extLst>
+              <a:ext uri="{BEBA8EAE-BF5A-486C-A8C5-ECC9F3942E4B}">
+                <a14:imgProps xmlns:a14="http://schemas.microsoft.com/office/drawing/2010/main">
+                  <a14:imgLayer r:embed="rId4">
+                    <a14:imgEffect>
+                      <a14:brightnessContrast bright="40000" contrast="20000"/>
+                    </a14:imgEffect>
+                  </a14:imgLayer>
+                </a14:imgProps>
+              </a:ext>
+              <a:ext uri="{28A0092B-C50C-407E-A947-70E740481C1C}">
+                <a14:useLocalDpi xmlns:a14="http://schemas.microsoft.com/office/drawing/2010/main" val="0"/>
+              </a:ext>
+            </a:extLst>
+          </a:blip>
+          <a:srcRect/>
+          <a:stretch>
+            <a:fillRect/>
+          </a:stretch>
+        </p:blipFill>
+        <p:spPr bwMode="auto">
+          <a:xfrm rot="1987839">
+            <a:off x="3038474" y="971271"/>
+            <a:ext cx="3524250" cy="2447925"/>
+          </a:xfrm>
+          <a:prstGeom prst="rect">
+            <a:avLst/>
+          </a:prstGeom>
+          <a:noFill/>
+          <a:extLst>
+            <a:ext uri="{909E8E84-426E-40DD-AFC4-6F175D3DCCD1}">
+              <a14:hiddenFill xmlns:a14="http://schemas.microsoft.com/office/drawing/2010/main">
+                <a:solidFill>
+                  <a:srgbClr val="FFFFFF"/>
+                </a:solidFill>
+              </a14:hiddenFill>
+            </a:ext>
+          </a:extLst>
+        </p:spPr>
+      </p:pic>
+      <p:pic>
+        <p:nvPicPr>
+          <p:cNvPr id="14" name="logo_css" descr="Ícone&#10;&#10;Descrição gerada automaticamente">
+            <a:extLst>
+              <a:ext uri="{FF2B5EF4-FFF2-40B4-BE49-F238E27FC236}">
+                <a16:creationId xmlns:a16="http://schemas.microsoft.com/office/drawing/2014/main" id="{EBCB20CD-08E1-2EC3-7810-0B62B57993E6}"/>
+              </a:ext>
+            </a:extLst>
+          </p:cNvPr>
+          <p:cNvPicPr>
+            <a:picLocks noChangeAspect="1"/>
+          </p:cNvPicPr>
+          <p:nvPr/>
+        </p:nvPicPr>
+        <p:blipFill rotWithShape="1">
+          <a:blip r:embed="rId5">
+            <a:duotone>
+              <a:schemeClr val="bg2">
+                <a:shade val="45000"/>
+                <a:satMod val="135000"/>
+              </a:schemeClr>
+              <a:prstClr val="white"/>
+            </a:duotone>
+            <a:extLst>
+              <a:ext uri="{BEBA8EAE-BF5A-486C-A8C5-ECC9F3942E4B}">
+                <a14:imgProps xmlns:a14="http://schemas.microsoft.com/office/drawing/2010/main">
+                  <a14:imgLayer r:embed="rId6">
+                    <a14:imgEffect>
+                      <a14:brightnessContrast bright="40000" contrast="40000"/>
+                    </a14:imgEffect>
+                  </a14:imgLayer>
+                </a14:imgProps>
+              </a:ext>
+              <a:ext uri="{28A0092B-C50C-407E-A947-70E740481C1C}">
+                <a14:useLocalDpi xmlns:a14="http://schemas.microsoft.com/office/drawing/2010/main" val="0"/>
+              </a:ext>
+            </a:extLst>
+          </a:blip>
+          <a:srcRect t="-3689"/>
+          <a:stretch/>
+        </p:blipFill>
+        <p:spPr>
+          <a:xfrm>
+            <a:off x="3535992" y="9979522"/>
+            <a:ext cx="2529215" cy="1484352"/>
+          </a:xfrm>
+          <a:prstGeom prst="rect">
+            <a:avLst/>
+          </a:prstGeom>
+        </p:spPr>
+      </p:pic>
+      <p:sp>
+        <p:nvSpPr>
+          <p:cNvPr id="4" name="Retângulo 3">
+            <a:extLst>
+              <a:ext uri="{FF2B5EF4-FFF2-40B4-BE49-F238E27FC236}">
+                <a16:creationId xmlns:a16="http://schemas.microsoft.com/office/drawing/2014/main" id="{7F39AD51-DDFA-2C4E-5077-0B580E9642F3}"/>
               </a:ext>
             </a:extLst>
           </p:cNvPr>
@@ -4521,7 +4706,7 @@
           <a:gradFill flip="none" rotWithShape="1">
             <a:gsLst>
               <a:gs pos="0">
-                <a:srgbClr val="11FFFE"/>
+                <a:srgbClr val="2F7586"/>
               </a:gs>
               <a:gs pos="74000">
                 <a:schemeClr val="accent1">
@@ -4534,9 +4719,6 @@
                   <a:lumMod val="45000"/>
                   <a:lumOff val="55000"/>
                 </a:schemeClr>
-              </a:gs>
-              <a:gs pos="100000">
-                <a:srgbClr val="36ABFF"/>
               </a:gs>
             </a:gsLst>
             <a:lin ang="5400000" scaled="1"/>
@@ -4571,200 +4753,6 @@
           </a:p>
         </p:txBody>
       </p:sp>
-      <p:pic>
-        <p:nvPicPr>
-          <p:cNvPr id="6" name="Imagem 5">
-            <a:extLst>
-              <a:ext uri="{FF2B5EF4-FFF2-40B4-BE49-F238E27FC236}">
-                <a16:creationId xmlns:a16="http://schemas.microsoft.com/office/drawing/2014/main" id="{E37A2726-DEDE-D6F8-5606-6CD681A8B339}"/>
-              </a:ext>
-            </a:extLst>
-          </p:cNvPr>
-          <p:cNvPicPr>
-            <a:picLocks noChangeAspect="1"/>
-          </p:cNvPicPr>
-          <p:nvPr/>
-        </p:nvPicPr>
-        <p:blipFill>
-          <a:blip r:embed="rId2"/>
-          <a:stretch>
-            <a:fillRect/>
-          </a:stretch>
-        </p:blipFill>
-        <p:spPr>
-          <a:xfrm>
-            <a:off x="0" y="4916449"/>
-            <a:ext cx="9601200" cy="4384548"/>
-          </a:xfrm>
-          <a:prstGeom prst="rect">
-            <a:avLst/>
-          </a:prstGeom>
-        </p:spPr>
-      </p:pic>
-      <p:sp>
-        <p:nvSpPr>
-          <p:cNvPr id="11" name="Espaço Reservado para Rodapé 10">
-            <a:extLst>
-              <a:ext uri="{FF2B5EF4-FFF2-40B4-BE49-F238E27FC236}">
-                <a16:creationId xmlns:a16="http://schemas.microsoft.com/office/drawing/2014/main" id="{1C2FB977-C576-929A-11F8-065104F07336}"/>
-              </a:ext>
-            </a:extLst>
-          </p:cNvPr>
-          <p:cNvSpPr>
-            <a:spLocks noGrp="1"/>
-          </p:cNvSpPr>
-          <p:nvPr>
-            <p:ph type="ftr" sz="quarter" idx="11"/>
-          </p:nvPr>
-        </p:nvSpPr>
-        <p:spPr/>
-        <p:txBody>
-          <a:bodyPr/>
-          <a:lstStyle/>
-          <a:p>
-            <a:r>
-              <a:rPr lang="pt-BR"/>
-              <a:t>SELETORES CSS PARA JEDIS - FELIPE AGUIAR</a:t>
-            </a:r>
-          </a:p>
-        </p:txBody>
-      </p:sp>
-      <p:sp>
-        <p:nvSpPr>
-          <p:cNvPr id="12" name="Espaço Reservado para Número de Slide 11">
-            <a:extLst>
-              <a:ext uri="{FF2B5EF4-FFF2-40B4-BE49-F238E27FC236}">
-                <a16:creationId xmlns:a16="http://schemas.microsoft.com/office/drawing/2014/main" id="{C0112A6A-8045-BDE1-CBCD-30BA39BF33D2}"/>
-              </a:ext>
-            </a:extLst>
-          </p:cNvPr>
-          <p:cNvSpPr>
-            <a:spLocks noGrp="1"/>
-          </p:cNvSpPr>
-          <p:nvPr>
-            <p:ph type="sldNum" sz="quarter" idx="12"/>
-          </p:nvPr>
-        </p:nvSpPr>
-        <p:spPr/>
-        <p:txBody>
-          <a:bodyPr/>
-          <a:lstStyle/>
-          <a:p>
-            <a:fld id="{9BB46D60-96CE-4402-8D7C-2F4B1C382689}" type="slidenum">
-              <a:rPr lang="pt-BR" smtClean="0"/>
-              <a:t>11</a:t>
-            </a:fld>
-            <a:endParaRPr lang="pt-BR"/>
-          </a:p>
-        </p:txBody>
-      </p:sp>
-      <p:pic>
-        <p:nvPicPr>
-          <p:cNvPr id="13" name="Picture 8" descr="Would you like to see new lightsaber variants in the future? | Fandom">
-            <a:extLst>
-              <a:ext uri="{FF2B5EF4-FFF2-40B4-BE49-F238E27FC236}">
-                <a16:creationId xmlns:a16="http://schemas.microsoft.com/office/drawing/2014/main" id="{4E14F219-994E-D2D9-CDB3-F00CFDFF6616}"/>
-              </a:ext>
-            </a:extLst>
-          </p:cNvPr>
-          <p:cNvPicPr>
-            <a:picLocks noChangeAspect="1" noChangeArrowheads="1"/>
-          </p:cNvPicPr>
-          <p:nvPr/>
-        </p:nvPicPr>
-        <p:blipFill>
-          <a:blip r:embed="rId3">
-            <a:extLst>
-              <a:ext uri="{BEBA8EAE-BF5A-486C-A8C5-ECC9F3942E4B}">
-                <a14:imgProps xmlns:a14="http://schemas.microsoft.com/office/drawing/2010/main">
-                  <a14:imgLayer r:embed="rId4">
-                    <a14:imgEffect>
-                      <a14:brightnessContrast bright="40000" contrast="20000"/>
-                    </a14:imgEffect>
-                  </a14:imgLayer>
-                </a14:imgProps>
-              </a:ext>
-              <a:ext uri="{28A0092B-C50C-407E-A947-70E740481C1C}">
-                <a14:useLocalDpi xmlns:a14="http://schemas.microsoft.com/office/drawing/2010/main" val="0"/>
-              </a:ext>
-            </a:extLst>
-          </a:blip>
-          <a:srcRect/>
-          <a:stretch>
-            <a:fillRect/>
-          </a:stretch>
-        </p:blipFill>
-        <p:spPr bwMode="auto">
-          <a:xfrm rot="1987839">
-            <a:off x="3038474" y="971271"/>
-            <a:ext cx="3524250" cy="2447925"/>
-          </a:xfrm>
-          <a:prstGeom prst="rect">
-            <a:avLst/>
-          </a:prstGeom>
-          <a:noFill/>
-          <a:extLst>
-            <a:ext uri="{909E8E84-426E-40DD-AFC4-6F175D3DCCD1}">
-              <a14:hiddenFill xmlns:a14="http://schemas.microsoft.com/office/drawing/2010/main">
-                <a:solidFill>
-                  <a:srgbClr val="FFFFFF"/>
-                </a:solidFill>
-              </a14:hiddenFill>
-            </a:ext>
-          </a:extLst>
-        </p:spPr>
-      </p:pic>
-      <p:pic>
-        <p:nvPicPr>
-          <p:cNvPr id="14" name="logo_css" descr="Ícone&#10;&#10;Descrição gerada automaticamente">
-            <a:extLst>
-              <a:ext uri="{FF2B5EF4-FFF2-40B4-BE49-F238E27FC236}">
-                <a16:creationId xmlns:a16="http://schemas.microsoft.com/office/drawing/2014/main" id="{EBCB20CD-08E1-2EC3-7810-0B62B57993E6}"/>
-              </a:ext>
-            </a:extLst>
-          </p:cNvPr>
-          <p:cNvPicPr>
-            <a:picLocks noChangeAspect="1"/>
-          </p:cNvPicPr>
-          <p:nvPr/>
-        </p:nvPicPr>
-        <p:blipFill rotWithShape="1">
-          <a:blip r:embed="rId5">
-            <a:duotone>
-              <a:schemeClr val="bg2">
-                <a:shade val="45000"/>
-                <a:satMod val="135000"/>
-              </a:schemeClr>
-              <a:prstClr val="white"/>
-            </a:duotone>
-            <a:extLst>
-              <a:ext uri="{BEBA8EAE-BF5A-486C-A8C5-ECC9F3942E4B}">
-                <a14:imgProps xmlns:a14="http://schemas.microsoft.com/office/drawing/2010/main">
-                  <a14:imgLayer r:embed="rId6">
-                    <a14:imgEffect>
-                      <a14:brightnessContrast bright="40000" contrast="40000"/>
-                    </a14:imgEffect>
-                  </a14:imgLayer>
-                </a14:imgProps>
-              </a:ext>
-              <a:ext uri="{28A0092B-C50C-407E-A947-70E740481C1C}">
-                <a14:useLocalDpi xmlns:a14="http://schemas.microsoft.com/office/drawing/2010/main" val="0"/>
-              </a:ext>
-            </a:extLst>
-          </a:blip>
-          <a:srcRect t="-3689"/>
-          <a:stretch/>
-        </p:blipFill>
-        <p:spPr>
-          <a:xfrm>
-            <a:off x="3535992" y="9979522"/>
-            <a:ext cx="2529215" cy="1484352"/>
-          </a:xfrm>
-          <a:prstGeom prst="rect">
-            <a:avLst/>
-          </a:prstGeom>
-        </p:spPr>
-      </p:pic>
     </p:spTree>
     <p:extLst>
       <p:ext uri="{BB962C8B-B14F-4D97-AF65-F5344CB8AC3E}">
@@ -4862,7 +4850,7 @@
         <p:spPr>
           <a:xfrm>
             <a:off x="892277" y="6388320"/>
-            <a:ext cx="7816645" cy="2308324"/>
+            <a:ext cx="7816645" cy="1200329"/>
           </a:xfrm>
           <a:prstGeom prst="rect">
             <a:avLst/>
@@ -4876,6 +4864,15 @@
           <a:lstStyle/>
           <a:p>
             <a:pPr algn="ctr"/>
+            <a:r>
+              <a:rPr lang="en-US" sz="7200" dirty="0">
+                <a:solidFill>
+                  <a:schemeClr val="bg1"/>
+                </a:solidFill>
+                <a:latin typeface="Impact" panose="020B0806030902050204" pitchFamily="34" charset="0"/>
+              </a:rPr>
+              <a:t>A</a:t>
+            </a:r>
             <a:r>
               <a:rPr lang="pt-BR" sz="7200" dirty="0">
                 <a:solidFill>
@@ -4883,51 +4880,7 @@
                 </a:solidFill>
                 <a:latin typeface="Impact" panose="020B0806030902050204" pitchFamily="34" charset="0"/>
               </a:rPr>
-              <a:t>SELETORES DE ATRIBUTO</a:t>
-            </a:r>
-          </a:p>
-        </p:txBody>
-      </p:sp>
-      <p:sp>
-        <p:nvSpPr>
-          <p:cNvPr id="4" name="titulo_componente">
-            <a:extLst>
-              <a:ext uri="{FF2B5EF4-FFF2-40B4-BE49-F238E27FC236}">
-                <a16:creationId xmlns:a16="http://schemas.microsoft.com/office/drawing/2014/main" id="{0E49EEBC-3AEF-FA23-4067-E0866590C14C}"/>
-              </a:ext>
-            </a:extLst>
-          </p:cNvPr>
-          <p:cNvSpPr txBox="1"/>
-          <p:nvPr/>
-        </p:nvSpPr>
-        <p:spPr>
-          <a:xfrm>
-            <a:off x="807610" y="2133601"/>
-            <a:ext cx="7816645" cy="4508927"/>
-          </a:xfrm>
-          <a:prstGeom prst="rect">
-            <a:avLst/>
-          </a:prstGeom>
-          <a:noFill/>
-        </p:spPr>
-        <p:txBody>
-          <a:bodyPr wrap="square" rtlCol="0">
-            <a:spAutoFit/>
-          </a:bodyPr>
-          <a:lstStyle/>
-          <a:p>
-            <a:pPr algn="ctr"/>
-            <a:r>
-              <a:rPr lang="pt-BR" sz="28700" dirty="0">
-                <a:ln>
-                  <a:solidFill>
-                    <a:srgbClr val="11FFFE"/>
-                  </a:solidFill>
-                </a:ln>
-                <a:noFill/>
-                <a:latin typeface="Impact" panose="020B0806030902050204" pitchFamily="34" charset="0"/>
-              </a:rPr>
-              <a:t>04</a:t>
+              <a:t>GRADECIMENTOS</a:t>
             </a:r>
           </a:p>
         </p:txBody>
@@ -5007,50 +4960,10 @@
       </p:sp>
       <p:sp>
         <p:nvSpPr>
-          <p:cNvPr id="6" name="texto_componente">
-            <a:extLst>
-              <a:ext uri="{FF2B5EF4-FFF2-40B4-BE49-F238E27FC236}">
-                <a16:creationId xmlns:a16="http://schemas.microsoft.com/office/drawing/2014/main" id="{1A38D318-280C-0E99-2186-7D919CA59191}"/>
-              </a:ext>
-            </a:extLst>
-          </p:cNvPr>
-          <p:cNvSpPr txBox="1"/>
-          <p:nvPr/>
-        </p:nvSpPr>
-        <p:spPr>
-          <a:xfrm>
-            <a:off x="870768" y="9340866"/>
-            <a:ext cx="7816645" cy="1569660"/>
-          </a:xfrm>
-          <a:prstGeom prst="rect">
-            <a:avLst/>
-          </a:prstGeom>
-          <a:noFill/>
-        </p:spPr>
-        <p:txBody>
-          <a:bodyPr wrap="square" rtlCol="0">
-            <a:spAutoFit/>
-          </a:bodyPr>
-          <a:lstStyle/>
-          <a:p>
-            <a:pPr algn="ctr"/>
-            <a:r>
-              <a:rPr lang="pt-BR" sz="2400" dirty="0">
-                <a:solidFill>
-                  <a:schemeClr val="bg1"/>
-                </a:solidFill>
-              </a:rPr>
-              <a:t>Os seletores de atributo permitem que você selecione elementos com base em seus atributos HTML. Eles são úteis quando você precisa estilizar elementos com atributos específicos. Veja os exemplos abaixo</a:t>
-            </a:r>
-          </a:p>
-        </p:txBody>
-      </p:sp>
-      <p:sp>
-        <p:nvSpPr>
           <p:cNvPr id="10" name="Espaço Reservado para Rodapé 9">
             <a:extLst>
               <a:ext uri="{FF2B5EF4-FFF2-40B4-BE49-F238E27FC236}">
-                <a16:creationId xmlns:a16="http://schemas.microsoft.com/office/drawing/2014/main" id="{5CF477FF-E9CE-427E-324B-E4F18DF07049}"/>
+                <a16:creationId xmlns:a16="http://schemas.microsoft.com/office/drawing/2014/main" id="{15C797C3-6F1E-3AA4-4225-55DBA1A40907}"/>
               </a:ext>
             </a:extLst>
           </p:cNvPr>
@@ -5078,7 +4991,7 @@
           <p:cNvPr id="11" name="Espaço Reservado para Número de Slide 10">
             <a:extLst>
               <a:ext uri="{FF2B5EF4-FFF2-40B4-BE49-F238E27FC236}">
-                <a16:creationId xmlns:a16="http://schemas.microsoft.com/office/drawing/2014/main" id="{A26FB245-ED35-8115-4128-B27CC5C397F6}"/>
+                <a16:creationId xmlns:a16="http://schemas.microsoft.com/office/drawing/2014/main" id="{37204EBB-9793-B1C1-E210-A22022EFF37C}"/>
               </a:ext>
             </a:extLst>
           </p:cNvPr>
@@ -5105,7 +5018,7 @@
     </p:spTree>
     <p:extLst>
       <p:ext uri="{BB962C8B-B14F-4D97-AF65-F5344CB8AC3E}">
-        <p14:creationId xmlns:p14="http://schemas.microsoft.com/office/powerpoint/2010/main" val="2338376511"/>
+        <p14:creationId xmlns:p14="http://schemas.microsoft.com/office/powerpoint/2010/main" val="2390956622"/>
       </p:ext>
     </p:extLst>
   </p:cSld>
@@ -5147,7 +5060,7 @@
         <p:spPr>
           <a:xfrm>
             <a:off x="870768" y="2822078"/>
-            <a:ext cx="7816645" cy="1938992"/>
+            <a:ext cx="7816645" cy="2616101"/>
           </a:xfrm>
           <a:prstGeom prst="rect">
             <a:avLst/>
@@ -5163,7 +5076,33 @@
             <a:pPr algn="ctr"/>
             <a:r>
               <a:rPr lang="pt-BR" sz="2400" dirty="0"/>
-              <a:t>O seletor de atributo existente permite selecionar elementos que possuem um determinado atributo, independentemente de seu valor. Por exemplo, para estilizar todos os elementos que possuem o atributo target, você pode usar o seletor [target]. Veja o exemplo</a:t>
+              <a:t>Esse Ebook foi gerado por IA, e diagramado por humano.</a:t>
+            </a:r>
+            <a:br>
+              <a:rPr lang="pt-BR" sz="2400" dirty="0"/>
+            </a:br>
+            <a:r>
+              <a:rPr lang="pt-BR" sz="2400" dirty="0"/>
+              <a:t>O passo a passo se encontra no meu </a:t>
+            </a:r>
+            <a:r>
+              <a:rPr lang="pt-BR" sz="2400" dirty="0" err="1"/>
+              <a:t>Github</a:t>
+            </a:r>
+            <a:endParaRPr lang="pt-BR" sz="2400" dirty="0"/>
+          </a:p>
+          <a:p>
+            <a:pPr algn="ctr"/>
+            <a:r>
+              <a:rPr lang="pt-BR" sz="4400" dirty="0"/>
+              <a:t>.</a:t>
+            </a:r>
+            <a:br>
+              <a:rPr lang="pt-BR" sz="2400" dirty="0"/>
+            </a:br>
+            <a:r>
+              <a:rPr lang="pt-BR" sz="2400" dirty="0"/>
+              <a:t>Esse conteúdo foi gerado com fins didáticos de construção, não foi realizado uma validação cuidadosa humana no conteúdo e pode conter erros gerados por uma IA.</a:t>
             </a:r>
           </a:p>
         </p:txBody>
@@ -5182,8 +5121,8 @@
         </p:nvSpPr>
         <p:spPr>
           <a:xfrm>
-            <a:off x="1755676" y="777781"/>
-            <a:ext cx="7816645" cy="707886"/>
+            <a:off x="2269438" y="777781"/>
+            <a:ext cx="8302729" cy="707886"/>
           </a:xfrm>
           <a:prstGeom prst="rect">
             <a:avLst/>
@@ -5200,55 +5139,233 @@
               <a:rPr lang="pt-BR" sz="4000" dirty="0">
                 <a:latin typeface="Impact" panose="020B0806030902050204" pitchFamily="34" charset="0"/>
               </a:rPr>
-              <a:t>SELETOR DE ATRIBUTO EXISTENTE</a:t>
-            </a:r>
-          </a:p>
-        </p:txBody>
-      </p:sp>
-      <p:sp>
-        <p:nvSpPr>
-          <p:cNvPr id="5" name="Retângulo 4">
-            <a:extLst>
-              <a:ext uri="{FF2B5EF4-FFF2-40B4-BE49-F238E27FC236}">
-                <a16:creationId xmlns:a16="http://schemas.microsoft.com/office/drawing/2014/main" id="{F3548456-7C95-80DE-D379-01E177977A3D}"/>
-              </a:ext>
-            </a:extLst>
-          </p:cNvPr>
-          <p:cNvSpPr/>
+              <a:t>OBRIGADO POR LER ATÉ AQUI</a:t>
+            </a:r>
+          </a:p>
+        </p:txBody>
+      </p:sp>
+      <p:sp>
+        <p:nvSpPr>
+          <p:cNvPr id="11" name="Espaço Reservado para Rodapé 10">
+            <a:extLst>
+              <a:ext uri="{FF2B5EF4-FFF2-40B4-BE49-F238E27FC236}">
+                <a16:creationId xmlns:a16="http://schemas.microsoft.com/office/drawing/2014/main" id="{4B80E3D0-EEFE-5ED5-3B8A-29C7805C8F63}"/>
+              </a:ext>
+            </a:extLst>
+          </p:cNvPr>
+          <p:cNvSpPr>
+            <a:spLocks noGrp="1"/>
+          </p:cNvSpPr>
+          <p:nvPr>
+            <p:ph type="ftr" sz="quarter" idx="11"/>
+          </p:nvPr>
+        </p:nvSpPr>
+        <p:spPr/>
+        <p:txBody>
+          <a:bodyPr/>
+          <a:lstStyle/>
+          <a:p>
+            <a:r>
+              <a:rPr lang="pt-BR"/>
+              <a:t>SELETORES CSS PARA JEDIS - FELIPE AGUIAR</a:t>
+            </a:r>
+          </a:p>
+        </p:txBody>
+      </p:sp>
+      <p:sp>
+        <p:nvSpPr>
+          <p:cNvPr id="12" name="Espaço Reservado para Número de Slide 11">
+            <a:extLst>
+              <a:ext uri="{FF2B5EF4-FFF2-40B4-BE49-F238E27FC236}">
+                <a16:creationId xmlns:a16="http://schemas.microsoft.com/office/drawing/2014/main" id="{5194B7CE-3343-6082-D5FE-370D98CAEFE8}"/>
+              </a:ext>
+            </a:extLst>
+          </p:cNvPr>
+          <p:cNvSpPr>
+            <a:spLocks noGrp="1"/>
+          </p:cNvSpPr>
+          <p:nvPr>
+            <p:ph type="sldNum" sz="quarter" idx="12"/>
+          </p:nvPr>
+        </p:nvSpPr>
+        <p:spPr/>
+        <p:txBody>
+          <a:bodyPr/>
+          <a:lstStyle/>
+          <a:p>
+            <a:fld id="{9BB46D60-96CE-4402-8D7C-2F4B1C382689}" type="slidenum">
+              <a:rPr lang="pt-BR" smtClean="0"/>
+              <a:t>13</a:t>
+            </a:fld>
+            <a:endParaRPr lang="pt-BR"/>
+          </a:p>
+        </p:txBody>
+      </p:sp>
+      <p:pic>
+        <p:nvPicPr>
+          <p:cNvPr id="14" name="Picture 8" descr="Would you like to see new lightsaber variants in the future? | Fandom">
+            <a:extLst>
+              <a:ext uri="{FF2B5EF4-FFF2-40B4-BE49-F238E27FC236}">
+                <a16:creationId xmlns:a16="http://schemas.microsoft.com/office/drawing/2014/main" id="{7695C4A0-10A4-51FD-7FCE-43223D6F684A}"/>
+              </a:ext>
+            </a:extLst>
+          </p:cNvPr>
+          <p:cNvPicPr>
+            <a:picLocks noChangeAspect="1" noChangeArrowheads="1"/>
+          </p:cNvPicPr>
           <p:nvPr/>
-        </p:nvSpPr>
-        <p:spPr>
-          <a:xfrm>
-            <a:off x="651281" y="-216344"/>
-            <a:ext cx="144000" cy="1512000"/>
+        </p:nvPicPr>
+        <p:blipFill>
+          <a:blip r:embed="rId2">
+            <a:extLst>
+              <a:ext uri="{BEBA8EAE-BF5A-486C-A8C5-ECC9F3942E4B}">
+                <a14:imgProps xmlns:a14="http://schemas.microsoft.com/office/drawing/2010/main">
+                  <a14:imgLayer r:embed="rId3">
+                    <a14:imgEffect>
+                      <a14:brightnessContrast bright="40000" contrast="20000"/>
+                    </a14:imgEffect>
+                  </a14:imgLayer>
+                </a14:imgProps>
+              </a:ext>
+              <a:ext uri="{28A0092B-C50C-407E-A947-70E740481C1C}">
+                <a14:useLocalDpi xmlns:a14="http://schemas.microsoft.com/office/drawing/2010/main" val="0"/>
+              </a:ext>
+            </a:extLst>
+          </a:blip>
+          <a:srcRect/>
+          <a:stretch>
+            <a:fillRect/>
+          </a:stretch>
+        </p:blipFill>
+        <p:spPr bwMode="auto">
+          <a:xfrm rot="1987839">
+            <a:off x="2874115" y="971271"/>
+            <a:ext cx="3524250" cy="2447925"/>
           </a:xfrm>
           <a:prstGeom prst="rect">
             <a:avLst/>
           </a:prstGeom>
-          <a:gradFill flip="none" rotWithShape="1">
-            <a:gsLst>
-              <a:gs pos="0">
-                <a:srgbClr val="11FFFE"/>
-              </a:gs>
-              <a:gs pos="74000">
-                <a:schemeClr val="accent1">
-                  <a:lumMod val="45000"/>
-                  <a:lumOff val="55000"/>
-                </a:schemeClr>
-              </a:gs>
-              <a:gs pos="83000">
-                <a:schemeClr val="accent1">
-                  <a:lumMod val="45000"/>
-                  <a:lumOff val="55000"/>
-                </a:schemeClr>
-              </a:gs>
-              <a:gs pos="100000">
-                <a:srgbClr val="36ABFF"/>
-              </a:gs>
-            </a:gsLst>
-            <a:lin ang="5400000" scaled="1"/>
-            <a:tileRect/>
-          </a:gradFill>
+          <a:noFill/>
+          <a:extLst>
+            <a:ext uri="{909E8E84-426E-40DD-AFC4-6F175D3DCCD1}">
+              <a14:hiddenFill xmlns:a14="http://schemas.microsoft.com/office/drawing/2010/main">
+                <a:solidFill>
+                  <a:srgbClr val="FFFFFF"/>
+                </a:solidFill>
+              </a14:hiddenFill>
+            </a:ext>
+          </a:extLst>
+        </p:spPr>
+      </p:pic>
+      <p:pic>
+        <p:nvPicPr>
+          <p:cNvPr id="13" name="Picture 8" descr="Would you like to see new lightsaber variants in the future? | Fandom">
+            <a:extLst>
+              <a:ext uri="{FF2B5EF4-FFF2-40B4-BE49-F238E27FC236}">
+                <a16:creationId xmlns:a16="http://schemas.microsoft.com/office/drawing/2014/main" id="{4CCAA8B8-6479-A21B-B3AF-4D0014CE7FB9}"/>
+              </a:ext>
+            </a:extLst>
+          </p:cNvPr>
+          <p:cNvPicPr>
+            <a:picLocks noChangeAspect="1" noChangeArrowheads="1"/>
+          </p:cNvPicPr>
+          <p:nvPr/>
+        </p:nvPicPr>
+        <p:blipFill>
+          <a:blip r:embed="rId2">
+            <a:extLst>
+              <a:ext uri="{BEBA8EAE-BF5A-486C-A8C5-ECC9F3942E4B}">
+                <a14:imgProps xmlns:a14="http://schemas.microsoft.com/office/drawing/2010/main">
+                  <a14:imgLayer r:embed="rId3">
+                    <a14:imgEffect>
+                      <a14:brightnessContrast bright="40000" contrast="20000"/>
+                    </a14:imgEffect>
+                  </a14:imgLayer>
+                </a14:imgProps>
+              </a:ext>
+              <a:ext uri="{28A0092B-C50C-407E-A947-70E740481C1C}">
+                <a14:useLocalDpi xmlns:a14="http://schemas.microsoft.com/office/drawing/2010/main" val="0"/>
+              </a:ext>
+            </a:extLst>
+          </a:blip>
+          <a:srcRect/>
+          <a:stretch>
+            <a:fillRect/>
+          </a:stretch>
+        </p:blipFill>
+        <p:spPr bwMode="auto">
+          <a:xfrm rot="1987839">
+            <a:off x="2874115" y="10006110"/>
+            <a:ext cx="3524250" cy="2447925"/>
+          </a:xfrm>
+          <a:prstGeom prst="rect">
+            <a:avLst/>
+          </a:prstGeom>
+          <a:noFill/>
+          <a:extLst>
+            <a:ext uri="{909E8E84-426E-40DD-AFC4-6F175D3DCCD1}">
+              <a14:hiddenFill xmlns:a14="http://schemas.microsoft.com/office/drawing/2010/main">
+                <a:solidFill>
+                  <a:srgbClr val="FFFFFF"/>
+                </a:solidFill>
+              </a14:hiddenFill>
+            </a:ext>
+          </a:extLst>
+        </p:spPr>
+      </p:pic>
+      <p:pic>
+        <p:nvPicPr>
+          <p:cNvPr id="7" name="Imagem 6">
+            <a:extLst>
+              <a:ext uri="{FF2B5EF4-FFF2-40B4-BE49-F238E27FC236}">
+                <a16:creationId xmlns:a16="http://schemas.microsoft.com/office/drawing/2014/main" id="{5ED159E2-8571-206E-9E7A-2DF40D16BA3A}"/>
+              </a:ext>
+            </a:extLst>
+          </p:cNvPr>
+          <p:cNvPicPr>
+            <a:picLocks noChangeAspect="1"/>
+          </p:cNvPicPr>
+          <p:nvPr/>
+        </p:nvPicPr>
+        <p:blipFill>
+          <a:blip r:embed="rId4"/>
+          <a:stretch>
+            <a:fillRect/>
+          </a:stretch>
+        </p:blipFill>
+        <p:spPr>
+          <a:xfrm>
+            <a:off x="997620" y="8092106"/>
+            <a:ext cx="7816645" cy="2299795"/>
+          </a:xfrm>
+          <a:prstGeom prst="roundRect">
+            <a:avLst>
+              <a:gd name="adj" fmla="val 8384"/>
+            </a:avLst>
+          </a:prstGeom>
+        </p:spPr>
+      </p:pic>
+      <p:sp>
+        <p:nvSpPr>
+          <p:cNvPr id="8" name="Retângulo 7">
+            <a:extLst>
+              <a:ext uri="{FF2B5EF4-FFF2-40B4-BE49-F238E27FC236}">
+                <a16:creationId xmlns:a16="http://schemas.microsoft.com/office/drawing/2014/main" id="{300835EE-A170-C4AE-5EE7-9322E1BA6163}"/>
+              </a:ext>
+            </a:extLst>
+          </p:cNvPr>
+          <p:cNvSpPr/>
+          <p:nvPr/>
+        </p:nvSpPr>
+        <p:spPr>
+          <a:xfrm>
+            <a:off x="870768" y="7097501"/>
+            <a:ext cx="7562940" cy="646439"/>
+          </a:xfrm>
+          <a:prstGeom prst="rect">
+            <a:avLst/>
+          </a:prstGeom>
+          <a:noFill/>
           <a:ln>
             <a:noFill/>
           </a:ln>
@@ -5274,103 +5391,22 @@
           <a:lstStyle/>
           <a:p>
             <a:pPr algn="ctr"/>
-            <a:endParaRPr lang="pt-BR"/>
+            <a:r>
+              <a:rPr lang="pt-BR" b="1" dirty="0">
+                <a:hlinkClick r:id="rId5"/>
+              </a:rPr>
+              <a:t>https://github.com/felipeAguiarCode/prompts-recipe-to-create-a-ebook</a:t>
+            </a:r>
+            <a:endParaRPr lang="pt-BR" b="1" dirty="0"/>
           </a:p>
         </p:txBody>
       </p:sp>
       <p:pic>
         <p:nvPicPr>
-          <p:cNvPr id="6" name="Imagem 5">
-            <a:extLst>
-              <a:ext uri="{FF2B5EF4-FFF2-40B4-BE49-F238E27FC236}">
-                <a16:creationId xmlns:a16="http://schemas.microsoft.com/office/drawing/2014/main" id="{89ACEA64-FFEE-2FE8-BAA7-33FF738ED09F}"/>
-              </a:ext>
-            </a:extLst>
-          </p:cNvPr>
-          <p:cNvPicPr>
-            <a:picLocks noChangeAspect="1"/>
-          </p:cNvPicPr>
-          <p:nvPr/>
-        </p:nvPicPr>
-        <p:blipFill>
-          <a:blip r:embed="rId2"/>
-          <a:stretch>
-            <a:fillRect/>
-          </a:stretch>
-        </p:blipFill>
-        <p:spPr>
-          <a:xfrm>
-            <a:off x="206478" y="4761070"/>
-            <a:ext cx="9601200" cy="4384548"/>
-          </a:xfrm>
-          <a:prstGeom prst="rect">
-            <a:avLst/>
-          </a:prstGeom>
-        </p:spPr>
-      </p:pic>
-      <p:sp>
-        <p:nvSpPr>
-          <p:cNvPr id="11" name="Espaço Reservado para Rodapé 10">
-            <a:extLst>
-              <a:ext uri="{FF2B5EF4-FFF2-40B4-BE49-F238E27FC236}">
-                <a16:creationId xmlns:a16="http://schemas.microsoft.com/office/drawing/2014/main" id="{68AAFF6A-760E-55AD-CF3D-CC5D88DC4B24}"/>
-              </a:ext>
-            </a:extLst>
-          </p:cNvPr>
-          <p:cNvSpPr>
-            <a:spLocks noGrp="1"/>
-          </p:cNvSpPr>
-          <p:nvPr>
-            <p:ph type="ftr" sz="quarter" idx="11"/>
-          </p:nvPr>
-        </p:nvSpPr>
-        <p:spPr/>
-        <p:txBody>
-          <a:bodyPr/>
-          <a:lstStyle/>
-          <a:p>
-            <a:r>
-              <a:rPr lang="pt-BR"/>
-              <a:t>SELETORES CSS PARA JEDIS - FELIPE AGUIAR</a:t>
-            </a:r>
-          </a:p>
-        </p:txBody>
-      </p:sp>
-      <p:sp>
-        <p:nvSpPr>
-          <p:cNvPr id="12" name="Espaço Reservado para Número de Slide 11">
-            <a:extLst>
-              <a:ext uri="{FF2B5EF4-FFF2-40B4-BE49-F238E27FC236}">
-                <a16:creationId xmlns:a16="http://schemas.microsoft.com/office/drawing/2014/main" id="{B63FA121-A564-460E-9CA1-4990FBE50974}"/>
-              </a:ext>
-            </a:extLst>
-          </p:cNvPr>
-          <p:cNvSpPr>
-            <a:spLocks noGrp="1"/>
-          </p:cNvSpPr>
-          <p:nvPr>
-            <p:ph type="sldNum" sz="quarter" idx="12"/>
-          </p:nvPr>
-        </p:nvSpPr>
-        <p:spPr/>
-        <p:txBody>
-          <a:bodyPr/>
-          <a:lstStyle/>
-          <a:p>
-            <a:fld id="{9BB46D60-96CE-4402-8D7C-2F4B1C382689}" type="slidenum">
-              <a:rPr lang="pt-BR" smtClean="0"/>
-              <a:t>13</a:t>
-            </a:fld>
-            <a:endParaRPr lang="pt-BR"/>
-          </a:p>
-        </p:txBody>
-      </p:sp>
-      <p:pic>
-        <p:nvPicPr>
-          <p:cNvPr id="14" name="Picture 8" descr="Would you like to see new lightsaber variants in the future? | Fandom">
-            <a:extLst>
-              <a:ext uri="{FF2B5EF4-FFF2-40B4-BE49-F238E27FC236}">
-                <a16:creationId xmlns:a16="http://schemas.microsoft.com/office/drawing/2014/main" id="{4FB6B5F6-D9AE-C542-98C4-5DA710DF7000}"/>
+          <p:cNvPr id="1026" name="Picture 2" descr="GitHub Logos and Usage · GitHub">
+            <a:extLst>
+              <a:ext uri="{FF2B5EF4-FFF2-40B4-BE49-F238E27FC236}">
+                <a16:creationId xmlns:a16="http://schemas.microsoft.com/office/drawing/2014/main" id="{1EF46656-CC8F-7EC9-456E-5D0A6CD02BBC}"/>
               </a:ext>
             </a:extLst>
           </p:cNvPr>
@@ -5380,13 +5416,13 @@
           <p:nvPr/>
         </p:nvPicPr>
         <p:blipFill>
-          <a:blip r:embed="rId3">
+          <a:blip r:embed="rId6">
             <a:extLst>
               <a:ext uri="{BEBA8EAE-BF5A-486C-A8C5-ECC9F3942E4B}">
                 <a14:imgProps xmlns:a14="http://schemas.microsoft.com/office/drawing/2010/main">
-                  <a14:imgLayer r:embed="rId4">
+                  <a14:imgLayer r:embed="rId7">
                     <a14:imgEffect>
-                      <a14:brightnessContrast bright="40000" contrast="20000"/>
+                      <a14:backgroundRemoval t="10000" b="90000" l="10000" r="90000"/>
                     </a14:imgEffect>
                   </a14:imgLayer>
                 </a14:imgProps>
@@ -5402,9 +5438,9 @@
           </a:stretch>
         </p:blipFill>
         <p:spPr bwMode="auto">
-          <a:xfrm rot="1987839">
-            <a:off x="3038474" y="971271"/>
-            <a:ext cx="3524250" cy="2447925"/>
+          <a:xfrm>
+            <a:off x="3813953" y="5587726"/>
+            <a:ext cx="1676570" cy="1676570"/>
           </a:xfrm>
           <a:prstGeom prst="rect">
             <a:avLst/>
@@ -5421,61 +5457,80 @@
           </a:extLst>
         </p:spPr>
       </p:pic>
-      <p:pic>
-        <p:nvPicPr>
-          <p:cNvPr id="15" name="logo_css" descr="Ícone&#10;&#10;Descrição gerada automaticamente">
-            <a:extLst>
-              <a:ext uri="{FF2B5EF4-FFF2-40B4-BE49-F238E27FC236}">
-                <a16:creationId xmlns:a16="http://schemas.microsoft.com/office/drawing/2014/main" id="{FF240750-F9D4-4FC8-D708-5DC2067695A6}"/>
-              </a:ext>
-            </a:extLst>
-          </p:cNvPr>
-          <p:cNvPicPr>
-            <a:picLocks noChangeAspect="1"/>
-          </p:cNvPicPr>
+      <p:sp>
+        <p:nvSpPr>
+          <p:cNvPr id="4" name="Retângulo 3">
+            <a:extLst>
+              <a:ext uri="{FF2B5EF4-FFF2-40B4-BE49-F238E27FC236}">
+                <a16:creationId xmlns:a16="http://schemas.microsoft.com/office/drawing/2014/main" id="{9640246F-8D4F-BA46-1659-B6D552EE0BE0}"/>
+              </a:ext>
+            </a:extLst>
+          </p:cNvPr>
+          <p:cNvSpPr/>
           <p:nvPr/>
-        </p:nvPicPr>
-        <p:blipFill rotWithShape="1">
-          <a:blip r:embed="rId5">
-            <a:duotone>
-              <a:schemeClr val="bg2">
-                <a:shade val="45000"/>
-                <a:satMod val="135000"/>
-              </a:schemeClr>
-              <a:prstClr val="white"/>
-            </a:duotone>
-            <a:extLst>
-              <a:ext uri="{BEBA8EAE-BF5A-486C-A8C5-ECC9F3942E4B}">
-                <a14:imgProps xmlns:a14="http://schemas.microsoft.com/office/drawing/2010/main">
-                  <a14:imgLayer r:embed="rId6">
-                    <a14:imgEffect>
-                      <a14:brightnessContrast bright="40000" contrast="40000"/>
-                    </a14:imgEffect>
-                  </a14:imgLayer>
-                </a14:imgProps>
-              </a:ext>
-              <a:ext uri="{28A0092B-C50C-407E-A947-70E740481C1C}">
-                <a14:useLocalDpi xmlns:a14="http://schemas.microsoft.com/office/drawing/2010/main" val="0"/>
-              </a:ext>
-            </a:extLst>
-          </a:blip>
-          <a:srcRect t="-3689"/>
-          <a:stretch/>
-        </p:blipFill>
-        <p:spPr>
-          <a:xfrm>
-            <a:off x="3535992" y="9979522"/>
-            <a:ext cx="2529215" cy="1484352"/>
+        </p:nvSpPr>
+        <p:spPr>
+          <a:xfrm>
+            <a:off x="651281" y="-216344"/>
+            <a:ext cx="144000" cy="1512000"/>
           </a:xfrm>
           <a:prstGeom prst="rect">
             <a:avLst/>
           </a:prstGeom>
-        </p:spPr>
-      </p:pic>
+          <a:gradFill flip="none" rotWithShape="1">
+            <a:gsLst>
+              <a:gs pos="0">
+                <a:srgbClr val="2F7586"/>
+              </a:gs>
+              <a:gs pos="74000">
+                <a:schemeClr val="accent1">
+                  <a:lumMod val="45000"/>
+                  <a:lumOff val="55000"/>
+                </a:schemeClr>
+              </a:gs>
+              <a:gs pos="83000">
+                <a:schemeClr val="accent1">
+                  <a:lumMod val="45000"/>
+                  <a:lumOff val="55000"/>
+                </a:schemeClr>
+              </a:gs>
+            </a:gsLst>
+            <a:lin ang="5400000" scaled="1"/>
+            <a:tileRect/>
+          </a:gradFill>
+          <a:ln>
+            <a:noFill/>
+          </a:ln>
+        </p:spPr>
+        <p:style>
+          <a:lnRef idx="2">
+            <a:schemeClr val="accent1">
+              <a:shade val="50000"/>
+            </a:schemeClr>
+          </a:lnRef>
+          <a:fillRef idx="1">
+            <a:schemeClr val="accent1"/>
+          </a:fillRef>
+          <a:effectRef idx="0">
+            <a:schemeClr val="accent1"/>
+          </a:effectRef>
+          <a:fontRef idx="minor">
+            <a:schemeClr val="lt1"/>
+          </a:fontRef>
+        </p:style>
+        <p:txBody>
+          <a:bodyPr rtlCol="0" anchor="ctr"/>
+          <a:lstStyle/>
+          <a:p>
+            <a:pPr algn="ctr"/>
+            <a:endParaRPr lang="pt-BR"/>
+          </a:p>
+        </p:txBody>
+      </p:sp>
     </p:spTree>
     <p:extLst>
       <p:ext uri="{BB962C8B-B14F-4D97-AF65-F5344CB8AC3E}">
-        <p14:creationId xmlns:p14="http://schemas.microsoft.com/office/powerpoint/2010/main" val="817067058"/>
+        <p14:creationId xmlns:p14="http://schemas.microsoft.com/office/powerpoint/2010/main" val="3920495214"/>
       </p:ext>
     </p:extLst>
   </p:cSld>
@@ -5485,7 +5540,7 @@
 </p:sld>
 </file>
 
-<file path=ppt/slides/slide14.xml><?xml version="1.0" encoding="utf-8"?>
+<file path=ppt/slides/slide2.xml><?xml version="1.0" encoding="utf-8"?>
 <p:sld xmlns:a="http://schemas.openxmlformats.org/drawingml/2006/main" xmlns:r="http://schemas.openxmlformats.org/officeDocument/2006/relationships" xmlns:p="http://schemas.openxmlformats.org/presentationml/2006/main">
   <p:cSld>
     <p:spTree>
@@ -5516,7 +5571,7 @@
         </p:nvSpPr>
         <p:spPr>
           <a:xfrm>
-            <a:off x="870768" y="2822078"/>
+            <a:off x="892277" y="3866965"/>
             <a:ext cx="7816645" cy="1938992"/>
           </a:xfrm>
           <a:prstGeom prst="rect">
@@ -5533,23 +5588,7 @@
             <a:pPr algn="ctr"/>
             <a:r>
               <a:rPr lang="pt-BR" sz="2400" dirty="0"/>
-              <a:t>O seletor de atributo com valor permite selecionar elementos que possuem um determinado atributo com um valor específico. Por exemplo, para estilizar links com o atributo target="_</a:t>
-            </a:r>
-            <a:r>
-              <a:rPr lang="pt-BR" sz="2400" dirty="0" err="1"/>
-              <a:t>blank</a:t>
-            </a:r>
-            <a:r>
-              <a:rPr lang="pt-BR" sz="2400" dirty="0"/>
-              <a:t>", você pode usar o seletor [target="_</a:t>
-            </a:r>
-            <a:r>
-              <a:rPr lang="pt-BR" sz="2400" dirty="0" err="1"/>
-              <a:t>blank</a:t>
-            </a:r>
-            <a:r>
-              <a:rPr lang="pt-BR" sz="2400" dirty="0"/>
-              <a:t>"]. Veja o exemplo:</a:t>
+              <a:t>Se você é um desenvolvedor em C#, entender os algoritmos de ordenação é crucial para otimizar o desempenho dos seus programas. Neste ebook, vamos explorar os principais algoritmos de ordenação de uma maneira simples e prática, fornecendo exemplos de código em contextos reais.</a:t>
             </a:r>
           </a:p>
         </p:txBody>
@@ -5568,8 +5607,8 @@
         </p:nvSpPr>
         <p:spPr>
           <a:xfrm>
-            <a:off x="1873660" y="777781"/>
-            <a:ext cx="7816645" cy="707886"/>
+            <a:off x="870769" y="743899"/>
+            <a:ext cx="8495034" cy="584775"/>
           </a:xfrm>
           <a:prstGeom prst="rect">
             <a:avLst/>
@@ -5582,11 +5621,50 @@
           </a:bodyPr>
           <a:lstStyle/>
           <a:p>
-            <a:r>
-              <a:rPr lang="pt-BR" sz="4000" dirty="0">
+            <a:pPr algn="ctr"/>
+            <a:r>
+              <a:rPr lang="pt-BR" sz="3200" dirty="0">
                 <a:latin typeface="Impact" panose="020B0806030902050204" pitchFamily="34" charset="0"/>
               </a:rPr>
-              <a:t>SELETOR DE ATRIBUTO COM VALOR</a:t>
+              <a:t>PRINCIPAIS ALGORITMOS DE ORDENAÇÃO</a:t>
+            </a:r>
+          </a:p>
+        </p:txBody>
+      </p:sp>
+      <p:sp>
+        <p:nvSpPr>
+          <p:cNvPr id="4" name="subtitulo_componente">
+            <a:extLst>
+              <a:ext uri="{FF2B5EF4-FFF2-40B4-BE49-F238E27FC236}">
+                <a16:creationId xmlns:a16="http://schemas.microsoft.com/office/drawing/2014/main" id="{25CCF5E4-57B1-4237-190B-AC69C1A6536B}"/>
+              </a:ext>
+            </a:extLst>
+          </p:cNvPr>
+          <p:cNvSpPr txBox="1"/>
+          <p:nvPr/>
+        </p:nvSpPr>
+        <p:spPr>
+          <a:xfrm>
+            <a:off x="870769" y="2566351"/>
+            <a:ext cx="7816645" cy="584775"/>
+          </a:xfrm>
+          <a:prstGeom prst="rect">
+            <a:avLst/>
+          </a:prstGeom>
+          <a:noFill/>
+        </p:spPr>
+        <p:txBody>
+          <a:bodyPr wrap="square" rtlCol="0">
+            <a:spAutoFit/>
+          </a:bodyPr>
+          <a:lstStyle/>
+          <a:p>
+            <a:pPr algn="ctr"/>
+            <a:r>
+              <a:rPr lang="pt-BR" sz="3200" dirty="0">
+                <a:latin typeface="+mj-lt"/>
+              </a:rPr>
+              <a:t>Uma Jornada pelos Algoritmos Essenciais</a:t>
             </a:r>
           </a:p>
         </p:txBody>
@@ -5614,7 +5692,7 @@
           <a:gradFill flip="none" rotWithShape="1">
             <a:gsLst>
               <a:gs pos="0">
-                <a:srgbClr val="11FFFE"/>
+                <a:srgbClr val="2F7586"/>
               </a:gs>
               <a:gs pos="74000">
                 <a:schemeClr val="accent1">
@@ -5627,9 +5705,6 @@
                   <a:lumMod val="45000"/>
                   <a:lumOff val="55000"/>
                 </a:schemeClr>
-              </a:gs>
-              <a:gs pos="100000">
-                <a:srgbClr val="36ABFF"/>
               </a:gs>
             </a:gsLst>
             <a:lin ang="5400000" scaled="1"/>
@@ -5664,42 +5739,12 @@
           </a:p>
         </p:txBody>
       </p:sp>
-      <p:pic>
-        <p:nvPicPr>
-          <p:cNvPr id="7" name="Imagem 6">
-            <a:extLst>
-              <a:ext uri="{FF2B5EF4-FFF2-40B4-BE49-F238E27FC236}">
-                <a16:creationId xmlns:a16="http://schemas.microsoft.com/office/drawing/2014/main" id="{68987B24-9DDF-4663-F088-33B3F5C3143D}"/>
-              </a:ext>
-            </a:extLst>
-          </p:cNvPr>
-          <p:cNvPicPr>
-            <a:picLocks noChangeAspect="1"/>
-          </p:cNvPicPr>
-          <p:nvPr/>
-        </p:nvPicPr>
-        <p:blipFill>
-          <a:blip r:embed="rId2"/>
-          <a:stretch>
-            <a:fillRect/>
-          </a:stretch>
-        </p:blipFill>
-        <p:spPr>
-          <a:xfrm>
-            <a:off x="-21510" y="4908555"/>
-            <a:ext cx="9601200" cy="4384548"/>
-          </a:xfrm>
-          <a:prstGeom prst="rect">
-            <a:avLst/>
-          </a:prstGeom>
-        </p:spPr>
-      </p:pic>
-      <p:sp>
-        <p:nvSpPr>
-          <p:cNvPr id="11" name="Espaço Reservado para Rodapé 10">
-            <a:extLst>
-              <a:ext uri="{FF2B5EF4-FFF2-40B4-BE49-F238E27FC236}">
-                <a16:creationId xmlns:a16="http://schemas.microsoft.com/office/drawing/2014/main" id="{EBBD7D6B-A7D1-64E1-F39F-726E19D7A31B}"/>
+      <p:sp>
+        <p:nvSpPr>
+          <p:cNvPr id="10" name="Espaço Reservado para Rodapé 9">
+            <a:extLst>
+              <a:ext uri="{FF2B5EF4-FFF2-40B4-BE49-F238E27FC236}">
+                <a16:creationId xmlns:a16="http://schemas.microsoft.com/office/drawing/2014/main" id="{D950483A-1B7C-BC8A-AFE0-E5A3B512FCEF}"/>
               </a:ext>
             </a:extLst>
           </p:cNvPr>
@@ -5724,10 +5769,10 @@
       </p:sp>
       <p:sp>
         <p:nvSpPr>
-          <p:cNvPr id="12" name="Espaço Reservado para Número de Slide 11">
-            <a:extLst>
-              <a:ext uri="{FF2B5EF4-FFF2-40B4-BE49-F238E27FC236}">
-                <a16:creationId xmlns:a16="http://schemas.microsoft.com/office/drawing/2014/main" id="{77C0DBF8-7774-E6C9-AF39-A8AF77ABF1B9}"/>
+          <p:cNvPr id="11" name="Espaço Reservado para Número de Slide 10">
+            <a:extLst>
+              <a:ext uri="{FF2B5EF4-FFF2-40B4-BE49-F238E27FC236}">
+                <a16:creationId xmlns:a16="http://schemas.microsoft.com/office/drawing/2014/main" id="{1966F1B7-35CA-277C-5D23-E67A2444F784}"/>
               </a:ext>
             </a:extLst>
           </p:cNvPr>
@@ -5745,123 +5790,16 @@
           <a:p>
             <a:fld id="{9BB46D60-96CE-4402-8D7C-2F4B1C382689}" type="slidenum">
               <a:rPr lang="pt-BR" smtClean="0"/>
-              <a:t>14</a:t>
+              <a:t>2</a:t>
             </a:fld>
             <a:endParaRPr lang="pt-BR"/>
           </a:p>
         </p:txBody>
       </p:sp>
-      <p:pic>
-        <p:nvPicPr>
-          <p:cNvPr id="13" name="Picture 8" descr="Would you like to see new lightsaber variants in the future? | Fandom">
-            <a:extLst>
-              <a:ext uri="{FF2B5EF4-FFF2-40B4-BE49-F238E27FC236}">
-                <a16:creationId xmlns:a16="http://schemas.microsoft.com/office/drawing/2014/main" id="{8A9C1BCB-88AB-2FBF-D77C-4AE8D9240B0C}"/>
-              </a:ext>
-            </a:extLst>
-          </p:cNvPr>
-          <p:cNvPicPr>
-            <a:picLocks noChangeAspect="1" noChangeArrowheads="1"/>
-          </p:cNvPicPr>
-          <p:nvPr/>
-        </p:nvPicPr>
-        <p:blipFill>
-          <a:blip r:embed="rId3">
-            <a:extLst>
-              <a:ext uri="{BEBA8EAE-BF5A-486C-A8C5-ECC9F3942E4B}">
-                <a14:imgProps xmlns:a14="http://schemas.microsoft.com/office/drawing/2010/main">
-                  <a14:imgLayer r:embed="rId4">
-                    <a14:imgEffect>
-                      <a14:brightnessContrast bright="40000" contrast="20000"/>
-                    </a14:imgEffect>
-                  </a14:imgLayer>
-                </a14:imgProps>
-              </a:ext>
-              <a:ext uri="{28A0092B-C50C-407E-A947-70E740481C1C}">
-                <a14:useLocalDpi xmlns:a14="http://schemas.microsoft.com/office/drawing/2010/main" val="0"/>
-              </a:ext>
-            </a:extLst>
-          </a:blip>
-          <a:srcRect/>
-          <a:stretch>
-            <a:fillRect/>
-          </a:stretch>
-        </p:blipFill>
-        <p:spPr bwMode="auto">
-          <a:xfrm rot="1987839">
-            <a:off x="3038474" y="971271"/>
-            <a:ext cx="3524250" cy="2447925"/>
-          </a:xfrm>
-          <a:prstGeom prst="rect">
-            <a:avLst/>
-          </a:prstGeom>
-          <a:noFill/>
-          <a:extLst>
-            <a:ext uri="{909E8E84-426E-40DD-AFC4-6F175D3DCCD1}">
-              <a14:hiddenFill xmlns:a14="http://schemas.microsoft.com/office/drawing/2010/main">
-                <a:solidFill>
-                  <a:srgbClr val="FFFFFF"/>
-                </a:solidFill>
-              </a14:hiddenFill>
-            </a:ext>
-          </a:extLst>
-        </p:spPr>
-      </p:pic>
-      <p:pic>
-        <p:nvPicPr>
-          <p:cNvPr id="14" name="logo_css" descr="Ícone&#10;&#10;Descrição gerada automaticamente">
-            <a:extLst>
-              <a:ext uri="{FF2B5EF4-FFF2-40B4-BE49-F238E27FC236}">
-                <a16:creationId xmlns:a16="http://schemas.microsoft.com/office/drawing/2014/main" id="{6EC815F2-8914-BD35-2029-E0A5D3C6F67C}"/>
-              </a:ext>
-            </a:extLst>
-          </p:cNvPr>
-          <p:cNvPicPr>
-            <a:picLocks noChangeAspect="1"/>
-          </p:cNvPicPr>
-          <p:nvPr/>
-        </p:nvPicPr>
-        <p:blipFill rotWithShape="1">
-          <a:blip r:embed="rId5">
-            <a:duotone>
-              <a:schemeClr val="bg2">
-                <a:shade val="45000"/>
-                <a:satMod val="135000"/>
-              </a:schemeClr>
-              <a:prstClr val="white"/>
-            </a:duotone>
-            <a:extLst>
-              <a:ext uri="{BEBA8EAE-BF5A-486C-A8C5-ECC9F3942E4B}">
-                <a14:imgProps xmlns:a14="http://schemas.microsoft.com/office/drawing/2010/main">
-                  <a14:imgLayer r:embed="rId6">
-                    <a14:imgEffect>
-                      <a14:brightnessContrast bright="40000" contrast="40000"/>
-                    </a14:imgEffect>
-                  </a14:imgLayer>
-                </a14:imgProps>
-              </a:ext>
-              <a:ext uri="{28A0092B-C50C-407E-A947-70E740481C1C}">
-                <a14:useLocalDpi xmlns:a14="http://schemas.microsoft.com/office/drawing/2010/main" val="0"/>
-              </a:ext>
-            </a:extLst>
-          </a:blip>
-          <a:srcRect t="-3689"/>
-          <a:stretch/>
-        </p:blipFill>
-        <p:spPr>
-          <a:xfrm>
-            <a:off x="3535992" y="9979522"/>
-            <a:ext cx="2529215" cy="1484352"/>
-          </a:xfrm>
-          <a:prstGeom prst="rect">
-            <a:avLst/>
-          </a:prstGeom>
-        </p:spPr>
-      </p:pic>
     </p:spTree>
     <p:extLst>
       <p:ext uri="{BB962C8B-B14F-4D97-AF65-F5344CB8AC3E}">
-        <p14:creationId xmlns:p14="http://schemas.microsoft.com/office/powerpoint/2010/main" val="1848873964"/>
+        <p14:creationId xmlns:p14="http://schemas.microsoft.com/office/powerpoint/2010/main" val="3004000852"/>
       </p:ext>
     </p:extLst>
   </p:cSld>
@@ -5871,7 +5809,7 @@
 </p:sld>
 </file>
 
-<file path=ppt/slides/slide15.xml><?xml version="1.0" encoding="utf-8"?>
+<file path=ppt/slides/slide3.xml><?xml version="1.0" encoding="utf-8"?>
 <p:sld xmlns:a="http://schemas.openxmlformats.org/drawingml/2006/main" xmlns:r="http://schemas.openxmlformats.org/officeDocument/2006/relationships" xmlns:p="http://schemas.openxmlformats.org/presentationml/2006/main">
   <p:cSld>
     <p:spTree>
@@ -5954,8 +5892,8 @@
         </p:nvSpPr>
         <p:spPr>
           <a:xfrm>
-            <a:off x="892277" y="6388320"/>
-            <a:ext cx="7816645" cy="2308324"/>
+            <a:off x="892277" y="6004859"/>
+            <a:ext cx="7816645" cy="2800767"/>
           </a:xfrm>
           <a:prstGeom prst="rect">
             <a:avLst/>
@@ -5970,13 +5908,48 @@
           <a:p>
             <a:pPr algn="ctr"/>
             <a:r>
-              <a:rPr lang="pt-BR" sz="7200" dirty="0">
+              <a:rPr lang="pt-BR" sz="8800" dirty="0">
                 <a:solidFill>
                   <a:schemeClr val="bg1"/>
                 </a:solidFill>
                 <a:latin typeface="Impact" panose="020B0806030902050204" pitchFamily="34" charset="0"/>
               </a:rPr>
-              <a:t>SELETORES DE PSEUDO-CLASSES</a:t>
+              <a:t>Bubble </a:t>
+            </a:r>
+            <a:r>
+              <a:rPr lang="pt-BR" sz="8800" dirty="0" err="1">
+                <a:solidFill>
+                  <a:schemeClr val="bg1"/>
+                </a:solidFill>
+                <a:latin typeface="Impact" panose="020B0806030902050204" pitchFamily="34" charset="0"/>
+              </a:rPr>
+              <a:t>Sort</a:t>
+            </a:r>
+            <a:br>
+              <a:rPr lang="pt-BR" sz="8800" dirty="0">
+                <a:solidFill>
+                  <a:schemeClr val="bg1"/>
+                </a:solidFill>
+                <a:latin typeface="Impact" panose="020B0806030902050204" pitchFamily="34" charset="0"/>
+              </a:rPr>
+            </a:br>
+            <a:r>
+              <a:rPr lang="pt-BR" sz="8800" dirty="0">
+                <a:solidFill>
+                  <a:schemeClr val="bg1"/>
+                </a:solidFill>
+                <a:latin typeface="Impact" panose="020B0806030902050204" pitchFamily="34" charset="0"/>
+              </a:rPr>
+              <a:t> </a:t>
+            </a:r>
+            <a:r>
+              <a:rPr lang="pt-BR" sz="5400" dirty="0">
+                <a:solidFill>
+                  <a:schemeClr val="bg1"/>
+                </a:solidFill>
+                <a:latin typeface="Impact" panose="020B0806030902050204" pitchFamily="34" charset="0"/>
+              </a:rPr>
+              <a:t>O Início da Jornada</a:t>
             </a:r>
           </a:p>
         </p:txBody>
@@ -6020,7 +5993,7 @@
                 <a:noFill/>
                 <a:latin typeface="Impact" panose="020B0806030902050204" pitchFamily="34" charset="0"/>
               </a:rPr>
-              <a:t>05</a:t>
+              <a:t>01</a:t>
             </a:r>
           </a:p>
         </p:txBody>
@@ -6103,7 +6076,7 @@
           <p:cNvPr id="6" name="texto_componente">
             <a:extLst>
               <a:ext uri="{FF2B5EF4-FFF2-40B4-BE49-F238E27FC236}">
-                <a16:creationId xmlns:a16="http://schemas.microsoft.com/office/drawing/2014/main" id="{1A38D318-280C-0E99-2186-7D919CA59191}"/>
+                <a16:creationId xmlns:a16="http://schemas.microsoft.com/office/drawing/2014/main" id="{A8281A8C-F51B-8070-EE7F-AC4CBC315387}"/>
               </a:ext>
             </a:extLst>
           </p:cNvPr>
@@ -6133,7 +6106,7 @@
                   <a:schemeClr val="bg1"/>
                 </a:solidFill>
               </a:rPr>
-              <a:t>Os seletores de </a:t>
+              <a:t>O Bubble </a:t>
             </a:r>
             <a:r>
               <a:rPr lang="pt-BR" sz="2400" dirty="0" err="1">
@@ -6141,7 +6114,7 @@
                   <a:schemeClr val="bg1"/>
                 </a:solidFill>
               </a:rPr>
-              <a:t>pseudo-classes</a:t>
+              <a:t>Sort</a:t>
             </a:r>
             <a:r>
               <a:rPr lang="pt-BR" sz="2400" dirty="0">
@@ -6149,4441 +6122,7 @@
                   <a:schemeClr val="bg1"/>
                 </a:solidFill>
               </a:rPr>
-              <a:t> permitem selecionar elementos em estados específicos ou com base em ações do usuário. Eles são úteis para estilizar elementos interativos. Veja os exemplos a seguir:</a:t>
-            </a:r>
-          </a:p>
-        </p:txBody>
-      </p:sp>
-      <p:sp>
-        <p:nvSpPr>
-          <p:cNvPr id="10" name="Espaço Reservado para Rodapé 9">
-            <a:extLst>
-              <a:ext uri="{FF2B5EF4-FFF2-40B4-BE49-F238E27FC236}">
-                <a16:creationId xmlns:a16="http://schemas.microsoft.com/office/drawing/2014/main" id="{BDF64E93-9F72-3B13-FC04-1CF9FAD873A3}"/>
-              </a:ext>
-            </a:extLst>
-          </p:cNvPr>
-          <p:cNvSpPr>
-            <a:spLocks noGrp="1"/>
-          </p:cNvSpPr>
-          <p:nvPr>
-            <p:ph type="ftr" sz="quarter" idx="11"/>
-          </p:nvPr>
-        </p:nvSpPr>
-        <p:spPr/>
-        <p:txBody>
-          <a:bodyPr/>
-          <a:lstStyle/>
-          <a:p>
-            <a:r>
-              <a:rPr lang="pt-BR"/>
-              <a:t>SELETORES CSS PARA JEDIS - FELIPE AGUIAR</a:t>
-            </a:r>
-          </a:p>
-        </p:txBody>
-      </p:sp>
-      <p:sp>
-        <p:nvSpPr>
-          <p:cNvPr id="11" name="Espaço Reservado para Número de Slide 10">
-            <a:extLst>
-              <a:ext uri="{FF2B5EF4-FFF2-40B4-BE49-F238E27FC236}">
-                <a16:creationId xmlns:a16="http://schemas.microsoft.com/office/drawing/2014/main" id="{D0F6146A-7175-FD15-9D6E-9F3335CC0086}"/>
-              </a:ext>
-            </a:extLst>
-          </p:cNvPr>
-          <p:cNvSpPr>
-            <a:spLocks noGrp="1"/>
-          </p:cNvSpPr>
-          <p:nvPr>
-            <p:ph type="sldNum" sz="quarter" idx="12"/>
-          </p:nvPr>
-        </p:nvSpPr>
-        <p:spPr/>
-        <p:txBody>
-          <a:bodyPr/>
-          <a:lstStyle/>
-          <a:p>
-            <a:fld id="{9BB46D60-96CE-4402-8D7C-2F4B1C382689}" type="slidenum">
-              <a:rPr lang="pt-BR" smtClean="0"/>
-              <a:t>15</a:t>
-            </a:fld>
-            <a:endParaRPr lang="pt-BR"/>
-          </a:p>
-        </p:txBody>
-      </p:sp>
-    </p:spTree>
-    <p:extLst>
-      <p:ext uri="{BB962C8B-B14F-4D97-AF65-F5344CB8AC3E}">
-        <p14:creationId xmlns:p14="http://schemas.microsoft.com/office/powerpoint/2010/main" val="4065566745"/>
-      </p:ext>
-    </p:extLst>
-  </p:cSld>
-  <p:clrMapOvr>
-    <a:masterClrMapping/>
-  </p:clrMapOvr>
-</p:sld>
-</file>
-
-<file path=ppt/slides/slide16.xml><?xml version="1.0" encoding="utf-8"?>
-<p:sld xmlns:a="http://schemas.openxmlformats.org/drawingml/2006/main" xmlns:r="http://schemas.openxmlformats.org/officeDocument/2006/relationships" xmlns:p="http://schemas.openxmlformats.org/presentationml/2006/main">
-  <p:cSld>
-    <p:spTree>
-      <p:nvGrpSpPr>
-        <p:cNvPr id="1" name=""/>
-        <p:cNvGrpSpPr/>
-        <p:nvPr/>
-      </p:nvGrpSpPr>
-      <p:grpSpPr>
-        <a:xfrm>
-          <a:off x="0" y="0"/>
-          <a:ext cx="0" cy="0"/>
-          <a:chOff x="0" y="0"/>
-          <a:chExt cx="0" cy="0"/>
-        </a:xfrm>
-      </p:grpSpPr>
-      <p:sp>
-        <p:nvSpPr>
-          <p:cNvPr id="2" name="texto_componente">
-            <a:extLst>
-              <a:ext uri="{FF2B5EF4-FFF2-40B4-BE49-F238E27FC236}">
-                <a16:creationId xmlns:a16="http://schemas.microsoft.com/office/drawing/2014/main" id="{5F8A268F-DF04-2C6F-1AF7-579F8D46FDD0}"/>
-              </a:ext>
-            </a:extLst>
-          </p:cNvPr>
-          <p:cNvSpPr txBox="1"/>
-          <p:nvPr/>
-        </p:nvSpPr>
-        <p:spPr>
-          <a:xfrm>
-            <a:off x="870768" y="2822078"/>
-            <a:ext cx="7816645" cy="1938992"/>
-          </a:xfrm>
-          <a:prstGeom prst="rect">
-            <a:avLst/>
-          </a:prstGeom>
-          <a:noFill/>
-        </p:spPr>
-        <p:txBody>
-          <a:bodyPr wrap="square" rtlCol="0">
-            <a:spAutoFit/>
-          </a:bodyPr>
-          <a:lstStyle/>
-          <a:p>
-            <a:pPr algn="ctr"/>
-            <a:r>
-              <a:rPr lang="pt-BR" sz="2400" dirty="0"/>
-              <a:t>O seletor de </a:t>
-            </a:r>
-            <a:r>
-              <a:rPr lang="pt-BR" sz="2400" dirty="0" err="1"/>
-              <a:t>pseudo-classe</a:t>
-            </a:r>
-            <a:r>
-              <a:rPr lang="pt-BR" sz="2400" dirty="0"/>
-              <a:t> :</a:t>
-            </a:r>
-            <a:r>
-              <a:rPr lang="pt-BR" sz="2400" dirty="0" err="1"/>
-              <a:t>hover</a:t>
-            </a:r>
-            <a:r>
-              <a:rPr lang="pt-BR" sz="2400" dirty="0"/>
-              <a:t> permite estilizar um elemento quando o cursor do mouse está sobre ele. Por exemplo, para alterar a cor de fundo de um botão quando ele é </a:t>
-            </a:r>
-            <a:r>
-              <a:rPr lang="pt-BR" sz="2400" dirty="0" err="1"/>
-              <a:t>hover</a:t>
-            </a:r>
-            <a:r>
-              <a:rPr lang="pt-BR" sz="2400" dirty="0"/>
-              <a:t>, você pode usar o seletor .</a:t>
-            </a:r>
-            <a:r>
-              <a:rPr lang="pt-BR" sz="2400" dirty="0" err="1"/>
-              <a:t>botão:hover</a:t>
-            </a:r>
-            <a:r>
-              <a:rPr lang="pt-BR" sz="2400" dirty="0"/>
-              <a:t>. Veja o exemplo:</a:t>
-            </a:r>
-          </a:p>
-        </p:txBody>
-      </p:sp>
-      <p:sp>
-        <p:nvSpPr>
-          <p:cNvPr id="3" name="titulo_componente">
-            <a:extLst>
-              <a:ext uri="{FF2B5EF4-FFF2-40B4-BE49-F238E27FC236}">
-                <a16:creationId xmlns:a16="http://schemas.microsoft.com/office/drawing/2014/main" id="{26767187-6DF7-80A9-F3B9-FCD72DDF717D}"/>
-              </a:ext>
-            </a:extLst>
-          </p:cNvPr>
-          <p:cNvSpPr txBox="1"/>
-          <p:nvPr/>
-        </p:nvSpPr>
-        <p:spPr>
-          <a:xfrm>
-            <a:off x="1401712" y="777781"/>
-            <a:ext cx="7816645" cy="707886"/>
-          </a:xfrm>
-          <a:prstGeom prst="rect">
-            <a:avLst/>
-          </a:prstGeom>
-          <a:noFill/>
-        </p:spPr>
-        <p:txBody>
-          <a:bodyPr wrap="square" rtlCol="0">
-            <a:spAutoFit/>
-          </a:bodyPr>
-          <a:lstStyle/>
-          <a:p>
-            <a:r>
-              <a:rPr lang="pt-BR" sz="4000" dirty="0">
-                <a:latin typeface="Impact" panose="020B0806030902050204" pitchFamily="34" charset="0"/>
-              </a:rPr>
-              <a:t>SELETOR DE PSEUDO-CLASSE :HOVER</a:t>
-            </a:r>
-          </a:p>
-        </p:txBody>
-      </p:sp>
-      <p:sp>
-        <p:nvSpPr>
-          <p:cNvPr id="5" name="Retângulo 4">
-            <a:extLst>
-              <a:ext uri="{FF2B5EF4-FFF2-40B4-BE49-F238E27FC236}">
-                <a16:creationId xmlns:a16="http://schemas.microsoft.com/office/drawing/2014/main" id="{F3548456-7C95-80DE-D379-01E177977A3D}"/>
-              </a:ext>
-            </a:extLst>
-          </p:cNvPr>
-          <p:cNvSpPr/>
-          <p:nvPr/>
-        </p:nvSpPr>
-        <p:spPr>
-          <a:xfrm>
-            <a:off x="651281" y="-216344"/>
-            <a:ext cx="144000" cy="1512000"/>
-          </a:xfrm>
-          <a:prstGeom prst="rect">
-            <a:avLst/>
-          </a:prstGeom>
-          <a:gradFill flip="none" rotWithShape="1">
-            <a:gsLst>
-              <a:gs pos="0">
-                <a:srgbClr val="11FFFE"/>
-              </a:gs>
-              <a:gs pos="74000">
-                <a:schemeClr val="accent1">
-                  <a:lumMod val="45000"/>
-                  <a:lumOff val="55000"/>
-                </a:schemeClr>
-              </a:gs>
-              <a:gs pos="83000">
-                <a:schemeClr val="accent1">
-                  <a:lumMod val="45000"/>
-                  <a:lumOff val="55000"/>
-                </a:schemeClr>
-              </a:gs>
-              <a:gs pos="100000">
-                <a:srgbClr val="36ABFF"/>
-              </a:gs>
-            </a:gsLst>
-            <a:lin ang="5400000" scaled="1"/>
-            <a:tileRect/>
-          </a:gradFill>
-          <a:ln>
-            <a:noFill/>
-          </a:ln>
-        </p:spPr>
-        <p:style>
-          <a:lnRef idx="2">
-            <a:schemeClr val="accent1">
-              <a:shade val="50000"/>
-            </a:schemeClr>
-          </a:lnRef>
-          <a:fillRef idx="1">
-            <a:schemeClr val="accent1"/>
-          </a:fillRef>
-          <a:effectRef idx="0">
-            <a:schemeClr val="accent1"/>
-          </a:effectRef>
-          <a:fontRef idx="minor">
-            <a:schemeClr val="lt1"/>
-          </a:fontRef>
-        </p:style>
-        <p:txBody>
-          <a:bodyPr rtlCol="0" anchor="ctr"/>
-          <a:lstStyle/>
-          <a:p>
-            <a:pPr algn="ctr"/>
-            <a:endParaRPr lang="pt-BR"/>
-          </a:p>
-        </p:txBody>
-      </p:sp>
-      <p:pic>
-        <p:nvPicPr>
-          <p:cNvPr id="7" name="Imagem 6">
-            <a:extLst>
-              <a:ext uri="{FF2B5EF4-FFF2-40B4-BE49-F238E27FC236}">
-                <a16:creationId xmlns:a16="http://schemas.microsoft.com/office/drawing/2014/main" id="{FAAB438A-929B-6DAA-A27F-589E3E24E6AB}"/>
-              </a:ext>
-            </a:extLst>
-          </p:cNvPr>
-          <p:cNvPicPr>
-            <a:picLocks noChangeAspect="1"/>
-          </p:cNvPicPr>
-          <p:nvPr/>
-        </p:nvPicPr>
-        <p:blipFill>
-          <a:blip r:embed="rId2"/>
-          <a:stretch>
-            <a:fillRect/>
-          </a:stretch>
-        </p:blipFill>
-        <p:spPr>
-          <a:xfrm>
-            <a:off x="0" y="4761070"/>
-            <a:ext cx="9601200" cy="4384548"/>
-          </a:xfrm>
-          <a:prstGeom prst="rect">
-            <a:avLst/>
-          </a:prstGeom>
-        </p:spPr>
-      </p:pic>
-      <p:sp>
-        <p:nvSpPr>
-          <p:cNvPr id="11" name="Espaço Reservado para Rodapé 10">
-            <a:extLst>
-              <a:ext uri="{FF2B5EF4-FFF2-40B4-BE49-F238E27FC236}">
-                <a16:creationId xmlns:a16="http://schemas.microsoft.com/office/drawing/2014/main" id="{7492E912-C96D-66DF-60F4-0EC19ACDCACC}"/>
-              </a:ext>
-            </a:extLst>
-          </p:cNvPr>
-          <p:cNvSpPr>
-            <a:spLocks noGrp="1"/>
-          </p:cNvSpPr>
-          <p:nvPr>
-            <p:ph type="ftr" sz="quarter" idx="11"/>
-          </p:nvPr>
-        </p:nvSpPr>
-        <p:spPr/>
-        <p:txBody>
-          <a:bodyPr/>
-          <a:lstStyle/>
-          <a:p>
-            <a:r>
-              <a:rPr lang="pt-BR"/>
-              <a:t>SELETORES CSS PARA JEDIS - FELIPE AGUIAR</a:t>
-            </a:r>
-          </a:p>
-        </p:txBody>
-      </p:sp>
-      <p:sp>
-        <p:nvSpPr>
-          <p:cNvPr id="12" name="Espaço Reservado para Número de Slide 11">
-            <a:extLst>
-              <a:ext uri="{FF2B5EF4-FFF2-40B4-BE49-F238E27FC236}">
-                <a16:creationId xmlns:a16="http://schemas.microsoft.com/office/drawing/2014/main" id="{6A6DBD76-473B-80B1-4F20-86CD5BF35A61}"/>
-              </a:ext>
-            </a:extLst>
-          </p:cNvPr>
-          <p:cNvSpPr>
-            <a:spLocks noGrp="1"/>
-          </p:cNvSpPr>
-          <p:nvPr>
-            <p:ph type="sldNum" sz="quarter" idx="12"/>
-          </p:nvPr>
-        </p:nvSpPr>
-        <p:spPr/>
-        <p:txBody>
-          <a:bodyPr/>
-          <a:lstStyle/>
-          <a:p>
-            <a:fld id="{9BB46D60-96CE-4402-8D7C-2F4B1C382689}" type="slidenum">
-              <a:rPr lang="pt-BR" smtClean="0"/>
-              <a:t>16</a:t>
-            </a:fld>
-            <a:endParaRPr lang="pt-BR"/>
-          </a:p>
-        </p:txBody>
-      </p:sp>
-      <p:pic>
-        <p:nvPicPr>
-          <p:cNvPr id="13" name="Picture 8" descr="Would you like to see new lightsaber variants in the future? | Fandom">
-            <a:extLst>
-              <a:ext uri="{FF2B5EF4-FFF2-40B4-BE49-F238E27FC236}">
-                <a16:creationId xmlns:a16="http://schemas.microsoft.com/office/drawing/2014/main" id="{3611B9B7-2B67-22C0-6363-85B87607E62B}"/>
-              </a:ext>
-            </a:extLst>
-          </p:cNvPr>
-          <p:cNvPicPr>
-            <a:picLocks noChangeAspect="1" noChangeArrowheads="1"/>
-          </p:cNvPicPr>
-          <p:nvPr/>
-        </p:nvPicPr>
-        <p:blipFill>
-          <a:blip r:embed="rId3">
-            <a:extLst>
-              <a:ext uri="{BEBA8EAE-BF5A-486C-A8C5-ECC9F3942E4B}">
-                <a14:imgProps xmlns:a14="http://schemas.microsoft.com/office/drawing/2010/main">
-                  <a14:imgLayer r:embed="rId4">
-                    <a14:imgEffect>
-                      <a14:brightnessContrast bright="40000" contrast="20000"/>
-                    </a14:imgEffect>
-                  </a14:imgLayer>
-                </a14:imgProps>
-              </a:ext>
-              <a:ext uri="{28A0092B-C50C-407E-A947-70E740481C1C}">
-                <a14:useLocalDpi xmlns:a14="http://schemas.microsoft.com/office/drawing/2010/main" val="0"/>
-              </a:ext>
-            </a:extLst>
-          </a:blip>
-          <a:srcRect/>
-          <a:stretch>
-            <a:fillRect/>
-          </a:stretch>
-        </p:blipFill>
-        <p:spPr bwMode="auto">
-          <a:xfrm rot="1987839">
-            <a:off x="3038474" y="971271"/>
-            <a:ext cx="3524250" cy="2447925"/>
-          </a:xfrm>
-          <a:prstGeom prst="rect">
-            <a:avLst/>
-          </a:prstGeom>
-          <a:noFill/>
-          <a:extLst>
-            <a:ext uri="{909E8E84-426E-40DD-AFC4-6F175D3DCCD1}">
-              <a14:hiddenFill xmlns:a14="http://schemas.microsoft.com/office/drawing/2010/main">
-                <a:solidFill>
-                  <a:srgbClr val="FFFFFF"/>
-                </a:solidFill>
-              </a14:hiddenFill>
-            </a:ext>
-          </a:extLst>
-        </p:spPr>
-      </p:pic>
-      <p:pic>
-        <p:nvPicPr>
-          <p:cNvPr id="14" name="logo_css" descr="Ícone&#10;&#10;Descrição gerada automaticamente">
-            <a:extLst>
-              <a:ext uri="{FF2B5EF4-FFF2-40B4-BE49-F238E27FC236}">
-                <a16:creationId xmlns:a16="http://schemas.microsoft.com/office/drawing/2014/main" id="{A1F36D00-6AEF-DAD9-1469-397615F692D3}"/>
-              </a:ext>
-            </a:extLst>
-          </p:cNvPr>
-          <p:cNvPicPr>
-            <a:picLocks noChangeAspect="1"/>
-          </p:cNvPicPr>
-          <p:nvPr/>
-        </p:nvPicPr>
-        <p:blipFill rotWithShape="1">
-          <a:blip r:embed="rId5">
-            <a:duotone>
-              <a:schemeClr val="bg2">
-                <a:shade val="45000"/>
-                <a:satMod val="135000"/>
-              </a:schemeClr>
-              <a:prstClr val="white"/>
-            </a:duotone>
-            <a:extLst>
-              <a:ext uri="{BEBA8EAE-BF5A-486C-A8C5-ECC9F3942E4B}">
-                <a14:imgProps xmlns:a14="http://schemas.microsoft.com/office/drawing/2010/main">
-                  <a14:imgLayer r:embed="rId6">
-                    <a14:imgEffect>
-                      <a14:brightnessContrast bright="40000" contrast="40000"/>
-                    </a14:imgEffect>
-                  </a14:imgLayer>
-                </a14:imgProps>
-              </a:ext>
-              <a:ext uri="{28A0092B-C50C-407E-A947-70E740481C1C}">
-                <a14:useLocalDpi xmlns:a14="http://schemas.microsoft.com/office/drawing/2010/main" val="0"/>
-              </a:ext>
-            </a:extLst>
-          </a:blip>
-          <a:srcRect t="-3689"/>
-          <a:stretch/>
-        </p:blipFill>
-        <p:spPr>
-          <a:xfrm>
-            <a:off x="3535992" y="9979522"/>
-            <a:ext cx="2529215" cy="1484352"/>
-          </a:xfrm>
-          <a:prstGeom prst="rect">
-            <a:avLst/>
-          </a:prstGeom>
-        </p:spPr>
-      </p:pic>
-    </p:spTree>
-    <p:extLst>
-      <p:ext uri="{BB962C8B-B14F-4D97-AF65-F5344CB8AC3E}">
-        <p14:creationId xmlns:p14="http://schemas.microsoft.com/office/powerpoint/2010/main" val="3006414269"/>
-      </p:ext>
-    </p:extLst>
-  </p:cSld>
-  <p:clrMapOvr>
-    <a:masterClrMapping/>
-  </p:clrMapOvr>
-</p:sld>
-</file>
-
-<file path=ppt/slides/slide17.xml><?xml version="1.0" encoding="utf-8"?>
-<p:sld xmlns:a="http://schemas.openxmlformats.org/drawingml/2006/main" xmlns:r="http://schemas.openxmlformats.org/officeDocument/2006/relationships" xmlns:p="http://schemas.openxmlformats.org/presentationml/2006/main">
-  <p:cSld>
-    <p:spTree>
-      <p:nvGrpSpPr>
-        <p:cNvPr id="1" name=""/>
-        <p:cNvGrpSpPr/>
-        <p:nvPr/>
-      </p:nvGrpSpPr>
-      <p:grpSpPr>
-        <a:xfrm>
-          <a:off x="0" y="0"/>
-          <a:ext cx="0" cy="0"/>
-          <a:chOff x="0" y="0"/>
-          <a:chExt cx="0" cy="0"/>
-        </a:xfrm>
-      </p:grpSpPr>
-      <p:sp>
-        <p:nvSpPr>
-          <p:cNvPr id="2" name="texto_componente">
-            <a:extLst>
-              <a:ext uri="{FF2B5EF4-FFF2-40B4-BE49-F238E27FC236}">
-                <a16:creationId xmlns:a16="http://schemas.microsoft.com/office/drawing/2014/main" id="{5F8A268F-DF04-2C6F-1AF7-579F8D46FDD0}"/>
-              </a:ext>
-            </a:extLst>
-          </p:cNvPr>
-          <p:cNvSpPr txBox="1"/>
-          <p:nvPr/>
-        </p:nvSpPr>
-        <p:spPr>
-          <a:xfrm>
-            <a:off x="870768" y="2822078"/>
-            <a:ext cx="7816645" cy="1938992"/>
-          </a:xfrm>
-          <a:prstGeom prst="rect">
-            <a:avLst/>
-          </a:prstGeom>
-          <a:noFill/>
-        </p:spPr>
-        <p:txBody>
-          <a:bodyPr wrap="square" rtlCol="0">
-            <a:spAutoFit/>
-          </a:bodyPr>
-          <a:lstStyle/>
-          <a:p>
-            <a:pPr algn="ctr"/>
-            <a:r>
-              <a:rPr lang="pt-BR" sz="2400" dirty="0"/>
-              <a:t>O seletor de </a:t>
-            </a:r>
-            <a:r>
-              <a:rPr lang="pt-BR" sz="2400" dirty="0" err="1"/>
-              <a:t>pseudo-classe</a:t>
-            </a:r>
-            <a:r>
-              <a:rPr lang="pt-BR" sz="2400" dirty="0"/>
-              <a:t> :</a:t>
-            </a:r>
-            <a:r>
-              <a:rPr lang="pt-BR" sz="2400" dirty="0" err="1"/>
-              <a:t>nth-child</a:t>
-            </a:r>
-            <a:r>
-              <a:rPr lang="pt-BR" sz="2400" dirty="0"/>
-              <a:t>() permite selecionar elementos com base em sua posição em relação a seus irmãos. Por exemplo, para estilizar cada segundo item de uma lista não ordenada, você pode usar o seletor </a:t>
-            </a:r>
-            <a:r>
-              <a:rPr lang="pt-BR" sz="2400" dirty="0" err="1"/>
-              <a:t>li:nth-child</a:t>
-            </a:r>
-            <a:r>
-              <a:rPr lang="pt-BR" sz="2400" dirty="0"/>
-              <a:t>(2n). Veja o exemplo</a:t>
-            </a:r>
-          </a:p>
-        </p:txBody>
-      </p:sp>
-      <p:sp>
-        <p:nvSpPr>
-          <p:cNvPr id="3" name="titulo_componente">
-            <a:extLst>
-              <a:ext uri="{FF2B5EF4-FFF2-40B4-BE49-F238E27FC236}">
-                <a16:creationId xmlns:a16="http://schemas.microsoft.com/office/drawing/2014/main" id="{26767187-6DF7-80A9-F3B9-FCD72DDF717D}"/>
-              </a:ext>
-            </a:extLst>
-          </p:cNvPr>
-          <p:cNvSpPr txBox="1"/>
-          <p:nvPr/>
-        </p:nvSpPr>
-        <p:spPr>
-          <a:xfrm>
-            <a:off x="1165735" y="777781"/>
-            <a:ext cx="8955142" cy="707886"/>
-          </a:xfrm>
-          <a:prstGeom prst="rect">
-            <a:avLst/>
-          </a:prstGeom>
-          <a:noFill/>
-        </p:spPr>
-        <p:txBody>
-          <a:bodyPr wrap="square" rtlCol="0">
-            <a:spAutoFit/>
-          </a:bodyPr>
-          <a:lstStyle/>
-          <a:p>
-            <a:r>
-              <a:rPr lang="pt-BR" sz="4000" dirty="0">
-                <a:latin typeface="Impact" panose="020B0806030902050204" pitchFamily="34" charset="0"/>
-              </a:rPr>
-              <a:t>SELETOR DE PSEUDO-CLASSE :NTH-CHILD()</a:t>
-            </a:r>
-          </a:p>
-        </p:txBody>
-      </p:sp>
-      <p:sp>
-        <p:nvSpPr>
-          <p:cNvPr id="5" name="Retângulo 4">
-            <a:extLst>
-              <a:ext uri="{FF2B5EF4-FFF2-40B4-BE49-F238E27FC236}">
-                <a16:creationId xmlns:a16="http://schemas.microsoft.com/office/drawing/2014/main" id="{F3548456-7C95-80DE-D379-01E177977A3D}"/>
-              </a:ext>
-            </a:extLst>
-          </p:cNvPr>
-          <p:cNvSpPr/>
-          <p:nvPr/>
-        </p:nvSpPr>
-        <p:spPr>
-          <a:xfrm>
-            <a:off x="651281" y="-216344"/>
-            <a:ext cx="144000" cy="1512000"/>
-          </a:xfrm>
-          <a:prstGeom prst="rect">
-            <a:avLst/>
-          </a:prstGeom>
-          <a:gradFill flip="none" rotWithShape="1">
-            <a:gsLst>
-              <a:gs pos="0">
-                <a:srgbClr val="11FFFE"/>
-              </a:gs>
-              <a:gs pos="74000">
-                <a:schemeClr val="accent1">
-                  <a:lumMod val="45000"/>
-                  <a:lumOff val="55000"/>
-                </a:schemeClr>
-              </a:gs>
-              <a:gs pos="83000">
-                <a:schemeClr val="accent1">
-                  <a:lumMod val="45000"/>
-                  <a:lumOff val="55000"/>
-                </a:schemeClr>
-              </a:gs>
-              <a:gs pos="100000">
-                <a:srgbClr val="36ABFF"/>
-              </a:gs>
-            </a:gsLst>
-            <a:lin ang="5400000" scaled="1"/>
-            <a:tileRect/>
-          </a:gradFill>
-          <a:ln>
-            <a:noFill/>
-          </a:ln>
-        </p:spPr>
-        <p:style>
-          <a:lnRef idx="2">
-            <a:schemeClr val="accent1">
-              <a:shade val="50000"/>
-            </a:schemeClr>
-          </a:lnRef>
-          <a:fillRef idx="1">
-            <a:schemeClr val="accent1"/>
-          </a:fillRef>
-          <a:effectRef idx="0">
-            <a:schemeClr val="accent1"/>
-          </a:effectRef>
-          <a:fontRef idx="minor">
-            <a:schemeClr val="lt1"/>
-          </a:fontRef>
-        </p:style>
-        <p:txBody>
-          <a:bodyPr rtlCol="0" anchor="ctr"/>
-          <a:lstStyle/>
-          <a:p>
-            <a:pPr algn="ctr"/>
-            <a:endParaRPr lang="pt-BR"/>
-          </a:p>
-        </p:txBody>
-      </p:sp>
-      <p:pic>
-        <p:nvPicPr>
-          <p:cNvPr id="6" name="Imagem 5">
-            <a:extLst>
-              <a:ext uri="{FF2B5EF4-FFF2-40B4-BE49-F238E27FC236}">
-                <a16:creationId xmlns:a16="http://schemas.microsoft.com/office/drawing/2014/main" id="{ABE245E4-5C60-4961-8926-F62B5F31C685}"/>
-              </a:ext>
-            </a:extLst>
-          </p:cNvPr>
-          <p:cNvPicPr>
-            <a:picLocks noChangeAspect="1"/>
-          </p:cNvPicPr>
-          <p:nvPr/>
-        </p:nvPicPr>
-        <p:blipFill>
-          <a:blip r:embed="rId2"/>
-          <a:stretch>
-            <a:fillRect/>
-          </a:stretch>
-        </p:blipFill>
-        <p:spPr>
-          <a:xfrm>
-            <a:off x="-21510" y="4761070"/>
-            <a:ext cx="9601200" cy="4384548"/>
-          </a:xfrm>
-          <a:prstGeom prst="rect">
-            <a:avLst/>
-          </a:prstGeom>
-        </p:spPr>
-      </p:pic>
-      <p:sp>
-        <p:nvSpPr>
-          <p:cNvPr id="11" name="Espaço Reservado para Rodapé 10">
-            <a:extLst>
-              <a:ext uri="{FF2B5EF4-FFF2-40B4-BE49-F238E27FC236}">
-                <a16:creationId xmlns:a16="http://schemas.microsoft.com/office/drawing/2014/main" id="{96B4055A-90BC-F5B7-BD11-C561B43A4CCF}"/>
-              </a:ext>
-            </a:extLst>
-          </p:cNvPr>
-          <p:cNvSpPr>
-            <a:spLocks noGrp="1"/>
-          </p:cNvSpPr>
-          <p:nvPr>
-            <p:ph type="ftr" sz="quarter" idx="11"/>
-          </p:nvPr>
-        </p:nvSpPr>
-        <p:spPr/>
-        <p:txBody>
-          <a:bodyPr/>
-          <a:lstStyle/>
-          <a:p>
-            <a:r>
-              <a:rPr lang="pt-BR"/>
-              <a:t>SELETORES CSS PARA JEDIS - FELIPE AGUIAR</a:t>
-            </a:r>
-          </a:p>
-        </p:txBody>
-      </p:sp>
-      <p:sp>
-        <p:nvSpPr>
-          <p:cNvPr id="12" name="Espaço Reservado para Número de Slide 11">
-            <a:extLst>
-              <a:ext uri="{FF2B5EF4-FFF2-40B4-BE49-F238E27FC236}">
-                <a16:creationId xmlns:a16="http://schemas.microsoft.com/office/drawing/2014/main" id="{473182F9-777D-1298-4A4B-E5E9A9138028}"/>
-              </a:ext>
-            </a:extLst>
-          </p:cNvPr>
-          <p:cNvSpPr>
-            <a:spLocks noGrp="1"/>
-          </p:cNvSpPr>
-          <p:nvPr>
-            <p:ph type="sldNum" sz="quarter" idx="12"/>
-          </p:nvPr>
-        </p:nvSpPr>
-        <p:spPr/>
-        <p:txBody>
-          <a:bodyPr/>
-          <a:lstStyle/>
-          <a:p>
-            <a:fld id="{9BB46D60-96CE-4402-8D7C-2F4B1C382689}" type="slidenum">
-              <a:rPr lang="pt-BR" smtClean="0"/>
-              <a:t>17</a:t>
-            </a:fld>
-            <a:endParaRPr lang="pt-BR"/>
-          </a:p>
-        </p:txBody>
-      </p:sp>
-      <p:pic>
-        <p:nvPicPr>
-          <p:cNvPr id="15" name="Picture 8" descr="Would you like to see new lightsaber variants in the future? | Fandom">
-            <a:extLst>
-              <a:ext uri="{FF2B5EF4-FFF2-40B4-BE49-F238E27FC236}">
-                <a16:creationId xmlns:a16="http://schemas.microsoft.com/office/drawing/2014/main" id="{4F3E8E64-18DF-94F8-AB0B-7A5AB522087C}"/>
-              </a:ext>
-            </a:extLst>
-          </p:cNvPr>
-          <p:cNvPicPr>
-            <a:picLocks noChangeAspect="1" noChangeArrowheads="1"/>
-          </p:cNvPicPr>
-          <p:nvPr/>
-        </p:nvPicPr>
-        <p:blipFill>
-          <a:blip r:embed="rId3">
-            <a:extLst>
-              <a:ext uri="{BEBA8EAE-BF5A-486C-A8C5-ECC9F3942E4B}">
-                <a14:imgProps xmlns:a14="http://schemas.microsoft.com/office/drawing/2010/main">
-                  <a14:imgLayer r:embed="rId4">
-                    <a14:imgEffect>
-                      <a14:brightnessContrast bright="40000" contrast="20000"/>
-                    </a14:imgEffect>
-                  </a14:imgLayer>
-                </a14:imgProps>
-              </a:ext>
-              <a:ext uri="{28A0092B-C50C-407E-A947-70E740481C1C}">
-                <a14:useLocalDpi xmlns:a14="http://schemas.microsoft.com/office/drawing/2010/main" val="0"/>
-              </a:ext>
-            </a:extLst>
-          </a:blip>
-          <a:srcRect/>
-          <a:stretch>
-            <a:fillRect/>
-          </a:stretch>
-        </p:blipFill>
-        <p:spPr bwMode="auto">
-          <a:xfrm rot="1987839">
-            <a:off x="3038474" y="971271"/>
-            <a:ext cx="3524250" cy="2447925"/>
-          </a:xfrm>
-          <a:prstGeom prst="rect">
-            <a:avLst/>
-          </a:prstGeom>
-          <a:noFill/>
-          <a:extLst>
-            <a:ext uri="{909E8E84-426E-40DD-AFC4-6F175D3DCCD1}">
-              <a14:hiddenFill xmlns:a14="http://schemas.microsoft.com/office/drawing/2010/main">
-                <a:solidFill>
-                  <a:srgbClr val="FFFFFF"/>
-                </a:solidFill>
-              </a14:hiddenFill>
-            </a:ext>
-          </a:extLst>
-        </p:spPr>
-      </p:pic>
-      <p:pic>
-        <p:nvPicPr>
-          <p:cNvPr id="16" name="logo_css" descr="Ícone&#10;&#10;Descrição gerada automaticamente">
-            <a:extLst>
-              <a:ext uri="{FF2B5EF4-FFF2-40B4-BE49-F238E27FC236}">
-                <a16:creationId xmlns:a16="http://schemas.microsoft.com/office/drawing/2014/main" id="{677DCDF5-3F67-F5D7-7A61-9CD8F072AACE}"/>
-              </a:ext>
-            </a:extLst>
-          </p:cNvPr>
-          <p:cNvPicPr>
-            <a:picLocks noChangeAspect="1"/>
-          </p:cNvPicPr>
-          <p:nvPr/>
-        </p:nvPicPr>
-        <p:blipFill rotWithShape="1">
-          <a:blip r:embed="rId5">
-            <a:duotone>
-              <a:schemeClr val="bg2">
-                <a:shade val="45000"/>
-                <a:satMod val="135000"/>
-              </a:schemeClr>
-              <a:prstClr val="white"/>
-            </a:duotone>
-            <a:extLst>
-              <a:ext uri="{BEBA8EAE-BF5A-486C-A8C5-ECC9F3942E4B}">
-                <a14:imgProps xmlns:a14="http://schemas.microsoft.com/office/drawing/2010/main">
-                  <a14:imgLayer r:embed="rId6">
-                    <a14:imgEffect>
-                      <a14:brightnessContrast bright="40000" contrast="40000"/>
-                    </a14:imgEffect>
-                  </a14:imgLayer>
-                </a14:imgProps>
-              </a:ext>
-              <a:ext uri="{28A0092B-C50C-407E-A947-70E740481C1C}">
-                <a14:useLocalDpi xmlns:a14="http://schemas.microsoft.com/office/drawing/2010/main" val="0"/>
-              </a:ext>
-            </a:extLst>
-          </a:blip>
-          <a:srcRect t="-3689"/>
-          <a:stretch/>
-        </p:blipFill>
-        <p:spPr>
-          <a:xfrm>
-            <a:off x="3535992" y="9979522"/>
-            <a:ext cx="2529215" cy="1484352"/>
-          </a:xfrm>
-          <a:prstGeom prst="rect">
-            <a:avLst/>
-          </a:prstGeom>
-        </p:spPr>
-      </p:pic>
-    </p:spTree>
-    <p:extLst>
-      <p:ext uri="{BB962C8B-B14F-4D97-AF65-F5344CB8AC3E}">
-        <p14:creationId xmlns:p14="http://schemas.microsoft.com/office/powerpoint/2010/main" val="1057121604"/>
-      </p:ext>
-    </p:extLst>
-  </p:cSld>
-  <p:clrMapOvr>
-    <a:masterClrMapping/>
-  </p:clrMapOvr>
-</p:sld>
-</file>
-
-<file path=ppt/slides/slide18.xml><?xml version="1.0" encoding="utf-8"?>
-<p:sld xmlns:a="http://schemas.openxmlformats.org/drawingml/2006/main" xmlns:r="http://schemas.openxmlformats.org/officeDocument/2006/relationships" xmlns:p="http://schemas.openxmlformats.org/presentationml/2006/main">
-  <p:cSld>
-    <p:spTree>
-      <p:nvGrpSpPr>
-        <p:cNvPr id="1" name=""/>
-        <p:cNvGrpSpPr/>
-        <p:nvPr/>
-      </p:nvGrpSpPr>
-      <p:grpSpPr>
-        <a:xfrm>
-          <a:off x="0" y="0"/>
-          <a:ext cx="0" cy="0"/>
-          <a:chOff x="0" y="0"/>
-          <a:chExt cx="0" cy="0"/>
-        </a:xfrm>
-      </p:grpSpPr>
-      <p:sp>
-        <p:nvSpPr>
-          <p:cNvPr id="2" name="Retângulo 1">
-            <a:extLst>
-              <a:ext uri="{FF2B5EF4-FFF2-40B4-BE49-F238E27FC236}">
-                <a16:creationId xmlns:a16="http://schemas.microsoft.com/office/drawing/2014/main" id="{B0B0E586-87BE-933D-F40E-E3BBA13856E0}"/>
-              </a:ext>
-            </a:extLst>
-          </p:cNvPr>
-          <p:cNvSpPr/>
-          <p:nvPr/>
-        </p:nvSpPr>
-        <p:spPr>
-          <a:xfrm>
-            <a:off x="0" y="0"/>
-            <a:ext cx="9601200" cy="12801600"/>
-          </a:xfrm>
-          <a:prstGeom prst="rect">
-            <a:avLst/>
-          </a:prstGeom>
-          <a:solidFill>
-            <a:schemeClr val="tx1"/>
-          </a:solidFill>
-          <a:ln>
-            <a:noFill/>
-          </a:ln>
-        </p:spPr>
-        <p:style>
-          <a:lnRef idx="2">
-            <a:schemeClr val="accent1">
-              <a:shade val="50000"/>
-            </a:schemeClr>
-          </a:lnRef>
-          <a:fillRef idx="1">
-            <a:schemeClr val="accent1"/>
-          </a:fillRef>
-          <a:effectRef idx="0">
-            <a:schemeClr val="accent1"/>
-          </a:effectRef>
-          <a:fontRef idx="minor">
-            <a:schemeClr val="lt1"/>
-          </a:fontRef>
-        </p:style>
-        <p:txBody>
-          <a:bodyPr rtlCol="0" anchor="ctr"/>
-          <a:lstStyle/>
-          <a:p>
-            <a:pPr algn="ctr"/>
-            <a:endParaRPr lang="pt-BR"/>
-          </a:p>
-        </p:txBody>
-      </p:sp>
-      <p:sp>
-        <p:nvSpPr>
-          <p:cNvPr id="3" name="titulo_componente">
-            <a:extLst>
-              <a:ext uri="{FF2B5EF4-FFF2-40B4-BE49-F238E27FC236}">
-                <a16:creationId xmlns:a16="http://schemas.microsoft.com/office/drawing/2014/main" id="{93533FB0-D3C0-9791-4F72-0D1731465A20}"/>
-              </a:ext>
-            </a:extLst>
-          </p:cNvPr>
-          <p:cNvSpPr txBox="1"/>
-          <p:nvPr/>
-        </p:nvSpPr>
-        <p:spPr>
-          <a:xfrm>
-            <a:off x="892277" y="6388320"/>
-            <a:ext cx="7816645" cy="2308324"/>
-          </a:xfrm>
-          <a:prstGeom prst="rect">
-            <a:avLst/>
-          </a:prstGeom>
-          <a:noFill/>
-        </p:spPr>
-        <p:txBody>
-          <a:bodyPr wrap="square" rtlCol="0">
-            <a:spAutoFit/>
-          </a:bodyPr>
-          <a:lstStyle/>
-          <a:p>
-            <a:pPr algn="ctr"/>
-            <a:r>
-              <a:rPr lang="pt-BR" sz="7200" dirty="0">
-                <a:solidFill>
-                  <a:schemeClr val="bg1"/>
-                </a:solidFill>
-                <a:latin typeface="Impact" panose="020B0806030902050204" pitchFamily="34" charset="0"/>
-              </a:rPr>
-              <a:t>SELETORES DE FILHOS E IRMÃOS</a:t>
-            </a:r>
-          </a:p>
-        </p:txBody>
-      </p:sp>
-      <p:sp>
-        <p:nvSpPr>
-          <p:cNvPr id="4" name="titulo_componente">
-            <a:extLst>
-              <a:ext uri="{FF2B5EF4-FFF2-40B4-BE49-F238E27FC236}">
-                <a16:creationId xmlns:a16="http://schemas.microsoft.com/office/drawing/2014/main" id="{0E49EEBC-3AEF-FA23-4067-E0866590C14C}"/>
-              </a:ext>
-            </a:extLst>
-          </p:cNvPr>
-          <p:cNvSpPr txBox="1"/>
-          <p:nvPr/>
-        </p:nvSpPr>
-        <p:spPr>
-          <a:xfrm>
-            <a:off x="807610" y="2133601"/>
-            <a:ext cx="7816645" cy="4508927"/>
-          </a:xfrm>
-          <a:prstGeom prst="rect">
-            <a:avLst/>
-          </a:prstGeom>
-          <a:noFill/>
-        </p:spPr>
-        <p:txBody>
-          <a:bodyPr wrap="square" rtlCol="0">
-            <a:spAutoFit/>
-          </a:bodyPr>
-          <a:lstStyle/>
-          <a:p>
-            <a:pPr algn="ctr"/>
-            <a:r>
-              <a:rPr lang="pt-BR" sz="28700" dirty="0">
-                <a:ln>
-                  <a:solidFill>
-                    <a:srgbClr val="11FFFE"/>
-                  </a:solidFill>
-                </a:ln>
-                <a:noFill/>
-                <a:latin typeface="Impact" panose="020B0806030902050204" pitchFamily="34" charset="0"/>
-              </a:rPr>
-              <a:t>06</a:t>
-            </a:r>
-          </a:p>
-        </p:txBody>
-      </p:sp>
-      <p:sp>
-        <p:nvSpPr>
-          <p:cNvPr id="5" name="Retângulo 4">
-            <a:extLst>
-              <a:ext uri="{FF2B5EF4-FFF2-40B4-BE49-F238E27FC236}">
-                <a16:creationId xmlns:a16="http://schemas.microsoft.com/office/drawing/2014/main" id="{FA80E993-76DA-56CE-427C-CE1D83BD30C1}"/>
-              </a:ext>
-            </a:extLst>
-          </p:cNvPr>
-          <p:cNvSpPr/>
-          <p:nvPr/>
-        </p:nvSpPr>
-        <p:spPr>
-          <a:xfrm>
-            <a:off x="976944" y="8776129"/>
-            <a:ext cx="7731978" cy="106262"/>
-          </a:xfrm>
-          <a:prstGeom prst="rect">
-            <a:avLst/>
-          </a:prstGeom>
-          <a:gradFill flip="none" rotWithShape="1">
-            <a:gsLst>
-              <a:gs pos="0">
-                <a:srgbClr val="11FFFE"/>
-              </a:gs>
-              <a:gs pos="74000">
-                <a:schemeClr val="accent1">
-                  <a:lumMod val="45000"/>
-                  <a:lumOff val="55000"/>
-                </a:schemeClr>
-              </a:gs>
-              <a:gs pos="83000">
-                <a:schemeClr val="accent1">
-                  <a:lumMod val="45000"/>
-                  <a:lumOff val="55000"/>
-                </a:schemeClr>
-              </a:gs>
-              <a:gs pos="100000">
-                <a:srgbClr val="36ABFF"/>
-              </a:gs>
-            </a:gsLst>
-            <a:lin ang="10800000" scaled="1"/>
-            <a:tileRect/>
-          </a:gradFill>
-          <a:ln>
-            <a:noFill/>
-          </a:ln>
-        </p:spPr>
-        <p:style>
-          <a:lnRef idx="2">
-            <a:schemeClr val="accent1">
-              <a:shade val="50000"/>
-            </a:schemeClr>
-          </a:lnRef>
-          <a:fillRef idx="1">
-            <a:schemeClr val="accent1"/>
-          </a:fillRef>
-          <a:effectRef idx="0">
-            <a:schemeClr val="accent1"/>
-          </a:effectRef>
-          <a:fontRef idx="minor">
-            <a:schemeClr val="lt1"/>
-          </a:fontRef>
-        </p:style>
-        <p:txBody>
-          <a:bodyPr rtlCol="0" anchor="ctr"/>
-          <a:lstStyle/>
-          <a:p>
-            <a:pPr algn="ctr"/>
-            <a:endParaRPr lang="pt-BR"/>
-          </a:p>
-        </p:txBody>
-      </p:sp>
-      <p:sp>
-        <p:nvSpPr>
-          <p:cNvPr id="6" name="texto_componente">
-            <a:extLst>
-              <a:ext uri="{FF2B5EF4-FFF2-40B4-BE49-F238E27FC236}">
-                <a16:creationId xmlns:a16="http://schemas.microsoft.com/office/drawing/2014/main" id="{1A38D318-280C-0E99-2186-7D919CA59191}"/>
-              </a:ext>
-            </a:extLst>
-          </p:cNvPr>
-          <p:cNvSpPr txBox="1"/>
-          <p:nvPr/>
-        </p:nvSpPr>
-        <p:spPr>
-          <a:xfrm>
-            <a:off x="870768" y="9340866"/>
-            <a:ext cx="7816645" cy="1938992"/>
-          </a:xfrm>
-          <a:prstGeom prst="rect">
-            <a:avLst/>
-          </a:prstGeom>
-          <a:noFill/>
-        </p:spPr>
-        <p:txBody>
-          <a:bodyPr wrap="square" rtlCol="0">
-            <a:spAutoFit/>
-          </a:bodyPr>
-          <a:lstStyle/>
-          <a:p>
-            <a:pPr algn="ctr"/>
-            <a:r>
-              <a:rPr lang="pt-BR" sz="2400" dirty="0">
-                <a:solidFill>
-                  <a:schemeClr val="bg1"/>
-                </a:solidFill>
-              </a:rPr>
-              <a:t>Os seletores de filhos e irmãos permitem selecionar elementos com base em sua relação com outros elementos. Eles são úteis quando você deseja estilizar elementos específicos em uma estrutura hierárquica. Veja os exemplos a seguir:</a:t>
-            </a:r>
-          </a:p>
-        </p:txBody>
-      </p:sp>
-      <p:sp>
-        <p:nvSpPr>
-          <p:cNvPr id="10" name="Espaço Reservado para Rodapé 9">
-            <a:extLst>
-              <a:ext uri="{FF2B5EF4-FFF2-40B4-BE49-F238E27FC236}">
-                <a16:creationId xmlns:a16="http://schemas.microsoft.com/office/drawing/2014/main" id="{EB9DBB56-D673-BFF1-D219-8798ED46F7B3}"/>
-              </a:ext>
-            </a:extLst>
-          </p:cNvPr>
-          <p:cNvSpPr>
-            <a:spLocks noGrp="1"/>
-          </p:cNvSpPr>
-          <p:nvPr>
-            <p:ph type="ftr" sz="quarter" idx="11"/>
-          </p:nvPr>
-        </p:nvSpPr>
-        <p:spPr/>
-        <p:txBody>
-          <a:bodyPr/>
-          <a:lstStyle/>
-          <a:p>
-            <a:r>
-              <a:rPr lang="pt-BR"/>
-              <a:t>SELETORES CSS PARA JEDIS - FELIPE AGUIAR</a:t>
-            </a:r>
-          </a:p>
-        </p:txBody>
-      </p:sp>
-      <p:sp>
-        <p:nvSpPr>
-          <p:cNvPr id="11" name="Espaço Reservado para Número de Slide 10">
-            <a:extLst>
-              <a:ext uri="{FF2B5EF4-FFF2-40B4-BE49-F238E27FC236}">
-                <a16:creationId xmlns:a16="http://schemas.microsoft.com/office/drawing/2014/main" id="{981968B5-ADB4-7523-F4E9-54DB02B757A9}"/>
-              </a:ext>
-            </a:extLst>
-          </p:cNvPr>
-          <p:cNvSpPr>
-            <a:spLocks noGrp="1"/>
-          </p:cNvSpPr>
-          <p:nvPr>
-            <p:ph type="sldNum" sz="quarter" idx="12"/>
-          </p:nvPr>
-        </p:nvSpPr>
-        <p:spPr/>
-        <p:txBody>
-          <a:bodyPr/>
-          <a:lstStyle/>
-          <a:p>
-            <a:fld id="{9BB46D60-96CE-4402-8D7C-2F4B1C382689}" type="slidenum">
-              <a:rPr lang="pt-BR" smtClean="0"/>
-              <a:t>18</a:t>
-            </a:fld>
-            <a:endParaRPr lang="pt-BR"/>
-          </a:p>
-        </p:txBody>
-      </p:sp>
-    </p:spTree>
-    <p:extLst>
-      <p:ext uri="{BB962C8B-B14F-4D97-AF65-F5344CB8AC3E}">
-        <p14:creationId xmlns:p14="http://schemas.microsoft.com/office/powerpoint/2010/main" val="3907831468"/>
-      </p:ext>
-    </p:extLst>
-  </p:cSld>
-  <p:clrMapOvr>
-    <a:masterClrMapping/>
-  </p:clrMapOvr>
-</p:sld>
-</file>
-
-<file path=ppt/slides/slide19.xml><?xml version="1.0" encoding="utf-8"?>
-<p:sld xmlns:a="http://schemas.openxmlformats.org/drawingml/2006/main" xmlns:r="http://schemas.openxmlformats.org/officeDocument/2006/relationships" xmlns:p="http://schemas.openxmlformats.org/presentationml/2006/main">
-  <p:cSld>
-    <p:spTree>
-      <p:nvGrpSpPr>
-        <p:cNvPr id="1" name=""/>
-        <p:cNvGrpSpPr/>
-        <p:nvPr/>
-      </p:nvGrpSpPr>
-      <p:grpSpPr>
-        <a:xfrm>
-          <a:off x="0" y="0"/>
-          <a:ext cx="0" cy="0"/>
-          <a:chOff x="0" y="0"/>
-          <a:chExt cx="0" cy="0"/>
-        </a:xfrm>
-      </p:grpSpPr>
-      <p:sp>
-        <p:nvSpPr>
-          <p:cNvPr id="2" name="texto_componente">
-            <a:extLst>
-              <a:ext uri="{FF2B5EF4-FFF2-40B4-BE49-F238E27FC236}">
-                <a16:creationId xmlns:a16="http://schemas.microsoft.com/office/drawing/2014/main" id="{5F8A268F-DF04-2C6F-1AF7-579F8D46FDD0}"/>
-              </a:ext>
-            </a:extLst>
-          </p:cNvPr>
-          <p:cNvSpPr txBox="1"/>
-          <p:nvPr/>
-        </p:nvSpPr>
-        <p:spPr>
-          <a:xfrm>
-            <a:off x="870768" y="2822078"/>
-            <a:ext cx="7816645" cy="1569660"/>
-          </a:xfrm>
-          <a:prstGeom prst="rect">
-            <a:avLst/>
-          </a:prstGeom>
-          <a:noFill/>
-        </p:spPr>
-        <p:txBody>
-          <a:bodyPr wrap="square" rtlCol="0">
-            <a:spAutoFit/>
-          </a:bodyPr>
-          <a:lstStyle/>
-          <a:p>
-            <a:pPr algn="ctr"/>
-            <a:r>
-              <a:rPr lang="pt-BR" sz="2400" dirty="0"/>
-              <a:t>O seletor de filho adjacente (+) permite selecionar o primeiro elemento irmão imediatamente após outro elemento. Por exemplo, para estilizar o primeiro parágrafo após um título h2, você pode usar o seletor h2 + p. Veja o exemplo:</a:t>
-            </a:r>
-          </a:p>
-        </p:txBody>
-      </p:sp>
-      <p:sp>
-        <p:nvSpPr>
-          <p:cNvPr id="3" name="titulo_componente">
-            <a:extLst>
-              <a:ext uri="{FF2B5EF4-FFF2-40B4-BE49-F238E27FC236}">
-                <a16:creationId xmlns:a16="http://schemas.microsoft.com/office/drawing/2014/main" id="{26767187-6DF7-80A9-F3B9-FCD72DDF717D}"/>
-              </a:ext>
-            </a:extLst>
-          </p:cNvPr>
-          <p:cNvSpPr txBox="1"/>
-          <p:nvPr/>
-        </p:nvSpPr>
-        <p:spPr>
-          <a:xfrm>
-            <a:off x="1784555" y="777781"/>
-            <a:ext cx="7816645" cy="707886"/>
-          </a:xfrm>
-          <a:prstGeom prst="rect">
-            <a:avLst/>
-          </a:prstGeom>
-          <a:noFill/>
-        </p:spPr>
-        <p:txBody>
-          <a:bodyPr wrap="square" rtlCol="0">
-            <a:spAutoFit/>
-          </a:bodyPr>
-          <a:lstStyle/>
-          <a:p>
-            <a:r>
-              <a:rPr lang="pt-BR" sz="4000" dirty="0">
-                <a:latin typeface="Impact" panose="020B0806030902050204" pitchFamily="34" charset="0"/>
-              </a:rPr>
-              <a:t>SELETOR DE FILHO ADJACENTE (+)</a:t>
-            </a:r>
-          </a:p>
-        </p:txBody>
-      </p:sp>
-      <p:sp>
-        <p:nvSpPr>
-          <p:cNvPr id="5" name="Retângulo 4">
-            <a:extLst>
-              <a:ext uri="{FF2B5EF4-FFF2-40B4-BE49-F238E27FC236}">
-                <a16:creationId xmlns:a16="http://schemas.microsoft.com/office/drawing/2014/main" id="{F3548456-7C95-80DE-D379-01E177977A3D}"/>
-              </a:ext>
-            </a:extLst>
-          </p:cNvPr>
-          <p:cNvSpPr/>
-          <p:nvPr/>
-        </p:nvSpPr>
-        <p:spPr>
-          <a:xfrm>
-            <a:off x="651281" y="-216344"/>
-            <a:ext cx="144000" cy="1512000"/>
-          </a:xfrm>
-          <a:prstGeom prst="rect">
-            <a:avLst/>
-          </a:prstGeom>
-          <a:gradFill flip="none" rotWithShape="1">
-            <a:gsLst>
-              <a:gs pos="0">
-                <a:srgbClr val="11FFFE"/>
-              </a:gs>
-              <a:gs pos="74000">
-                <a:schemeClr val="accent1">
-                  <a:lumMod val="45000"/>
-                  <a:lumOff val="55000"/>
-                </a:schemeClr>
-              </a:gs>
-              <a:gs pos="83000">
-                <a:schemeClr val="accent1">
-                  <a:lumMod val="45000"/>
-                  <a:lumOff val="55000"/>
-                </a:schemeClr>
-              </a:gs>
-              <a:gs pos="100000">
-                <a:srgbClr val="36ABFF"/>
-              </a:gs>
-            </a:gsLst>
-            <a:lin ang="5400000" scaled="1"/>
-            <a:tileRect/>
-          </a:gradFill>
-          <a:ln>
-            <a:noFill/>
-          </a:ln>
-        </p:spPr>
-        <p:style>
-          <a:lnRef idx="2">
-            <a:schemeClr val="accent1">
-              <a:shade val="50000"/>
-            </a:schemeClr>
-          </a:lnRef>
-          <a:fillRef idx="1">
-            <a:schemeClr val="accent1"/>
-          </a:fillRef>
-          <a:effectRef idx="0">
-            <a:schemeClr val="accent1"/>
-          </a:effectRef>
-          <a:fontRef idx="minor">
-            <a:schemeClr val="lt1"/>
-          </a:fontRef>
-        </p:style>
-        <p:txBody>
-          <a:bodyPr rtlCol="0" anchor="ctr"/>
-          <a:lstStyle/>
-          <a:p>
-            <a:pPr algn="ctr"/>
-            <a:endParaRPr lang="pt-BR"/>
-          </a:p>
-        </p:txBody>
-      </p:sp>
-      <p:pic>
-        <p:nvPicPr>
-          <p:cNvPr id="6" name="Imagem 5">
-            <a:extLst>
-              <a:ext uri="{FF2B5EF4-FFF2-40B4-BE49-F238E27FC236}">
-                <a16:creationId xmlns:a16="http://schemas.microsoft.com/office/drawing/2014/main" id="{0DFB6260-AABE-15DB-6F26-5599A27F59D2}"/>
-              </a:ext>
-            </a:extLst>
-          </p:cNvPr>
-          <p:cNvPicPr>
-            <a:picLocks noChangeAspect="1"/>
-          </p:cNvPicPr>
-          <p:nvPr/>
-        </p:nvPicPr>
-        <p:blipFill>
-          <a:blip r:embed="rId2"/>
-          <a:stretch>
-            <a:fillRect/>
-          </a:stretch>
-        </p:blipFill>
-        <p:spPr>
-          <a:xfrm>
-            <a:off x="0" y="4945945"/>
-            <a:ext cx="9601200" cy="4384548"/>
-          </a:xfrm>
-          <a:prstGeom prst="rect">
-            <a:avLst/>
-          </a:prstGeom>
-        </p:spPr>
-      </p:pic>
-      <p:sp>
-        <p:nvSpPr>
-          <p:cNvPr id="11" name="Espaço Reservado para Rodapé 10">
-            <a:extLst>
-              <a:ext uri="{FF2B5EF4-FFF2-40B4-BE49-F238E27FC236}">
-                <a16:creationId xmlns:a16="http://schemas.microsoft.com/office/drawing/2014/main" id="{2A3A121B-C21A-B258-DBB8-7B677BDC4E3E}"/>
-              </a:ext>
-            </a:extLst>
-          </p:cNvPr>
-          <p:cNvSpPr>
-            <a:spLocks noGrp="1"/>
-          </p:cNvSpPr>
-          <p:nvPr>
-            <p:ph type="ftr" sz="quarter" idx="11"/>
-          </p:nvPr>
-        </p:nvSpPr>
-        <p:spPr/>
-        <p:txBody>
-          <a:bodyPr/>
-          <a:lstStyle/>
-          <a:p>
-            <a:r>
-              <a:rPr lang="pt-BR"/>
-              <a:t>SELETORES CSS PARA JEDIS - FELIPE AGUIAR</a:t>
-            </a:r>
-          </a:p>
-        </p:txBody>
-      </p:sp>
-      <p:sp>
-        <p:nvSpPr>
-          <p:cNvPr id="12" name="Espaço Reservado para Número de Slide 11">
-            <a:extLst>
-              <a:ext uri="{FF2B5EF4-FFF2-40B4-BE49-F238E27FC236}">
-                <a16:creationId xmlns:a16="http://schemas.microsoft.com/office/drawing/2014/main" id="{E6B5828F-4648-B570-E408-7CDFB1A4F9EB}"/>
-              </a:ext>
-            </a:extLst>
-          </p:cNvPr>
-          <p:cNvSpPr>
-            <a:spLocks noGrp="1"/>
-          </p:cNvSpPr>
-          <p:nvPr>
-            <p:ph type="sldNum" sz="quarter" idx="12"/>
-          </p:nvPr>
-        </p:nvSpPr>
-        <p:spPr/>
-        <p:txBody>
-          <a:bodyPr/>
-          <a:lstStyle/>
-          <a:p>
-            <a:fld id="{9BB46D60-96CE-4402-8D7C-2F4B1C382689}" type="slidenum">
-              <a:rPr lang="pt-BR" smtClean="0"/>
-              <a:t>19</a:t>
-            </a:fld>
-            <a:endParaRPr lang="pt-BR"/>
-          </a:p>
-        </p:txBody>
-      </p:sp>
-      <p:pic>
-        <p:nvPicPr>
-          <p:cNvPr id="13" name="Picture 8" descr="Would you like to see new lightsaber variants in the future? | Fandom">
-            <a:extLst>
-              <a:ext uri="{FF2B5EF4-FFF2-40B4-BE49-F238E27FC236}">
-                <a16:creationId xmlns:a16="http://schemas.microsoft.com/office/drawing/2014/main" id="{6F481612-03DE-6168-DCE6-194169C94ABB}"/>
-              </a:ext>
-            </a:extLst>
-          </p:cNvPr>
-          <p:cNvPicPr>
-            <a:picLocks noChangeAspect="1" noChangeArrowheads="1"/>
-          </p:cNvPicPr>
-          <p:nvPr/>
-        </p:nvPicPr>
-        <p:blipFill>
-          <a:blip r:embed="rId3">
-            <a:extLst>
-              <a:ext uri="{BEBA8EAE-BF5A-486C-A8C5-ECC9F3942E4B}">
-                <a14:imgProps xmlns:a14="http://schemas.microsoft.com/office/drawing/2010/main">
-                  <a14:imgLayer r:embed="rId4">
-                    <a14:imgEffect>
-                      <a14:brightnessContrast bright="40000" contrast="20000"/>
-                    </a14:imgEffect>
-                  </a14:imgLayer>
-                </a14:imgProps>
-              </a:ext>
-              <a:ext uri="{28A0092B-C50C-407E-A947-70E740481C1C}">
-                <a14:useLocalDpi xmlns:a14="http://schemas.microsoft.com/office/drawing/2010/main" val="0"/>
-              </a:ext>
-            </a:extLst>
-          </a:blip>
-          <a:srcRect/>
-          <a:stretch>
-            <a:fillRect/>
-          </a:stretch>
-        </p:blipFill>
-        <p:spPr bwMode="auto">
-          <a:xfrm rot="1987839">
-            <a:off x="3038474" y="971271"/>
-            <a:ext cx="3524250" cy="2447925"/>
-          </a:xfrm>
-          <a:prstGeom prst="rect">
-            <a:avLst/>
-          </a:prstGeom>
-          <a:noFill/>
-          <a:extLst>
-            <a:ext uri="{909E8E84-426E-40DD-AFC4-6F175D3DCCD1}">
-              <a14:hiddenFill xmlns:a14="http://schemas.microsoft.com/office/drawing/2010/main">
-                <a:solidFill>
-                  <a:srgbClr val="FFFFFF"/>
-                </a:solidFill>
-              </a14:hiddenFill>
-            </a:ext>
-          </a:extLst>
-        </p:spPr>
-      </p:pic>
-      <p:pic>
-        <p:nvPicPr>
-          <p:cNvPr id="14" name="logo_css" descr="Ícone&#10;&#10;Descrição gerada automaticamente">
-            <a:extLst>
-              <a:ext uri="{FF2B5EF4-FFF2-40B4-BE49-F238E27FC236}">
-                <a16:creationId xmlns:a16="http://schemas.microsoft.com/office/drawing/2014/main" id="{B63594D7-68CF-29FC-A0D9-3B7E8A5A1E37}"/>
-              </a:ext>
-            </a:extLst>
-          </p:cNvPr>
-          <p:cNvPicPr>
-            <a:picLocks noChangeAspect="1"/>
-          </p:cNvPicPr>
-          <p:nvPr/>
-        </p:nvPicPr>
-        <p:blipFill rotWithShape="1">
-          <a:blip r:embed="rId5">
-            <a:duotone>
-              <a:schemeClr val="bg2">
-                <a:shade val="45000"/>
-                <a:satMod val="135000"/>
-              </a:schemeClr>
-              <a:prstClr val="white"/>
-            </a:duotone>
-            <a:extLst>
-              <a:ext uri="{BEBA8EAE-BF5A-486C-A8C5-ECC9F3942E4B}">
-                <a14:imgProps xmlns:a14="http://schemas.microsoft.com/office/drawing/2010/main">
-                  <a14:imgLayer r:embed="rId6">
-                    <a14:imgEffect>
-                      <a14:brightnessContrast bright="40000" contrast="40000"/>
-                    </a14:imgEffect>
-                  </a14:imgLayer>
-                </a14:imgProps>
-              </a:ext>
-              <a:ext uri="{28A0092B-C50C-407E-A947-70E740481C1C}">
-                <a14:useLocalDpi xmlns:a14="http://schemas.microsoft.com/office/drawing/2010/main" val="0"/>
-              </a:ext>
-            </a:extLst>
-          </a:blip>
-          <a:srcRect t="-3689"/>
-          <a:stretch/>
-        </p:blipFill>
-        <p:spPr>
-          <a:xfrm>
-            <a:off x="3535992" y="9979522"/>
-            <a:ext cx="2529215" cy="1484352"/>
-          </a:xfrm>
-          <a:prstGeom prst="rect">
-            <a:avLst/>
-          </a:prstGeom>
-        </p:spPr>
-      </p:pic>
-    </p:spTree>
-    <p:extLst>
-      <p:ext uri="{BB962C8B-B14F-4D97-AF65-F5344CB8AC3E}">
-        <p14:creationId xmlns:p14="http://schemas.microsoft.com/office/powerpoint/2010/main" val="1027381058"/>
-      </p:ext>
-    </p:extLst>
-  </p:cSld>
-  <p:clrMapOvr>
-    <a:masterClrMapping/>
-  </p:clrMapOvr>
-</p:sld>
-</file>
-
-<file path=ppt/slides/slide2.xml><?xml version="1.0" encoding="utf-8"?>
-<p:sld xmlns:a="http://schemas.openxmlformats.org/drawingml/2006/main" xmlns:r="http://schemas.openxmlformats.org/officeDocument/2006/relationships" xmlns:p="http://schemas.openxmlformats.org/presentationml/2006/main">
-  <p:cSld>
-    <p:spTree>
-      <p:nvGrpSpPr>
-        <p:cNvPr id="1" name=""/>
-        <p:cNvGrpSpPr/>
-        <p:nvPr/>
-      </p:nvGrpSpPr>
-      <p:grpSpPr>
-        <a:xfrm>
-          <a:off x="0" y="0"/>
-          <a:ext cx="0" cy="0"/>
-          <a:chOff x="0" y="0"/>
-          <a:chExt cx="0" cy="0"/>
-        </a:xfrm>
-      </p:grpSpPr>
-      <p:sp>
-        <p:nvSpPr>
-          <p:cNvPr id="2" name="texto_componente">
-            <a:extLst>
-              <a:ext uri="{FF2B5EF4-FFF2-40B4-BE49-F238E27FC236}">
-                <a16:creationId xmlns:a16="http://schemas.microsoft.com/office/drawing/2014/main" id="{5F8A268F-DF04-2C6F-1AF7-579F8D46FDD0}"/>
-              </a:ext>
-            </a:extLst>
-          </p:cNvPr>
-          <p:cNvSpPr txBox="1"/>
-          <p:nvPr/>
-        </p:nvSpPr>
-        <p:spPr>
-          <a:xfrm>
-            <a:off x="870768" y="2999059"/>
-            <a:ext cx="7816645" cy="2677656"/>
-          </a:xfrm>
-          <a:prstGeom prst="rect">
-            <a:avLst/>
-          </a:prstGeom>
-          <a:noFill/>
-        </p:spPr>
-        <p:txBody>
-          <a:bodyPr wrap="square" rtlCol="0">
-            <a:spAutoFit/>
-          </a:bodyPr>
-          <a:lstStyle/>
-          <a:p>
-            <a:pPr algn="ctr"/>
-            <a:r>
-              <a:rPr lang="pt-BR" sz="2400" dirty="0"/>
-              <a:t>CSS (</a:t>
-            </a:r>
-            <a:r>
-              <a:rPr lang="pt-BR" sz="2400" dirty="0" err="1"/>
-              <a:t>Cascading</a:t>
-            </a:r>
-            <a:r>
-              <a:rPr lang="pt-BR" sz="2400" dirty="0"/>
-              <a:t> </a:t>
-            </a:r>
-            <a:r>
-              <a:rPr lang="pt-BR" sz="2400" dirty="0" err="1"/>
-              <a:t>Style</a:t>
-            </a:r>
-            <a:r>
-              <a:rPr lang="pt-BR" sz="2400" dirty="0"/>
-              <a:t> </a:t>
-            </a:r>
-            <a:r>
-              <a:rPr lang="pt-BR" sz="2400" dirty="0" err="1"/>
-              <a:t>Sheets</a:t>
-            </a:r>
-            <a:r>
-              <a:rPr lang="pt-BR" sz="2400" b="1" dirty="0"/>
-              <a:t>) </a:t>
-            </a:r>
-            <a:r>
-              <a:rPr lang="pt-BR" sz="2400" dirty="0"/>
-              <a:t>é uma linguagem essencial para estilizar páginas da web. Com o uso correto dos seletores CSS, podemos direcionar e estilizar elementos específicos de forma eficiente. Neste ebook, exploraremos os principais seletores CSS e forneceremos exemplos de código em contextos reais. Prepare-se para simplificar o estilo dos seus elementos!</a:t>
-            </a:r>
-          </a:p>
-        </p:txBody>
-      </p:sp>
-      <p:sp>
-        <p:nvSpPr>
-          <p:cNvPr id="3" name="titulo_componente">
-            <a:extLst>
-              <a:ext uri="{FF2B5EF4-FFF2-40B4-BE49-F238E27FC236}">
-                <a16:creationId xmlns:a16="http://schemas.microsoft.com/office/drawing/2014/main" id="{26767187-6DF7-80A9-F3B9-FCD72DDF717D}"/>
-              </a:ext>
-            </a:extLst>
-          </p:cNvPr>
-          <p:cNvSpPr txBox="1"/>
-          <p:nvPr/>
-        </p:nvSpPr>
-        <p:spPr>
-          <a:xfrm>
-            <a:off x="2080135" y="777781"/>
-            <a:ext cx="7816645" cy="707886"/>
-          </a:xfrm>
-          <a:prstGeom prst="rect">
-            <a:avLst/>
-          </a:prstGeom>
-          <a:noFill/>
-        </p:spPr>
-        <p:txBody>
-          <a:bodyPr wrap="square" rtlCol="0">
-            <a:spAutoFit/>
-          </a:bodyPr>
-          <a:lstStyle/>
-          <a:p>
-            <a:r>
-              <a:rPr lang="pt-BR" sz="4000" dirty="0">
-                <a:latin typeface="Impact" panose="020B0806030902050204" pitchFamily="34" charset="0"/>
-              </a:rPr>
-              <a:t>PRINCIPAIS SELETORES CSS</a:t>
-            </a:r>
-          </a:p>
-        </p:txBody>
-      </p:sp>
-      <p:sp>
-        <p:nvSpPr>
-          <p:cNvPr id="4" name="subtitulo_componente">
-            <a:extLst>
-              <a:ext uri="{FF2B5EF4-FFF2-40B4-BE49-F238E27FC236}">
-                <a16:creationId xmlns:a16="http://schemas.microsoft.com/office/drawing/2014/main" id="{25CCF5E4-57B1-4237-190B-AC69C1A6536B}"/>
-              </a:ext>
-            </a:extLst>
-          </p:cNvPr>
-          <p:cNvSpPr txBox="1"/>
-          <p:nvPr/>
-        </p:nvSpPr>
-        <p:spPr>
-          <a:xfrm>
-            <a:off x="870768" y="1961917"/>
-            <a:ext cx="7816645" cy="584775"/>
-          </a:xfrm>
-          <a:prstGeom prst="rect">
-            <a:avLst/>
-          </a:prstGeom>
-          <a:noFill/>
-        </p:spPr>
-        <p:txBody>
-          <a:bodyPr wrap="square" rtlCol="0">
-            <a:spAutoFit/>
-          </a:bodyPr>
-          <a:lstStyle/>
-          <a:p>
-            <a:pPr algn="ctr"/>
-            <a:r>
-              <a:rPr lang="pt-BR" sz="3200" dirty="0">
-                <a:latin typeface="+mj-lt"/>
-              </a:rPr>
-              <a:t>Simplificando o Estilo dos seus Elementos</a:t>
-            </a:r>
-          </a:p>
-        </p:txBody>
-      </p:sp>
-      <p:sp>
-        <p:nvSpPr>
-          <p:cNvPr id="5" name="Retângulo 4">
-            <a:extLst>
-              <a:ext uri="{FF2B5EF4-FFF2-40B4-BE49-F238E27FC236}">
-                <a16:creationId xmlns:a16="http://schemas.microsoft.com/office/drawing/2014/main" id="{F3548456-7C95-80DE-D379-01E177977A3D}"/>
-              </a:ext>
-            </a:extLst>
-          </p:cNvPr>
-          <p:cNvSpPr/>
-          <p:nvPr/>
-        </p:nvSpPr>
-        <p:spPr>
-          <a:xfrm>
-            <a:off x="651281" y="-216344"/>
-            <a:ext cx="144000" cy="1512000"/>
-          </a:xfrm>
-          <a:prstGeom prst="rect">
-            <a:avLst/>
-          </a:prstGeom>
-          <a:gradFill flip="none" rotWithShape="1">
-            <a:gsLst>
-              <a:gs pos="0">
-                <a:srgbClr val="11FFFE"/>
-              </a:gs>
-              <a:gs pos="74000">
-                <a:schemeClr val="accent1">
-                  <a:lumMod val="45000"/>
-                  <a:lumOff val="55000"/>
-                </a:schemeClr>
-              </a:gs>
-              <a:gs pos="83000">
-                <a:schemeClr val="accent1">
-                  <a:lumMod val="45000"/>
-                  <a:lumOff val="55000"/>
-                </a:schemeClr>
-              </a:gs>
-              <a:gs pos="100000">
-                <a:srgbClr val="36ABFF"/>
-              </a:gs>
-            </a:gsLst>
-            <a:lin ang="5400000" scaled="1"/>
-            <a:tileRect/>
-          </a:gradFill>
-          <a:ln>
-            <a:noFill/>
-          </a:ln>
-        </p:spPr>
-        <p:style>
-          <a:lnRef idx="2">
-            <a:schemeClr val="accent1">
-              <a:shade val="50000"/>
-            </a:schemeClr>
-          </a:lnRef>
-          <a:fillRef idx="1">
-            <a:schemeClr val="accent1"/>
-          </a:fillRef>
-          <a:effectRef idx="0">
-            <a:schemeClr val="accent1"/>
-          </a:effectRef>
-          <a:fontRef idx="minor">
-            <a:schemeClr val="lt1"/>
-          </a:fontRef>
-        </p:style>
-        <p:txBody>
-          <a:bodyPr rtlCol="0" anchor="ctr"/>
-          <a:lstStyle/>
-          <a:p>
-            <a:pPr algn="ctr"/>
-            <a:endParaRPr lang="pt-BR"/>
-          </a:p>
-        </p:txBody>
-      </p:sp>
-      <p:pic>
-        <p:nvPicPr>
-          <p:cNvPr id="6" name="logo_css" descr="Ícone&#10;&#10;Descrição gerada automaticamente">
-            <a:extLst>
-              <a:ext uri="{FF2B5EF4-FFF2-40B4-BE49-F238E27FC236}">
-                <a16:creationId xmlns:a16="http://schemas.microsoft.com/office/drawing/2014/main" id="{A2D9A93F-3803-E8E7-32AC-1BF775A02A77}"/>
-              </a:ext>
-            </a:extLst>
-          </p:cNvPr>
-          <p:cNvPicPr>
-            <a:picLocks noChangeAspect="1"/>
-          </p:cNvPicPr>
-          <p:nvPr/>
-        </p:nvPicPr>
-        <p:blipFill rotWithShape="1">
-          <a:blip r:embed="rId2">
-            <a:extLst>
-              <a:ext uri="{BEBA8EAE-BF5A-486C-A8C5-ECC9F3942E4B}">
-                <a14:imgProps xmlns:a14="http://schemas.microsoft.com/office/drawing/2010/main">
-                  <a14:imgLayer r:embed="rId3">
-                    <a14:imgEffect>
-                      <a14:brightnessContrast bright="40000" contrast="40000"/>
-                    </a14:imgEffect>
-                  </a14:imgLayer>
-                </a14:imgProps>
-              </a:ext>
-              <a:ext uri="{28A0092B-C50C-407E-A947-70E740481C1C}">
-                <a14:useLocalDpi xmlns:a14="http://schemas.microsoft.com/office/drawing/2010/main" val="0"/>
-              </a:ext>
-            </a:extLst>
-          </a:blip>
-          <a:srcRect t="16575"/>
-          <a:stretch/>
-        </p:blipFill>
-        <p:spPr>
-          <a:xfrm>
-            <a:off x="0" y="6472238"/>
-            <a:ext cx="9365802" cy="4422400"/>
-          </a:xfrm>
-          <a:prstGeom prst="rect">
-            <a:avLst/>
-          </a:prstGeom>
-        </p:spPr>
-      </p:pic>
-      <p:sp>
-        <p:nvSpPr>
-          <p:cNvPr id="10" name="Espaço Reservado para Rodapé 9">
-            <a:extLst>
-              <a:ext uri="{FF2B5EF4-FFF2-40B4-BE49-F238E27FC236}">
-                <a16:creationId xmlns:a16="http://schemas.microsoft.com/office/drawing/2014/main" id="{D950483A-1B7C-BC8A-AFE0-E5A3B512FCEF}"/>
-              </a:ext>
-            </a:extLst>
-          </p:cNvPr>
-          <p:cNvSpPr>
-            <a:spLocks noGrp="1"/>
-          </p:cNvSpPr>
-          <p:nvPr>
-            <p:ph type="ftr" sz="quarter" idx="11"/>
-          </p:nvPr>
-        </p:nvSpPr>
-        <p:spPr/>
-        <p:txBody>
-          <a:bodyPr/>
-          <a:lstStyle/>
-          <a:p>
-            <a:r>
-              <a:rPr lang="pt-BR"/>
-              <a:t>SELETORES CSS PARA JEDIS - FELIPE AGUIAR</a:t>
-            </a:r>
-          </a:p>
-        </p:txBody>
-      </p:sp>
-      <p:sp>
-        <p:nvSpPr>
-          <p:cNvPr id="11" name="Espaço Reservado para Número de Slide 10">
-            <a:extLst>
-              <a:ext uri="{FF2B5EF4-FFF2-40B4-BE49-F238E27FC236}">
-                <a16:creationId xmlns:a16="http://schemas.microsoft.com/office/drawing/2014/main" id="{1966F1B7-35CA-277C-5D23-E67A2444F784}"/>
-              </a:ext>
-            </a:extLst>
-          </p:cNvPr>
-          <p:cNvSpPr>
-            <a:spLocks noGrp="1"/>
-          </p:cNvSpPr>
-          <p:nvPr>
-            <p:ph type="sldNum" sz="quarter" idx="12"/>
-          </p:nvPr>
-        </p:nvSpPr>
-        <p:spPr/>
-        <p:txBody>
-          <a:bodyPr/>
-          <a:lstStyle/>
-          <a:p>
-            <a:fld id="{9BB46D60-96CE-4402-8D7C-2F4B1C382689}" type="slidenum">
-              <a:rPr lang="pt-BR" smtClean="0"/>
-              <a:t>2</a:t>
-            </a:fld>
-            <a:endParaRPr lang="pt-BR"/>
-          </a:p>
-        </p:txBody>
-      </p:sp>
-    </p:spTree>
-    <p:extLst>
-      <p:ext uri="{BB962C8B-B14F-4D97-AF65-F5344CB8AC3E}">
-        <p14:creationId xmlns:p14="http://schemas.microsoft.com/office/powerpoint/2010/main" val="3004000852"/>
-      </p:ext>
-    </p:extLst>
-  </p:cSld>
-  <p:clrMapOvr>
-    <a:masterClrMapping/>
-  </p:clrMapOvr>
-</p:sld>
-</file>
-
-<file path=ppt/slides/slide20.xml><?xml version="1.0" encoding="utf-8"?>
-<p:sld xmlns:a="http://schemas.openxmlformats.org/drawingml/2006/main" xmlns:r="http://schemas.openxmlformats.org/officeDocument/2006/relationships" xmlns:p="http://schemas.openxmlformats.org/presentationml/2006/main">
-  <p:cSld>
-    <p:spTree>
-      <p:nvGrpSpPr>
-        <p:cNvPr id="1" name=""/>
-        <p:cNvGrpSpPr/>
-        <p:nvPr/>
-      </p:nvGrpSpPr>
-      <p:grpSpPr>
-        <a:xfrm>
-          <a:off x="0" y="0"/>
-          <a:ext cx="0" cy="0"/>
-          <a:chOff x="0" y="0"/>
-          <a:chExt cx="0" cy="0"/>
-        </a:xfrm>
-      </p:grpSpPr>
-      <p:sp>
-        <p:nvSpPr>
-          <p:cNvPr id="2" name="texto_componente">
-            <a:extLst>
-              <a:ext uri="{FF2B5EF4-FFF2-40B4-BE49-F238E27FC236}">
-                <a16:creationId xmlns:a16="http://schemas.microsoft.com/office/drawing/2014/main" id="{5F8A268F-DF04-2C6F-1AF7-579F8D46FDD0}"/>
-              </a:ext>
-            </a:extLst>
-          </p:cNvPr>
-          <p:cNvSpPr txBox="1"/>
-          <p:nvPr/>
-        </p:nvSpPr>
-        <p:spPr>
-          <a:xfrm>
-            <a:off x="870768" y="2822078"/>
-            <a:ext cx="7816645" cy="1938992"/>
-          </a:xfrm>
-          <a:prstGeom prst="rect">
-            <a:avLst/>
-          </a:prstGeom>
-          <a:noFill/>
-        </p:spPr>
-        <p:txBody>
-          <a:bodyPr wrap="square" rtlCol="0">
-            <a:spAutoFit/>
-          </a:bodyPr>
-          <a:lstStyle/>
-          <a:p>
-            <a:r>
-              <a:rPr lang="pt-BR" sz="2400" dirty="0"/>
-              <a:t>O seletor de irmão geral () permite selecionar todos os elementos irmãos que ocorrem após outro elemento. Por exemplo, para estilizar todos os parágrafos que ocorrem após um título h2, você pode usar o seletor h2 ~ p. Veja o exemplo:</a:t>
-            </a:r>
-          </a:p>
-        </p:txBody>
-      </p:sp>
-      <p:sp>
-        <p:nvSpPr>
-          <p:cNvPr id="3" name="titulo_componente">
-            <a:extLst>
-              <a:ext uri="{FF2B5EF4-FFF2-40B4-BE49-F238E27FC236}">
-                <a16:creationId xmlns:a16="http://schemas.microsoft.com/office/drawing/2014/main" id="{26767187-6DF7-80A9-F3B9-FCD72DDF717D}"/>
-              </a:ext>
-            </a:extLst>
-          </p:cNvPr>
-          <p:cNvSpPr txBox="1"/>
-          <p:nvPr/>
-        </p:nvSpPr>
-        <p:spPr>
-          <a:xfrm>
-            <a:off x="870768" y="777781"/>
-            <a:ext cx="8302729" cy="707886"/>
-          </a:xfrm>
-          <a:prstGeom prst="rect">
-            <a:avLst/>
-          </a:prstGeom>
-          <a:noFill/>
-        </p:spPr>
-        <p:txBody>
-          <a:bodyPr wrap="square" rtlCol="0">
-            <a:spAutoFit/>
-          </a:bodyPr>
-          <a:lstStyle/>
-          <a:p>
-            <a:r>
-              <a:rPr lang="pt-BR" sz="4000" dirty="0">
-                <a:latin typeface="Impact" panose="020B0806030902050204" pitchFamily="34" charset="0"/>
-              </a:rPr>
-              <a:t>Seletor de Irmão Geral</a:t>
-            </a:r>
-          </a:p>
-        </p:txBody>
-      </p:sp>
-      <p:sp>
-        <p:nvSpPr>
-          <p:cNvPr id="5" name="Retângulo 4">
-            <a:extLst>
-              <a:ext uri="{FF2B5EF4-FFF2-40B4-BE49-F238E27FC236}">
-                <a16:creationId xmlns:a16="http://schemas.microsoft.com/office/drawing/2014/main" id="{F3548456-7C95-80DE-D379-01E177977A3D}"/>
-              </a:ext>
-            </a:extLst>
-          </p:cNvPr>
-          <p:cNvSpPr/>
-          <p:nvPr/>
-        </p:nvSpPr>
-        <p:spPr>
-          <a:xfrm>
-            <a:off x="651281" y="-216344"/>
-            <a:ext cx="144000" cy="1512000"/>
-          </a:xfrm>
-          <a:prstGeom prst="rect">
-            <a:avLst/>
-          </a:prstGeom>
-          <a:gradFill flip="none" rotWithShape="1">
-            <a:gsLst>
-              <a:gs pos="0">
-                <a:srgbClr val="11FFFE"/>
-              </a:gs>
-              <a:gs pos="74000">
-                <a:schemeClr val="accent1">
-                  <a:lumMod val="45000"/>
-                  <a:lumOff val="55000"/>
-                </a:schemeClr>
-              </a:gs>
-              <a:gs pos="83000">
-                <a:schemeClr val="accent1">
-                  <a:lumMod val="45000"/>
-                  <a:lumOff val="55000"/>
-                </a:schemeClr>
-              </a:gs>
-              <a:gs pos="100000">
-                <a:srgbClr val="36ABFF"/>
-              </a:gs>
-            </a:gsLst>
-            <a:lin ang="5400000" scaled="1"/>
-            <a:tileRect/>
-          </a:gradFill>
-          <a:ln>
-            <a:noFill/>
-          </a:ln>
-        </p:spPr>
-        <p:style>
-          <a:lnRef idx="2">
-            <a:schemeClr val="accent1">
-              <a:shade val="50000"/>
-            </a:schemeClr>
-          </a:lnRef>
-          <a:fillRef idx="1">
-            <a:schemeClr val="accent1"/>
-          </a:fillRef>
-          <a:effectRef idx="0">
-            <a:schemeClr val="accent1"/>
-          </a:effectRef>
-          <a:fontRef idx="minor">
-            <a:schemeClr val="lt1"/>
-          </a:fontRef>
-        </p:style>
-        <p:txBody>
-          <a:bodyPr rtlCol="0" anchor="ctr"/>
-          <a:lstStyle/>
-          <a:p>
-            <a:pPr algn="ctr"/>
-            <a:endParaRPr lang="pt-BR"/>
-          </a:p>
-        </p:txBody>
-      </p:sp>
-      <p:pic>
-        <p:nvPicPr>
-          <p:cNvPr id="7" name="Imagem 6">
-            <a:extLst>
-              <a:ext uri="{FF2B5EF4-FFF2-40B4-BE49-F238E27FC236}">
-                <a16:creationId xmlns:a16="http://schemas.microsoft.com/office/drawing/2014/main" id="{45481FF4-7154-393B-F01A-AFB505D14CF3}"/>
-              </a:ext>
-            </a:extLst>
-          </p:cNvPr>
-          <p:cNvPicPr>
-            <a:picLocks noChangeAspect="1"/>
-          </p:cNvPicPr>
-          <p:nvPr/>
-        </p:nvPicPr>
-        <p:blipFill>
-          <a:blip r:embed="rId2"/>
-          <a:stretch>
-            <a:fillRect/>
-          </a:stretch>
-        </p:blipFill>
-        <p:spPr>
-          <a:xfrm>
-            <a:off x="-21510" y="4761070"/>
-            <a:ext cx="9601200" cy="4384548"/>
-          </a:xfrm>
-          <a:prstGeom prst="rect">
-            <a:avLst/>
-          </a:prstGeom>
-        </p:spPr>
-      </p:pic>
-      <p:sp>
-        <p:nvSpPr>
-          <p:cNvPr id="11" name="Espaço Reservado para Rodapé 10">
-            <a:extLst>
-              <a:ext uri="{FF2B5EF4-FFF2-40B4-BE49-F238E27FC236}">
-                <a16:creationId xmlns:a16="http://schemas.microsoft.com/office/drawing/2014/main" id="{27E8568A-3DBF-1290-7BC1-1515B5E7B2CB}"/>
-              </a:ext>
-            </a:extLst>
-          </p:cNvPr>
-          <p:cNvSpPr>
-            <a:spLocks noGrp="1"/>
-          </p:cNvSpPr>
-          <p:nvPr>
-            <p:ph type="ftr" sz="quarter" idx="11"/>
-          </p:nvPr>
-        </p:nvSpPr>
-        <p:spPr/>
-        <p:txBody>
-          <a:bodyPr/>
-          <a:lstStyle/>
-          <a:p>
-            <a:r>
-              <a:rPr lang="pt-BR"/>
-              <a:t>SELETORES CSS PARA JEDIS - FELIPE AGUIAR</a:t>
-            </a:r>
-          </a:p>
-        </p:txBody>
-      </p:sp>
-      <p:sp>
-        <p:nvSpPr>
-          <p:cNvPr id="12" name="Espaço Reservado para Número de Slide 11">
-            <a:extLst>
-              <a:ext uri="{FF2B5EF4-FFF2-40B4-BE49-F238E27FC236}">
-                <a16:creationId xmlns:a16="http://schemas.microsoft.com/office/drawing/2014/main" id="{231E06DB-B92A-2C78-643A-353DBD2F8BDD}"/>
-              </a:ext>
-            </a:extLst>
-          </p:cNvPr>
-          <p:cNvSpPr>
-            <a:spLocks noGrp="1"/>
-          </p:cNvSpPr>
-          <p:nvPr>
-            <p:ph type="sldNum" sz="quarter" idx="12"/>
-          </p:nvPr>
-        </p:nvSpPr>
-        <p:spPr/>
-        <p:txBody>
-          <a:bodyPr/>
-          <a:lstStyle/>
-          <a:p>
-            <a:fld id="{9BB46D60-96CE-4402-8D7C-2F4B1C382689}" type="slidenum">
-              <a:rPr lang="pt-BR" smtClean="0"/>
-              <a:t>20</a:t>
-            </a:fld>
-            <a:endParaRPr lang="pt-BR"/>
-          </a:p>
-        </p:txBody>
-      </p:sp>
-      <p:pic>
-        <p:nvPicPr>
-          <p:cNvPr id="13" name="Picture 8" descr="Would you like to see new lightsaber variants in the future? | Fandom">
-            <a:extLst>
-              <a:ext uri="{FF2B5EF4-FFF2-40B4-BE49-F238E27FC236}">
-                <a16:creationId xmlns:a16="http://schemas.microsoft.com/office/drawing/2014/main" id="{FD378AC7-DA50-4D16-8628-D479BB31E6B5}"/>
-              </a:ext>
-            </a:extLst>
-          </p:cNvPr>
-          <p:cNvPicPr>
-            <a:picLocks noChangeAspect="1" noChangeArrowheads="1"/>
-          </p:cNvPicPr>
-          <p:nvPr/>
-        </p:nvPicPr>
-        <p:blipFill>
-          <a:blip r:embed="rId3">
-            <a:extLst>
-              <a:ext uri="{BEBA8EAE-BF5A-486C-A8C5-ECC9F3942E4B}">
-                <a14:imgProps xmlns:a14="http://schemas.microsoft.com/office/drawing/2010/main">
-                  <a14:imgLayer r:embed="rId4">
-                    <a14:imgEffect>
-                      <a14:brightnessContrast bright="40000" contrast="20000"/>
-                    </a14:imgEffect>
-                  </a14:imgLayer>
-                </a14:imgProps>
-              </a:ext>
-              <a:ext uri="{28A0092B-C50C-407E-A947-70E740481C1C}">
-                <a14:useLocalDpi xmlns:a14="http://schemas.microsoft.com/office/drawing/2010/main" val="0"/>
-              </a:ext>
-            </a:extLst>
-          </a:blip>
-          <a:srcRect/>
-          <a:stretch>
-            <a:fillRect/>
-          </a:stretch>
-        </p:blipFill>
-        <p:spPr bwMode="auto">
-          <a:xfrm rot="1987839">
-            <a:off x="3038474" y="971271"/>
-            <a:ext cx="3524250" cy="2447925"/>
-          </a:xfrm>
-          <a:prstGeom prst="rect">
-            <a:avLst/>
-          </a:prstGeom>
-          <a:noFill/>
-          <a:extLst>
-            <a:ext uri="{909E8E84-426E-40DD-AFC4-6F175D3DCCD1}">
-              <a14:hiddenFill xmlns:a14="http://schemas.microsoft.com/office/drawing/2010/main">
-                <a:solidFill>
-                  <a:srgbClr val="FFFFFF"/>
-                </a:solidFill>
-              </a14:hiddenFill>
-            </a:ext>
-          </a:extLst>
-        </p:spPr>
-      </p:pic>
-      <p:pic>
-        <p:nvPicPr>
-          <p:cNvPr id="14" name="logo_css" descr="Ícone&#10;&#10;Descrição gerada automaticamente">
-            <a:extLst>
-              <a:ext uri="{FF2B5EF4-FFF2-40B4-BE49-F238E27FC236}">
-                <a16:creationId xmlns:a16="http://schemas.microsoft.com/office/drawing/2014/main" id="{A3A73B1F-DE03-7085-D83C-1A54B643CACD}"/>
-              </a:ext>
-            </a:extLst>
-          </p:cNvPr>
-          <p:cNvPicPr>
-            <a:picLocks noChangeAspect="1"/>
-          </p:cNvPicPr>
-          <p:nvPr/>
-        </p:nvPicPr>
-        <p:blipFill rotWithShape="1">
-          <a:blip r:embed="rId5">
-            <a:duotone>
-              <a:schemeClr val="bg2">
-                <a:shade val="45000"/>
-                <a:satMod val="135000"/>
-              </a:schemeClr>
-              <a:prstClr val="white"/>
-            </a:duotone>
-            <a:extLst>
-              <a:ext uri="{BEBA8EAE-BF5A-486C-A8C5-ECC9F3942E4B}">
-                <a14:imgProps xmlns:a14="http://schemas.microsoft.com/office/drawing/2010/main">
-                  <a14:imgLayer r:embed="rId6">
-                    <a14:imgEffect>
-                      <a14:brightnessContrast bright="40000" contrast="40000"/>
-                    </a14:imgEffect>
-                  </a14:imgLayer>
-                </a14:imgProps>
-              </a:ext>
-              <a:ext uri="{28A0092B-C50C-407E-A947-70E740481C1C}">
-                <a14:useLocalDpi xmlns:a14="http://schemas.microsoft.com/office/drawing/2010/main" val="0"/>
-              </a:ext>
-            </a:extLst>
-          </a:blip>
-          <a:srcRect t="-3689"/>
-          <a:stretch/>
-        </p:blipFill>
-        <p:spPr>
-          <a:xfrm>
-            <a:off x="3535992" y="9979522"/>
-            <a:ext cx="2529215" cy="1484352"/>
-          </a:xfrm>
-          <a:prstGeom prst="rect">
-            <a:avLst/>
-          </a:prstGeom>
-        </p:spPr>
-      </p:pic>
-    </p:spTree>
-    <p:extLst>
-      <p:ext uri="{BB962C8B-B14F-4D97-AF65-F5344CB8AC3E}">
-        <p14:creationId xmlns:p14="http://schemas.microsoft.com/office/powerpoint/2010/main" val="3934859674"/>
-      </p:ext>
-    </p:extLst>
-  </p:cSld>
-  <p:clrMapOvr>
-    <a:masterClrMapping/>
-  </p:clrMapOvr>
-</p:sld>
-</file>
-
-<file path=ppt/slides/slide21.xml><?xml version="1.0" encoding="utf-8"?>
-<p:sld xmlns:a="http://schemas.openxmlformats.org/drawingml/2006/main" xmlns:r="http://schemas.openxmlformats.org/officeDocument/2006/relationships" xmlns:p="http://schemas.openxmlformats.org/presentationml/2006/main">
-  <p:cSld>
-    <p:spTree>
-      <p:nvGrpSpPr>
-        <p:cNvPr id="1" name=""/>
-        <p:cNvGrpSpPr/>
-        <p:nvPr/>
-      </p:nvGrpSpPr>
-      <p:grpSpPr>
-        <a:xfrm>
-          <a:off x="0" y="0"/>
-          <a:ext cx="0" cy="0"/>
-          <a:chOff x="0" y="0"/>
-          <a:chExt cx="0" cy="0"/>
-        </a:xfrm>
-      </p:grpSpPr>
-      <p:sp>
-        <p:nvSpPr>
-          <p:cNvPr id="2" name="Retângulo 1">
-            <a:extLst>
-              <a:ext uri="{FF2B5EF4-FFF2-40B4-BE49-F238E27FC236}">
-                <a16:creationId xmlns:a16="http://schemas.microsoft.com/office/drawing/2014/main" id="{B0B0E586-87BE-933D-F40E-E3BBA13856E0}"/>
-              </a:ext>
-            </a:extLst>
-          </p:cNvPr>
-          <p:cNvSpPr/>
-          <p:nvPr/>
-        </p:nvSpPr>
-        <p:spPr>
-          <a:xfrm>
-            <a:off x="0" y="0"/>
-            <a:ext cx="9601200" cy="12801600"/>
-          </a:xfrm>
-          <a:prstGeom prst="rect">
-            <a:avLst/>
-          </a:prstGeom>
-          <a:solidFill>
-            <a:schemeClr val="tx1"/>
-          </a:solidFill>
-          <a:ln>
-            <a:noFill/>
-          </a:ln>
-        </p:spPr>
-        <p:style>
-          <a:lnRef idx="2">
-            <a:schemeClr val="accent1">
-              <a:shade val="50000"/>
-            </a:schemeClr>
-          </a:lnRef>
-          <a:fillRef idx="1">
-            <a:schemeClr val="accent1"/>
-          </a:fillRef>
-          <a:effectRef idx="0">
-            <a:schemeClr val="accent1"/>
-          </a:effectRef>
-          <a:fontRef idx="minor">
-            <a:schemeClr val="lt1"/>
-          </a:fontRef>
-        </p:style>
-        <p:txBody>
-          <a:bodyPr rtlCol="0" anchor="ctr"/>
-          <a:lstStyle/>
-          <a:p>
-            <a:pPr algn="ctr"/>
-            <a:endParaRPr lang="pt-BR"/>
-          </a:p>
-        </p:txBody>
-      </p:sp>
-      <p:sp>
-        <p:nvSpPr>
-          <p:cNvPr id="3" name="titulo_componente">
-            <a:extLst>
-              <a:ext uri="{FF2B5EF4-FFF2-40B4-BE49-F238E27FC236}">
-                <a16:creationId xmlns:a16="http://schemas.microsoft.com/office/drawing/2014/main" id="{93533FB0-D3C0-9791-4F72-0D1731465A20}"/>
-              </a:ext>
-            </a:extLst>
-          </p:cNvPr>
-          <p:cNvSpPr txBox="1"/>
-          <p:nvPr/>
-        </p:nvSpPr>
-        <p:spPr>
-          <a:xfrm>
-            <a:off x="892277" y="6388320"/>
-            <a:ext cx="7816645" cy="2308324"/>
-          </a:xfrm>
-          <a:prstGeom prst="rect">
-            <a:avLst/>
-          </a:prstGeom>
-          <a:noFill/>
-        </p:spPr>
-        <p:txBody>
-          <a:bodyPr wrap="square" rtlCol="0">
-            <a:spAutoFit/>
-          </a:bodyPr>
-          <a:lstStyle/>
-          <a:p>
-            <a:pPr algn="ctr"/>
-            <a:r>
-              <a:rPr lang="pt-BR" sz="7200" dirty="0">
-                <a:solidFill>
-                  <a:schemeClr val="bg1"/>
-                </a:solidFill>
-                <a:latin typeface="Impact" panose="020B0806030902050204" pitchFamily="34" charset="0"/>
-              </a:rPr>
-              <a:t>SELETOR UNIVERSAL E NEGATIVO</a:t>
-            </a:r>
-          </a:p>
-        </p:txBody>
-      </p:sp>
-      <p:sp>
-        <p:nvSpPr>
-          <p:cNvPr id="4" name="titulo_componente">
-            <a:extLst>
-              <a:ext uri="{FF2B5EF4-FFF2-40B4-BE49-F238E27FC236}">
-                <a16:creationId xmlns:a16="http://schemas.microsoft.com/office/drawing/2014/main" id="{0E49EEBC-3AEF-FA23-4067-E0866590C14C}"/>
-              </a:ext>
-            </a:extLst>
-          </p:cNvPr>
-          <p:cNvSpPr txBox="1"/>
-          <p:nvPr/>
-        </p:nvSpPr>
-        <p:spPr>
-          <a:xfrm>
-            <a:off x="807610" y="2133601"/>
-            <a:ext cx="7816645" cy="4508927"/>
-          </a:xfrm>
-          <a:prstGeom prst="rect">
-            <a:avLst/>
-          </a:prstGeom>
-          <a:noFill/>
-        </p:spPr>
-        <p:txBody>
-          <a:bodyPr wrap="square" rtlCol="0">
-            <a:spAutoFit/>
-          </a:bodyPr>
-          <a:lstStyle/>
-          <a:p>
-            <a:pPr algn="ctr"/>
-            <a:r>
-              <a:rPr lang="pt-BR" sz="28700" dirty="0">
-                <a:ln>
-                  <a:solidFill>
-                    <a:srgbClr val="11FFFE"/>
-                  </a:solidFill>
-                </a:ln>
-                <a:noFill/>
-                <a:latin typeface="Impact" panose="020B0806030902050204" pitchFamily="34" charset="0"/>
-              </a:rPr>
-              <a:t>07</a:t>
-            </a:r>
-          </a:p>
-        </p:txBody>
-      </p:sp>
-      <p:sp>
-        <p:nvSpPr>
-          <p:cNvPr id="5" name="Retângulo 4">
-            <a:extLst>
-              <a:ext uri="{FF2B5EF4-FFF2-40B4-BE49-F238E27FC236}">
-                <a16:creationId xmlns:a16="http://schemas.microsoft.com/office/drawing/2014/main" id="{FA80E993-76DA-56CE-427C-CE1D83BD30C1}"/>
-              </a:ext>
-            </a:extLst>
-          </p:cNvPr>
-          <p:cNvSpPr/>
-          <p:nvPr/>
-        </p:nvSpPr>
-        <p:spPr>
-          <a:xfrm>
-            <a:off x="976944" y="8776129"/>
-            <a:ext cx="7731978" cy="106262"/>
-          </a:xfrm>
-          <a:prstGeom prst="rect">
-            <a:avLst/>
-          </a:prstGeom>
-          <a:gradFill flip="none" rotWithShape="1">
-            <a:gsLst>
-              <a:gs pos="0">
-                <a:srgbClr val="11FFFE"/>
-              </a:gs>
-              <a:gs pos="74000">
-                <a:schemeClr val="accent1">
-                  <a:lumMod val="45000"/>
-                  <a:lumOff val="55000"/>
-                </a:schemeClr>
-              </a:gs>
-              <a:gs pos="83000">
-                <a:schemeClr val="accent1">
-                  <a:lumMod val="45000"/>
-                  <a:lumOff val="55000"/>
-                </a:schemeClr>
-              </a:gs>
-              <a:gs pos="100000">
-                <a:srgbClr val="36ABFF"/>
-              </a:gs>
-            </a:gsLst>
-            <a:lin ang="10800000" scaled="1"/>
-            <a:tileRect/>
-          </a:gradFill>
-          <a:ln>
-            <a:noFill/>
-          </a:ln>
-        </p:spPr>
-        <p:style>
-          <a:lnRef idx="2">
-            <a:schemeClr val="accent1">
-              <a:shade val="50000"/>
-            </a:schemeClr>
-          </a:lnRef>
-          <a:fillRef idx="1">
-            <a:schemeClr val="accent1"/>
-          </a:fillRef>
-          <a:effectRef idx="0">
-            <a:schemeClr val="accent1"/>
-          </a:effectRef>
-          <a:fontRef idx="minor">
-            <a:schemeClr val="lt1"/>
-          </a:fontRef>
-        </p:style>
-        <p:txBody>
-          <a:bodyPr rtlCol="0" anchor="ctr"/>
-          <a:lstStyle/>
-          <a:p>
-            <a:pPr algn="ctr"/>
-            <a:endParaRPr lang="pt-BR"/>
-          </a:p>
-        </p:txBody>
-      </p:sp>
-      <p:sp>
-        <p:nvSpPr>
-          <p:cNvPr id="6" name="texto_componente">
-            <a:extLst>
-              <a:ext uri="{FF2B5EF4-FFF2-40B4-BE49-F238E27FC236}">
-                <a16:creationId xmlns:a16="http://schemas.microsoft.com/office/drawing/2014/main" id="{1A38D318-280C-0E99-2186-7D919CA59191}"/>
-              </a:ext>
-            </a:extLst>
-          </p:cNvPr>
-          <p:cNvSpPr txBox="1"/>
-          <p:nvPr/>
-        </p:nvSpPr>
-        <p:spPr>
-          <a:xfrm>
-            <a:off x="870768" y="9340866"/>
-            <a:ext cx="7816645" cy="1200329"/>
-          </a:xfrm>
-          <a:prstGeom prst="rect">
-            <a:avLst/>
-          </a:prstGeom>
-          <a:noFill/>
-        </p:spPr>
-        <p:txBody>
-          <a:bodyPr wrap="square" rtlCol="0">
-            <a:spAutoFit/>
-          </a:bodyPr>
-          <a:lstStyle/>
-          <a:p>
-            <a:pPr algn="ctr"/>
-            <a:r>
-              <a:rPr lang="pt-BR" sz="2400" dirty="0">
-                <a:solidFill>
-                  <a:schemeClr val="bg1"/>
-                </a:solidFill>
-              </a:rPr>
-              <a:t>Os seletores universal e negativo oferecem opções adicionais para selecionar elementos específicos ou excluir elementos de um conjunto de seleção. Veja os exemplos abaixo:</a:t>
-            </a:r>
-          </a:p>
-        </p:txBody>
-      </p:sp>
-      <p:sp>
-        <p:nvSpPr>
-          <p:cNvPr id="10" name="Espaço Reservado para Rodapé 9">
-            <a:extLst>
-              <a:ext uri="{FF2B5EF4-FFF2-40B4-BE49-F238E27FC236}">
-                <a16:creationId xmlns:a16="http://schemas.microsoft.com/office/drawing/2014/main" id="{15C797C3-6F1E-3AA4-4225-55DBA1A40907}"/>
-              </a:ext>
-            </a:extLst>
-          </p:cNvPr>
-          <p:cNvSpPr>
-            <a:spLocks noGrp="1"/>
-          </p:cNvSpPr>
-          <p:nvPr>
-            <p:ph type="ftr" sz="quarter" idx="11"/>
-          </p:nvPr>
-        </p:nvSpPr>
-        <p:spPr/>
-        <p:txBody>
-          <a:bodyPr/>
-          <a:lstStyle/>
-          <a:p>
-            <a:r>
-              <a:rPr lang="pt-BR"/>
-              <a:t>SELETORES CSS PARA JEDIS - FELIPE AGUIAR</a:t>
-            </a:r>
-          </a:p>
-        </p:txBody>
-      </p:sp>
-      <p:sp>
-        <p:nvSpPr>
-          <p:cNvPr id="11" name="Espaço Reservado para Número de Slide 10">
-            <a:extLst>
-              <a:ext uri="{FF2B5EF4-FFF2-40B4-BE49-F238E27FC236}">
-                <a16:creationId xmlns:a16="http://schemas.microsoft.com/office/drawing/2014/main" id="{37204EBB-9793-B1C1-E210-A22022EFF37C}"/>
-              </a:ext>
-            </a:extLst>
-          </p:cNvPr>
-          <p:cNvSpPr>
-            <a:spLocks noGrp="1"/>
-          </p:cNvSpPr>
-          <p:nvPr>
-            <p:ph type="sldNum" sz="quarter" idx="12"/>
-          </p:nvPr>
-        </p:nvSpPr>
-        <p:spPr/>
-        <p:txBody>
-          <a:bodyPr/>
-          <a:lstStyle/>
-          <a:p>
-            <a:fld id="{9BB46D60-96CE-4402-8D7C-2F4B1C382689}" type="slidenum">
-              <a:rPr lang="pt-BR" smtClean="0"/>
-              <a:t>21</a:t>
-            </a:fld>
-            <a:endParaRPr lang="pt-BR"/>
-          </a:p>
-        </p:txBody>
-      </p:sp>
-    </p:spTree>
-    <p:extLst>
-      <p:ext uri="{BB962C8B-B14F-4D97-AF65-F5344CB8AC3E}">
-        <p14:creationId xmlns:p14="http://schemas.microsoft.com/office/powerpoint/2010/main" val="596566617"/>
-      </p:ext>
-    </p:extLst>
-  </p:cSld>
-  <p:clrMapOvr>
-    <a:masterClrMapping/>
-  </p:clrMapOvr>
-</p:sld>
-</file>
-
-<file path=ppt/slides/slide22.xml><?xml version="1.0" encoding="utf-8"?>
-<p:sld xmlns:a="http://schemas.openxmlformats.org/drawingml/2006/main" xmlns:r="http://schemas.openxmlformats.org/officeDocument/2006/relationships" xmlns:p="http://schemas.openxmlformats.org/presentationml/2006/main">
-  <p:cSld>
-    <p:spTree>
-      <p:nvGrpSpPr>
-        <p:cNvPr id="1" name=""/>
-        <p:cNvGrpSpPr/>
-        <p:nvPr/>
-      </p:nvGrpSpPr>
-      <p:grpSpPr>
-        <a:xfrm>
-          <a:off x="0" y="0"/>
-          <a:ext cx="0" cy="0"/>
-          <a:chOff x="0" y="0"/>
-          <a:chExt cx="0" cy="0"/>
-        </a:xfrm>
-      </p:grpSpPr>
-      <p:sp>
-        <p:nvSpPr>
-          <p:cNvPr id="2" name="texto_componente">
-            <a:extLst>
-              <a:ext uri="{FF2B5EF4-FFF2-40B4-BE49-F238E27FC236}">
-                <a16:creationId xmlns:a16="http://schemas.microsoft.com/office/drawing/2014/main" id="{5F8A268F-DF04-2C6F-1AF7-579F8D46FDD0}"/>
-              </a:ext>
-            </a:extLst>
-          </p:cNvPr>
-          <p:cNvSpPr txBox="1"/>
-          <p:nvPr/>
-        </p:nvSpPr>
-        <p:spPr>
-          <a:xfrm>
-            <a:off x="870768" y="2822078"/>
-            <a:ext cx="7816645" cy="1938992"/>
-          </a:xfrm>
-          <a:prstGeom prst="rect">
-            <a:avLst/>
-          </a:prstGeom>
-          <a:noFill/>
-        </p:spPr>
-        <p:txBody>
-          <a:bodyPr wrap="square" rtlCol="0">
-            <a:spAutoFit/>
-          </a:bodyPr>
-          <a:lstStyle/>
-          <a:p>
-            <a:pPr algn="ctr"/>
-            <a:r>
-              <a:rPr lang="pt-BR" sz="2400" dirty="0"/>
-              <a:t>O seletor universal () seleciona todos os elementos em um documento. Pode ser usado para aplicar estilos gerais ou fazer seleções mais amplas. Por exemplo, para definir uma margem padrão para todos os elementos, você pode usar o seletor *. Veja o exemplo:</a:t>
-            </a:r>
-          </a:p>
-        </p:txBody>
-      </p:sp>
-      <p:sp>
-        <p:nvSpPr>
-          <p:cNvPr id="3" name="titulo_componente">
-            <a:extLst>
-              <a:ext uri="{FF2B5EF4-FFF2-40B4-BE49-F238E27FC236}">
-                <a16:creationId xmlns:a16="http://schemas.microsoft.com/office/drawing/2014/main" id="{26767187-6DF7-80A9-F3B9-FCD72DDF717D}"/>
-              </a:ext>
-            </a:extLst>
-          </p:cNvPr>
-          <p:cNvSpPr txBox="1"/>
-          <p:nvPr/>
-        </p:nvSpPr>
-        <p:spPr>
-          <a:xfrm>
-            <a:off x="2655992" y="777781"/>
-            <a:ext cx="7816645" cy="707886"/>
-          </a:xfrm>
-          <a:prstGeom prst="rect">
-            <a:avLst/>
-          </a:prstGeom>
-          <a:noFill/>
-        </p:spPr>
-        <p:txBody>
-          <a:bodyPr wrap="square" rtlCol="0">
-            <a:spAutoFit/>
-          </a:bodyPr>
-          <a:lstStyle/>
-          <a:p>
-            <a:r>
-              <a:rPr lang="pt-BR" sz="4000" dirty="0">
-                <a:latin typeface="Impact" panose="020B0806030902050204" pitchFamily="34" charset="0"/>
-              </a:rPr>
-              <a:t>SELETOR UNIVERSAL</a:t>
-            </a:r>
-          </a:p>
-        </p:txBody>
-      </p:sp>
-      <p:sp>
-        <p:nvSpPr>
-          <p:cNvPr id="5" name="Retângulo 4">
-            <a:extLst>
-              <a:ext uri="{FF2B5EF4-FFF2-40B4-BE49-F238E27FC236}">
-                <a16:creationId xmlns:a16="http://schemas.microsoft.com/office/drawing/2014/main" id="{F3548456-7C95-80DE-D379-01E177977A3D}"/>
-              </a:ext>
-            </a:extLst>
-          </p:cNvPr>
-          <p:cNvSpPr/>
-          <p:nvPr/>
-        </p:nvSpPr>
-        <p:spPr>
-          <a:xfrm>
-            <a:off x="651281" y="-216344"/>
-            <a:ext cx="144000" cy="1512000"/>
-          </a:xfrm>
-          <a:prstGeom prst="rect">
-            <a:avLst/>
-          </a:prstGeom>
-          <a:gradFill flip="none" rotWithShape="1">
-            <a:gsLst>
-              <a:gs pos="0">
-                <a:srgbClr val="11FFFE"/>
-              </a:gs>
-              <a:gs pos="74000">
-                <a:schemeClr val="accent1">
-                  <a:lumMod val="45000"/>
-                  <a:lumOff val="55000"/>
-                </a:schemeClr>
-              </a:gs>
-              <a:gs pos="83000">
-                <a:schemeClr val="accent1">
-                  <a:lumMod val="45000"/>
-                  <a:lumOff val="55000"/>
-                </a:schemeClr>
-              </a:gs>
-              <a:gs pos="100000">
-                <a:srgbClr val="36ABFF"/>
-              </a:gs>
-            </a:gsLst>
-            <a:lin ang="5400000" scaled="1"/>
-            <a:tileRect/>
-          </a:gradFill>
-          <a:ln>
-            <a:noFill/>
-          </a:ln>
-        </p:spPr>
-        <p:style>
-          <a:lnRef idx="2">
-            <a:schemeClr val="accent1">
-              <a:shade val="50000"/>
-            </a:schemeClr>
-          </a:lnRef>
-          <a:fillRef idx="1">
-            <a:schemeClr val="accent1"/>
-          </a:fillRef>
-          <a:effectRef idx="0">
-            <a:schemeClr val="accent1"/>
-          </a:effectRef>
-          <a:fontRef idx="minor">
-            <a:schemeClr val="lt1"/>
-          </a:fontRef>
-        </p:style>
-        <p:txBody>
-          <a:bodyPr rtlCol="0" anchor="ctr"/>
-          <a:lstStyle/>
-          <a:p>
-            <a:pPr algn="ctr"/>
-            <a:endParaRPr lang="pt-BR"/>
-          </a:p>
-        </p:txBody>
-      </p:sp>
-      <p:pic>
-        <p:nvPicPr>
-          <p:cNvPr id="7" name="Imagem 6">
-            <a:extLst>
-              <a:ext uri="{FF2B5EF4-FFF2-40B4-BE49-F238E27FC236}">
-                <a16:creationId xmlns:a16="http://schemas.microsoft.com/office/drawing/2014/main" id="{CCD9A76A-A688-2642-A8A9-7DA6E3AF5A39}"/>
-              </a:ext>
-            </a:extLst>
-          </p:cNvPr>
-          <p:cNvPicPr>
-            <a:picLocks noChangeAspect="1"/>
-          </p:cNvPicPr>
-          <p:nvPr/>
-        </p:nvPicPr>
-        <p:blipFill>
-          <a:blip r:embed="rId2"/>
-          <a:stretch>
-            <a:fillRect/>
-          </a:stretch>
-        </p:blipFill>
-        <p:spPr>
-          <a:xfrm>
-            <a:off x="-21510" y="5093429"/>
-            <a:ext cx="9601200" cy="4384548"/>
-          </a:xfrm>
-          <a:prstGeom prst="rect">
-            <a:avLst/>
-          </a:prstGeom>
-        </p:spPr>
-      </p:pic>
-      <p:sp>
-        <p:nvSpPr>
-          <p:cNvPr id="12" name="Espaço Reservado para Rodapé 11">
-            <a:extLst>
-              <a:ext uri="{FF2B5EF4-FFF2-40B4-BE49-F238E27FC236}">
-                <a16:creationId xmlns:a16="http://schemas.microsoft.com/office/drawing/2014/main" id="{BC0444D3-0EC5-B6BF-457E-594432B0AA89}"/>
-              </a:ext>
-            </a:extLst>
-          </p:cNvPr>
-          <p:cNvSpPr>
-            <a:spLocks noGrp="1"/>
-          </p:cNvSpPr>
-          <p:nvPr>
-            <p:ph type="ftr" sz="quarter" idx="11"/>
-          </p:nvPr>
-        </p:nvSpPr>
-        <p:spPr/>
-        <p:txBody>
-          <a:bodyPr/>
-          <a:lstStyle/>
-          <a:p>
-            <a:r>
-              <a:rPr lang="pt-BR"/>
-              <a:t>SELETORES CSS PARA JEDIS - FELIPE AGUIAR</a:t>
-            </a:r>
-          </a:p>
-        </p:txBody>
-      </p:sp>
-      <p:sp>
-        <p:nvSpPr>
-          <p:cNvPr id="13" name="Espaço Reservado para Número de Slide 12">
-            <a:extLst>
-              <a:ext uri="{FF2B5EF4-FFF2-40B4-BE49-F238E27FC236}">
-                <a16:creationId xmlns:a16="http://schemas.microsoft.com/office/drawing/2014/main" id="{9E86645D-D9EC-62F8-F1F2-F53A1EDE056E}"/>
-              </a:ext>
-            </a:extLst>
-          </p:cNvPr>
-          <p:cNvSpPr>
-            <a:spLocks noGrp="1"/>
-          </p:cNvSpPr>
-          <p:nvPr>
-            <p:ph type="sldNum" sz="quarter" idx="12"/>
-          </p:nvPr>
-        </p:nvSpPr>
-        <p:spPr/>
-        <p:txBody>
-          <a:bodyPr/>
-          <a:lstStyle/>
-          <a:p>
-            <a:fld id="{9BB46D60-96CE-4402-8D7C-2F4B1C382689}" type="slidenum">
-              <a:rPr lang="pt-BR" smtClean="0"/>
-              <a:t>22</a:t>
-            </a:fld>
-            <a:endParaRPr lang="pt-BR"/>
-          </a:p>
-        </p:txBody>
-      </p:sp>
-      <p:pic>
-        <p:nvPicPr>
-          <p:cNvPr id="14" name="Picture 8" descr="Would you like to see new lightsaber variants in the future? | Fandom">
-            <a:extLst>
-              <a:ext uri="{FF2B5EF4-FFF2-40B4-BE49-F238E27FC236}">
-                <a16:creationId xmlns:a16="http://schemas.microsoft.com/office/drawing/2014/main" id="{C2CFD140-F238-77DD-2472-97AB18333E88}"/>
-              </a:ext>
-            </a:extLst>
-          </p:cNvPr>
-          <p:cNvPicPr>
-            <a:picLocks noChangeAspect="1" noChangeArrowheads="1"/>
-          </p:cNvPicPr>
-          <p:nvPr/>
-        </p:nvPicPr>
-        <p:blipFill>
-          <a:blip r:embed="rId3">
-            <a:extLst>
-              <a:ext uri="{BEBA8EAE-BF5A-486C-A8C5-ECC9F3942E4B}">
-                <a14:imgProps xmlns:a14="http://schemas.microsoft.com/office/drawing/2010/main">
-                  <a14:imgLayer r:embed="rId4">
-                    <a14:imgEffect>
-                      <a14:brightnessContrast bright="40000" contrast="20000"/>
-                    </a14:imgEffect>
-                  </a14:imgLayer>
-                </a14:imgProps>
-              </a:ext>
-              <a:ext uri="{28A0092B-C50C-407E-A947-70E740481C1C}">
-                <a14:useLocalDpi xmlns:a14="http://schemas.microsoft.com/office/drawing/2010/main" val="0"/>
-              </a:ext>
-            </a:extLst>
-          </a:blip>
-          <a:srcRect/>
-          <a:stretch>
-            <a:fillRect/>
-          </a:stretch>
-        </p:blipFill>
-        <p:spPr bwMode="auto">
-          <a:xfrm rot="1987839">
-            <a:off x="3038474" y="971271"/>
-            <a:ext cx="3524250" cy="2447925"/>
-          </a:xfrm>
-          <a:prstGeom prst="rect">
-            <a:avLst/>
-          </a:prstGeom>
-          <a:noFill/>
-          <a:extLst>
-            <a:ext uri="{909E8E84-426E-40DD-AFC4-6F175D3DCCD1}">
-              <a14:hiddenFill xmlns:a14="http://schemas.microsoft.com/office/drawing/2010/main">
-                <a:solidFill>
-                  <a:srgbClr val="FFFFFF"/>
-                </a:solidFill>
-              </a14:hiddenFill>
-            </a:ext>
-          </a:extLst>
-        </p:spPr>
-      </p:pic>
-      <p:pic>
-        <p:nvPicPr>
-          <p:cNvPr id="15" name="logo_css" descr="Ícone&#10;&#10;Descrição gerada automaticamente">
-            <a:extLst>
-              <a:ext uri="{FF2B5EF4-FFF2-40B4-BE49-F238E27FC236}">
-                <a16:creationId xmlns:a16="http://schemas.microsoft.com/office/drawing/2014/main" id="{38061373-C656-18C8-69A7-A18A6425252A}"/>
-              </a:ext>
-            </a:extLst>
-          </p:cNvPr>
-          <p:cNvPicPr>
-            <a:picLocks noChangeAspect="1"/>
-          </p:cNvPicPr>
-          <p:nvPr/>
-        </p:nvPicPr>
-        <p:blipFill rotWithShape="1">
-          <a:blip r:embed="rId5">
-            <a:duotone>
-              <a:schemeClr val="bg2">
-                <a:shade val="45000"/>
-                <a:satMod val="135000"/>
-              </a:schemeClr>
-              <a:prstClr val="white"/>
-            </a:duotone>
-            <a:extLst>
-              <a:ext uri="{BEBA8EAE-BF5A-486C-A8C5-ECC9F3942E4B}">
-                <a14:imgProps xmlns:a14="http://schemas.microsoft.com/office/drawing/2010/main">
-                  <a14:imgLayer r:embed="rId6">
-                    <a14:imgEffect>
-                      <a14:brightnessContrast bright="40000" contrast="40000"/>
-                    </a14:imgEffect>
-                  </a14:imgLayer>
-                </a14:imgProps>
-              </a:ext>
-              <a:ext uri="{28A0092B-C50C-407E-A947-70E740481C1C}">
-                <a14:useLocalDpi xmlns:a14="http://schemas.microsoft.com/office/drawing/2010/main" val="0"/>
-              </a:ext>
-            </a:extLst>
-          </a:blip>
-          <a:srcRect t="-3689"/>
-          <a:stretch/>
-        </p:blipFill>
-        <p:spPr>
-          <a:xfrm>
-            <a:off x="3535992" y="9979522"/>
-            <a:ext cx="2529215" cy="1484352"/>
-          </a:xfrm>
-          <a:prstGeom prst="rect">
-            <a:avLst/>
-          </a:prstGeom>
-        </p:spPr>
-      </p:pic>
-    </p:spTree>
-    <p:extLst>
-      <p:ext uri="{BB962C8B-B14F-4D97-AF65-F5344CB8AC3E}">
-        <p14:creationId xmlns:p14="http://schemas.microsoft.com/office/powerpoint/2010/main" val="1011731902"/>
-      </p:ext>
-    </p:extLst>
-  </p:cSld>
-  <p:clrMapOvr>
-    <a:masterClrMapping/>
-  </p:clrMapOvr>
-</p:sld>
-</file>
-
-<file path=ppt/slides/slide23.xml><?xml version="1.0" encoding="utf-8"?>
-<p:sld xmlns:a="http://schemas.openxmlformats.org/drawingml/2006/main" xmlns:r="http://schemas.openxmlformats.org/officeDocument/2006/relationships" xmlns:p="http://schemas.openxmlformats.org/presentationml/2006/main">
-  <p:cSld>
-    <p:spTree>
-      <p:nvGrpSpPr>
-        <p:cNvPr id="1" name=""/>
-        <p:cNvGrpSpPr/>
-        <p:nvPr/>
-      </p:nvGrpSpPr>
-      <p:grpSpPr>
-        <a:xfrm>
-          <a:off x="0" y="0"/>
-          <a:ext cx="0" cy="0"/>
-          <a:chOff x="0" y="0"/>
-          <a:chExt cx="0" cy="0"/>
-        </a:xfrm>
-      </p:grpSpPr>
-      <p:sp>
-        <p:nvSpPr>
-          <p:cNvPr id="2" name="texto_componente">
-            <a:extLst>
-              <a:ext uri="{FF2B5EF4-FFF2-40B4-BE49-F238E27FC236}">
-                <a16:creationId xmlns:a16="http://schemas.microsoft.com/office/drawing/2014/main" id="{5F8A268F-DF04-2C6F-1AF7-579F8D46FDD0}"/>
-              </a:ext>
-            </a:extLst>
-          </p:cNvPr>
-          <p:cNvSpPr txBox="1"/>
-          <p:nvPr/>
-        </p:nvSpPr>
-        <p:spPr>
-          <a:xfrm>
-            <a:off x="870768" y="2822078"/>
-            <a:ext cx="7816645" cy="2308324"/>
-          </a:xfrm>
-          <a:prstGeom prst="rect">
-            <a:avLst/>
-          </a:prstGeom>
-          <a:noFill/>
-        </p:spPr>
-        <p:txBody>
-          <a:bodyPr wrap="square" rtlCol="0">
-            <a:spAutoFit/>
-          </a:bodyPr>
-          <a:lstStyle/>
-          <a:p>
-            <a:pPr algn="ctr"/>
-            <a:r>
-              <a:rPr lang="pt-BR" sz="2400" dirty="0"/>
-              <a:t>O seletor negativo (:</a:t>
-            </a:r>
-            <a:r>
-              <a:rPr lang="pt-BR" sz="2400" dirty="0" err="1"/>
-              <a:t>not</a:t>
-            </a:r>
-            <a:r>
-              <a:rPr lang="pt-BR" sz="2400" dirty="0"/>
-              <a:t>()) permite selecionar elementos que não correspondem a um determinado seletor. Por exemplo, para estilizar todos os parágrafos, exceto aqueles com a classe "destaque", você pode usar o seletor p:not(.destaque). Veja o exemplo:</a:t>
-            </a:r>
-          </a:p>
-          <a:p>
-            <a:pPr algn="ctr"/>
-            <a:endParaRPr lang="pt-BR" sz="2400" dirty="0"/>
-          </a:p>
-        </p:txBody>
-      </p:sp>
-      <p:sp>
-        <p:nvSpPr>
-          <p:cNvPr id="3" name="titulo_componente">
-            <a:extLst>
-              <a:ext uri="{FF2B5EF4-FFF2-40B4-BE49-F238E27FC236}">
-                <a16:creationId xmlns:a16="http://schemas.microsoft.com/office/drawing/2014/main" id="{26767187-6DF7-80A9-F3B9-FCD72DDF717D}"/>
-              </a:ext>
-            </a:extLst>
-          </p:cNvPr>
-          <p:cNvSpPr txBox="1"/>
-          <p:nvPr/>
-        </p:nvSpPr>
-        <p:spPr>
-          <a:xfrm>
-            <a:off x="2269438" y="777781"/>
-            <a:ext cx="8302729" cy="707886"/>
-          </a:xfrm>
-          <a:prstGeom prst="rect">
-            <a:avLst/>
-          </a:prstGeom>
-          <a:noFill/>
-        </p:spPr>
-        <p:txBody>
-          <a:bodyPr wrap="square" rtlCol="0">
-            <a:spAutoFit/>
-          </a:bodyPr>
-          <a:lstStyle/>
-          <a:p>
-            <a:r>
-              <a:rPr lang="pt-BR" sz="4000" dirty="0">
-                <a:latin typeface="Impact" panose="020B0806030902050204" pitchFamily="34" charset="0"/>
-              </a:rPr>
-              <a:t>SELETOR NEGATIVO (:NOT())</a:t>
-            </a:r>
-          </a:p>
-        </p:txBody>
-      </p:sp>
-      <p:sp>
-        <p:nvSpPr>
-          <p:cNvPr id="5" name="Retângulo 4">
-            <a:extLst>
-              <a:ext uri="{FF2B5EF4-FFF2-40B4-BE49-F238E27FC236}">
-                <a16:creationId xmlns:a16="http://schemas.microsoft.com/office/drawing/2014/main" id="{F3548456-7C95-80DE-D379-01E177977A3D}"/>
-              </a:ext>
-            </a:extLst>
-          </p:cNvPr>
-          <p:cNvSpPr/>
-          <p:nvPr/>
-        </p:nvSpPr>
-        <p:spPr>
-          <a:xfrm>
-            <a:off x="651281" y="-216344"/>
-            <a:ext cx="144000" cy="1512000"/>
-          </a:xfrm>
-          <a:prstGeom prst="rect">
-            <a:avLst/>
-          </a:prstGeom>
-          <a:gradFill flip="none" rotWithShape="1">
-            <a:gsLst>
-              <a:gs pos="0">
-                <a:srgbClr val="11FFFE"/>
-              </a:gs>
-              <a:gs pos="74000">
-                <a:schemeClr val="accent1">
-                  <a:lumMod val="45000"/>
-                  <a:lumOff val="55000"/>
-                </a:schemeClr>
-              </a:gs>
-              <a:gs pos="83000">
-                <a:schemeClr val="accent1">
-                  <a:lumMod val="45000"/>
-                  <a:lumOff val="55000"/>
-                </a:schemeClr>
-              </a:gs>
-              <a:gs pos="100000">
-                <a:srgbClr val="36ABFF"/>
-              </a:gs>
-            </a:gsLst>
-            <a:lin ang="5400000" scaled="1"/>
-            <a:tileRect/>
-          </a:gradFill>
-          <a:ln>
-            <a:noFill/>
-          </a:ln>
-        </p:spPr>
-        <p:style>
-          <a:lnRef idx="2">
-            <a:schemeClr val="accent1">
-              <a:shade val="50000"/>
-            </a:schemeClr>
-          </a:lnRef>
-          <a:fillRef idx="1">
-            <a:schemeClr val="accent1"/>
-          </a:fillRef>
-          <a:effectRef idx="0">
-            <a:schemeClr val="accent1"/>
-          </a:effectRef>
-          <a:fontRef idx="minor">
-            <a:schemeClr val="lt1"/>
-          </a:fontRef>
-        </p:style>
-        <p:txBody>
-          <a:bodyPr rtlCol="0" anchor="ctr"/>
-          <a:lstStyle/>
-          <a:p>
-            <a:pPr algn="ctr"/>
-            <a:endParaRPr lang="pt-BR"/>
-          </a:p>
-        </p:txBody>
-      </p:sp>
-      <p:pic>
-        <p:nvPicPr>
-          <p:cNvPr id="6" name="Imagem 5">
-            <a:extLst>
-              <a:ext uri="{FF2B5EF4-FFF2-40B4-BE49-F238E27FC236}">
-                <a16:creationId xmlns:a16="http://schemas.microsoft.com/office/drawing/2014/main" id="{3105AEDB-9804-7624-9480-FF098C89FEA4}"/>
-              </a:ext>
-            </a:extLst>
-          </p:cNvPr>
-          <p:cNvPicPr>
-            <a:picLocks noChangeAspect="1"/>
-          </p:cNvPicPr>
-          <p:nvPr/>
-        </p:nvPicPr>
-        <p:blipFill>
-          <a:blip r:embed="rId2"/>
-          <a:stretch>
-            <a:fillRect/>
-          </a:stretch>
-        </p:blipFill>
-        <p:spPr>
-          <a:xfrm>
-            <a:off x="0" y="4857455"/>
-            <a:ext cx="9601200" cy="4384548"/>
-          </a:xfrm>
-          <a:prstGeom prst="rect">
-            <a:avLst/>
-          </a:prstGeom>
-        </p:spPr>
-      </p:pic>
-      <p:sp>
-        <p:nvSpPr>
-          <p:cNvPr id="11" name="Espaço Reservado para Rodapé 10">
-            <a:extLst>
-              <a:ext uri="{FF2B5EF4-FFF2-40B4-BE49-F238E27FC236}">
-                <a16:creationId xmlns:a16="http://schemas.microsoft.com/office/drawing/2014/main" id="{4B80E3D0-EEFE-5ED5-3B8A-29C7805C8F63}"/>
-              </a:ext>
-            </a:extLst>
-          </p:cNvPr>
-          <p:cNvSpPr>
-            <a:spLocks noGrp="1"/>
-          </p:cNvSpPr>
-          <p:nvPr>
-            <p:ph type="ftr" sz="quarter" idx="11"/>
-          </p:nvPr>
-        </p:nvSpPr>
-        <p:spPr/>
-        <p:txBody>
-          <a:bodyPr/>
-          <a:lstStyle/>
-          <a:p>
-            <a:r>
-              <a:rPr lang="pt-BR"/>
-              <a:t>SELETORES CSS PARA JEDIS - FELIPE AGUIAR</a:t>
-            </a:r>
-          </a:p>
-        </p:txBody>
-      </p:sp>
-      <p:sp>
-        <p:nvSpPr>
-          <p:cNvPr id="12" name="Espaço Reservado para Número de Slide 11">
-            <a:extLst>
-              <a:ext uri="{FF2B5EF4-FFF2-40B4-BE49-F238E27FC236}">
-                <a16:creationId xmlns:a16="http://schemas.microsoft.com/office/drawing/2014/main" id="{5194B7CE-3343-6082-D5FE-370D98CAEFE8}"/>
-              </a:ext>
-            </a:extLst>
-          </p:cNvPr>
-          <p:cNvSpPr>
-            <a:spLocks noGrp="1"/>
-          </p:cNvSpPr>
-          <p:nvPr>
-            <p:ph type="sldNum" sz="quarter" idx="12"/>
-          </p:nvPr>
-        </p:nvSpPr>
-        <p:spPr/>
-        <p:txBody>
-          <a:bodyPr/>
-          <a:lstStyle/>
-          <a:p>
-            <a:fld id="{9BB46D60-96CE-4402-8D7C-2F4B1C382689}" type="slidenum">
-              <a:rPr lang="pt-BR" smtClean="0"/>
-              <a:t>23</a:t>
-            </a:fld>
-            <a:endParaRPr lang="pt-BR"/>
-          </a:p>
-        </p:txBody>
-      </p:sp>
-      <p:pic>
-        <p:nvPicPr>
-          <p:cNvPr id="14" name="Picture 8" descr="Would you like to see new lightsaber variants in the future? | Fandom">
-            <a:extLst>
-              <a:ext uri="{FF2B5EF4-FFF2-40B4-BE49-F238E27FC236}">
-                <a16:creationId xmlns:a16="http://schemas.microsoft.com/office/drawing/2014/main" id="{7695C4A0-10A4-51FD-7FCE-43223D6F684A}"/>
-              </a:ext>
-            </a:extLst>
-          </p:cNvPr>
-          <p:cNvPicPr>
-            <a:picLocks noChangeAspect="1" noChangeArrowheads="1"/>
-          </p:cNvPicPr>
-          <p:nvPr/>
-        </p:nvPicPr>
-        <p:blipFill>
-          <a:blip r:embed="rId3">
-            <a:extLst>
-              <a:ext uri="{BEBA8EAE-BF5A-486C-A8C5-ECC9F3942E4B}">
-                <a14:imgProps xmlns:a14="http://schemas.microsoft.com/office/drawing/2010/main">
-                  <a14:imgLayer r:embed="rId4">
-                    <a14:imgEffect>
-                      <a14:brightnessContrast bright="40000" contrast="20000"/>
-                    </a14:imgEffect>
-                  </a14:imgLayer>
-                </a14:imgProps>
-              </a:ext>
-              <a:ext uri="{28A0092B-C50C-407E-A947-70E740481C1C}">
-                <a14:useLocalDpi xmlns:a14="http://schemas.microsoft.com/office/drawing/2010/main" val="0"/>
-              </a:ext>
-            </a:extLst>
-          </a:blip>
-          <a:srcRect/>
-          <a:stretch>
-            <a:fillRect/>
-          </a:stretch>
-        </p:blipFill>
-        <p:spPr bwMode="auto">
-          <a:xfrm rot="1987839">
-            <a:off x="3038474" y="971271"/>
-            <a:ext cx="3524250" cy="2447925"/>
-          </a:xfrm>
-          <a:prstGeom prst="rect">
-            <a:avLst/>
-          </a:prstGeom>
-          <a:noFill/>
-          <a:extLst>
-            <a:ext uri="{909E8E84-426E-40DD-AFC4-6F175D3DCCD1}">
-              <a14:hiddenFill xmlns:a14="http://schemas.microsoft.com/office/drawing/2010/main">
-                <a:solidFill>
-                  <a:srgbClr val="FFFFFF"/>
-                </a:solidFill>
-              </a14:hiddenFill>
-            </a:ext>
-          </a:extLst>
-        </p:spPr>
-      </p:pic>
-      <p:pic>
-        <p:nvPicPr>
-          <p:cNvPr id="15" name="logo_css" descr="Ícone&#10;&#10;Descrição gerada automaticamente">
-            <a:extLst>
-              <a:ext uri="{FF2B5EF4-FFF2-40B4-BE49-F238E27FC236}">
-                <a16:creationId xmlns:a16="http://schemas.microsoft.com/office/drawing/2014/main" id="{235338D6-664D-B03E-FE78-1033D6C90F15}"/>
-              </a:ext>
-            </a:extLst>
-          </p:cNvPr>
-          <p:cNvPicPr>
-            <a:picLocks noChangeAspect="1"/>
-          </p:cNvPicPr>
-          <p:nvPr/>
-        </p:nvPicPr>
-        <p:blipFill rotWithShape="1">
-          <a:blip r:embed="rId5">
-            <a:duotone>
-              <a:schemeClr val="bg2">
-                <a:shade val="45000"/>
-                <a:satMod val="135000"/>
-              </a:schemeClr>
-              <a:prstClr val="white"/>
-            </a:duotone>
-            <a:extLst>
-              <a:ext uri="{BEBA8EAE-BF5A-486C-A8C5-ECC9F3942E4B}">
-                <a14:imgProps xmlns:a14="http://schemas.microsoft.com/office/drawing/2010/main">
-                  <a14:imgLayer r:embed="rId6">
-                    <a14:imgEffect>
-                      <a14:brightnessContrast bright="40000" contrast="40000"/>
-                    </a14:imgEffect>
-                  </a14:imgLayer>
-                </a14:imgProps>
-              </a:ext>
-              <a:ext uri="{28A0092B-C50C-407E-A947-70E740481C1C}">
-                <a14:useLocalDpi xmlns:a14="http://schemas.microsoft.com/office/drawing/2010/main" val="0"/>
-              </a:ext>
-            </a:extLst>
-          </a:blip>
-          <a:srcRect t="-3689"/>
-          <a:stretch/>
-        </p:blipFill>
-        <p:spPr>
-          <a:xfrm>
-            <a:off x="3535992" y="9979522"/>
-            <a:ext cx="2529215" cy="1484352"/>
-          </a:xfrm>
-          <a:prstGeom prst="rect">
-            <a:avLst/>
-          </a:prstGeom>
-        </p:spPr>
-      </p:pic>
-    </p:spTree>
-    <p:extLst>
-      <p:ext uri="{BB962C8B-B14F-4D97-AF65-F5344CB8AC3E}">
-        <p14:creationId xmlns:p14="http://schemas.microsoft.com/office/powerpoint/2010/main" val="4077838316"/>
-      </p:ext>
-    </p:extLst>
-  </p:cSld>
-  <p:clrMapOvr>
-    <a:masterClrMapping/>
-  </p:clrMapOvr>
-</p:sld>
-</file>
-
-<file path=ppt/slides/slide24.xml><?xml version="1.0" encoding="utf-8"?>
-<p:sld xmlns:a="http://schemas.openxmlformats.org/drawingml/2006/main" xmlns:r="http://schemas.openxmlformats.org/officeDocument/2006/relationships" xmlns:p="http://schemas.openxmlformats.org/presentationml/2006/main">
-  <p:cSld>
-    <p:spTree>
-      <p:nvGrpSpPr>
-        <p:cNvPr id="1" name=""/>
-        <p:cNvGrpSpPr/>
-        <p:nvPr/>
-      </p:nvGrpSpPr>
-      <p:grpSpPr>
-        <a:xfrm>
-          <a:off x="0" y="0"/>
-          <a:ext cx="0" cy="0"/>
-          <a:chOff x="0" y="0"/>
-          <a:chExt cx="0" cy="0"/>
-        </a:xfrm>
-      </p:grpSpPr>
-      <p:sp>
-        <p:nvSpPr>
-          <p:cNvPr id="2" name="Retângulo 1">
-            <a:extLst>
-              <a:ext uri="{FF2B5EF4-FFF2-40B4-BE49-F238E27FC236}">
-                <a16:creationId xmlns:a16="http://schemas.microsoft.com/office/drawing/2014/main" id="{B0B0E586-87BE-933D-F40E-E3BBA13856E0}"/>
-              </a:ext>
-            </a:extLst>
-          </p:cNvPr>
-          <p:cNvSpPr/>
-          <p:nvPr/>
-        </p:nvSpPr>
-        <p:spPr>
-          <a:xfrm>
-            <a:off x="0" y="0"/>
-            <a:ext cx="9601200" cy="12801600"/>
-          </a:xfrm>
-          <a:prstGeom prst="rect">
-            <a:avLst/>
-          </a:prstGeom>
-          <a:solidFill>
-            <a:schemeClr val="tx1"/>
-          </a:solidFill>
-          <a:ln>
-            <a:noFill/>
-          </a:ln>
-        </p:spPr>
-        <p:style>
-          <a:lnRef idx="2">
-            <a:schemeClr val="accent1">
-              <a:shade val="50000"/>
-            </a:schemeClr>
-          </a:lnRef>
-          <a:fillRef idx="1">
-            <a:schemeClr val="accent1"/>
-          </a:fillRef>
-          <a:effectRef idx="0">
-            <a:schemeClr val="accent1"/>
-          </a:effectRef>
-          <a:fontRef idx="minor">
-            <a:schemeClr val="lt1"/>
-          </a:fontRef>
-        </p:style>
-        <p:txBody>
-          <a:bodyPr rtlCol="0" anchor="ctr"/>
-          <a:lstStyle/>
-          <a:p>
-            <a:pPr algn="ctr"/>
-            <a:endParaRPr lang="pt-BR"/>
-          </a:p>
-        </p:txBody>
-      </p:sp>
-      <p:sp>
-        <p:nvSpPr>
-          <p:cNvPr id="3" name="titulo_componente">
-            <a:extLst>
-              <a:ext uri="{FF2B5EF4-FFF2-40B4-BE49-F238E27FC236}">
-                <a16:creationId xmlns:a16="http://schemas.microsoft.com/office/drawing/2014/main" id="{93533FB0-D3C0-9791-4F72-0D1731465A20}"/>
-              </a:ext>
-            </a:extLst>
-          </p:cNvPr>
-          <p:cNvSpPr txBox="1"/>
-          <p:nvPr/>
-        </p:nvSpPr>
-        <p:spPr>
-          <a:xfrm>
-            <a:off x="892277" y="6388320"/>
-            <a:ext cx="7816645" cy="1200329"/>
-          </a:xfrm>
-          <a:prstGeom prst="rect">
-            <a:avLst/>
-          </a:prstGeom>
-          <a:noFill/>
-        </p:spPr>
-        <p:txBody>
-          <a:bodyPr wrap="square" rtlCol="0">
-            <a:spAutoFit/>
-          </a:bodyPr>
-          <a:lstStyle/>
-          <a:p>
-            <a:pPr algn="ctr"/>
-            <a:r>
-              <a:rPr lang="en-US" sz="7200" dirty="0">
-                <a:solidFill>
-                  <a:schemeClr val="bg1"/>
-                </a:solidFill>
-                <a:latin typeface="Impact" panose="020B0806030902050204" pitchFamily="34" charset="0"/>
-              </a:rPr>
-              <a:t>A</a:t>
-            </a:r>
-            <a:r>
-              <a:rPr lang="pt-BR" sz="7200" dirty="0">
-                <a:solidFill>
-                  <a:schemeClr val="bg1"/>
-                </a:solidFill>
-                <a:latin typeface="Impact" panose="020B0806030902050204" pitchFamily="34" charset="0"/>
-              </a:rPr>
-              <a:t>GRADECIMENTOS</a:t>
-            </a:r>
-          </a:p>
-        </p:txBody>
-      </p:sp>
-      <p:sp>
-        <p:nvSpPr>
-          <p:cNvPr id="5" name="Retângulo 4">
-            <a:extLst>
-              <a:ext uri="{FF2B5EF4-FFF2-40B4-BE49-F238E27FC236}">
-                <a16:creationId xmlns:a16="http://schemas.microsoft.com/office/drawing/2014/main" id="{FA80E993-76DA-56CE-427C-CE1D83BD30C1}"/>
-              </a:ext>
-            </a:extLst>
-          </p:cNvPr>
-          <p:cNvSpPr/>
-          <p:nvPr/>
-        </p:nvSpPr>
-        <p:spPr>
-          <a:xfrm>
-            <a:off x="976944" y="8776129"/>
-            <a:ext cx="7731978" cy="106262"/>
-          </a:xfrm>
-          <a:prstGeom prst="rect">
-            <a:avLst/>
-          </a:prstGeom>
-          <a:gradFill flip="none" rotWithShape="1">
-            <a:gsLst>
-              <a:gs pos="0">
-                <a:srgbClr val="11FFFE"/>
-              </a:gs>
-              <a:gs pos="74000">
-                <a:schemeClr val="accent1">
-                  <a:lumMod val="45000"/>
-                  <a:lumOff val="55000"/>
-                </a:schemeClr>
-              </a:gs>
-              <a:gs pos="83000">
-                <a:schemeClr val="accent1">
-                  <a:lumMod val="45000"/>
-                  <a:lumOff val="55000"/>
-                </a:schemeClr>
-              </a:gs>
-              <a:gs pos="100000">
-                <a:srgbClr val="36ABFF"/>
-              </a:gs>
-            </a:gsLst>
-            <a:lin ang="10800000" scaled="1"/>
-            <a:tileRect/>
-          </a:gradFill>
-          <a:ln>
-            <a:noFill/>
-          </a:ln>
-        </p:spPr>
-        <p:style>
-          <a:lnRef idx="2">
-            <a:schemeClr val="accent1">
-              <a:shade val="50000"/>
-            </a:schemeClr>
-          </a:lnRef>
-          <a:fillRef idx="1">
-            <a:schemeClr val="accent1"/>
-          </a:fillRef>
-          <a:effectRef idx="0">
-            <a:schemeClr val="accent1"/>
-          </a:effectRef>
-          <a:fontRef idx="minor">
-            <a:schemeClr val="lt1"/>
-          </a:fontRef>
-        </p:style>
-        <p:txBody>
-          <a:bodyPr rtlCol="0" anchor="ctr"/>
-          <a:lstStyle/>
-          <a:p>
-            <a:pPr algn="ctr"/>
-            <a:endParaRPr lang="pt-BR"/>
-          </a:p>
-        </p:txBody>
-      </p:sp>
-      <p:sp>
-        <p:nvSpPr>
-          <p:cNvPr id="10" name="Espaço Reservado para Rodapé 9">
-            <a:extLst>
-              <a:ext uri="{FF2B5EF4-FFF2-40B4-BE49-F238E27FC236}">
-                <a16:creationId xmlns:a16="http://schemas.microsoft.com/office/drawing/2014/main" id="{15C797C3-6F1E-3AA4-4225-55DBA1A40907}"/>
-              </a:ext>
-            </a:extLst>
-          </p:cNvPr>
-          <p:cNvSpPr>
-            <a:spLocks noGrp="1"/>
-          </p:cNvSpPr>
-          <p:nvPr>
-            <p:ph type="ftr" sz="quarter" idx="11"/>
-          </p:nvPr>
-        </p:nvSpPr>
-        <p:spPr/>
-        <p:txBody>
-          <a:bodyPr/>
-          <a:lstStyle/>
-          <a:p>
-            <a:r>
-              <a:rPr lang="pt-BR"/>
-              <a:t>SELETORES CSS PARA JEDIS - FELIPE AGUIAR</a:t>
-            </a:r>
-          </a:p>
-        </p:txBody>
-      </p:sp>
-      <p:sp>
-        <p:nvSpPr>
-          <p:cNvPr id="11" name="Espaço Reservado para Número de Slide 10">
-            <a:extLst>
-              <a:ext uri="{FF2B5EF4-FFF2-40B4-BE49-F238E27FC236}">
-                <a16:creationId xmlns:a16="http://schemas.microsoft.com/office/drawing/2014/main" id="{37204EBB-9793-B1C1-E210-A22022EFF37C}"/>
-              </a:ext>
-            </a:extLst>
-          </p:cNvPr>
-          <p:cNvSpPr>
-            <a:spLocks noGrp="1"/>
-          </p:cNvSpPr>
-          <p:nvPr>
-            <p:ph type="sldNum" sz="quarter" idx="12"/>
-          </p:nvPr>
-        </p:nvSpPr>
-        <p:spPr/>
-        <p:txBody>
-          <a:bodyPr/>
-          <a:lstStyle/>
-          <a:p>
-            <a:fld id="{9BB46D60-96CE-4402-8D7C-2F4B1C382689}" type="slidenum">
-              <a:rPr lang="pt-BR" smtClean="0"/>
-              <a:t>24</a:t>
-            </a:fld>
-            <a:endParaRPr lang="pt-BR"/>
-          </a:p>
-        </p:txBody>
-      </p:sp>
-    </p:spTree>
-    <p:extLst>
-      <p:ext uri="{BB962C8B-B14F-4D97-AF65-F5344CB8AC3E}">
-        <p14:creationId xmlns:p14="http://schemas.microsoft.com/office/powerpoint/2010/main" val="2390956622"/>
-      </p:ext>
-    </p:extLst>
-  </p:cSld>
-  <p:clrMapOvr>
-    <a:masterClrMapping/>
-  </p:clrMapOvr>
-</p:sld>
-</file>
-
-<file path=ppt/slides/slide25.xml><?xml version="1.0" encoding="utf-8"?>
-<p:sld xmlns:a="http://schemas.openxmlformats.org/drawingml/2006/main" xmlns:r="http://schemas.openxmlformats.org/officeDocument/2006/relationships" xmlns:p="http://schemas.openxmlformats.org/presentationml/2006/main">
-  <p:cSld>
-    <p:spTree>
-      <p:nvGrpSpPr>
-        <p:cNvPr id="1" name=""/>
-        <p:cNvGrpSpPr/>
-        <p:nvPr/>
-      </p:nvGrpSpPr>
-      <p:grpSpPr>
-        <a:xfrm>
-          <a:off x="0" y="0"/>
-          <a:ext cx="0" cy="0"/>
-          <a:chOff x="0" y="0"/>
-          <a:chExt cx="0" cy="0"/>
-        </a:xfrm>
-      </p:grpSpPr>
-      <p:sp>
-        <p:nvSpPr>
-          <p:cNvPr id="2" name="texto_componente">
-            <a:extLst>
-              <a:ext uri="{FF2B5EF4-FFF2-40B4-BE49-F238E27FC236}">
-                <a16:creationId xmlns:a16="http://schemas.microsoft.com/office/drawing/2014/main" id="{5F8A268F-DF04-2C6F-1AF7-579F8D46FDD0}"/>
-              </a:ext>
-            </a:extLst>
-          </p:cNvPr>
-          <p:cNvSpPr txBox="1"/>
-          <p:nvPr/>
-        </p:nvSpPr>
-        <p:spPr>
-          <a:xfrm>
-            <a:off x="870768" y="2822078"/>
-            <a:ext cx="7816645" cy="2616101"/>
-          </a:xfrm>
-          <a:prstGeom prst="rect">
-            <a:avLst/>
-          </a:prstGeom>
-          <a:noFill/>
-        </p:spPr>
-        <p:txBody>
-          <a:bodyPr wrap="square" rtlCol="0">
-            <a:spAutoFit/>
-          </a:bodyPr>
-          <a:lstStyle/>
-          <a:p>
-            <a:pPr algn="ctr"/>
-            <a:r>
-              <a:rPr lang="pt-BR" sz="2400" dirty="0"/>
-              <a:t>Esse Ebook foi gerado por IA, e diagramado por humano.</a:t>
-            </a:r>
-            <a:br>
-              <a:rPr lang="pt-BR" sz="2400" dirty="0"/>
-            </a:br>
-            <a:r>
-              <a:rPr lang="pt-BR" sz="2400" dirty="0"/>
-              <a:t>O passo a passo se encontra no meu </a:t>
-            </a:r>
-            <a:r>
-              <a:rPr lang="pt-BR" sz="2400" dirty="0" err="1"/>
-              <a:t>Github</a:t>
-            </a:r>
-            <a:endParaRPr lang="pt-BR" sz="2400" dirty="0"/>
-          </a:p>
-          <a:p>
-            <a:pPr algn="ctr"/>
-            <a:r>
-              <a:rPr lang="pt-BR" sz="4400" dirty="0"/>
-              <a:t>.</a:t>
-            </a:r>
-            <a:br>
-              <a:rPr lang="pt-BR" sz="2400" dirty="0"/>
-            </a:br>
-            <a:r>
-              <a:rPr lang="pt-BR" sz="2400" dirty="0"/>
-              <a:t>Esse conteúdo foi gerado com fins didáticos de construção, não foi realizado uma validação cuidadosa humana no conteúdo e pode conter erros gerados por uma IA.</a:t>
-            </a:r>
-          </a:p>
-        </p:txBody>
-      </p:sp>
-      <p:sp>
-        <p:nvSpPr>
-          <p:cNvPr id="3" name="titulo_componente">
-            <a:extLst>
-              <a:ext uri="{FF2B5EF4-FFF2-40B4-BE49-F238E27FC236}">
-                <a16:creationId xmlns:a16="http://schemas.microsoft.com/office/drawing/2014/main" id="{26767187-6DF7-80A9-F3B9-FCD72DDF717D}"/>
-              </a:ext>
-            </a:extLst>
-          </p:cNvPr>
-          <p:cNvSpPr txBox="1"/>
-          <p:nvPr/>
-        </p:nvSpPr>
-        <p:spPr>
-          <a:xfrm>
-            <a:off x="2269438" y="777781"/>
-            <a:ext cx="8302729" cy="707886"/>
-          </a:xfrm>
-          <a:prstGeom prst="rect">
-            <a:avLst/>
-          </a:prstGeom>
-          <a:noFill/>
-        </p:spPr>
-        <p:txBody>
-          <a:bodyPr wrap="square" rtlCol="0">
-            <a:spAutoFit/>
-          </a:bodyPr>
-          <a:lstStyle/>
-          <a:p>
-            <a:r>
-              <a:rPr lang="pt-BR" sz="4000" dirty="0">
-                <a:latin typeface="Impact" panose="020B0806030902050204" pitchFamily="34" charset="0"/>
-              </a:rPr>
-              <a:t>OBRIGADO POR LER ATÉ AQUI</a:t>
-            </a:r>
-          </a:p>
-        </p:txBody>
-      </p:sp>
-      <p:sp>
-        <p:nvSpPr>
-          <p:cNvPr id="5" name="Retângulo 4">
-            <a:extLst>
-              <a:ext uri="{FF2B5EF4-FFF2-40B4-BE49-F238E27FC236}">
-                <a16:creationId xmlns:a16="http://schemas.microsoft.com/office/drawing/2014/main" id="{F3548456-7C95-80DE-D379-01E177977A3D}"/>
-              </a:ext>
-            </a:extLst>
-          </p:cNvPr>
-          <p:cNvSpPr/>
-          <p:nvPr/>
-        </p:nvSpPr>
-        <p:spPr>
-          <a:xfrm>
-            <a:off x="651281" y="-216344"/>
-            <a:ext cx="144000" cy="1512000"/>
-          </a:xfrm>
-          <a:prstGeom prst="rect">
-            <a:avLst/>
-          </a:prstGeom>
-          <a:gradFill flip="none" rotWithShape="1">
-            <a:gsLst>
-              <a:gs pos="0">
-                <a:srgbClr val="11FFFE"/>
-              </a:gs>
-              <a:gs pos="74000">
-                <a:schemeClr val="accent1">
-                  <a:lumMod val="45000"/>
-                  <a:lumOff val="55000"/>
-                </a:schemeClr>
-              </a:gs>
-              <a:gs pos="83000">
-                <a:schemeClr val="accent1">
-                  <a:lumMod val="45000"/>
-                  <a:lumOff val="55000"/>
-                </a:schemeClr>
-              </a:gs>
-              <a:gs pos="100000">
-                <a:srgbClr val="36ABFF"/>
-              </a:gs>
-            </a:gsLst>
-            <a:lin ang="5400000" scaled="1"/>
-            <a:tileRect/>
-          </a:gradFill>
-          <a:ln>
-            <a:noFill/>
-          </a:ln>
-        </p:spPr>
-        <p:style>
-          <a:lnRef idx="2">
-            <a:schemeClr val="accent1">
-              <a:shade val="50000"/>
-            </a:schemeClr>
-          </a:lnRef>
-          <a:fillRef idx="1">
-            <a:schemeClr val="accent1"/>
-          </a:fillRef>
-          <a:effectRef idx="0">
-            <a:schemeClr val="accent1"/>
-          </a:effectRef>
-          <a:fontRef idx="minor">
-            <a:schemeClr val="lt1"/>
-          </a:fontRef>
-        </p:style>
-        <p:txBody>
-          <a:bodyPr rtlCol="0" anchor="ctr"/>
-          <a:lstStyle/>
-          <a:p>
-            <a:pPr algn="ctr"/>
-            <a:endParaRPr lang="pt-BR"/>
-          </a:p>
-        </p:txBody>
-      </p:sp>
-      <p:sp>
-        <p:nvSpPr>
-          <p:cNvPr id="11" name="Espaço Reservado para Rodapé 10">
-            <a:extLst>
-              <a:ext uri="{FF2B5EF4-FFF2-40B4-BE49-F238E27FC236}">
-                <a16:creationId xmlns:a16="http://schemas.microsoft.com/office/drawing/2014/main" id="{4B80E3D0-EEFE-5ED5-3B8A-29C7805C8F63}"/>
-              </a:ext>
-            </a:extLst>
-          </p:cNvPr>
-          <p:cNvSpPr>
-            <a:spLocks noGrp="1"/>
-          </p:cNvSpPr>
-          <p:nvPr>
-            <p:ph type="ftr" sz="quarter" idx="11"/>
-          </p:nvPr>
-        </p:nvSpPr>
-        <p:spPr/>
-        <p:txBody>
-          <a:bodyPr/>
-          <a:lstStyle/>
-          <a:p>
-            <a:r>
-              <a:rPr lang="pt-BR"/>
-              <a:t>SELETORES CSS PARA JEDIS - FELIPE AGUIAR</a:t>
-            </a:r>
-          </a:p>
-        </p:txBody>
-      </p:sp>
-      <p:sp>
-        <p:nvSpPr>
-          <p:cNvPr id="12" name="Espaço Reservado para Número de Slide 11">
-            <a:extLst>
-              <a:ext uri="{FF2B5EF4-FFF2-40B4-BE49-F238E27FC236}">
-                <a16:creationId xmlns:a16="http://schemas.microsoft.com/office/drawing/2014/main" id="{5194B7CE-3343-6082-D5FE-370D98CAEFE8}"/>
-              </a:ext>
-            </a:extLst>
-          </p:cNvPr>
-          <p:cNvSpPr>
-            <a:spLocks noGrp="1"/>
-          </p:cNvSpPr>
-          <p:nvPr>
-            <p:ph type="sldNum" sz="quarter" idx="12"/>
-          </p:nvPr>
-        </p:nvSpPr>
-        <p:spPr/>
-        <p:txBody>
-          <a:bodyPr/>
-          <a:lstStyle/>
-          <a:p>
-            <a:fld id="{9BB46D60-96CE-4402-8D7C-2F4B1C382689}" type="slidenum">
-              <a:rPr lang="pt-BR" smtClean="0"/>
-              <a:t>25</a:t>
-            </a:fld>
-            <a:endParaRPr lang="pt-BR"/>
-          </a:p>
-        </p:txBody>
-      </p:sp>
-      <p:pic>
-        <p:nvPicPr>
-          <p:cNvPr id="14" name="Picture 8" descr="Would you like to see new lightsaber variants in the future? | Fandom">
-            <a:extLst>
-              <a:ext uri="{FF2B5EF4-FFF2-40B4-BE49-F238E27FC236}">
-                <a16:creationId xmlns:a16="http://schemas.microsoft.com/office/drawing/2014/main" id="{7695C4A0-10A4-51FD-7FCE-43223D6F684A}"/>
-              </a:ext>
-            </a:extLst>
-          </p:cNvPr>
-          <p:cNvPicPr>
-            <a:picLocks noChangeAspect="1" noChangeArrowheads="1"/>
-          </p:cNvPicPr>
-          <p:nvPr/>
-        </p:nvPicPr>
-        <p:blipFill>
-          <a:blip r:embed="rId2">
-            <a:extLst>
-              <a:ext uri="{BEBA8EAE-BF5A-486C-A8C5-ECC9F3942E4B}">
-                <a14:imgProps xmlns:a14="http://schemas.microsoft.com/office/drawing/2010/main">
-                  <a14:imgLayer r:embed="rId3">
-                    <a14:imgEffect>
-                      <a14:brightnessContrast bright="40000" contrast="20000"/>
-                    </a14:imgEffect>
-                  </a14:imgLayer>
-                </a14:imgProps>
-              </a:ext>
-              <a:ext uri="{28A0092B-C50C-407E-A947-70E740481C1C}">
-                <a14:useLocalDpi xmlns:a14="http://schemas.microsoft.com/office/drawing/2010/main" val="0"/>
-              </a:ext>
-            </a:extLst>
-          </a:blip>
-          <a:srcRect/>
-          <a:stretch>
-            <a:fillRect/>
-          </a:stretch>
-        </p:blipFill>
-        <p:spPr bwMode="auto">
-          <a:xfrm rot="1987839">
-            <a:off x="2874115" y="971271"/>
-            <a:ext cx="3524250" cy="2447925"/>
-          </a:xfrm>
-          <a:prstGeom prst="rect">
-            <a:avLst/>
-          </a:prstGeom>
-          <a:noFill/>
-          <a:extLst>
-            <a:ext uri="{909E8E84-426E-40DD-AFC4-6F175D3DCCD1}">
-              <a14:hiddenFill xmlns:a14="http://schemas.microsoft.com/office/drawing/2010/main">
-                <a:solidFill>
-                  <a:srgbClr val="FFFFFF"/>
-                </a:solidFill>
-              </a14:hiddenFill>
-            </a:ext>
-          </a:extLst>
-        </p:spPr>
-      </p:pic>
-      <p:pic>
-        <p:nvPicPr>
-          <p:cNvPr id="13" name="Picture 8" descr="Would you like to see new lightsaber variants in the future? | Fandom">
-            <a:extLst>
-              <a:ext uri="{FF2B5EF4-FFF2-40B4-BE49-F238E27FC236}">
-                <a16:creationId xmlns:a16="http://schemas.microsoft.com/office/drawing/2014/main" id="{4CCAA8B8-6479-A21B-B3AF-4D0014CE7FB9}"/>
-              </a:ext>
-            </a:extLst>
-          </p:cNvPr>
-          <p:cNvPicPr>
-            <a:picLocks noChangeAspect="1" noChangeArrowheads="1"/>
-          </p:cNvPicPr>
-          <p:nvPr/>
-        </p:nvPicPr>
-        <p:blipFill>
-          <a:blip r:embed="rId2">
-            <a:extLst>
-              <a:ext uri="{BEBA8EAE-BF5A-486C-A8C5-ECC9F3942E4B}">
-                <a14:imgProps xmlns:a14="http://schemas.microsoft.com/office/drawing/2010/main">
-                  <a14:imgLayer r:embed="rId3">
-                    <a14:imgEffect>
-                      <a14:brightnessContrast bright="40000" contrast="20000"/>
-                    </a14:imgEffect>
-                  </a14:imgLayer>
-                </a14:imgProps>
-              </a:ext>
-              <a:ext uri="{28A0092B-C50C-407E-A947-70E740481C1C}">
-                <a14:useLocalDpi xmlns:a14="http://schemas.microsoft.com/office/drawing/2010/main" val="0"/>
-              </a:ext>
-            </a:extLst>
-          </a:blip>
-          <a:srcRect/>
-          <a:stretch>
-            <a:fillRect/>
-          </a:stretch>
-        </p:blipFill>
-        <p:spPr bwMode="auto">
-          <a:xfrm rot="1987839">
-            <a:off x="2874115" y="10006110"/>
-            <a:ext cx="3524250" cy="2447925"/>
-          </a:xfrm>
-          <a:prstGeom prst="rect">
-            <a:avLst/>
-          </a:prstGeom>
-          <a:noFill/>
-          <a:extLst>
-            <a:ext uri="{909E8E84-426E-40DD-AFC4-6F175D3DCCD1}">
-              <a14:hiddenFill xmlns:a14="http://schemas.microsoft.com/office/drawing/2010/main">
-                <a:solidFill>
-                  <a:srgbClr val="FFFFFF"/>
-                </a:solidFill>
-              </a14:hiddenFill>
-            </a:ext>
-          </a:extLst>
-        </p:spPr>
-      </p:pic>
-      <p:pic>
-        <p:nvPicPr>
-          <p:cNvPr id="7" name="Imagem 6">
-            <a:extLst>
-              <a:ext uri="{FF2B5EF4-FFF2-40B4-BE49-F238E27FC236}">
-                <a16:creationId xmlns:a16="http://schemas.microsoft.com/office/drawing/2014/main" id="{5ED159E2-8571-206E-9E7A-2DF40D16BA3A}"/>
-              </a:ext>
-            </a:extLst>
-          </p:cNvPr>
-          <p:cNvPicPr>
-            <a:picLocks noChangeAspect="1"/>
-          </p:cNvPicPr>
-          <p:nvPr/>
-        </p:nvPicPr>
-        <p:blipFill>
-          <a:blip r:embed="rId4"/>
-          <a:stretch>
-            <a:fillRect/>
-          </a:stretch>
-        </p:blipFill>
-        <p:spPr>
-          <a:xfrm>
-            <a:off x="997620" y="8092106"/>
-            <a:ext cx="7816645" cy="2299795"/>
-          </a:xfrm>
-          <a:prstGeom prst="roundRect">
-            <a:avLst>
-              <a:gd name="adj" fmla="val 8384"/>
-            </a:avLst>
-          </a:prstGeom>
-        </p:spPr>
-      </p:pic>
-      <p:sp>
-        <p:nvSpPr>
-          <p:cNvPr id="8" name="Retângulo 7">
-            <a:extLst>
-              <a:ext uri="{FF2B5EF4-FFF2-40B4-BE49-F238E27FC236}">
-                <a16:creationId xmlns:a16="http://schemas.microsoft.com/office/drawing/2014/main" id="{300835EE-A170-C4AE-5EE7-9322E1BA6163}"/>
-              </a:ext>
-            </a:extLst>
-          </p:cNvPr>
-          <p:cNvSpPr/>
-          <p:nvPr/>
-        </p:nvSpPr>
-        <p:spPr>
-          <a:xfrm>
-            <a:off x="870768" y="7097501"/>
-            <a:ext cx="7562940" cy="646439"/>
-          </a:xfrm>
-          <a:prstGeom prst="rect">
-            <a:avLst/>
-          </a:prstGeom>
-          <a:noFill/>
-          <a:ln>
-            <a:noFill/>
-          </a:ln>
-        </p:spPr>
-        <p:style>
-          <a:lnRef idx="2">
-            <a:schemeClr val="accent1">
-              <a:shade val="50000"/>
-            </a:schemeClr>
-          </a:lnRef>
-          <a:fillRef idx="1">
-            <a:schemeClr val="accent1"/>
-          </a:fillRef>
-          <a:effectRef idx="0">
-            <a:schemeClr val="accent1"/>
-          </a:effectRef>
-          <a:fontRef idx="minor">
-            <a:schemeClr val="lt1"/>
-          </a:fontRef>
-        </p:style>
-        <p:txBody>
-          <a:bodyPr rtlCol="0" anchor="ctr"/>
-          <a:lstStyle/>
-          <a:p>
-            <a:pPr algn="ctr"/>
-            <a:r>
-              <a:rPr lang="pt-BR" b="1" dirty="0">
-                <a:hlinkClick r:id="rId5"/>
-              </a:rPr>
-              <a:t>https://github.com/felipeAguiarCode/prompts-recipe-to-create-a-ebook</a:t>
-            </a:r>
-            <a:endParaRPr lang="pt-BR" b="1" dirty="0"/>
-          </a:p>
-        </p:txBody>
-      </p:sp>
-      <p:pic>
-        <p:nvPicPr>
-          <p:cNvPr id="1026" name="Picture 2" descr="GitHub Logos and Usage · GitHub">
-            <a:extLst>
-              <a:ext uri="{FF2B5EF4-FFF2-40B4-BE49-F238E27FC236}">
-                <a16:creationId xmlns:a16="http://schemas.microsoft.com/office/drawing/2014/main" id="{1EF46656-CC8F-7EC9-456E-5D0A6CD02BBC}"/>
-              </a:ext>
-            </a:extLst>
-          </p:cNvPr>
-          <p:cNvPicPr>
-            <a:picLocks noChangeAspect="1" noChangeArrowheads="1"/>
-          </p:cNvPicPr>
-          <p:nvPr/>
-        </p:nvPicPr>
-        <p:blipFill>
-          <a:blip r:embed="rId6">
-            <a:extLst>
-              <a:ext uri="{BEBA8EAE-BF5A-486C-A8C5-ECC9F3942E4B}">
-                <a14:imgProps xmlns:a14="http://schemas.microsoft.com/office/drawing/2010/main">
-                  <a14:imgLayer r:embed="rId7">
-                    <a14:imgEffect>
-                      <a14:backgroundRemoval t="10000" b="90000" l="10000" r="90000"/>
-                    </a14:imgEffect>
-                  </a14:imgLayer>
-                </a14:imgProps>
-              </a:ext>
-              <a:ext uri="{28A0092B-C50C-407E-A947-70E740481C1C}">
-                <a14:useLocalDpi xmlns:a14="http://schemas.microsoft.com/office/drawing/2010/main" val="0"/>
-              </a:ext>
-            </a:extLst>
-          </a:blip>
-          <a:srcRect/>
-          <a:stretch>
-            <a:fillRect/>
-          </a:stretch>
-        </p:blipFill>
-        <p:spPr bwMode="auto">
-          <a:xfrm>
-            <a:off x="3813953" y="5587726"/>
-            <a:ext cx="1676570" cy="1676570"/>
-          </a:xfrm>
-          <a:prstGeom prst="rect">
-            <a:avLst/>
-          </a:prstGeom>
-          <a:noFill/>
-          <a:extLst>
-            <a:ext uri="{909E8E84-426E-40DD-AFC4-6F175D3DCCD1}">
-              <a14:hiddenFill xmlns:a14="http://schemas.microsoft.com/office/drawing/2010/main">
-                <a:solidFill>
-                  <a:srgbClr val="FFFFFF"/>
-                </a:solidFill>
-              </a14:hiddenFill>
-            </a:ext>
-          </a:extLst>
-        </p:spPr>
-      </p:pic>
-    </p:spTree>
-    <p:extLst>
-      <p:ext uri="{BB962C8B-B14F-4D97-AF65-F5344CB8AC3E}">
-        <p14:creationId xmlns:p14="http://schemas.microsoft.com/office/powerpoint/2010/main" val="3920495214"/>
-      </p:ext>
-    </p:extLst>
-  </p:cSld>
-  <p:clrMapOvr>
-    <a:masterClrMapping/>
-  </p:clrMapOvr>
-</p:sld>
-</file>
-
-<file path=ppt/slides/slide3.xml><?xml version="1.0" encoding="utf-8"?>
-<p:sld xmlns:a="http://schemas.openxmlformats.org/drawingml/2006/main" xmlns:r="http://schemas.openxmlformats.org/officeDocument/2006/relationships" xmlns:p="http://schemas.openxmlformats.org/presentationml/2006/main">
-  <p:cSld>
-    <p:spTree>
-      <p:nvGrpSpPr>
-        <p:cNvPr id="1" name=""/>
-        <p:cNvGrpSpPr/>
-        <p:nvPr/>
-      </p:nvGrpSpPr>
-      <p:grpSpPr>
-        <a:xfrm>
-          <a:off x="0" y="0"/>
-          <a:ext cx="0" cy="0"/>
-          <a:chOff x="0" y="0"/>
-          <a:chExt cx="0" cy="0"/>
-        </a:xfrm>
-      </p:grpSpPr>
-      <p:sp>
-        <p:nvSpPr>
-          <p:cNvPr id="2" name="Retângulo 1">
-            <a:extLst>
-              <a:ext uri="{FF2B5EF4-FFF2-40B4-BE49-F238E27FC236}">
-                <a16:creationId xmlns:a16="http://schemas.microsoft.com/office/drawing/2014/main" id="{B0B0E586-87BE-933D-F40E-E3BBA13856E0}"/>
-              </a:ext>
-            </a:extLst>
-          </p:cNvPr>
-          <p:cNvSpPr/>
-          <p:nvPr/>
-        </p:nvSpPr>
-        <p:spPr>
-          <a:xfrm>
-            <a:off x="0" y="0"/>
-            <a:ext cx="9601200" cy="12801600"/>
-          </a:xfrm>
-          <a:prstGeom prst="rect">
-            <a:avLst/>
-          </a:prstGeom>
-          <a:solidFill>
-            <a:schemeClr val="tx1"/>
-          </a:solidFill>
-          <a:ln>
-            <a:noFill/>
-          </a:ln>
-        </p:spPr>
-        <p:style>
-          <a:lnRef idx="2">
-            <a:schemeClr val="accent1">
-              <a:shade val="50000"/>
-            </a:schemeClr>
-          </a:lnRef>
-          <a:fillRef idx="1">
-            <a:schemeClr val="accent1"/>
-          </a:fillRef>
-          <a:effectRef idx="0">
-            <a:schemeClr val="accent1"/>
-          </a:effectRef>
-          <a:fontRef idx="minor">
-            <a:schemeClr val="lt1"/>
-          </a:fontRef>
-        </p:style>
-        <p:txBody>
-          <a:bodyPr rtlCol="0" anchor="ctr"/>
-          <a:lstStyle/>
-          <a:p>
-            <a:pPr algn="ctr"/>
-            <a:endParaRPr lang="pt-BR"/>
-          </a:p>
-        </p:txBody>
-      </p:sp>
-      <p:sp>
-        <p:nvSpPr>
-          <p:cNvPr id="3" name="titulo_componente">
-            <a:extLst>
-              <a:ext uri="{FF2B5EF4-FFF2-40B4-BE49-F238E27FC236}">
-                <a16:creationId xmlns:a16="http://schemas.microsoft.com/office/drawing/2014/main" id="{93533FB0-D3C0-9791-4F72-0D1731465A20}"/>
-              </a:ext>
-            </a:extLst>
-          </p:cNvPr>
-          <p:cNvSpPr txBox="1"/>
-          <p:nvPr/>
-        </p:nvSpPr>
-        <p:spPr>
-          <a:xfrm>
-            <a:off x="892277" y="6004859"/>
-            <a:ext cx="7816645" cy="2800767"/>
-          </a:xfrm>
-          <a:prstGeom prst="rect">
-            <a:avLst/>
-          </a:prstGeom>
-          <a:noFill/>
-        </p:spPr>
-        <p:txBody>
-          <a:bodyPr wrap="square" rtlCol="0">
-            <a:spAutoFit/>
-          </a:bodyPr>
-          <a:lstStyle/>
-          <a:p>
-            <a:pPr algn="ctr"/>
-            <a:r>
-              <a:rPr lang="pt-BR" sz="8800" dirty="0">
-                <a:solidFill>
-                  <a:schemeClr val="bg1"/>
-                </a:solidFill>
-                <a:latin typeface="Impact" panose="020B0806030902050204" pitchFamily="34" charset="0"/>
-              </a:rPr>
-              <a:t>SELETORES DE ELEMENTO</a:t>
-            </a:r>
-          </a:p>
-        </p:txBody>
-      </p:sp>
-      <p:sp>
-        <p:nvSpPr>
-          <p:cNvPr id="4" name="titulo_componente">
-            <a:extLst>
-              <a:ext uri="{FF2B5EF4-FFF2-40B4-BE49-F238E27FC236}">
-                <a16:creationId xmlns:a16="http://schemas.microsoft.com/office/drawing/2014/main" id="{0E49EEBC-3AEF-FA23-4067-E0866590C14C}"/>
-              </a:ext>
-            </a:extLst>
-          </p:cNvPr>
-          <p:cNvSpPr txBox="1"/>
-          <p:nvPr/>
-        </p:nvSpPr>
-        <p:spPr>
-          <a:xfrm>
-            <a:off x="807610" y="2133601"/>
-            <a:ext cx="7816645" cy="4508927"/>
-          </a:xfrm>
-          <a:prstGeom prst="rect">
-            <a:avLst/>
-          </a:prstGeom>
-          <a:noFill/>
-        </p:spPr>
-        <p:txBody>
-          <a:bodyPr wrap="square" rtlCol="0">
-            <a:spAutoFit/>
-          </a:bodyPr>
-          <a:lstStyle/>
-          <a:p>
-            <a:pPr algn="ctr"/>
-            <a:r>
-              <a:rPr lang="pt-BR" sz="28700" dirty="0">
-                <a:ln>
-                  <a:solidFill>
-                    <a:srgbClr val="11FFFE"/>
-                  </a:solidFill>
-                </a:ln>
-                <a:noFill/>
-                <a:latin typeface="Impact" panose="020B0806030902050204" pitchFamily="34" charset="0"/>
-              </a:rPr>
-              <a:t>01</a:t>
-            </a:r>
-          </a:p>
-        </p:txBody>
-      </p:sp>
-      <p:sp>
-        <p:nvSpPr>
-          <p:cNvPr id="5" name="Retângulo 4">
-            <a:extLst>
-              <a:ext uri="{FF2B5EF4-FFF2-40B4-BE49-F238E27FC236}">
-                <a16:creationId xmlns:a16="http://schemas.microsoft.com/office/drawing/2014/main" id="{FA80E993-76DA-56CE-427C-CE1D83BD30C1}"/>
-              </a:ext>
-            </a:extLst>
-          </p:cNvPr>
-          <p:cNvSpPr/>
-          <p:nvPr/>
-        </p:nvSpPr>
-        <p:spPr>
-          <a:xfrm>
-            <a:off x="976944" y="8776129"/>
-            <a:ext cx="7731978" cy="106262"/>
-          </a:xfrm>
-          <a:prstGeom prst="rect">
-            <a:avLst/>
-          </a:prstGeom>
-          <a:gradFill flip="none" rotWithShape="1">
-            <a:gsLst>
-              <a:gs pos="0">
-                <a:srgbClr val="11FFFE"/>
-              </a:gs>
-              <a:gs pos="74000">
-                <a:schemeClr val="accent1">
-                  <a:lumMod val="45000"/>
-                  <a:lumOff val="55000"/>
-                </a:schemeClr>
-              </a:gs>
-              <a:gs pos="83000">
-                <a:schemeClr val="accent1">
-                  <a:lumMod val="45000"/>
-                  <a:lumOff val="55000"/>
-                </a:schemeClr>
-              </a:gs>
-              <a:gs pos="100000">
-                <a:srgbClr val="36ABFF"/>
-              </a:gs>
-            </a:gsLst>
-            <a:lin ang="10800000" scaled="1"/>
-            <a:tileRect/>
-          </a:gradFill>
-          <a:ln>
-            <a:noFill/>
-          </a:ln>
-        </p:spPr>
-        <p:style>
-          <a:lnRef idx="2">
-            <a:schemeClr val="accent1">
-              <a:shade val="50000"/>
-            </a:schemeClr>
-          </a:lnRef>
-          <a:fillRef idx="1">
-            <a:schemeClr val="accent1"/>
-          </a:fillRef>
-          <a:effectRef idx="0">
-            <a:schemeClr val="accent1"/>
-          </a:effectRef>
-          <a:fontRef idx="minor">
-            <a:schemeClr val="lt1"/>
-          </a:fontRef>
-        </p:style>
-        <p:txBody>
-          <a:bodyPr rtlCol="0" anchor="ctr"/>
-          <a:lstStyle/>
-          <a:p>
-            <a:pPr algn="ctr"/>
-            <a:endParaRPr lang="pt-BR"/>
-          </a:p>
-        </p:txBody>
-      </p:sp>
-      <p:sp>
-        <p:nvSpPr>
-          <p:cNvPr id="6" name="texto_componente">
-            <a:extLst>
-              <a:ext uri="{FF2B5EF4-FFF2-40B4-BE49-F238E27FC236}">
-                <a16:creationId xmlns:a16="http://schemas.microsoft.com/office/drawing/2014/main" id="{A8281A8C-F51B-8070-EE7F-AC4CBC315387}"/>
-              </a:ext>
-            </a:extLst>
-          </p:cNvPr>
-          <p:cNvSpPr txBox="1"/>
-          <p:nvPr/>
-        </p:nvSpPr>
-        <p:spPr>
-          <a:xfrm>
-            <a:off x="870768" y="9340866"/>
-            <a:ext cx="7816645" cy="1200329"/>
-          </a:xfrm>
-          <a:prstGeom prst="rect">
-            <a:avLst/>
-          </a:prstGeom>
-          <a:noFill/>
-        </p:spPr>
-        <p:txBody>
-          <a:bodyPr wrap="square" rtlCol="0">
-            <a:spAutoFit/>
-          </a:bodyPr>
-          <a:lstStyle/>
-          <a:p>
-            <a:pPr algn="ctr"/>
-            <a:r>
-              <a:rPr lang="pt-BR" sz="2400" dirty="0">
-                <a:solidFill>
-                  <a:schemeClr val="bg1"/>
-                </a:solidFill>
-              </a:rPr>
-              <a:t>Os seletores de elemento permitem que você direcione um elemento HTML específico com base em seu nome de </a:t>
-            </a:r>
-            <a:r>
-              <a:rPr lang="pt-BR" sz="2400" dirty="0" err="1">
-                <a:solidFill>
-                  <a:schemeClr val="bg1"/>
-                </a:solidFill>
-              </a:rPr>
-              <a:t>tag</a:t>
-            </a:r>
-            <a:r>
-              <a:rPr lang="pt-BR" sz="2400" dirty="0">
-                <a:solidFill>
-                  <a:schemeClr val="bg1"/>
-                </a:solidFill>
-              </a:rPr>
-              <a:t>. Eles são simples e diretos. Vamos ver alguns exemplos:</a:t>
+              <a:t> é um dos algoritmos mais simples, mas não menos importante. Ele percorre a lista, comparando elementos adjacentes e os trocando se estiverem na ordem errada. Vamos ver como implementá-lo em C#:</a:t>
             </a:r>
           </a:p>
         </p:txBody>
@@ -10758,10 +6297,67 @@
       </p:sp>
       <p:sp>
         <p:nvSpPr>
-          <p:cNvPr id="5" name="Retângulo 4">
-            <a:extLst>
-              <a:ext uri="{FF2B5EF4-FFF2-40B4-BE49-F238E27FC236}">
-                <a16:creationId xmlns:a16="http://schemas.microsoft.com/office/drawing/2014/main" id="{F3548456-7C95-80DE-D379-01E177977A3D}"/>
+          <p:cNvPr id="19" name="Espaço Reservado para Rodapé 18">
+            <a:extLst>
+              <a:ext uri="{FF2B5EF4-FFF2-40B4-BE49-F238E27FC236}">
+                <a16:creationId xmlns:a16="http://schemas.microsoft.com/office/drawing/2014/main" id="{106B9400-10F5-C4D9-5FB4-31020CF6081E}"/>
+              </a:ext>
+            </a:extLst>
+          </p:cNvPr>
+          <p:cNvSpPr>
+            <a:spLocks noGrp="1"/>
+          </p:cNvSpPr>
+          <p:nvPr>
+            <p:ph type="ftr" sz="quarter" idx="11"/>
+          </p:nvPr>
+        </p:nvSpPr>
+        <p:spPr/>
+        <p:txBody>
+          <a:bodyPr/>
+          <a:lstStyle/>
+          <a:p>
+            <a:r>
+              <a:rPr lang="pt-BR" dirty="0"/>
+              <a:t>SELETORES CSS PARA JEDIS - FELIPE AGUIAR</a:t>
+            </a:r>
+          </a:p>
+        </p:txBody>
+      </p:sp>
+      <p:sp>
+        <p:nvSpPr>
+          <p:cNvPr id="20" name="Espaço Reservado para Número de Slide 19">
+            <a:extLst>
+              <a:ext uri="{FF2B5EF4-FFF2-40B4-BE49-F238E27FC236}">
+                <a16:creationId xmlns:a16="http://schemas.microsoft.com/office/drawing/2014/main" id="{919B02F9-1256-559A-957D-87AA95AA16BE}"/>
+              </a:ext>
+            </a:extLst>
+          </p:cNvPr>
+          <p:cNvSpPr>
+            <a:spLocks noGrp="1"/>
+          </p:cNvSpPr>
+          <p:nvPr>
+            <p:ph type="sldNum" sz="quarter" idx="12"/>
+          </p:nvPr>
+        </p:nvSpPr>
+        <p:spPr/>
+        <p:txBody>
+          <a:bodyPr/>
+          <a:lstStyle/>
+          <a:p>
+            <a:fld id="{9BB46D60-96CE-4402-8D7C-2F4B1C382689}" type="slidenum">
+              <a:rPr lang="pt-BR" smtClean="0"/>
+              <a:t>4</a:t>
+            </a:fld>
+            <a:endParaRPr lang="pt-BR"/>
+          </a:p>
+        </p:txBody>
+      </p:sp>
+      <p:sp>
+        <p:nvSpPr>
+          <p:cNvPr id="4" name="Retângulo 3">
+            <a:extLst>
+              <a:ext uri="{FF2B5EF4-FFF2-40B4-BE49-F238E27FC236}">
+                <a16:creationId xmlns:a16="http://schemas.microsoft.com/office/drawing/2014/main" id="{32BBF213-CA86-228F-5D85-826252C2B6BB}"/>
               </a:ext>
             </a:extLst>
           </p:cNvPr>
@@ -10779,7 +6375,7 @@
           <a:gradFill flip="none" rotWithShape="1">
             <a:gsLst>
               <a:gs pos="0">
-                <a:srgbClr val="11FFFE"/>
+                <a:srgbClr val="2F7586"/>
               </a:gs>
               <a:gs pos="74000">
                 <a:schemeClr val="accent1">
@@ -10792,9 +6388,6 @@
                   <a:lumMod val="45000"/>
                   <a:lumOff val="55000"/>
                 </a:schemeClr>
-              </a:gs>
-              <a:gs pos="100000">
-                <a:srgbClr val="36ABFF"/>
               </a:gs>
             </a:gsLst>
             <a:lin ang="5400000" scaled="1"/>
@@ -10831,10 +6424,10 @@
       </p:sp>
       <p:pic>
         <p:nvPicPr>
-          <p:cNvPr id="15" name="Imagem 14">
-            <a:extLst>
-              <a:ext uri="{FF2B5EF4-FFF2-40B4-BE49-F238E27FC236}">
-                <a16:creationId xmlns:a16="http://schemas.microsoft.com/office/drawing/2014/main" id="{5700C8E0-6626-D7DD-1010-655515E46874}"/>
+          <p:cNvPr id="9" name="Imagem 8">
+            <a:extLst>
+              <a:ext uri="{FF2B5EF4-FFF2-40B4-BE49-F238E27FC236}">
+                <a16:creationId xmlns:a16="http://schemas.microsoft.com/office/drawing/2014/main" id="{614A320E-E8C0-8F3B-2A4E-A913E90B171F}"/>
               </a:ext>
             </a:extLst>
           </p:cNvPr>
@@ -10851,172 +6444,8 @@
         </p:blipFill>
         <p:spPr>
           <a:xfrm>
-            <a:off x="0" y="4916448"/>
-            <a:ext cx="9601200" cy="4384548"/>
-          </a:xfrm>
-          <a:prstGeom prst="rect">
-            <a:avLst/>
-          </a:prstGeom>
-        </p:spPr>
-      </p:pic>
-      <p:sp>
-        <p:nvSpPr>
-          <p:cNvPr id="19" name="Espaço Reservado para Rodapé 18">
-            <a:extLst>
-              <a:ext uri="{FF2B5EF4-FFF2-40B4-BE49-F238E27FC236}">
-                <a16:creationId xmlns:a16="http://schemas.microsoft.com/office/drawing/2014/main" id="{106B9400-10F5-C4D9-5FB4-31020CF6081E}"/>
-              </a:ext>
-            </a:extLst>
-          </p:cNvPr>
-          <p:cNvSpPr>
-            <a:spLocks noGrp="1"/>
-          </p:cNvSpPr>
-          <p:nvPr>
-            <p:ph type="ftr" sz="quarter" idx="11"/>
-          </p:nvPr>
-        </p:nvSpPr>
-        <p:spPr/>
-        <p:txBody>
-          <a:bodyPr/>
-          <a:lstStyle/>
-          <a:p>
-            <a:r>
-              <a:rPr lang="pt-BR" dirty="0"/>
-              <a:t>SELETORES CSS PARA JEDIS - FELIPE AGUIAR</a:t>
-            </a:r>
-          </a:p>
-        </p:txBody>
-      </p:sp>
-      <p:sp>
-        <p:nvSpPr>
-          <p:cNvPr id="20" name="Espaço Reservado para Número de Slide 19">
-            <a:extLst>
-              <a:ext uri="{FF2B5EF4-FFF2-40B4-BE49-F238E27FC236}">
-                <a16:creationId xmlns:a16="http://schemas.microsoft.com/office/drawing/2014/main" id="{919B02F9-1256-559A-957D-87AA95AA16BE}"/>
-              </a:ext>
-            </a:extLst>
-          </p:cNvPr>
-          <p:cNvSpPr>
-            <a:spLocks noGrp="1"/>
-          </p:cNvSpPr>
-          <p:nvPr>
-            <p:ph type="sldNum" sz="quarter" idx="12"/>
-          </p:nvPr>
-        </p:nvSpPr>
-        <p:spPr/>
-        <p:txBody>
-          <a:bodyPr/>
-          <a:lstStyle/>
-          <a:p>
-            <a:fld id="{9BB46D60-96CE-4402-8D7C-2F4B1C382689}" type="slidenum">
-              <a:rPr lang="pt-BR" smtClean="0"/>
-              <a:t>4</a:t>
-            </a:fld>
-            <a:endParaRPr lang="pt-BR"/>
-          </a:p>
-        </p:txBody>
-      </p:sp>
-      <p:pic>
-        <p:nvPicPr>
-          <p:cNvPr id="4104" name="Picture 8" descr="Would you like to see new lightsaber variants in the future? | Fandom">
-            <a:extLst>
-              <a:ext uri="{FF2B5EF4-FFF2-40B4-BE49-F238E27FC236}">
-                <a16:creationId xmlns:a16="http://schemas.microsoft.com/office/drawing/2014/main" id="{A393F87C-445A-A984-0A42-8A48C42D1744}"/>
-              </a:ext>
-            </a:extLst>
-          </p:cNvPr>
-          <p:cNvPicPr>
-            <a:picLocks noChangeAspect="1" noChangeArrowheads="1"/>
-          </p:cNvPicPr>
-          <p:nvPr/>
-        </p:nvPicPr>
-        <p:blipFill>
-          <a:blip r:embed="rId3">
-            <a:extLst>
-              <a:ext uri="{BEBA8EAE-BF5A-486C-A8C5-ECC9F3942E4B}">
-                <a14:imgProps xmlns:a14="http://schemas.microsoft.com/office/drawing/2010/main">
-                  <a14:imgLayer r:embed="rId4">
-                    <a14:imgEffect>
-                      <a14:brightnessContrast bright="40000" contrast="20000"/>
-                    </a14:imgEffect>
-                  </a14:imgLayer>
-                </a14:imgProps>
-              </a:ext>
-              <a:ext uri="{28A0092B-C50C-407E-A947-70E740481C1C}">
-                <a14:useLocalDpi xmlns:a14="http://schemas.microsoft.com/office/drawing/2010/main" val="0"/>
-              </a:ext>
-            </a:extLst>
-          </a:blip>
-          <a:srcRect/>
-          <a:stretch>
-            <a:fillRect/>
-          </a:stretch>
-        </p:blipFill>
-        <p:spPr bwMode="auto">
-          <a:xfrm rot="1987839">
-            <a:off x="3038474" y="971271"/>
-            <a:ext cx="3524250" cy="2447925"/>
-          </a:xfrm>
-          <a:prstGeom prst="rect">
-            <a:avLst/>
-          </a:prstGeom>
-          <a:noFill/>
-          <a:extLst>
-            <a:ext uri="{909E8E84-426E-40DD-AFC4-6F175D3DCCD1}">
-              <a14:hiddenFill xmlns:a14="http://schemas.microsoft.com/office/drawing/2010/main">
-                <a:solidFill>
-                  <a:srgbClr val="FFFFFF"/>
-                </a:solidFill>
-              </a14:hiddenFill>
-            </a:ext>
-          </a:extLst>
-        </p:spPr>
-      </p:pic>
-      <p:pic>
-        <p:nvPicPr>
-          <p:cNvPr id="25" name="logo_css" descr="Ícone&#10;&#10;Descrição gerada automaticamente">
-            <a:extLst>
-              <a:ext uri="{FF2B5EF4-FFF2-40B4-BE49-F238E27FC236}">
-                <a16:creationId xmlns:a16="http://schemas.microsoft.com/office/drawing/2014/main" id="{68D9D51D-79E1-64B4-7B7A-A0A4BFAC6E56}"/>
-              </a:ext>
-            </a:extLst>
-          </p:cNvPr>
-          <p:cNvPicPr>
-            <a:picLocks noChangeAspect="1"/>
-          </p:cNvPicPr>
-          <p:nvPr/>
-        </p:nvPicPr>
-        <p:blipFill rotWithShape="1">
-          <a:blip r:embed="rId5">
-            <a:duotone>
-              <a:schemeClr val="bg2">
-                <a:shade val="45000"/>
-                <a:satMod val="135000"/>
-              </a:schemeClr>
-              <a:prstClr val="white"/>
-            </a:duotone>
-            <a:extLst>
-              <a:ext uri="{BEBA8EAE-BF5A-486C-A8C5-ECC9F3942E4B}">
-                <a14:imgProps xmlns:a14="http://schemas.microsoft.com/office/drawing/2010/main">
-                  <a14:imgLayer r:embed="rId6">
-                    <a14:imgEffect>
-                      <a14:brightnessContrast bright="40000" contrast="40000"/>
-                    </a14:imgEffect>
-                  </a14:imgLayer>
-                </a14:imgProps>
-              </a:ext>
-              <a:ext uri="{28A0092B-C50C-407E-A947-70E740481C1C}">
-                <a14:useLocalDpi xmlns:a14="http://schemas.microsoft.com/office/drawing/2010/main" val="0"/>
-              </a:ext>
-            </a:extLst>
-          </a:blip>
-          <a:srcRect t="-3689"/>
-          <a:stretch/>
-        </p:blipFill>
-        <p:spPr>
-          <a:xfrm>
-            <a:off x="3535992" y="9979522"/>
-            <a:ext cx="2529215" cy="1484352"/>
+            <a:off x="892277" y="5339093"/>
+            <a:ext cx="7816645" cy="4640429"/>
           </a:xfrm>
           <a:prstGeom prst="rect">
             <a:avLst/>
@@ -11134,12 +6563,206 @@
           </a:p>
         </p:txBody>
       </p:sp>
-      <p:sp>
-        <p:nvSpPr>
-          <p:cNvPr id="5" name="Retângulo 4">
-            <a:extLst>
-              <a:ext uri="{FF2B5EF4-FFF2-40B4-BE49-F238E27FC236}">
-                <a16:creationId xmlns:a16="http://schemas.microsoft.com/office/drawing/2014/main" id="{F3548456-7C95-80DE-D379-01E177977A3D}"/>
+      <p:pic>
+        <p:nvPicPr>
+          <p:cNvPr id="6" name="Imagem 5">
+            <a:extLst>
+              <a:ext uri="{FF2B5EF4-FFF2-40B4-BE49-F238E27FC236}">
+                <a16:creationId xmlns:a16="http://schemas.microsoft.com/office/drawing/2014/main" id="{6FB2751F-08A0-9941-129D-A547A9D0BF5A}"/>
+              </a:ext>
+            </a:extLst>
+          </p:cNvPr>
+          <p:cNvPicPr>
+            <a:picLocks noChangeAspect="1"/>
+          </p:cNvPicPr>
+          <p:nvPr/>
+        </p:nvPicPr>
+        <p:blipFill>
+          <a:blip r:embed="rId2"/>
+          <a:stretch>
+            <a:fillRect/>
+          </a:stretch>
+        </p:blipFill>
+        <p:spPr>
+          <a:xfrm>
+            <a:off x="0" y="4975442"/>
+            <a:ext cx="9601200" cy="4384548"/>
+          </a:xfrm>
+          <a:prstGeom prst="rect">
+            <a:avLst/>
+          </a:prstGeom>
+        </p:spPr>
+      </p:pic>
+      <p:sp>
+        <p:nvSpPr>
+          <p:cNvPr id="10" name="Espaço Reservado para Rodapé 9">
+            <a:extLst>
+              <a:ext uri="{FF2B5EF4-FFF2-40B4-BE49-F238E27FC236}">
+                <a16:creationId xmlns:a16="http://schemas.microsoft.com/office/drawing/2014/main" id="{2C3508E1-2709-5CFF-2270-FDDC6B1B9923}"/>
+              </a:ext>
+            </a:extLst>
+          </p:cNvPr>
+          <p:cNvSpPr>
+            <a:spLocks noGrp="1"/>
+          </p:cNvSpPr>
+          <p:nvPr>
+            <p:ph type="ftr" sz="quarter" idx="11"/>
+          </p:nvPr>
+        </p:nvSpPr>
+        <p:spPr/>
+        <p:txBody>
+          <a:bodyPr/>
+          <a:lstStyle/>
+          <a:p>
+            <a:r>
+              <a:rPr lang="pt-BR"/>
+              <a:t>SELETORES CSS PARA JEDIS - FELIPE AGUIAR</a:t>
+            </a:r>
+          </a:p>
+        </p:txBody>
+      </p:sp>
+      <p:sp>
+        <p:nvSpPr>
+          <p:cNvPr id="11" name="Espaço Reservado para Número de Slide 10">
+            <a:extLst>
+              <a:ext uri="{FF2B5EF4-FFF2-40B4-BE49-F238E27FC236}">
+                <a16:creationId xmlns:a16="http://schemas.microsoft.com/office/drawing/2014/main" id="{23368C93-F191-8BB0-76CF-5C194CD192BA}"/>
+              </a:ext>
+            </a:extLst>
+          </p:cNvPr>
+          <p:cNvSpPr>
+            <a:spLocks noGrp="1"/>
+          </p:cNvSpPr>
+          <p:nvPr>
+            <p:ph type="sldNum" sz="quarter" idx="12"/>
+          </p:nvPr>
+        </p:nvSpPr>
+        <p:spPr/>
+        <p:txBody>
+          <a:bodyPr/>
+          <a:lstStyle/>
+          <a:p>
+            <a:fld id="{9BB46D60-96CE-4402-8D7C-2F4B1C382689}" type="slidenum">
+              <a:rPr lang="pt-BR" smtClean="0"/>
+              <a:t>5</a:t>
+            </a:fld>
+            <a:endParaRPr lang="pt-BR"/>
+          </a:p>
+        </p:txBody>
+      </p:sp>
+      <p:pic>
+        <p:nvPicPr>
+          <p:cNvPr id="13" name="Picture 8" descr="Would you like to see new lightsaber variants in the future? | Fandom">
+            <a:extLst>
+              <a:ext uri="{FF2B5EF4-FFF2-40B4-BE49-F238E27FC236}">
+                <a16:creationId xmlns:a16="http://schemas.microsoft.com/office/drawing/2014/main" id="{4F69F2E5-CDE8-7FB0-C4CB-899ED78E5B32}"/>
+              </a:ext>
+            </a:extLst>
+          </p:cNvPr>
+          <p:cNvPicPr>
+            <a:picLocks noChangeAspect="1" noChangeArrowheads="1"/>
+          </p:cNvPicPr>
+          <p:nvPr/>
+        </p:nvPicPr>
+        <p:blipFill>
+          <a:blip r:embed="rId3">
+            <a:extLst>
+              <a:ext uri="{BEBA8EAE-BF5A-486C-A8C5-ECC9F3942E4B}">
+                <a14:imgProps xmlns:a14="http://schemas.microsoft.com/office/drawing/2010/main">
+                  <a14:imgLayer r:embed="rId4">
+                    <a14:imgEffect>
+                      <a14:brightnessContrast bright="40000" contrast="20000"/>
+                    </a14:imgEffect>
+                  </a14:imgLayer>
+                </a14:imgProps>
+              </a:ext>
+              <a:ext uri="{28A0092B-C50C-407E-A947-70E740481C1C}">
+                <a14:useLocalDpi xmlns:a14="http://schemas.microsoft.com/office/drawing/2010/main" val="0"/>
+              </a:ext>
+            </a:extLst>
+          </a:blip>
+          <a:srcRect/>
+          <a:stretch>
+            <a:fillRect/>
+          </a:stretch>
+        </p:blipFill>
+        <p:spPr bwMode="auto">
+          <a:xfrm rot="1987839">
+            <a:off x="3038474" y="971271"/>
+            <a:ext cx="3524250" cy="2447925"/>
+          </a:xfrm>
+          <a:prstGeom prst="rect">
+            <a:avLst/>
+          </a:prstGeom>
+          <a:noFill/>
+          <a:extLst>
+            <a:ext uri="{909E8E84-426E-40DD-AFC4-6F175D3DCCD1}">
+              <a14:hiddenFill xmlns:a14="http://schemas.microsoft.com/office/drawing/2010/main">
+                <a:solidFill>
+                  <a:srgbClr val="FFFFFF"/>
+                </a:solidFill>
+              </a14:hiddenFill>
+            </a:ext>
+          </a:extLst>
+        </p:spPr>
+      </p:pic>
+      <p:pic>
+        <p:nvPicPr>
+          <p:cNvPr id="14" name="logo_css" descr="Ícone&#10;&#10;Descrição gerada automaticamente">
+            <a:extLst>
+              <a:ext uri="{FF2B5EF4-FFF2-40B4-BE49-F238E27FC236}">
+                <a16:creationId xmlns:a16="http://schemas.microsoft.com/office/drawing/2014/main" id="{234D8C20-5D32-6AC9-6FEB-60B98BE564A6}"/>
+              </a:ext>
+            </a:extLst>
+          </p:cNvPr>
+          <p:cNvPicPr>
+            <a:picLocks noChangeAspect="1"/>
+          </p:cNvPicPr>
+          <p:nvPr/>
+        </p:nvPicPr>
+        <p:blipFill rotWithShape="1">
+          <a:blip r:embed="rId5">
+            <a:duotone>
+              <a:schemeClr val="bg2">
+                <a:shade val="45000"/>
+                <a:satMod val="135000"/>
+              </a:schemeClr>
+              <a:prstClr val="white"/>
+            </a:duotone>
+            <a:extLst>
+              <a:ext uri="{BEBA8EAE-BF5A-486C-A8C5-ECC9F3942E4B}">
+                <a14:imgProps xmlns:a14="http://schemas.microsoft.com/office/drawing/2010/main">
+                  <a14:imgLayer r:embed="rId6">
+                    <a14:imgEffect>
+                      <a14:brightnessContrast bright="40000" contrast="40000"/>
+                    </a14:imgEffect>
+                  </a14:imgLayer>
+                </a14:imgProps>
+              </a:ext>
+              <a:ext uri="{28A0092B-C50C-407E-A947-70E740481C1C}">
+                <a14:useLocalDpi xmlns:a14="http://schemas.microsoft.com/office/drawing/2010/main" val="0"/>
+              </a:ext>
+            </a:extLst>
+          </a:blip>
+          <a:srcRect t="-3689"/>
+          <a:stretch/>
+        </p:blipFill>
+        <p:spPr>
+          <a:xfrm>
+            <a:off x="3535992" y="9979522"/>
+            <a:ext cx="2529215" cy="1484352"/>
+          </a:xfrm>
+          <a:prstGeom prst="rect">
+            <a:avLst/>
+          </a:prstGeom>
+        </p:spPr>
+      </p:pic>
+      <p:sp>
+        <p:nvSpPr>
+          <p:cNvPr id="4" name="Retângulo 3">
+            <a:extLst>
+              <a:ext uri="{FF2B5EF4-FFF2-40B4-BE49-F238E27FC236}">
+                <a16:creationId xmlns:a16="http://schemas.microsoft.com/office/drawing/2014/main" id="{68BCB3A0-8C6E-B2FD-E064-5A85D2A0311E}"/>
               </a:ext>
             </a:extLst>
           </p:cNvPr>
@@ -11157,7 +6780,7 @@
           <a:gradFill flip="none" rotWithShape="1">
             <a:gsLst>
               <a:gs pos="0">
-                <a:srgbClr val="11FFFE"/>
+                <a:srgbClr val="2F7586"/>
               </a:gs>
               <a:gs pos="74000">
                 <a:schemeClr val="accent1">
@@ -11170,9 +6793,6 @@
                   <a:lumMod val="45000"/>
                   <a:lumOff val="55000"/>
                 </a:schemeClr>
-              </a:gs>
-              <a:gs pos="100000">
-                <a:srgbClr val="36ABFF"/>
               </a:gs>
             </a:gsLst>
             <a:lin ang="5400000" scaled="1"/>
@@ -11207,200 +6827,6 @@
           </a:p>
         </p:txBody>
       </p:sp>
-      <p:pic>
-        <p:nvPicPr>
-          <p:cNvPr id="6" name="Imagem 5">
-            <a:extLst>
-              <a:ext uri="{FF2B5EF4-FFF2-40B4-BE49-F238E27FC236}">
-                <a16:creationId xmlns:a16="http://schemas.microsoft.com/office/drawing/2014/main" id="{6FB2751F-08A0-9941-129D-A547A9D0BF5A}"/>
-              </a:ext>
-            </a:extLst>
-          </p:cNvPr>
-          <p:cNvPicPr>
-            <a:picLocks noChangeAspect="1"/>
-          </p:cNvPicPr>
-          <p:nvPr/>
-        </p:nvPicPr>
-        <p:blipFill>
-          <a:blip r:embed="rId2"/>
-          <a:stretch>
-            <a:fillRect/>
-          </a:stretch>
-        </p:blipFill>
-        <p:spPr>
-          <a:xfrm>
-            <a:off x="0" y="4975442"/>
-            <a:ext cx="9601200" cy="4384548"/>
-          </a:xfrm>
-          <a:prstGeom prst="rect">
-            <a:avLst/>
-          </a:prstGeom>
-        </p:spPr>
-      </p:pic>
-      <p:sp>
-        <p:nvSpPr>
-          <p:cNvPr id="10" name="Espaço Reservado para Rodapé 9">
-            <a:extLst>
-              <a:ext uri="{FF2B5EF4-FFF2-40B4-BE49-F238E27FC236}">
-                <a16:creationId xmlns:a16="http://schemas.microsoft.com/office/drawing/2014/main" id="{2C3508E1-2709-5CFF-2270-FDDC6B1B9923}"/>
-              </a:ext>
-            </a:extLst>
-          </p:cNvPr>
-          <p:cNvSpPr>
-            <a:spLocks noGrp="1"/>
-          </p:cNvSpPr>
-          <p:nvPr>
-            <p:ph type="ftr" sz="quarter" idx="11"/>
-          </p:nvPr>
-        </p:nvSpPr>
-        <p:spPr/>
-        <p:txBody>
-          <a:bodyPr/>
-          <a:lstStyle/>
-          <a:p>
-            <a:r>
-              <a:rPr lang="pt-BR"/>
-              <a:t>SELETORES CSS PARA JEDIS - FELIPE AGUIAR</a:t>
-            </a:r>
-          </a:p>
-        </p:txBody>
-      </p:sp>
-      <p:sp>
-        <p:nvSpPr>
-          <p:cNvPr id="11" name="Espaço Reservado para Número de Slide 10">
-            <a:extLst>
-              <a:ext uri="{FF2B5EF4-FFF2-40B4-BE49-F238E27FC236}">
-                <a16:creationId xmlns:a16="http://schemas.microsoft.com/office/drawing/2014/main" id="{23368C93-F191-8BB0-76CF-5C194CD192BA}"/>
-              </a:ext>
-            </a:extLst>
-          </p:cNvPr>
-          <p:cNvSpPr>
-            <a:spLocks noGrp="1"/>
-          </p:cNvSpPr>
-          <p:nvPr>
-            <p:ph type="sldNum" sz="quarter" idx="12"/>
-          </p:nvPr>
-        </p:nvSpPr>
-        <p:spPr/>
-        <p:txBody>
-          <a:bodyPr/>
-          <a:lstStyle/>
-          <a:p>
-            <a:fld id="{9BB46D60-96CE-4402-8D7C-2F4B1C382689}" type="slidenum">
-              <a:rPr lang="pt-BR" smtClean="0"/>
-              <a:t>5</a:t>
-            </a:fld>
-            <a:endParaRPr lang="pt-BR"/>
-          </a:p>
-        </p:txBody>
-      </p:sp>
-      <p:pic>
-        <p:nvPicPr>
-          <p:cNvPr id="13" name="Picture 8" descr="Would you like to see new lightsaber variants in the future? | Fandom">
-            <a:extLst>
-              <a:ext uri="{FF2B5EF4-FFF2-40B4-BE49-F238E27FC236}">
-                <a16:creationId xmlns:a16="http://schemas.microsoft.com/office/drawing/2014/main" id="{4F69F2E5-CDE8-7FB0-C4CB-899ED78E5B32}"/>
-              </a:ext>
-            </a:extLst>
-          </p:cNvPr>
-          <p:cNvPicPr>
-            <a:picLocks noChangeAspect="1" noChangeArrowheads="1"/>
-          </p:cNvPicPr>
-          <p:nvPr/>
-        </p:nvPicPr>
-        <p:blipFill>
-          <a:blip r:embed="rId3">
-            <a:extLst>
-              <a:ext uri="{BEBA8EAE-BF5A-486C-A8C5-ECC9F3942E4B}">
-                <a14:imgProps xmlns:a14="http://schemas.microsoft.com/office/drawing/2010/main">
-                  <a14:imgLayer r:embed="rId4">
-                    <a14:imgEffect>
-                      <a14:brightnessContrast bright="40000" contrast="20000"/>
-                    </a14:imgEffect>
-                  </a14:imgLayer>
-                </a14:imgProps>
-              </a:ext>
-              <a:ext uri="{28A0092B-C50C-407E-A947-70E740481C1C}">
-                <a14:useLocalDpi xmlns:a14="http://schemas.microsoft.com/office/drawing/2010/main" val="0"/>
-              </a:ext>
-            </a:extLst>
-          </a:blip>
-          <a:srcRect/>
-          <a:stretch>
-            <a:fillRect/>
-          </a:stretch>
-        </p:blipFill>
-        <p:spPr bwMode="auto">
-          <a:xfrm rot="1987839">
-            <a:off x="3038474" y="971271"/>
-            <a:ext cx="3524250" cy="2447925"/>
-          </a:xfrm>
-          <a:prstGeom prst="rect">
-            <a:avLst/>
-          </a:prstGeom>
-          <a:noFill/>
-          <a:extLst>
-            <a:ext uri="{909E8E84-426E-40DD-AFC4-6F175D3DCCD1}">
-              <a14:hiddenFill xmlns:a14="http://schemas.microsoft.com/office/drawing/2010/main">
-                <a:solidFill>
-                  <a:srgbClr val="FFFFFF"/>
-                </a:solidFill>
-              </a14:hiddenFill>
-            </a:ext>
-          </a:extLst>
-        </p:spPr>
-      </p:pic>
-      <p:pic>
-        <p:nvPicPr>
-          <p:cNvPr id="14" name="logo_css" descr="Ícone&#10;&#10;Descrição gerada automaticamente">
-            <a:extLst>
-              <a:ext uri="{FF2B5EF4-FFF2-40B4-BE49-F238E27FC236}">
-                <a16:creationId xmlns:a16="http://schemas.microsoft.com/office/drawing/2014/main" id="{234D8C20-5D32-6AC9-6FEB-60B98BE564A6}"/>
-              </a:ext>
-            </a:extLst>
-          </p:cNvPr>
-          <p:cNvPicPr>
-            <a:picLocks noChangeAspect="1"/>
-          </p:cNvPicPr>
-          <p:nvPr/>
-        </p:nvPicPr>
-        <p:blipFill rotWithShape="1">
-          <a:blip r:embed="rId5">
-            <a:duotone>
-              <a:schemeClr val="bg2">
-                <a:shade val="45000"/>
-                <a:satMod val="135000"/>
-              </a:schemeClr>
-              <a:prstClr val="white"/>
-            </a:duotone>
-            <a:extLst>
-              <a:ext uri="{BEBA8EAE-BF5A-486C-A8C5-ECC9F3942E4B}">
-                <a14:imgProps xmlns:a14="http://schemas.microsoft.com/office/drawing/2010/main">
-                  <a14:imgLayer r:embed="rId6">
-                    <a14:imgEffect>
-                      <a14:brightnessContrast bright="40000" contrast="40000"/>
-                    </a14:imgEffect>
-                  </a14:imgLayer>
-                </a14:imgProps>
-              </a:ext>
-              <a:ext uri="{28A0092B-C50C-407E-A947-70E740481C1C}">
-                <a14:useLocalDpi xmlns:a14="http://schemas.microsoft.com/office/drawing/2010/main" val="0"/>
-              </a:ext>
-            </a:extLst>
-          </a:blip>
-          <a:srcRect t="-3689"/>
-          <a:stretch/>
-        </p:blipFill>
-        <p:spPr>
-          <a:xfrm>
-            <a:off x="3535992" y="9979522"/>
-            <a:ext cx="2529215" cy="1484352"/>
-          </a:xfrm>
-          <a:prstGeom prst="rect">
-            <a:avLst/>
-          </a:prstGeom>
-        </p:spPr>
-      </p:pic>
     </p:spTree>
     <p:extLst>
       <p:ext uri="{BB962C8B-B14F-4D97-AF65-F5344CB8AC3E}">
@@ -11485,47 +6911,6 @@
       </p:sp>
       <p:sp>
         <p:nvSpPr>
-          <p:cNvPr id="3" name="titulo_componente">
-            <a:extLst>
-              <a:ext uri="{FF2B5EF4-FFF2-40B4-BE49-F238E27FC236}">
-                <a16:creationId xmlns:a16="http://schemas.microsoft.com/office/drawing/2014/main" id="{93533FB0-D3C0-9791-4F72-0D1731465A20}"/>
-              </a:ext>
-            </a:extLst>
-          </p:cNvPr>
-          <p:cNvSpPr txBox="1"/>
-          <p:nvPr/>
-        </p:nvSpPr>
-        <p:spPr>
-          <a:xfrm>
-            <a:off x="892277" y="6004859"/>
-            <a:ext cx="7816645" cy="2800767"/>
-          </a:xfrm>
-          <a:prstGeom prst="rect">
-            <a:avLst/>
-          </a:prstGeom>
-          <a:noFill/>
-        </p:spPr>
-        <p:txBody>
-          <a:bodyPr wrap="square" rtlCol="0">
-            <a:spAutoFit/>
-          </a:bodyPr>
-          <a:lstStyle/>
-          <a:p>
-            <a:pPr algn="ctr"/>
-            <a:r>
-              <a:rPr lang="pt-BR" sz="8800" dirty="0">
-                <a:solidFill>
-                  <a:schemeClr val="bg1"/>
-                </a:solidFill>
-                <a:latin typeface="Impact" panose="020B0806030902050204" pitchFamily="34" charset="0"/>
-              </a:rPr>
-              <a:t>SELETORES DE CLASSE E ID</a:t>
-            </a:r>
-          </a:p>
-        </p:txBody>
-      </p:sp>
-      <p:sp>
-        <p:nvSpPr>
           <p:cNvPr id="4" name="titulo_componente">
             <a:extLst>
               <a:ext uri="{FF2B5EF4-FFF2-40B4-BE49-F238E27FC236}">
@@ -11671,13 +7056,60 @@
           <a:p>
             <a:pPr algn="ctr"/>
             <a:r>
-              <a:rPr lang="pt-BR" sz="2400" dirty="0">
+              <a:rPr lang="pt-BR" sz="2400" b="0" i="0" dirty="0">
                 <a:solidFill>
-                  <a:schemeClr val="bg1"/>
+                  <a:srgbClr val="ECECEC"/>
                 </a:solidFill>
+                <a:effectLst/>
+                <a:latin typeface="Söhne"/>
               </a:rPr>
-              <a:t>Os seletores de classe e ID fornecem uma maneira mais precisa de direcionar elementos. Eles permitem que você atribua identificadores ou classes aos elementos HTML e os estilize de forma independente. Veja os exemplos abaixo</a:t>
-            </a:r>
+              <a:t>O </a:t>
+            </a:r>
+            <a:r>
+              <a:rPr lang="pt-BR" sz="2400" b="0" i="0" dirty="0" err="1">
+                <a:solidFill>
+                  <a:srgbClr val="ECECEC"/>
+                </a:solidFill>
+                <a:effectLst/>
+                <a:latin typeface="Söhne"/>
+              </a:rPr>
+              <a:t>Insertion</a:t>
+            </a:r>
+            <a:r>
+              <a:rPr lang="pt-BR" sz="2400" b="0" i="0" dirty="0">
+                <a:solidFill>
+                  <a:srgbClr val="ECECEC"/>
+                </a:solidFill>
+                <a:effectLst/>
+                <a:latin typeface="Söhne"/>
+              </a:rPr>
+              <a:t> </a:t>
+            </a:r>
+            <a:r>
+              <a:rPr lang="pt-BR" sz="2400" b="0" i="0" dirty="0" err="1">
+                <a:solidFill>
+                  <a:srgbClr val="ECECEC"/>
+                </a:solidFill>
+                <a:effectLst/>
+                <a:latin typeface="Söhne"/>
+              </a:rPr>
+              <a:t>Sort</a:t>
+            </a:r>
+            <a:r>
+              <a:rPr lang="pt-BR" sz="2400" b="0" i="0" dirty="0">
+                <a:solidFill>
+                  <a:srgbClr val="ECECEC"/>
+                </a:solidFill>
+                <a:effectLst/>
+                <a:latin typeface="Söhne"/>
+              </a:rPr>
+              <a:t> é eficiente para listas pequenas. Ele constrói a lista ordenada um item de cada vez, movendo cada elemento para sua posição correta. Vejamos como implementá-lo:</a:t>
+            </a:r>
+            <a:endParaRPr lang="pt-BR" sz="2400" dirty="0">
+              <a:solidFill>
+                <a:schemeClr val="bg1"/>
+              </a:solidFill>
+            </a:endParaRPr>
           </a:p>
         </p:txBody>
       </p:sp>
@@ -11735,6 +7167,91 @@
               <a:t>6</a:t>
             </a:fld>
             <a:endParaRPr lang="pt-BR"/>
+          </a:p>
+        </p:txBody>
+      </p:sp>
+      <p:sp>
+        <p:nvSpPr>
+          <p:cNvPr id="7" name="titulo_componente">
+            <a:extLst>
+              <a:ext uri="{FF2B5EF4-FFF2-40B4-BE49-F238E27FC236}">
+                <a16:creationId xmlns:a16="http://schemas.microsoft.com/office/drawing/2014/main" id="{EB80C994-558B-E5F7-80C0-A73EAD71C00D}"/>
+              </a:ext>
+            </a:extLst>
+          </p:cNvPr>
+          <p:cNvSpPr txBox="1"/>
+          <p:nvPr/>
+        </p:nvSpPr>
+        <p:spPr>
+          <a:xfrm>
+            <a:off x="892277" y="6004859"/>
+            <a:ext cx="7816645" cy="2800767"/>
+          </a:xfrm>
+          <a:prstGeom prst="rect">
+            <a:avLst/>
+          </a:prstGeom>
+          <a:noFill/>
+        </p:spPr>
+        <p:txBody>
+          <a:bodyPr wrap="square" rtlCol="0">
+            <a:spAutoFit/>
+          </a:bodyPr>
+          <a:lstStyle/>
+          <a:p>
+            <a:pPr algn="ctr"/>
+            <a:r>
+              <a:rPr lang="pt-BR" sz="8800" dirty="0" err="1">
+                <a:solidFill>
+                  <a:schemeClr val="bg1"/>
+                </a:solidFill>
+                <a:latin typeface="Impact" panose="020B0806030902050204" pitchFamily="34" charset="0"/>
+              </a:rPr>
+              <a:t>Insertion</a:t>
+            </a:r>
+            <a:r>
+              <a:rPr lang="pt-BR" sz="8800" dirty="0">
+                <a:solidFill>
+                  <a:schemeClr val="bg1"/>
+                </a:solidFill>
+                <a:latin typeface="Impact" panose="020B0806030902050204" pitchFamily="34" charset="0"/>
+              </a:rPr>
+              <a:t> </a:t>
+            </a:r>
+            <a:r>
+              <a:rPr lang="pt-BR" sz="8800" dirty="0" err="1">
+                <a:solidFill>
+                  <a:schemeClr val="bg1"/>
+                </a:solidFill>
+                <a:latin typeface="Impact" panose="020B0806030902050204" pitchFamily="34" charset="0"/>
+              </a:rPr>
+              <a:t>Sort</a:t>
+            </a:r>
+            <a:br>
+              <a:rPr lang="pt-BR" sz="8800" dirty="0">
+                <a:solidFill>
+                  <a:schemeClr val="bg1"/>
+                </a:solidFill>
+                <a:latin typeface="Impact" panose="020B0806030902050204" pitchFamily="34" charset="0"/>
+              </a:rPr>
+            </a:br>
+            <a:r>
+              <a:rPr lang="pt-BR" sz="8800" dirty="0">
+                <a:solidFill>
+                  <a:schemeClr val="bg1"/>
+                </a:solidFill>
+                <a:latin typeface="Impact" panose="020B0806030902050204" pitchFamily="34" charset="0"/>
+              </a:rPr>
+              <a:t> </a:t>
+            </a:r>
+            <a:r>
+              <a:rPr lang="pt-BR" sz="5400" dirty="0">
+                <a:solidFill>
+                  <a:schemeClr val="bg1"/>
+                </a:solidFill>
+                <a:latin typeface="Impact" panose="020B0806030902050204" pitchFamily="34" charset="0"/>
+              </a:rPr>
+              <a:t>Construindo a Ordem</a:t>
+            </a:r>
           </a:p>
         </p:txBody>
       </p:sp>
@@ -11843,10 +7360,174 @@
       </p:sp>
       <p:sp>
         <p:nvSpPr>
-          <p:cNvPr id="5" name="Retângulo 4">
-            <a:extLst>
-              <a:ext uri="{FF2B5EF4-FFF2-40B4-BE49-F238E27FC236}">
-                <a16:creationId xmlns:a16="http://schemas.microsoft.com/office/drawing/2014/main" id="{F3548456-7C95-80DE-D379-01E177977A3D}"/>
+          <p:cNvPr id="10" name="Espaço Reservado para Rodapé 9">
+            <a:extLst>
+              <a:ext uri="{FF2B5EF4-FFF2-40B4-BE49-F238E27FC236}">
+                <a16:creationId xmlns:a16="http://schemas.microsoft.com/office/drawing/2014/main" id="{D2798D93-ED72-CD33-880D-2C72AA1C45F0}"/>
+              </a:ext>
+            </a:extLst>
+          </p:cNvPr>
+          <p:cNvSpPr>
+            <a:spLocks noGrp="1"/>
+          </p:cNvSpPr>
+          <p:nvPr>
+            <p:ph type="ftr" sz="quarter" idx="11"/>
+          </p:nvPr>
+        </p:nvSpPr>
+        <p:spPr/>
+        <p:txBody>
+          <a:bodyPr/>
+          <a:lstStyle/>
+          <a:p>
+            <a:r>
+              <a:rPr lang="pt-BR"/>
+              <a:t>SELETORES CSS PARA JEDIS - FELIPE AGUIAR</a:t>
+            </a:r>
+          </a:p>
+        </p:txBody>
+      </p:sp>
+      <p:sp>
+        <p:nvSpPr>
+          <p:cNvPr id="11" name="Espaço Reservado para Número de Slide 10">
+            <a:extLst>
+              <a:ext uri="{FF2B5EF4-FFF2-40B4-BE49-F238E27FC236}">
+                <a16:creationId xmlns:a16="http://schemas.microsoft.com/office/drawing/2014/main" id="{51B58DE0-4197-A9DA-3C15-1110405E5E7A}"/>
+              </a:ext>
+            </a:extLst>
+          </p:cNvPr>
+          <p:cNvSpPr>
+            <a:spLocks noGrp="1"/>
+          </p:cNvSpPr>
+          <p:nvPr>
+            <p:ph type="sldNum" sz="quarter" idx="12"/>
+          </p:nvPr>
+        </p:nvSpPr>
+        <p:spPr/>
+        <p:txBody>
+          <a:bodyPr/>
+          <a:lstStyle/>
+          <a:p>
+            <a:fld id="{9BB46D60-96CE-4402-8D7C-2F4B1C382689}" type="slidenum">
+              <a:rPr lang="pt-BR" smtClean="0"/>
+              <a:t>7</a:t>
+            </a:fld>
+            <a:endParaRPr lang="pt-BR"/>
+          </a:p>
+        </p:txBody>
+      </p:sp>
+      <p:pic>
+        <p:nvPicPr>
+          <p:cNvPr id="13" name="Picture 8" descr="Would you like to see new lightsaber variants in the future? | Fandom">
+            <a:extLst>
+              <a:ext uri="{FF2B5EF4-FFF2-40B4-BE49-F238E27FC236}">
+                <a16:creationId xmlns:a16="http://schemas.microsoft.com/office/drawing/2014/main" id="{A03BE2BD-1CCA-12BC-A40F-EE2A3201B764}"/>
+              </a:ext>
+            </a:extLst>
+          </p:cNvPr>
+          <p:cNvPicPr>
+            <a:picLocks noChangeAspect="1" noChangeArrowheads="1"/>
+          </p:cNvPicPr>
+          <p:nvPr/>
+        </p:nvPicPr>
+        <p:blipFill>
+          <a:blip r:embed="rId2">
+            <a:extLst>
+              <a:ext uri="{BEBA8EAE-BF5A-486C-A8C5-ECC9F3942E4B}">
+                <a14:imgProps xmlns:a14="http://schemas.microsoft.com/office/drawing/2010/main">
+                  <a14:imgLayer r:embed="rId3">
+                    <a14:imgEffect>
+                      <a14:brightnessContrast bright="40000" contrast="20000"/>
+                    </a14:imgEffect>
+                  </a14:imgLayer>
+                </a14:imgProps>
+              </a:ext>
+              <a:ext uri="{28A0092B-C50C-407E-A947-70E740481C1C}">
+                <a14:useLocalDpi xmlns:a14="http://schemas.microsoft.com/office/drawing/2010/main" val="0"/>
+              </a:ext>
+            </a:extLst>
+          </a:blip>
+          <a:srcRect/>
+          <a:stretch>
+            <a:fillRect/>
+          </a:stretch>
+        </p:blipFill>
+        <p:spPr bwMode="auto">
+          <a:xfrm rot="1987839">
+            <a:off x="3038474" y="971271"/>
+            <a:ext cx="3524250" cy="2447925"/>
+          </a:xfrm>
+          <a:prstGeom prst="rect">
+            <a:avLst/>
+          </a:prstGeom>
+          <a:noFill/>
+          <a:extLst>
+            <a:ext uri="{909E8E84-426E-40DD-AFC4-6F175D3DCCD1}">
+              <a14:hiddenFill xmlns:a14="http://schemas.microsoft.com/office/drawing/2010/main">
+                <a:solidFill>
+                  <a:srgbClr val="FFFFFF"/>
+                </a:solidFill>
+              </a14:hiddenFill>
+            </a:ext>
+          </a:extLst>
+        </p:spPr>
+      </p:pic>
+      <p:pic>
+        <p:nvPicPr>
+          <p:cNvPr id="14" name="logo_css" descr="Ícone&#10;&#10;Descrição gerada automaticamente">
+            <a:extLst>
+              <a:ext uri="{FF2B5EF4-FFF2-40B4-BE49-F238E27FC236}">
+                <a16:creationId xmlns:a16="http://schemas.microsoft.com/office/drawing/2014/main" id="{0D3A0626-5486-8A0B-F407-2B7942FBD423}"/>
+              </a:ext>
+            </a:extLst>
+          </p:cNvPr>
+          <p:cNvPicPr>
+            <a:picLocks noChangeAspect="1"/>
+          </p:cNvPicPr>
+          <p:nvPr/>
+        </p:nvPicPr>
+        <p:blipFill rotWithShape="1">
+          <a:blip r:embed="rId4">
+            <a:duotone>
+              <a:schemeClr val="bg2">
+                <a:shade val="45000"/>
+                <a:satMod val="135000"/>
+              </a:schemeClr>
+              <a:prstClr val="white"/>
+            </a:duotone>
+            <a:extLst>
+              <a:ext uri="{BEBA8EAE-BF5A-486C-A8C5-ECC9F3942E4B}">
+                <a14:imgProps xmlns:a14="http://schemas.microsoft.com/office/drawing/2010/main">
+                  <a14:imgLayer r:embed="rId5">
+                    <a14:imgEffect>
+                      <a14:brightnessContrast bright="40000" contrast="40000"/>
+                    </a14:imgEffect>
+                  </a14:imgLayer>
+                </a14:imgProps>
+              </a:ext>
+              <a:ext uri="{28A0092B-C50C-407E-A947-70E740481C1C}">
+                <a14:useLocalDpi xmlns:a14="http://schemas.microsoft.com/office/drawing/2010/main" val="0"/>
+              </a:ext>
+            </a:extLst>
+          </a:blip>
+          <a:srcRect t="-3689"/>
+          <a:stretch/>
+        </p:blipFill>
+        <p:spPr>
+          <a:xfrm>
+            <a:off x="3535992" y="9979522"/>
+            <a:ext cx="2529215" cy="1484352"/>
+          </a:xfrm>
+          <a:prstGeom prst="rect">
+            <a:avLst/>
+          </a:prstGeom>
+        </p:spPr>
+      </p:pic>
+      <p:sp>
+        <p:nvSpPr>
+          <p:cNvPr id="4" name="Retângulo 3">
+            <a:extLst>
+              <a:ext uri="{FF2B5EF4-FFF2-40B4-BE49-F238E27FC236}">
+                <a16:creationId xmlns:a16="http://schemas.microsoft.com/office/drawing/2014/main" id="{A8E3E8E5-3440-B2DE-15BA-D2A49A63AF59}"/>
               </a:ext>
             </a:extLst>
           </p:cNvPr>
@@ -11864,7 +7545,7 @@
           <a:gradFill flip="none" rotWithShape="1">
             <a:gsLst>
               <a:gs pos="0">
-                <a:srgbClr val="11FFFE"/>
+                <a:srgbClr val="2F7586"/>
               </a:gs>
               <a:gs pos="74000">
                 <a:schemeClr val="accent1">
@@ -11877,9 +7558,6 @@
                   <a:lumMod val="45000"/>
                   <a:lumOff val="55000"/>
                 </a:schemeClr>
-              </a:gs>
-              <a:gs pos="100000">
-                <a:srgbClr val="36ABFF"/>
               </a:gs>
             </a:gsLst>
             <a:lin ang="5400000" scaled="1"/>
@@ -11916,10 +7594,10 @@
       </p:sp>
       <p:pic>
         <p:nvPicPr>
-          <p:cNvPr id="6" name="Imagem 5">
-            <a:extLst>
-              <a:ext uri="{FF2B5EF4-FFF2-40B4-BE49-F238E27FC236}">
-                <a16:creationId xmlns:a16="http://schemas.microsoft.com/office/drawing/2014/main" id="{F585F010-8CE1-BD79-782A-7C7F4947DDAE}"/>
+          <p:cNvPr id="8" name="Imagem 7">
+            <a:extLst>
+              <a:ext uri="{FF2B5EF4-FFF2-40B4-BE49-F238E27FC236}">
+                <a16:creationId xmlns:a16="http://schemas.microsoft.com/office/drawing/2014/main" id="{8FB5372F-2998-C2ED-F207-8B24DD63E9D4}"/>
               </a:ext>
             </a:extLst>
           </p:cNvPr>
@@ -11929,179 +7607,15 @@
           <p:nvPr/>
         </p:nvPicPr>
         <p:blipFill>
-          <a:blip r:embed="rId2"/>
+          <a:blip r:embed="rId6"/>
           <a:stretch>
             <a:fillRect/>
           </a:stretch>
         </p:blipFill>
         <p:spPr>
           <a:xfrm>
-            <a:off x="0" y="5211417"/>
-            <a:ext cx="9601200" cy="4384548"/>
-          </a:xfrm>
-          <a:prstGeom prst="rect">
-            <a:avLst/>
-          </a:prstGeom>
-        </p:spPr>
-      </p:pic>
-      <p:sp>
-        <p:nvSpPr>
-          <p:cNvPr id="10" name="Espaço Reservado para Rodapé 9">
-            <a:extLst>
-              <a:ext uri="{FF2B5EF4-FFF2-40B4-BE49-F238E27FC236}">
-                <a16:creationId xmlns:a16="http://schemas.microsoft.com/office/drawing/2014/main" id="{D2798D93-ED72-CD33-880D-2C72AA1C45F0}"/>
-              </a:ext>
-            </a:extLst>
-          </p:cNvPr>
-          <p:cNvSpPr>
-            <a:spLocks noGrp="1"/>
-          </p:cNvSpPr>
-          <p:nvPr>
-            <p:ph type="ftr" sz="quarter" idx="11"/>
-          </p:nvPr>
-        </p:nvSpPr>
-        <p:spPr/>
-        <p:txBody>
-          <a:bodyPr/>
-          <a:lstStyle/>
-          <a:p>
-            <a:r>
-              <a:rPr lang="pt-BR"/>
-              <a:t>SELETORES CSS PARA JEDIS - FELIPE AGUIAR</a:t>
-            </a:r>
-          </a:p>
-        </p:txBody>
-      </p:sp>
-      <p:sp>
-        <p:nvSpPr>
-          <p:cNvPr id="11" name="Espaço Reservado para Número de Slide 10">
-            <a:extLst>
-              <a:ext uri="{FF2B5EF4-FFF2-40B4-BE49-F238E27FC236}">
-                <a16:creationId xmlns:a16="http://schemas.microsoft.com/office/drawing/2014/main" id="{51B58DE0-4197-A9DA-3C15-1110405E5E7A}"/>
-              </a:ext>
-            </a:extLst>
-          </p:cNvPr>
-          <p:cNvSpPr>
-            <a:spLocks noGrp="1"/>
-          </p:cNvSpPr>
-          <p:nvPr>
-            <p:ph type="sldNum" sz="quarter" idx="12"/>
-          </p:nvPr>
-        </p:nvSpPr>
-        <p:spPr/>
-        <p:txBody>
-          <a:bodyPr/>
-          <a:lstStyle/>
-          <a:p>
-            <a:fld id="{9BB46D60-96CE-4402-8D7C-2F4B1C382689}" type="slidenum">
-              <a:rPr lang="pt-BR" smtClean="0"/>
-              <a:t>7</a:t>
-            </a:fld>
-            <a:endParaRPr lang="pt-BR"/>
-          </a:p>
-        </p:txBody>
-      </p:sp>
-      <p:pic>
-        <p:nvPicPr>
-          <p:cNvPr id="13" name="Picture 8" descr="Would you like to see new lightsaber variants in the future? | Fandom">
-            <a:extLst>
-              <a:ext uri="{FF2B5EF4-FFF2-40B4-BE49-F238E27FC236}">
-                <a16:creationId xmlns:a16="http://schemas.microsoft.com/office/drawing/2014/main" id="{A03BE2BD-1CCA-12BC-A40F-EE2A3201B764}"/>
-              </a:ext>
-            </a:extLst>
-          </p:cNvPr>
-          <p:cNvPicPr>
-            <a:picLocks noChangeAspect="1" noChangeArrowheads="1"/>
-          </p:cNvPicPr>
-          <p:nvPr/>
-        </p:nvPicPr>
-        <p:blipFill>
-          <a:blip r:embed="rId3">
-            <a:extLst>
-              <a:ext uri="{BEBA8EAE-BF5A-486C-A8C5-ECC9F3942E4B}">
-                <a14:imgProps xmlns:a14="http://schemas.microsoft.com/office/drawing/2010/main">
-                  <a14:imgLayer r:embed="rId4">
-                    <a14:imgEffect>
-                      <a14:brightnessContrast bright="40000" contrast="20000"/>
-                    </a14:imgEffect>
-                  </a14:imgLayer>
-                </a14:imgProps>
-              </a:ext>
-              <a:ext uri="{28A0092B-C50C-407E-A947-70E740481C1C}">
-                <a14:useLocalDpi xmlns:a14="http://schemas.microsoft.com/office/drawing/2010/main" val="0"/>
-              </a:ext>
-            </a:extLst>
-          </a:blip>
-          <a:srcRect/>
-          <a:stretch>
-            <a:fillRect/>
-          </a:stretch>
-        </p:blipFill>
-        <p:spPr bwMode="auto">
-          <a:xfrm rot="1987839">
-            <a:off x="3038474" y="971271"/>
-            <a:ext cx="3524250" cy="2447925"/>
-          </a:xfrm>
-          <a:prstGeom prst="rect">
-            <a:avLst/>
-          </a:prstGeom>
-          <a:noFill/>
-          <a:extLst>
-            <a:ext uri="{909E8E84-426E-40DD-AFC4-6F175D3DCCD1}">
-              <a14:hiddenFill xmlns:a14="http://schemas.microsoft.com/office/drawing/2010/main">
-                <a:solidFill>
-                  <a:srgbClr val="FFFFFF"/>
-                </a:solidFill>
-              </a14:hiddenFill>
-            </a:ext>
-          </a:extLst>
-        </p:spPr>
-      </p:pic>
-      <p:pic>
-        <p:nvPicPr>
-          <p:cNvPr id="14" name="logo_css" descr="Ícone&#10;&#10;Descrição gerada automaticamente">
-            <a:extLst>
-              <a:ext uri="{FF2B5EF4-FFF2-40B4-BE49-F238E27FC236}">
-                <a16:creationId xmlns:a16="http://schemas.microsoft.com/office/drawing/2014/main" id="{0D3A0626-5486-8A0B-F407-2B7942FBD423}"/>
-              </a:ext>
-            </a:extLst>
-          </p:cNvPr>
-          <p:cNvPicPr>
-            <a:picLocks noChangeAspect="1"/>
-          </p:cNvPicPr>
-          <p:nvPr/>
-        </p:nvPicPr>
-        <p:blipFill rotWithShape="1">
-          <a:blip r:embed="rId5">
-            <a:duotone>
-              <a:schemeClr val="bg2">
-                <a:shade val="45000"/>
-                <a:satMod val="135000"/>
-              </a:schemeClr>
-              <a:prstClr val="white"/>
-            </a:duotone>
-            <a:extLst>
-              <a:ext uri="{BEBA8EAE-BF5A-486C-A8C5-ECC9F3942E4B}">
-                <a14:imgProps xmlns:a14="http://schemas.microsoft.com/office/drawing/2010/main">
-                  <a14:imgLayer r:embed="rId6">
-                    <a14:imgEffect>
-                      <a14:brightnessContrast bright="40000" contrast="40000"/>
-                    </a14:imgEffect>
-                  </a14:imgLayer>
-                </a14:imgProps>
-              </a:ext>
-              <a:ext uri="{28A0092B-C50C-407E-A947-70E740481C1C}">
-                <a14:useLocalDpi xmlns:a14="http://schemas.microsoft.com/office/drawing/2010/main" val="0"/>
-              </a:ext>
-            </a:extLst>
-          </a:blip>
-          <a:srcRect t="-3689"/>
-          <a:stretch/>
-        </p:blipFill>
-        <p:spPr>
-          <a:xfrm>
-            <a:off x="3535992" y="9979522"/>
-            <a:ext cx="2529215" cy="1484352"/>
+            <a:off x="1101260" y="5395250"/>
+            <a:ext cx="7398680" cy="4439208"/>
           </a:xfrm>
           <a:prstGeom prst="rect">
             <a:avLst/>
@@ -12211,12 +7725,206 @@
           </a:p>
         </p:txBody>
       </p:sp>
-      <p:sp>
-        <p:nvSpPr>
-          <p:cNvPr id="5" name="Retângulo 4">
-            <a:extLst>
-              <a:ext uri="{FF2B5EF4-FFF2-40B4-BE49-F238E27FC236}">
-                <a16:creationId xmlns:a16="http://schemas.microsoft.com/office/drawing/2014/main" id="{F3548456-7C95-80DE-D379-01E177977A3D}"/>
+      <p:pic>
+        <p:nvPicPr>
+          <p:cNvPr id="7" name="Imagem 6">
+            <a:extLst>
+              <a:ext uri="{FF2B5EF4-FFF2-40B4-BE49-F238E27FC236}">
+                <a16:creationId xmlns:a16="http://schemas.microsoft.com/office/drawing/2014/main" id="{185CF9CB-4CC1-DE44-FE12-DBFD067567E4}"/>
+              </a:ext>
+            </a:extLst>
+          </p:cNvPr>
+          <p:cNvPicPr>
+            <a:picLocks noChangeAspect="1"/>
+          </p:cNvPicPr>
+          <p:nvPr/>
+        </p:nvPicPr>
+        <p:blipFill>
+          <a:blip r:embed="rId2"/>
+          <a:stretch>
+            <a:fillRect/>
+          </a:stretch>
+        </p:blipFill>
+        <p:spPr>
+          <a:xfrm>
+            <a:off x="0" y="5093429"/>
+            <a:ext cx="9601200" cy="4384548"/>
+          </a:xfrm>
+          <a:prstGeom prst="rect">
+            <a:avLst/>
+          </a:prstGeom>
+        </p:spPr>
+      </p:pic>
+      <p:sp>
+        <p:nvSpPr>
+          <p:cNvPr id="11" name="Espaço Reservado para Rodapé 10">
+            <a:extLst>
+              <a:ext uri="{FF2B5EF4-FFF2-40B4-BE49-F238E27FC236}">
+                <a16:creationId xmlns:a16="http://schemas.microsoft.com/office/drawing/2014/main" id="{13705D91-2830-D276-4CDD-D1D05BFB2A5F}"/>
+              </a:ext>
+            </a:extLst>
+          </p:cNvPr>
+          <p:cNvSpPr>
+            <a:spLocks noGrp="1"/>
+          </p:cNvSpPr>
+          <p:nvPr>
+            <p:ph type="ftr" sz="quarter" idx="11"/>
+          </p:nvPr>
+        </p:nvSpPr>
+        <p:spPr/>
+        <p:txBody>
+          <a:bodyPr/>
+          <a:lstStyle/>
+          <a:p>
+            <a:r>
+              <a:rPr lang="pt-BR"/>
+              <a:t>SELETORES CSS PARA JEDIS - FELIPE AGUIAR</a:t>
+            </a:r>
+          </a:p>
+        </p:txBody>
+      </p:sp>
+      <p:sp>
+        <p:nvSpPr>
+          <p:cNvPr id="12" name="Espaço Reservado para Número de Slide 11">
+            <a:extLst>
+              <a:ext uri="{FF2B5EF4-FFF2-40B4-BE49-F238E27FC236}">
+                <a16:creationId xmlns:a16="http://schemas.microsoft.com/office/drawing/2014/main" id="{E74BF1F5-AB5B-FE30-A4A2-5DCD1ECEB8D7}"/>
+              </a:ext>
+            </a:extLst>
+          </p:cNvPr>
+          <p:cNvSpPr>
+            <a:spLocks noGrp="1"/>
+          </p:cNvSpPr>
+          <p:nvPr>
+            <p:ph type="sldNum" sz="quarter" idx="12"/>
+          </p:nvPr>
+        </p:nvSpPr>
+        <p:spPr/>
+        <p:txBody>
+          <a:bodyPr/>
+          <a:lstStyle/>
+          <a:p>
+            <a:fld id="{9BB46D60-96CE-4402-8D7C-2F4B1C382689}" type="slidenum">
+              <a:rPr lang="pt-BR" smtClean="0"/>
+              <a:t>8</a:t>
+            </a:fld>
+            <a:endParaRPr lang="pt-BR"/>
+          </a:p>
+        </p:txBody>
+      </p:sp>
+      <p:pic>
+        <p:nvPicPr>
+          <p:cNvPr id="13" name="Picture 8" descr="Would you like to see new lightsaber variants in the future? | Fandom">
+            <a:extLst>
+              <a:ext uri="{FF2B5EF4-FFF2-40B4-BE49-F238E27FC236}">
+                <a16:creationId xmlns:a16="http://schemas.microsoft.com/office/drawing/2014/main" id="{4958DF4A-2CF7-9A4E-97F2-AE1C614A2B4A}"/>
+              </a:ext>
+            </a:extLst>
+          </p:cNvPr>
+          <p:cNvPicPr>
+            <a:picLocks noChangeAspect="1" noChangeArrowheads="1"/>
+          </p:cNvPicPr>
+          <p:nvPr/>
+        </p:nvPicPr>
+        <p:blipFill>
+          <a:blip r:embed="rId3">
+            <a:extLst>
+              <a:ext uri="{BEBA8EAE-BF5A-486C-A8C5-ECC9F3942E4B}">
+                <a14:imgProps xmlns:a14="http://schemas.microsoft.com/office/drawing/2010/main">
+                  <a14:imgLayer r:embed="rId4">
+                    <a14:imgEffect>
+                      <a14:brightnessContrast bright="40000" contrast="20000"/>
+                    </a14:imgEffect>
+                  </a14:imgLayer>
+                </a14:imgProps>
+              </a:ext>
+              <a:ext uri="{28A0092B-C50C-407E-A947-70E740481C1C}">
+                <a14:useLocalDpi xmlns:a14="http://schemas.microsoft.com/office/drawing/2010/main" val="0"/>
+              </a:ext>
+            </a:extLst>
+          </a:blip>
+          <a:srcRect/>
+          <a:stretch>
+            <a:fillRect/>
+          </a:stretch>
+        </p:blipFill>
+        <p:spPr bwMode="auto">
+          <a:xfrm rot="1987839">
+            <a:off x="3038474" y="971271"/>
+            <a:ext cx="3524250" cy="2447925"/>
+          </a:xfrm>
+          <a:prstGeom prst="rect">
+            <a:avLst/>
+          </a:prstGeom>
+          <a:noFill/>
+          <a:extLst>
+            <a:ext uri="{909E8E84-426E-40DD-AFC4-6F175D3DCCD1}">
+              <a14:hiddenFill xmlns:a14="http://schemas.microsoft.com/office/drawing/2010/main">
+                <a:solidFill>
+                  <a:srgbClr val="FFFFFF"/>
+                </a:solidFill>
+              </a14:hiddenFill>
+            </a:ext>
+          </a:extLst>
+        </p:spPr>
+      </p:pic>
+      <p:pic>
+        <p:nvPicPr>
+          <p:cNvPr id="14" name="logo_css" descr="Ícone&#10;&#10;Descrição gerada automaticamente">
+            <a:extLst>
+              <a:ext uri="{FF2B5EF4-FFF2-40B4-BE49-F238E27FC236}">
+                <a16:creationId xmlns:a16="http://schemas.microsoft.com/office/drawing/2014/main" id="{9EE0F1E8-A076-473F-33BC-D45EBBA3F9E0}"/>
+              </a:ext>
+            </a:extLst>
+          </p:cNvPr>
+          <p:cNvPicPr>
+            <a:picLocks noChangeAspect="1"/>
+          </p:cNvPicPr>
+          <p:nvPr/>
+        </p:nvPicPr>
+        <p:blipFill rotWithShape="1">
+          <a:blip r:embed="rId5">
+            <a:duotone>
+              <a:schemeClr val="bg2">
+                <a:shade val="45000"/>
+                <a:satMod val="135000"/>
+              </a:schemeClr>
+              <a:prstClr val="white"/>
+            </a:duotone>
+            <a:extLst>
+              <a:ext uri="{BEBA8EAE-BF5A-486C-A8C5-ECC9F3942E4B}">
+                <a14:imgProps xmlns:a14="http://schemas.microsoft.com/office/drawing/2010/main">
+                  <a14:imgLayer r:embed="rId6">
+                    <a14:imgEffect>
+                      <a14:brightnessContrast bright="40000" contrast="40000"/>
+                    </a14:imgEffect>
+                  </a14:imgLayer>
+                </a14:imgProps>
+              </a:ext>
+              <a:ext uri="{28A0092B-C50C-407E-A947-70E740481C1C}">
+                <a14:useLocalDpi xmlns:a14="http://schemas.microsoft.com/office/drawing/2010/main" val="0"/>
+              </a:ext>
+            </a:extLst>
+          </a:blip>
+          <a:srcRect t="-3689"/>
+          <a:stretch/>
+        </p:blipFill>
+        <p:spPr>
+          <a:xfrm>
+            <a:off x="3535992" y="9979522"/>
+            <a:ext cx="2529215" cy="1484352"/>
+          </a:xfrm>
+          <a:prstGeom prst="rect">
+            <a:avLst/>
+          </a:prstGeom>
+        </p:spPr>
+      </p:pic>
+      <p:sp>
+        <p:nvSpPr>
+          <p:cNvPr id="4" name="Retângulo 3">
+            <a:extLst>
+              <a:ext uri="{FF2B5EF4-FFF2-40B4-BE49-F238E27FC236}">
+                <a16:creationId xmlns:a16="http://schemas.microsoft.com/office/drawing/2014/main" id="{09DEF69C-D29E-E7F1-9D19-CAA075700FEF}"/>
               </a:ext>
             </a:extLst>
           </p:cNvPr>
@@ -12234,7 +7942,7 @@
           <a:gradFill flip="none" rotWithShape="1">
             <a:gsLst>
               <a:gs pos="0">
-                <a:srgbClr val="11FFFE"/>
+                <a:srgbClr val="2F7586"/>
               </a:gs>
               <a:gs pos="74000">
                 <a:schemeClr val="accent1">
@@ -12247,9 +7955,6 @@
                   <a:lumMod val="45000"/>
                   <a:lumOff val="55000"/>
                 </a:schemeClr>
-              </a:gs>
-              <a:gs pos="100000">
-                <a:srgbClr val="36ABFF"/>
               </a:gs>
             </a:gsLst>
             <a:lin ang="5400000" scaled="1"/>
@@ -12284,200 +7989,6 @@
           </a:p>
         </p:txBody>
       </p:sp>
-      <p:pic>
-        <p:nvPicPr>
-          <p:cNvPr id="7" name="Imagem 6">
-            <a:extLst>
-              <a:ext uri="{FF2B5EF4-FFF2-40B4-BE49-F238E27FC236}">
-                <a16:creationId xmlns:a16="http://schemas.microsoft.com/office/drawing/2014/main" id="{185CF9CB-4CC1-DE44-FE12-DBFD067567E4}"/>
-              </a:ext>
-            </a:extLst>
-          </p:cNvPr>
-          <p:cNvPicPr>
-            <a:picLocks noChangeAspect="1"/>
-          </p:cNvPicPr>
-          <p:nvPr/>
-        </p:nvPicPr>
-        <p:blipFill>
-          <a:blip r:embed="rId2"/>
-          <a:stretch>
-            <a:fillRect/>
-          </a:stretch>
-        </p:blipFill>
-        <p:spPr>
-          <a:xfrm>
-            <a:off x="0" y="5093429"/>
-            <a:ext cx="9601200" cy="4384548"/>
-          </a:xfrm>
-          <a:prstGeom prst="rect">
-            <a:avLst/>
-          </a:prstGeom>
-        </p:spPr>
-      </p:pic>
-      <p:sp>
-        <p:nvSpPr>
-          <p:cNvPr id="11" name="Espaço Reservado para Rodapé 10">
-            <a:extLst>
-              <a:ext uri="{FF2B5EF4-FFF2-40B4-BE49-F238E27FC236}">
-                <a16:creationId xmlns:a16="http://schemas.microsoft.com/office/drawing/2014/main" id="{13705D91-2830-D276-4CDD-D1D05BFB2A5F}"/>
-              </a:ext>
-            </a:extLst>
-          </p:cNvPr>
-          <p:cNvSpPr>
-            <a:spLocks noGrp="1"/>
-          </p:cNvSpPr>
-          <p:nvPr>
-            <p:ph type="ftr" sz="quarter" idx="11"/>
-          </p:nvPr>
-        </p:nvSpPr>
-        <p:spPr/>
-        <p:txBody>
-          <a:bodyPr/>
-          <a:lstStyle/>
-          <a:p>
-            <a:r>
-              <a:rPr lang="pt-BR"/>
-              <a:t>SELETORES CSS PARA JEDIS - FELIPE AGUIAR</a:t>
-            </a:r>
-          </a:p>
-        </p:txBody>
-      </p:sp>
-      <p:sp>
-        <p:nvSpPr>
-          <p:cNvPr id="12" name="Espaço Reservado para Número de Slide 11">
-            <a:extLst>
-              <a:ext uri="{FF2B5EF4-FFF2-40B4-BE49-F238E27FC236}">
-                <a16:creationId xmlns:a16="http://schemas.microsoft.com/office/drawing/2014/main" id="{E74BF1F5-AB5B-FE30-A4A2-5DCD1ECEB8D7}"/>
-              </a:ext>
-            </a:extLst>
-          </p:cNvPr>
-          <p:cNvSpPr>
-            <a:spLocks noGrp="1"/>
-          </p:cNvSpPr>
-          <p:nvPr>
-            <p:ph type="sldNum" sz="quarter" idx="12"/>
-          </p:nvPr>
-        </p:nvSpPr>
-        <p:spPr/>
-        <p:txBody>
-          <a:bodyPr/>
-          <a:lstStyle/>
-          <a:p>
-            <a:fld id="{9BB46D60-96CE-4402-8D7C-2F4B1C382689}" type="slidenum">
-              <a:rPr lang="pt-BR" smtClean="0"/>
-              <a:t>8</a:t>
-            </a:fld>
-            <a:endParaRPr lang="pt-BR"/>
-          </a:p>
-        </p:txBody>
-      </p:sp>
-      <p:pic>
-        <p:nvPicPr>
-          <p:cNvPr id="13" name="Picture 8" descr="Would you like to see new lightsaber variants in the future? | Fandom">
-            <a:extLst>
-              <a:ext uri="{FF2B5EF4-FFF2-40B4-BE49-F238E27FC236}">
-                <a16:creationId xmlns:a16="http://schemas.microsoft.com/office/drawing/2014/main" id="{4958DF4A-2CF7-9A4E-97F2-AE1C614A2B4A}"/>
-              </a:ext>
-            </a:extLst>
-          </p:cNvPr>
-          <p:cNvPicPr>
-            <a:picLocks noChangeAspect="1" noChangeArrowheads="1"/>
-          </p:cNvPicPr>
-          <p:nvPr/>
-        </p:nvPicPr>
-        <p:blipFill>
-          <a:blip r:embed="rId3">
-            <a:extLst>
-              <a:ext uri="{BEBA8EAE-BF5A-486C-A8C5-ECC9F3942E4B}">
-                <a14:imgProps xmlns:a14="http://schemas.microsoft.com/office/drawing/2010/main">
-                  <a14:imgLayer r:embed="rId4">
-                    <a14:imgEffect>
-                      <a14:brightnessContrast bright="40000" contrast="20000"/>
-                    </a14:imgEffect>
-                  </a14:imgLayer>
-                </a14:imgProps>
-              </a:ext>
-              <a:ext uri="{28A0092B-C50C-407E-A947-70E740481C1C}">
-                <a14:useLocalDpi xmlns:a14="http://schemas.microsoft.com/office/drawing/2010/main" val="0"/>
-              </a:ext>
-            </a:extLst>
-          </a:blip>
-          <a:srcRect/>
-          <a:stretch>
-            <a:fillRect/>
-          </a:stretch>
-        </p:blipFill>
-        <p:spPr bwMode="auto">
-          <a:xfrm rot="1987839">
-            <a:off x="3038474" y="971271"/>
-            <a:ext cx="3524250" cy="2447925"/>
-          </a:xfrm>
-          <a:prstGeom prst="rect">
-            <a:avLst/>
-          </a:prstGeom>
-          <a:noFill/>
-          <a:extLst>
-            <a:ext uri="{909E8E84-426E-40DD-AFC4-6F175D3DCCD1}">
-              <a14:hiddenFill xmlns:a14="http://schemas.microsoft.com/office/drawing/2010/main">
-                <a:solidFill>
-                  <a:srgbClr val="FFFFFF"/>
-                </a:solidFill>
-              </a14:hiddenFill>
-            </a:ext>
-          </a:extLst>
-        </p:spPr>
-      </p:pic>
-      <p:pic>
-        <p:nvPicPr>
-          <p:cNvPr id="14" name="logo_css" descr="Ícone&#10;&#10;Descrição gerada automaticamente">
-            <a:extLst>
-              <a:ext uri="{FF2B5EF4-FFF2-40B4-BE49-F238E27FC236}">
-                <a16:creationId xmlns:a16="http://schemas.microsoft.com/office/drawing/2014/main" id="{9EE0F1E8-A076-473F-33BC-D45EBBA3F9E0}"/>
-              </a:ext>
-            </a:extLst>
-          </p:cNvPr>
-          <p:cNvPicPr>
-            <a:picLocks noChangeAspect="1"/>
-          </p:cNvPicPr>
-          <p:nvPr/>
-        </p:nvPicPr>
-        <p:blipFill rotWithShape="1">
-          <a:blip r:embed="rId5">
-            <a:duotone>
-              <a:schemeClr val="bg2">
-                <a:shade val="45000"/>
-                <a:satMod val="135000"/>
-              </a:schemeClr>
-              <a:prstClr val="white"/>
-            </a:duotone>
-            <a:extLst>
-              <a:ext uri="{BEBA8EAE-BF5A-486C-A8C5-ECC9F3942E4B}">
-                <a14:imgProps xmlns:a14="http://schemas.microsoft.com/office/drawing/2010/main">
-                  <a14:imgLayer r:embed="rId6">
-                    <a14:imgEffect>
-                      <a14:brightnessContrast bright="40000" contrast="40000"/>
-                    </a14:imgEffect>
-                  </a14:imgLayer>
-                </a14:imgProps>
-              </a:ext>
-              <a:ext uri="{28A0092B-C50C-407E-A947-70E740481C1C}">
-                <a14:useLocalDpi xmlns:a14="http://schemas.microsoft.com/office/drawing/2010/main" val="0"/>
-              </a:ext>
-            </a:extLst>
-          </a:blip>
-          <a:srcRect t="-3689"/>
-          <a:stretch/>
-        </p:blipFill>
-        <p:spPr>
-          <a:xfrm>
-            <a:off x="3535992" y="9979522"/>
-            <a:ext cx="2529215" cy="1484352"/>
-          </a:xfrm>
-          <a:prstGeom prst="rect">
-            <a:avLst/>
-          </a:prstGeom>
-        </p:spPr>
-      </p:pic>
     </p:spTree>
     <p:extLst>
       <p:ext uri="{BB962C8B-B14F-4D97-AF65-F5344CB8AC3E}">
@@ -12562,47 +8073,6 @@
       </p:sp>
       <p:sp>
         <p:nvSpPr>
-          <p:cNvPr id="3" name="titulo_componente">
-            <a:extLst>
-              <a:ext uri="{FF2B5EF4-FFF2-40B4-BE49-F238E27FC236}">
-                <a16:creationId xmlns:a16="http://schemas.microsoft.com/office/drawing/2014/main" id="{93533FB0-D3C0-9791-4F72-0D1731465A20}"/>
-              </a:ext>
-            </a:extLst>
-          </p:cNvPr>
-          <p:cNvSpPr txBox="1"/>
-          <p:nvPr/>
-        </p:nvSpPr>
-        <p:spPr>
-          <a:xfrm>
-            <a:off x="892277" y="6388320"/>
-            <a:ext cx="7816645" cy="2308324"/>
-          </a:xfrm>
-          <a:prstGeom prst="rect">
-            <a:avLst/>
-          </a:prstGeom>
-          <a:noFill/>
-        </p:spPr>
-        <p:txBody>
-          <a:bodyPr wrap="square" rtlCol="0">
-            <a:spAutoFit/>
-          </a:bodyPr>
-          <a:lstStyle/>
-          <a:p>
-            <a:pPr algn="ctr"/>
-            <a:r>
-              <a:rPr lang="pt-BR" sz="7200" dirty="0">
-                <a:solidFill>
-                  <a:schemeClr val="bg1"/>
-                </a:solidFill>
-                <a:latin typeface="Impact" panose="020B0806030902050204" pitchFamily="34" charset="0"/>
-              </a:rPr>
-              <a:t>SELETORES DE DESCENDENTE E FILHO</a:t>
-            </a:r>
-          </a:p>
-        </p:txBody>
-      </p:sp>
-      <p:sp>
-        <p:nvSpPr>
           <p:cNvPr id="4" name="titulo_componente">
             <a:extLst>
               <a:ext uri="{FF2B5EF4-FFF2-40B4-BE49-F238E27FC236}">
@@ -12733,7 +8203,7 @@
         <p:spPr>
           <a:xfrm>
             <a:off x="870768" y="9340866"/>
-            <a:ext cx="7816645" cy="1938992"/>
+            <a:ext cx="7816645" cy="830997"/>
           </a:xfrm>
           <a:prstGeom prst="rect">
             <a:avLst/>
@@ -12753,7 +8223,23 @@
                   <a:schemeClr val="bg1"/>
                 </a:solidFill>
               </a:rPr>
-              <a:t>Os seletores de descendente e filho permitem que você selecione elementos com base em sua hierarquia dentro do HTML. Eles são úteis para estilizar elementos específicos dentro de um contexto mais amplo. Confira os exemplos a seguir:</a:t>
+              <a:t>O Merge </a:t>
+            </a:r>
+            <a:r>
+              <a:rPr lang="pt-BR" sz="2400" dirty="0" err="1">
+                <a:solidFill>
+                  <a:schemeClr val="bg1"/>
+                </a:solidFill>
+              </a:rPr>
+              <a:t>Sort</a:t>
+            </a:r>
+            <a:r>
+              <a:rPr lang="pt-BR" sz="2400" dirty="0">
+                <a:solidFill>
+                  <a:schemeClr val="bg1"/>
+                </a:solidFill>
+              </a:rPr>
+              <a:t> é eficiente e usa a estratégia "dividir para conquistar". Vamos ver sua implementação em C#:</a:t>
             </a:r>
           </a:p>
         </p:txBody>
@@ -12812,6 +8298,82 @@
               <a:t>9</a:t>
             </a:fld>
             <a:endParaRPr lang="pt-BR"/>
+          </a:p>
+        </p:txBody>
+      </p:sp>
+      <p:sp>
+        <p:nvSpPr>
+          <p:cNvPr id="7" name="titulo_componente">
+            <a:extLst>
+              <a:ext uri="{FF2B5EF4-FFF2-40B4-BE49-F238E27FC236}">
+                <a16:creationId xmlns:a16="http://schemas.microsoft.com/office/drawing/2014/main" id="{C9BF7689-5C9B-8C58-E73A-B4B3672F8D4B}"/>
+              </a:ext>
+            </a:extLst>
+          </p:cNvPr>
+          <p:cNvSpPr txBox="1"/>
+          <p:nvPr/>
+        </p:nvSpPr>
+        <p:spPr>
+          <a:xfrm>
+            <a:off x="892277" y="6004859"/>
+            <a:ext cx="7816645" cy="2800767"/>
+          </a:xfrm>
+          <a:prstGeom prst="rect">
+            <a:avLst/>
+          </a:prstGeom>
+          <a:noFill/>
+        </p:spPr>
+        <p:txBody>
+          <a:bodyPr wrap="square" rtlCol="0">
+            <a:spAutoFit/>
+          </a:bodyPr>
+          <a:lstStyle/>
+          <a:p>
+            <a:pPr algn="ctr"/>
+            <a:r>
+              <a:rPr lang="pt-BR" sz="8800" dirty="0">
+                <a:solidFill>
+                  <a:schemeClr val="bg1"/>
+                </a:solidFill>
+                <a:latin typeface="Impact" panose="020B0806030902050204" pitchFamily="34" charset="0"/>
+              </a:rPr>
+              <a:t>Merge </a:t>
+            </a:r>
+            <a:r>
+              <a:rPr lang="pt-BR" sz="8800" dirty="0" err="1">
+                <a:solidFill>
+                  <a:schemeClr val="bg1"/>
+                </a:solidFill>
+                <a:latin typeface="Impact" panose="020B0806030902050204" pitchFamily="34" charset="0"/>
+              </a:rPr>
+              <a:t>Sort</a:t>
+            </a:r>
+            <a:br>
+              <a:rPr lang="pt-BR" sz="8800" dirty="0">
+                <a:solidFill>
+                  <a:schemeClr val="bg1"/>
+                </a:solidFill>
+                <a:latin typeface="Impact" panose="020B0806030902050204" pitchFamily="34" charset="0"/>
+              </a:rPr>
+            </a:br>
+            <a:r>
+              <a:rPr lang="pt-BR" sz="8800" dirty="0">
+                <a:solidFill>
+                  <a:schemeClr val="bg1"/>
+                </a:solidFill>
+                <a:latin typeface="Impact" panose="020B0806030902050204" pitchFamily="34" charset="0"/>
+              </a:rPr>
+              <a:t> </a:t>
+            </a:r>
+            <a:r>
+              <a:rPr lang="pt-BR" sz="5400" dirty="0">
+                <a:solidFill>
+                  <a:schemeClr val="bg1"/>
+                </a:solidFill>
+                <a:latin typeface="Impact" panose="020B0806030902050204" pitchFamily="34" charset="0"/>
+              </a:rPr>
+              <a:t>Dividir para Conquistar</a:t>
+            </a:r>
           </a:p>
         </p:txBody>
       </p:sp>

--- a/output/ebook - template.pptx
+++ b/output/ebook - template.pptx
@@ -14,11 +14,11 @@
     <p:sldId id="257" r:id="rId2"/>
     <p:sldId id="263" r:id="rId3"/>
     <p:sldId id="264" r:id="rId4"/>
-    <p:sldId id="265" r:id="rId5"/>
-    <p:sldId id="266" r:id="rId6"/>
+    <p:sldId id="285" r:id="rId5"/>
+    <p:sldId id="265" r:id="rId6"/>
     <p:sldId id="261" r:id="rId7"/>
-    <p:sldId id="267" r:id="rId8"/>
-    <p:sldId id="268" r:id="rId9"/>
+    <p:sldId id="268" r:id="rId8"/>
+    <p:sldId id="267" r:id="rId9"/>
     <p:sldId id="262" r:id="rId10"/>
     <p:sldId id="269" r:id="rId11"/>
     <p:sldId id="270" r:id="rId12"/>
@@ -235,7 +235,7 @@
           <a:p>
             <a:fld id="{55E237D1-EB3E-42ED-8017-A3E0F540A544}" type="datetimeFigureOut">
               <a:rPr lang="pt-BR" smtClean="0"/>
-              <a:t>22/03/2024</a:t>
+              <a:t>24/03/2024</a:t>
             </a:fld>
             <a:endParaRPr lang="pt-BR"/>
           </a:p>
@@ -412,7 +412,7 @@
           <a:p>
             <a:fld id="{AE8E0544-B9E7-47A8-ABD7-B3CFDECA6595}" type="datetimeFigureOut">
               <a:rPr lang="pt-BR" smtClean="0"/>
-              <a:t>22/03/2024</a:t>
+              <a:t>24/03/2024</a:t>
             </a:fld>
             <a:endParaRPr lang="pt-BR"/>
           </a:p>
@@ -810,7 +810,7 @@
           <a:p>
             <a:fld id="{CCC30072-6D31-42F3-B5CC-185B6D0A6822}" type="datetime1">
               <a:rPr lang="pt-BR" smtClean="0"/>
-              <a:t>22/03/2024</a:t>
+              <a:t>24/03/2024</a:t>
             </a:fld>
             <a:endParaRPr lang="pt-BR"/>
           </a:p>
@@ -983,7 +983,7 @@
           <a:p>
             <a:fld id="{BDF6D1A7-EFFC-4966-822B-4C00AB2CB4F1}" type="datetime1">
               <a:rPr lang="pt-BR" smtClean="0"/>
-              <a:t>22/03/2024</a:t>
+              <a:t>24/03/2024</a:t>
             </a:fld>
             <a:endParaRPr lang="pt-BR"/>
           </a:p>
@@ -1166,7 +1166,7 @@
           <a:p>
             <a:fld id="{C6FB7C60-0DA7-42D4-A820-E1D03EB49949}" type="datetime1">
               <a:rPr lang="pt-BR" smtClean="0"/>
-              <a:t>22/03/2024</a:t>
+              <a:t>24/03/2024</a:t>
             </a:fld>
             <a:endParaRPr lang="pt-BR"/>
           </a:p>
@@ -1339,7 +1339,7 @@
           <a:p>
             <a:fld id="{6A95A0BC-388F-4CA7-BE51-03B9510F86C7}" type="datetime1">
               <a:rPr lang="pt-BR" smtClean="0"/>
-              <a:t>22/03/2024</a:t>
+              <a:t>24/03/2024</a:t>
             </a:fld>
             <a:endParaRPr lang="pt-BR"/>
           </a:p>
@@ -1586,7 +1586,7 @@
           <a:p>
             <a:fld id="{920B0A53-1723-472B-8809-AF93A93C6B7D}" type="datetime1">
               <a:rPr lang="pt-BR" smtClean="0"/>
-              <a:t>22/03/2024</a:t>
+              <a:t>24/03/2024</a:t>
             </a:fld>
             <a:endParaRPr lang="pt-BR"/>
           </a:p>
@@ -1821,7 +1821,7 @@
           <a:p>
             <a:fld id="{F473D0C2-0B29-4E63-8862-AEF7CD2FD74C}" type="datetime1">
               <a:rPr lang="pt-BR" smtClean="0"/>
-              <a:t>22/03/2024</a:t>
+              <a:t>24/03/2024</a:t>
             </a:fld>
             <a:endParaRPr lang="pt-BR"/>
           </a:p>
@@ -2191,7 +2191,7 @@
           <a:p>
             <a:fld id="{10B68ADD-7F35-4AEB-BEB1-AD3CCDF011CE}" type="datetime1">
               <a:rPr lang="pt-BR" smtClean="0"/>
-              <a:t>22/03/2024</a:t>
+              <a:t>24/03/2024</a:t>
             </a:fld>
             <a:endParaRPr lang="pt-BR"/>
           </a:p>
@@ -2312,7 +2312,7 @@
           <a:p>
             <a:fld id="{ABF6779A-9BC4-4AC0-8880-1B792DDACBDD}" type="datetime1">
               <a:rPr lang="pt-BR" smtClean="0"/>
-              <a:t>22/03/2024</a:t>
+              <a:t>24/03/2024</a:t>
             </a:fld>
             <a:endParaRPr lang="pt-BR"/>
           </a:p>
@@ -2410,7 +2410,7 @@
           <a:p>
             <a:fld id="{E1175754-B528-45A3-9A7A-655123E17D0E}" type="datetime1">
               <a:rPr lang="pt-BR" smtClean="0"/>
-              <a:t>22/03/2024</a:t>
+              <a:t>24/03/2024</a:t>
             </a:fld>
             <a:endParaRPr lang="pt-BR"/>
           </a:p>
@@ -2690,7 +2690,7 @@
           <a:p>
             <a:fld id="{702BC77C-1A26-4515-863F-461CD234F563}" type="datetime1">
               <a:rPr lang="pt-BR" smtClean="0"/>
-              <a:t>22/03/2024</a:t>
+              <a:t>24/03/2024</a:t>
             </a:fld>
             <a:endParaRPr lang="pt-BR"/>
           </a:p>
@@ -2950,7 +2950,7 @@
           <a:p>
             <a:fld id="{2CE6D11F-A570-44DC-98A9-9E7070BCD645}" type="datetime1">
               <a:rPr lang="pt-BR" smtClean="0"/>
-              <a:t>22/03/2024</a:t>
+              <a:t>24/03/2024</a:t>
             </a:fld>
             <a:endParaRPr lang="pt-BR"/>
           </a:p>
@@ -3166,7 +3166,7 @@
           <a:p>
             <a:fld id="{925CAA1B-DFB8-467D-A20E-1BF5C572C99B}" type="datetime1">
               <a:rPr lang="pt-BR" smtClean="0"/>
-              <a:t>22/03/2024</a:t>
+              <a:t>24/03/2024</a:t>
             </a:fld>
             <a:endParaRPr lang="pt-BR"/>
           </a:p>
@@ -4039,8 +4039,8 @@
         </p:nvSpPr>
         <p:spPr>
           <a:xfrm>
-            <a:off x="870768" y="2822078"/>
-            <a:ext cx="7816645" cy="1938992"/>
+            <a:off x="776390" y="1983333"/>
+            <a:ext cx="7816645" cy="3970318"/>
           </a:xfrm>
           <a:prstGeom prst="rect">
             <a:avLst/>
@@ -4053,26 +4053,132 @@
           </a:bodyPr>
           <a:lstStyle/>
           <a:p>
-            <a:pPr algn="ctr"/>
-            <a:r>
-              <a:rPr lang="pt-BR" sz="2400" dirty="0"/>
-              <a:t>O seletor de descendente permite que você selecione elementos dentro de outros elementos. Por exemplo, para estilizar todas as listas não ordenadas dentro de uma </a:t>
-            </a:r>
-            <a:r>
-              <a:rPr lang="pt-BR" sz="2400" dirty="0" err="1"/>
-              <a:t>div</a:t>
-            </a:r>
-            <a:r>
-              <a:rPr lang="pt-BR" sz="2400" dirty="0"/>
-              <a:t> com a classe "container", você pode usar o seletor .container </a:t>
-            </a:r>
-            <a:r>
-              <a:rPr lang="pt-BR" sz="2400" dirty="0" err="1"/>
-              <a:t>ul</a:t>
-            </a:r>
-            <a:r>
-              <a:rPr lang="pt-BR" sz="2400" dirty="0"/>
-              <a:t>. Veja o exemplo</a:t>
+            <a:r>
+              <a:rPr lang="pt-BR" dirty="0"/>
+              <a:t>O Merge </a:t>
+            </a:r>
+            <a:r>
+              <a:rPr lang="pt-BR" dirty="0" err="1"/>
+              <a:t>Sort</a:t>
+            </a:r>
+            <a:r>
+              <a:rPr lang="pt-BR" dirty="0"/>
+              <a:t> é um algoritmo de ordenação que utiliza a técnica de "dividir para conquistar". Aqui está uma explicação simples e objetiva:</a:t>
+            </a:r>
+          </a:p>
+          <a:p>
+            <a:endParaRPr lang="pt-BR" dirty="0"/>
+          </a:p>
+          <a:p>
+            <a:pPr marL="285750" indent="-285750">
+              <a:buFont typeface="Arial" panose="020B0604020202020204" pitchFamily="34" charset="0"/>
+              <a:buChar char="•"/>
+            </a:pPr>
+            <a:r>
+              <a:rPr lang="pt-BR" b="1" dirty="0"/>
+              <a:t>Dividir</a:t>
+            </a:r>
+            <a:r>
+              <a:rPr lang="pt-BR" dirty="0"/>
+              <a:t>: O </a:t>
+            </a:r>
+            <a:r>
+              <a:rPr lang="pt-BR" dirty="0" err="1"/>
+              <a:t>array</a:t>
+            </a:r>
+            <a:r>
+              <a:rPr lang="pt-BR" dirty="0"/>
+              <a:t> é dividido continuamente pela metade até que cada </a:t>
+            </a:r>
+            <a:r>
+              <a:rPr lang="pt-BR" dirty="0" err="1"/>
+              <a:t>subarray</a:t>
+            </a:r>
+            <a:r>
+              <a:rPr lang="pt-BR" dirty="0"/>
+              <a:t> contenha apenas um elemento. Isso é feito recursivamente até que não seja mais possível dividir.</a:t>
+            </a:r>
+          </a:p>
+          <a:p>
+            <a:pPr marL="285750" indent="-285750">
+              <a:buFont typeface="Arial" panose="020B0604020202020204" pitchFamily="34" charset="0"/>
+              <a:buChar char="•"/>
+            </a:pPr>
+            <a:endParaRPr lang="pt-BR" dirty="0"/>
+          </a:p>
+          <a:p>
+            <a:pPr marL="285750" indent="-285750">
+              <a:buFont typeface="Arial" panose="020B0604020202020204" pitchFamily="34" charset="0"/>
+              <a:buChar char="•"/>
+            </a:pPr>
+            <a:r>
+              <a:rPr lang="pt-BR" b="1" dirty="0"/>
+              <a:t>Conquistar</a:t>
+            </a:r>
+            <a:r>
+              <a:rPr lang="pt-BR" dirty="0"/>
+              <a:t>: Em seguida, os </a:t>
+            </a:r>
+            <a:r>
+              <a:rPr lang="pt-BR" dirty="0" err="1"/>
+              <a:t>subarrays</a:t>
+            </a:r>
+            <a:r>
+              <a:rPr lang="pt-BR" dirty="0"/>
+              <a:t> são mesclados em pares, de forma ordenada. Durante a mesclagem, os elementos são comparados e colocados em ordem crescente (ou decrescente).</a:t>
+            </a:r>
+          </a:p>
+          <a:p>
+            <a:pPr marL="285750" indent="-285750">
+              <a:buFont typeface="Arial" panose="020B0604020202020204" pitchFamily="34" charset="0"/>
+              <a:buChar char="•"/>
+            </a:pPr>
+            <a:endParaRPr lang="pt-BR" dirty="0"/>
+          </a:p>
+          <a:p>
+            <a:pPr marL="285750" indent="-285750">
+              <a:buFont typeface="Arial" panose="020B0604020202020204" pitchFamily="34" charset="0"/>
+              <a:buChar char="•"/>
+            </a:pPr>
+            <a:r>
+              <a:rPr lang="pt-BR" b="1" dirty="0"/>
+              <a:t>Combinar</a:t>
+            </a:r>
+            <a:r>
+              <a:rPr lang="pt-BR" dirty="0"/>
+              <a:t>: Essa etapa envolve a combinação dos </a:t>
+            </a:r>
+            <a:r>
+              <a:rPr lang="pt-BR" dirty="0" err="1"/>
+              <a:t>subarrays</a:t>
+            </a:r>
+            <a:r>
+              <a:rPr lang="pt-BR" dirty="0"/>
+              <a:t> mesclados para formar um único </a:t>
+            </a:r>
+            <a:r>
+              <a:rPr lang="pt-BR" dirty="0" err="1"/>
+              <a:t>array</a:t>
+            </a:r>
+            <a:r>
+              <a:rPr lang="pt-BR" dirty="0"/>
+              <a:t> ordenado. Isso é feito até que todos os </a:t>
+            </a:r>
+            <a:r>
+              <a:rPr lang="pt-BR" dirty="0" err="1"/>
+              <a:t>subarrays</a:t>
+            </a:r>
+            <a:r>
+              <a:rPr lang="pt-BR" dirty="0"/>
+              <a:t> sejam mesclados em um único </a:t>
+            </a:r>
+            <a:r>
+              <a:rPr lang="pt-BR" dirty="0" err="1"/>
+              <a:t>array</a:t>
+            </a:r>
+            <a:r>
+              <a:rPr lang="pt-BR" dirty="0"/>
+              <a:t> ordenado, resultando na lista final ordenada.</a:t>
             </a:r>
           </a:p>
         </p:txBody>
@@ -4109,65 +4215,7 @@
               <a:rPr lang="pt-BR" sz="4000" dirty="0">
                 <a:latin typeface="Impact" panose="020B0806030902050204" pitchFamily="34" charset="0"/>
               </a:rPr>
-              <a:t>SELETOR DE DESCENDENTE</a:t>
-            </a:r>
-          </a:p>
-        </p:txBody>
-      </p:sp>
-      <p:pic>
-        <p:nvPicPr>
-          <p:cNvPr id="7" name="Imagem 6">
-            <a:extLst>
-              <a:ext uri="{FF2B5EF4-FFF2-40B4-BE49-F238E27FC236}">
-                <a16:creationId xmlns:a16="http://schemas.microsoft.com/office/drawing/2014/main" id="{A95D5724-24DA-ADC3-C379-B601C7A51FD0}"/>
-              </a:ext>
-            </a:extLst>
-          </p:cNvPr>
-          <p:cNvPicPr>
-            <a:picLocks noChangeAspect="1"/>
-          </p:cNvPicPr>
-          <p:nvPr/>
-        </p:nvPicPr>
-        <p:blipFill>
-          <a:blip r:embed="rId2"/>
-          <a:stretch>
-            <a:fillRect/>
-          </a:stretch>
-        </p:blipFill>
-        <p:spPr>
-          <a:xfrm>
-            <a:off x="-21510" y="5329404"/>
-            <a:ext cx="9601200" cy="4384548"/>
-          </a:xfrm>
-          <a:prstGeom prst="rect">
-            <a:avLst/>
-          </a:prstGeom>
-        </p:spPr>
-      </p:pic>
-      <p:sp>
-        <p:nvSpPr>
-          <p:cNvPr id="11" name="Espaço Reservado para Rodapé 10">
-            <a:extLst>
-              <a:ext uri="{FF2B5EF4-FFF2-40B4-BE49-F238E27FC236}">
-                <a16:creationId xmlns:a16="http://schemas.microsoft.com/office/drawing/2014/main" id="{16565A60-9FB1-1F97-0762-8DE359BBB925}"/>
-              </a:ext>
-            </a:extLst>
-          </p:cNvPr>
-          <p:cNvSpPr>
-            <a:spLocks noGrp="1"/>
-          </p:cNvSpPr>
-          <p:nvPr>
-            <p:ph type="ftr" sz="quarter" idx="11"/>
-          </p:nvPr>
-        </p:nvSpPr>
-        <p:spPr/>
-        <p:txBody>
-          <a:bodyPr/>
-          <a:lstStyle/>
-          <a:p>
-            <a:r>
-              <a:rPr lang="pt-BR"/>
-              <a:t>SELETORES CSS PARA JEDIS - FELIPE AGUIAR</a:t>
+              <a:t>Como funciona?</a:t>
             </a:r>
           </a:p>
         </p:txBody>
@@ -4201,113 +4249,6 @@
           </a:p>
         </p:txBody>
       </p:sp>
-      <p:pic>
-        <p:nvPicPr>
-          <p:cNvPr id="13" name="Picture 8" descr="Would you like to see new lightsaber variants in the future? | Fandom">
-            <a:extLst>
-              <a:ext uri="{FF2B5EF4-FFF2-40B4-BE49-F238E27FC236}">
-                <a16:creationId xmlns:a16="http://schemas.microsoft.com/office/drawing/2014/main" id="{562CDC66-64EC-BBA5-302D-9A56F562002E}"/>
-              </a:ext>
-            </a:extLst>
-          </p:cNvPr>
-          <p:cNvPicPr>
-            <a:picLocks noChangeAspect="1" noChangeArrowheads="1"/>
-          </p:cNvPicPr>
-          <p:nvPr/>
-        </p:nvPicPr>
-        <p:blipFill>
-          <a:blip r:embed="rId3">
-            <a:extLst>
-              <a:ext uri="{BEBA8EAE-BF5A-486C-A8C5-ECC9F3942E4B}">
-                <a14:imgProps xmlns:a14="http://schemas.microsoft.com/office/drawing/2010/main">
-                  <a14:imgLayer r:embed="rId4">
-                    <a14:imgEffect>
-                      <a14:brightnessContrast bright="40000" contrast="20000"/>
-                    </a14:imgEffect>
-                  </a14:imgLayer>
-                </a14:imgProps>
-              </a:ext>
-              <a:ext uri="{28A0092B-C50C-407E-A947-70E740481C1C}">
-                <a14:useLocalDpi xmlns:a14="http://schemas.microsoft.com/office/drawing/2010/main" val="0"/>
-              </a:ext>
-            </a:extLst>
-          </a:blip>
-          <a:srcRect/>
-          <a:stretch>
-            <a:fillRect/>
-          </a:stretch>
-        </p:blipFill>
-        <p:spPr bwMode="auto">
-          <a:xfrm rot="1987839">
-            <a:off x="3038474" y="971271"/>
-            <a:ext cx="3524250" cy="2447925"/>
-          </a:xfrm>
-          <a:prstGeom prst="rect">
-            <a:avLst/>
-          </a:prstGeom>
-          <a:noFill/>
-          <a:extLst>
-            <a:ext uri="{909E8E84-426E-40DD-AFC4-6F175D3DCCD1}">
-              <a14:hiddenFill xmlns:a14="http://schemas.microsoft.com/office/drawing/2010/main">
-                <a:solidFill>
-                  <a:srgbClr val="FFFFFF"/>
-                </a:solidFill>
-              </a14:hiddenFill>
-            </a:ext>
-          </a:extLst>
-        </p:spPr>
-      </p:pic>
-      <p:pic>
-        <p:nvPicPr>
-          <p:cNvPr id="14" name="logo_css" descr="Ícone&#10;&#10;Descrição gerada automaticamente">
-            <a:extLst>
-              <a:ext uri="{FF2B5EF4-FFF2-40B4-BE49-F238E27FC236}">
-                <a16:creationId xmlns:a16="http://schemas.microsoft.com/office/drawing/2014/main" id="{48CEEBD9-BF75-49F8-2AA7-2B759F4CF8ED}"/>
-              </a:ext>
-            </a:extLst>
-          </p:cNvPr>
-          <p:cNvPicPr>
-            <a:picLocks noChangeAspect="1"/>
-          </p:cNvPicPr>
-          <p:nvPr/>
-        </p:nvPicPr>
-        <p:blipFill rotWithShape="1">
-          <a:blip r:embed="rId5">
-            <a:duotone>
-              <a:schemeClr val="bg2">
-                <a:shade val="45000"/>
-                <a:satMod val="135000"/>
-              </a:schemeClr>
-              <a:prstClr val="white"/>
-            </a:duotone>
-            <a:extLst>
-              <a:ext uri="{BEBA8EAE-BF5A-486C-A8C5-ECC9F3942E4B}">
-                <a14:imgProps xmlns:a14="http://schemas.microsoft.com/office/drawing/2010/main">
-                  <a14:imgLayer r:embed="rId6">
-                    <a14:imgEffect>
-                      <a14:brightnessContrast bright="40000" contrast="40000"/>
-                    </a14:imgEffect>
-                  </a14:imgLayer>
-                </a14:imgProps>
-              </a:ext>
-              <a:ext uri="{28A0092B-C50C-407E-A947-70E740481C1C}">
-                <a14:useLocalDpi xmlns:a14="http://schemas.microsoft.com/office/drawing/2010/main" val="0"/>
-              </a:ext>
-            </a:extLst>
-          </a:blip>
-          <a:srcRect t="-3689"/>
-          <a:stretch/>
-        </p:blipFill>
-        <p:spPr>
-          <a:xfrm>
-            <a:off x="3535992" y="9979522"/>
-            <a:ext cx="2529215" cy="1484352"/>
-          </a:xfrm>
-          <a:prstGeom prst="rect">
-            <a:avLst/>
-          </a:prstGeom>
-        </p:spPr>
-      </p:pic>
       <p:sp>
         <p:nvSpPr>
           <p:cNvPr id="4" name="Retângulo 3">
@@ -4378,6 +4319,2885 @@
           </a:p>
         </p:txBody>
       </p:sp>
+      <p:graphicFrame>
+        <p:nvGraphicFramePr>
+          <p:cNvPr id="8" name="Tabela 7">
+            <a:extLst>
+              <a:ext uri="{FF2B5EF4-FFF2-40B4-BE49-F238E27FC236}">
+                <a16:creationId xmlns:a16="http://schemas.microsoft.com/office/drawing/2014/main" id="{16B33859-A16F-716D-96E4-5B987C864D43}"/>
+              </a:ext>
+            </a:extLst>
+          </p:cNvPr>
+          <p:cNvGraphicFramePr>
+            <a:graphicFrameLocks noGrp="1"/>
+          </p:cNvGraphicFramePr>
+          <p:nvPr>
+            <p:extLst>
+              <p:ext uri="{D42A27DB-BD31-4B8C-83A1-F6EECF244321}">
+                <p14:modId xmlns:p14="http://schemas.microsoft.com/office/powerpoint/2010/main" val="3691872659"/>
+              </p:ext>
+            </p:extLst>
+          </p:nvPr>
+        </p:nvGraphicFramePr>
+        <p:xfrm>
+          <a:off x="3483918" y="6693077"/>
+          <a:ext cx="3447850" cy="457200"/>
+        </p:xfrm>
+        <a:graphic>
+          <a:graphicData uri="http://schemas.openxmlformats.org/drawingml/2006/table">
+            <a:tbl>
+              <a:tblPr firstRow="1" bandRow="1">
+                <a:tableStyleId>{5C22544A-7EE6-4342-B048-85BDC9FD1C3A}</a:tableStyleId>
+              </a:tblPr>
+              <a:tblGrid>
+                <a:gridCol w="380340">
+                  <a:extLst>
+                    <a:ext uri="{9D8B030D-6E8A-4147-A177-3AD203B41FA5}">
+                      <a16:colId xmlns:a16="http://schemas.microsoft.com/office/drawing/2014/main" val="548747222"/>
+                    </a:ext>
+                  </a:extLst>
+                </a:gridCol>
+                <a:gridCol w="380340">
+                  <a:extLst>
+                    <a:ext uri="{9D8B030D-6E8A-4147-A177-3AD203B41FA5}">
+                      <a16:colId xmlns:a16="http://schemas.microsoft.com/office/drawing/2014/main" val="1913042492"/>
+                    </a:ext>
+                  </a:extLst>
+                </a:gridCol>
+                <a:gridCol w="380340">
+                  <a:extLst>
+                    <a:ext uri="{9D8B030D-6E8A-4147-A177-3AD203B41FA5}">
+                      <a16:colId xmlns:a16="http://schemas.microsoft.com/office/drawing/2014/main" val="2369147691"/>
+                    </a:ext>
+                  </a:extLst>
+                </a:gridCol>
+                <a:gridCol w="380340">
+                  <a:extLst>
+                    <a:ext uri="{9D8B030D-6E8A-4147-A177-3AD203B41FA5}">
+                      <a16:colId xmlns:a16="http://schemas.microsoft.com/office/drawing/2014/main" val="3137296532"/>
+                    </a:ext>
+                  </a:extLst>
+                </a:gridCol>
+                <a:gridCol w="380340">
+                  <a:extLst>
+                    <a:ext uri="{9D8B030D-6E8A-4147-A177-3AD203B41FA5}">
+                      <a16:colId xmlns:a16="http://schemas.microsoft.com/office/drawing/2014/main" val="2386916304"/>
+                    </a:ext>
+                  </a:extLst>
+                </a:gridCol>
+                <a:gridCol w="380340">
+                  <a:extLst>
+                    <a:ext uri="{9D8B030D-6E8A-4147-A177-3AD203B41FA5}">
+                      <a16:colId xmlns:a16="http://schemas.microsoft.com/office/drawing/2014/main" val="1273461207"/>
+                    </a:ext>
+                  </a:extLst>
+                </a:gridCol>
+                <a:gridCol w="380340">
+                  <a:extLst>
+                    <a:ext uri="{9D8B030D-6E8A-4147-A177-3AD203B41FA5}">
+                      <a16:colId xmlns:a16="http://schemas.microsoft.com/office/drawing/2014/main" val="2581359381"/>
+                    </a:ext>
+                  </a:extLst>
+                </a:gridCol>
+                <a:gridCol w="380340">
+                  <a:extLst>
+                    <a:ext uri="{9D8B030D-6E8A-4147-A177-3AD203B41FA5}">
+                      <a16:colId xmlns:a16="http://schemas.microsoft.com/office/drawing/2014/main" val="3114199227"/>
+                    </a:ext>
+                  </a:extLst>
+                </a:gridCol>
+                <a:gridCol w="405130">
+                  <a:extLst>
+                    <a:ext uri="{9D8B030D-6E8A-4147-A177-3AD203B41FA5}">
+                      <a16:colId xmlns:a16="http://schemas.microsoft.com/office/drawing/2014/main" val="1888222357"/>
+                    </a:ext>
+                  </a:extLst>
+                </a:gridCol>
+              </a:tblGrid>
+              <a:tr h="370840">
+                <a:tc>
+                  <a:txBody>
+                    <a:bodyPr/>
+                    <a:lstStyle/>
+                    <a:p>
+                      <a:pPr algn="ctr"/>
+                      <a:r>
+                        <a:rPr lang="pt-BR" sz="2400" dirty="0">
+                          <a:highlight>
+                            <a:srgbClr val="273C42"/>
+                          </a:highlight>
+                        </a:rPr>
+                        <a:t>2</a:t>
+                      </a:r>
+                    </a:p>
+                  </a:txBody>
+                  <a:tcPr>
+                    <a:solidFill>
+                      <a:srgbClr val="273C42"/>
+                    </a:solidFill>
+                  </a:tcPr>
+                </a:tc>
+                <a:tc>
+                  <a:txBody>
+                    <a:bodyPr/>
+                    <a:lstStyle/>
+                    <a:p>
+                      <a:pPr algn="ctr"/>
+                      <a:r>
+                        <a:rPr lang="pt-BR" sz="2400" dirty="0">
+                          <a:highlight>
+                            <a:srgbClr val="273C42"/>
+                          </a:highlight>
+                        </a:rPr>
+                        <a:t>6</a:t>
+                      </a:r>
+                    </a:p>
+                  </a:txBody>
+                  <a:tcPr>
+                    <a:solidFill>
+                      <a:srgbClr val="273C42"/>
+                    </a:solidFill>
+                  </a:tcPr>
+                </a:tc>
+                <a:tc>
+                  <a:txBody>
+                    <a:bodyPr/>
+                    <a:lstStyle/>
+                    <a:p>
+                      <a:pPr algn="ctr"/>
+                      <a:r>
+                        <a:rPr lang="pt-BR" sz="2400" dirty="0">
+                          <a:highlight>
+                            <a:srgbClr val="273C42"/>
+                          </a:highlight>
+                        </a:rPr>
+                        <a:t>8</a:t>
+                      </a:r>
+                    </a:p>
+                  </a:txBody>
+                  <a:tcPr>
+                    <a:solidFill>
+                      <a:srgbClr val="273C42"/>
+                    </a:solidFill>
+                  </a:tcPr>
+                </a:tc>
+                <a:tc>
+                  <a:txBody>
+                    <a:bodyPr/>
+                    <a:lstStyle/>
+                    <a:p>
+                      <a:pPr algn="ctr"/>
+                      <a:r>
+                        <a:rPr lang="pt-BR" sz="2400" dirty="0">
+                          <a:highlight>
+                            <a:srgbClr val="273C42"/>
+                          </a:highlight>
+                        </a:rPr>
+                        <a:t>2</a:t>
+                      </a:r>
+                    </a:p>
+                  </a:txBody>
+                  <a:tcPr>
+                    <a:solidFill>
+                      <a:srgbClr val="273C42"/>
+                    </a:solidFill>
+                  </a:tcPr>
+                </a:tc>
+                <a:tc>
+                  <a:txBody>
+                    <a:bodyPr/>
+                    <a:lstStyle/>
+                    <a:p>
+                      <a:pPr marL="0" algn="ctr" defTabSz="960120" rtl="0" eaLnBrk="1" latinLnBrk="0" hangingPunct="1"/>
+                      <a:r>
+                        <a:rPr lang="pt-BR" sz="2400" b="1" kern="1200" dirty="0">
+                          <a:solidFill>
+                            <a:schemeClr val="lt1"/>
+                          </a:solidFill>
+                          <a:highlight>
+                            <a:srgbClr val="273C42"/>
+                          </a:highlight>
+                          <a:latin typeface="+mn-lt"/>
+                          <a:ea typeface="+mn-ea"/>
+                          <a:cs typeface="+mn-cs"/>
+                        </a:rPr>
+                        <a:t>3</a:t>
+                      </a:r>
+                    </a:p>
+                  </a:txBody>
+                  <a:tcPr>
+                    <a:solidFill>
+                      <a:srgbClr val="273C42"/>
+                    </a:solidFill>
+                  </a:tcPr>
+                </a:tc>
+                <a:tc>
+                  <a:txBody>
+                    <a:bodyPr/>
+                    <a:lstStyle/>
+                    <a:p>
+                      <a:pPr marL="0" algn="ctr" defTabSz="960120" rtl="0" eaLnBrk="1" latinLnBrk="0" hangingPunct="1"/>
+                      <a:r>
+                        <a:rPr lang="pt-BR" sz="2400" b="1" kern="1200" dirty="0">
+                          <a:solidFill>
+                            <a:schemeClr val="lt1"/>
+                          </a:solidFill>
+                          <a:highlight>
+                            <a:srgbClr val="273C42"/>
+                          </a:highlight>
+                          <a:latin typeface="+mn-lt"/>
+                          <a:ea typeface="+mn-ea"/>
+                          <a:cs typeface="+mn-cs"/>
+                        </a:rPr>
+                        <a:t>9</a:t>
+                      </a:r>
+                    </a:p>
+                  </a:txBody>
+                  <a:tcPr>
+                    <a:solidFill>
+                      <a:srgbClr val="273C42"/>
+                    </a:solidFill>
+                  </a:tcPr>
+                </a:tc>
+                <a:tc>
+                  <a:txBody>
+                    <a:bodyPr/>
+                    <a:lstStyle/>
+                    <a:p>
+                      <a:pPr marL="0" algn="ctr" defTabSz="960120" rtl="0" eaLnBrk="1" latinLnBrk="0" hangingPunct="1"/>
+                      <a:r>
+                        <a:rPr lang="pt-BR" sz="2400" b="1" kern="1200" dirty="0">
+                          <a:solidFill>
+                            <a:schemeClr val="lt1"/>
+                          </a:solidFill>
+                          <a:highlight>
+                            <a:srgbClr val="273C42"/>
+                          </a:highlight>
+                          <a:latin typeface="+mn-lt"/>
+                          <a:ea typeface="+mn-ea"/>
+                          <a:cs typeface="+mn-cs"/>
+                        </a:rPr>
+                        <a:t>1</a:t>
+                      </a:r>
+                    </a:p>
+                  </a:txBody>
+                  <a:tcPr>
+                    <a:solidFill>
+                      <a:srgbClr val="273C42"/>
+                    </a:solidFill>
+                  </a:tcPr>
+                </a:tc>
+                <a:tc>
+                  <a:txBody>
+                    <a:bodyPr/>
+                    <a:lstStyle/>
+                    <a:p>
+                      <a:pPr marL="0" algn="ctr" defTabSz="960120" rtl="0" eaLnBrk="1" latinLnBrk="0" hangingPunct="1"/>
+                      <a:r>
+                        <a:rPr lang="pt-BR" sz="2400" b="1" kern="1200" dirty="0">
+                          <a:solidFill>
+                            <a:schemeClr val="lt1"/>
+                          </a:solidFill>
+                          <a:highlight>
+                            <a:srgbClr val="273C42"/>
+                          </a:highlight>
+                          <a:latin typeface="+mn-lt"/>
+                          <a:ea typeface="+mn-ea"/>
+                          <a:cs typeface="+mn-cs"/>
+                        </a:rPr>
+                        <a:t>4</a:t>
+                      </a:r>
+                    </a:p>
+                  </a:txBody>
+                  <a:tcPr>
+                    <a:solidFill>
+                      <a:srgbClr val="273C42"/>
+                    </a:solidFill>
+                  </a:tcPr>
+                </a:tc>
+                <a:tc>
+                  <a:txBody>
+                    <a:bodyPr/>
+                    <a:lstStyle/>
+                    <a:p>
+                      <a:pPr marL="0" algn="ctr" defTabSz="960120" rtl="0" eaLnBrk="1" latinLnBrk="0" hangingPunct="1"/>
+                      <a:r>
+                        <a:rPr lang="pt-BR" sz="2400" b="1" kern="1200" dirty="0">
+                          <a:solidFill>
+                            <a:schemeClr val="lt1"/>
+                          </a:solidFill>
+                          <a:highlight>
+                            <a:srgbClr val="273C42"/>
+                          </a:highlight>
+                          <a:latin typeface="+mn-lt"/>
+                          <a:ea typeface="+mn-ea"/>
+                          <a:cs typeface="+mn-cs"/>
+                        </a:rPr>
+                        <a:t>9</a:t>
+                      </a:r>
+                    </a:p>
+                  </a:txBody>
+                  <a:tcPr>
+                    <a:solidFill>
+                      <a:srgbClr val="273C42"/>
+                    </a:solidFill>
+                  </a:tcPr>
+                </a:tc>
+                <a:extLst>
+                  <a:ext uri="{0D108BD9-81ED-4DB2-BD59-A6C34878D82A}">
+                    <a16:rowId xmlns:a16="http://schemas.microsoft.com/office/drawing/2014/main" val="2634130274"/>
+                  </a:ext>
+                </a:extLst>
+              </a:tr>
+            </a:tbl>
+          </a:graphicData>
+        </a:graphic>
+      </p:graphicFrame>
+      <p:graphicFrame>
+        <p:nvGraphicFramePr>
+          <p:cNvPr id="9" name="Tabela 8">
+            <a:extLst>
+              <a:ext uri="{FF2B5EF4-FFF2-40B4-BE49-F238E27FC236}">
+                <a16:creationId xmlns:a16="http://schemas.microsoft.com/office/drawing/2014/main" id="{7DAF6ED2-8013-BC6E-2EBB-8D868652E08E}"/>
+              </a:ext>
+            </a:extLst>
+          </p:cNvPr>
+          <p:cNvGraphicFramePr>
+            <a:graphicFrameLocks noGrp="1"/>
+          </p:cNvGraphicFramePr>
+          <p:nvPr>
+            <p:extLst>
+              <p:ext uri="{D42A27DB-BD31-4B8C-83A1-F6EECF244321}">
+                <p14:modId xmlns:p14="http://schemas.microsoft.com/office/powerpoint/2010/main" val="2278408285"/>
+              </p:ext>
+            </p:extLst>
+          </p:nvPr>
+        </p:nvGraphicFramePr>
+        <p:xfrm>
+          <a:off x="2934316" y="7641099"/>
+          <a:ext cx="1901700" cy="457200"/>
+        </p:xfrm>
+        <a:graphic>
+          <a:graphicData uri="http://schemas.openxmlformats.org/drawingml/2006/table">
+            <a:tbl>
+              <a:tblPr firstRow="1" bandRow="1">
+                <a:tableStyleId>{5C22544A-7EE6-4342-B048-85BDC9FD1C3A}</a:tableStyleId>
+              </a:tblPr>
+              <a:tblGrid>
+                <a:gridCol w="380340">
+                  <a:extLst>
+                    <a:ext uri="{9D8B030D-6E8A-4147-A177-3AD203B41FA5}">
+                      <a16:colId xmlns:a16="http://schemas.microsoft.com/office/drawing/2014/main" val="548747222"/>
+                    </a:ext>
+                  </a:extLst>
+                </a:gridCol>
+                <a:gridCol w="380340">
+                  <a:extLst>
+                    <a:ext uri="{9D8B030D-6E8A-4147-A177-3AD203B41FA5}">
+                      <a16:colId xmlns:a16="http://schemas.microsoft.com/office/drawing/2014/main" val="1913042492"/>
+                    </a:ext>
+                  </a:extLst>
+                </a:gridCol>
+                <a:gridCol w="380340">
+                  <a:extLst>
+                    <a:ext uri="{9D8B030D-6E8A-4147-A177-3AD203B41FA5}">
+                      <a16:colId xmlns:a16="http://schemas.microsoft.com/office/drawing/2014/main" val="2369147691"/>
+                    </a:ext>
+                  </a:extLst>
+                </a:gridCol>
+                <a:gridCol w="380340">
+                  <a:extLst>
+                    <a:ext uri="{9D8B030D-6E8A-4147-A177-3AD203B41FA5}">
+                      <a16:colId xmlns:a16="http://schemas.microsoft.com/office/drawing/2014/main" val="3137296532"/>
+                    </a:ext>
+                  </a:extLst>
+                </a:gridCol>
+                <a:gridCol w="380340">
+                  <a:extLst>
+                    <a:ext uri="{9D8B030D-6E8A-4147-A177-3AD203B41FA5}">
+                      <a16:colId xmlns:a16="http://schemas.microsoft.com/office/drawing/2014/main" val="2386916304"/>
+                    </a:ext>
+                  </a:extLst>
+                </a:gridCol>
+              </a:tblGrid>
+              <a:tr h="370840">
+                <a:tc>
+                  <a:txBody>
+                    <a:bodyPr/>
+                    <a:lstStyle/>
+                    <a:p>
+                      <a:pPr algn="ctr"/>
+                      <a:r>
+                        <a:rPr lang="pt-BR" sz="2400" dirty="0">
+                          <a:highlight>
+                            <a:srgbClr val="273C42"/>
+                          </a:highlight>
+                        </a:rPr>
+                        <a:t>2</a:t>
+                      </a:r>
+                    </a:p>
+                  </a:txBody>
+                  <a:tcPr>
+                    <a:solidFill>
+                      <a:srgbClr val="273C42"/>
+                    </a:solidFill>
+                  </a:tcPr>
+                </a:tc>
+                <a:tc>
+                  <a:txBody>
+                    <a:bodyPr/>
+                    <a:lstStyle/>
+                    <a:p>
+                      <a:pPr algn="ctr"/>
+                      <a:r>
+                        <a:rPr lang="pt-BR" sz="2400" dirty="0">
+                          <a:highlight>
+                            <a:srgbClr val="273C42"/>
+                          </a:highlight>
+                        </a:rPr>
+                        <a:t>6</a:t>
+                      </a:r>
+                    </a:p>
+                  </a:txBody>
+                  <a:tcPr>
+                    <a:solidFill>
+                      <a:srgbClr val="273C42"/>
+                    </a:solidFill>
+                  </a:tcPr>
+                </a:tc>
+                <a:tc>
+                  <a:txBody>
+                    <a:bodyPr/>
+                    <a:lstStyle/>
+                    <a:p>
+                      <a:pPr algn="ctr"/>
+                      <a:r>
+                        <a:rPr lang="pt-BR" sz="2400" dirty="0">
+                          <a:highlight>
+                            <a:srgbClr val="273C42"/>
+                          </a:highlight>
+                        </a:rPr>
+                        <a:t>8</a:t>
+                      </a:r>
+                    </a:p>
+                  </a:txBody>
+                  <a:tcPr>
+                    <a:solidFill>
+                      <a:srgbClr val="273C42"/>
+                    </a:solidFill>
+                  </a:tcPr>
+                </a:tc>
+                <a:tc>
+                  <a:txBody>
+                    <a:bodyPr/>
+                    <a:lstStyle/>
+                    <a:p>
+                      <a:pPr algn="ctr"/>
+                      <a:r>
+                        <a:rPr lang="pt-BR" sz="2400" dirty="0">
+                          <a:highlight>
+                            <a:srgbClr val="273C42"/>
+                          </a:highlight>
+                        </a:rPr>
+                        <a:t>2</a:t>
+                      </a:r>
+                    </a:p>
+                  </a:txBody>
+                  <a:tcPr>
+                    <a:solidFill>
+                      <a:srgbClr val="273C42"/>
+                    </a:solidFill>
+                  </a:tcPr>
+                </a:tc>
+                <a:tc>
+                  <a:txBody>
+                    <a:bodyPr/>
+                    <a:lstStyle/>
+                    <a:p>
+                      <a:pPr marL="0" algn="ctr" defTabSz="960120" rtl="0" eaLnBrk="1" latinLnBrk="0" hangingPunct="1"/>
+                      <a:r>
+                        <a:rPr lang="pt-BR" sz="2400" b="1" kern="1200" dirty="0">
+                          <a:solidFill>
+                            <a:schemeClr val="lt1"/>
+                          </a:solidFill>
+                          <a:highlight>
+                            <a:srgbClr val="273C42"/>
+                          </a:highlight>
+                          <a:latin typeface="+mn-lt"/>
+                          <a:ea typeface="+mn-ea"/>
+                          <a:cs typeface="+mn-cs"/>
+                        </a:rPr>
+                        <a:t>3</a:t>
+                      </a:r>
+                    </a:p>
+                  </a:txBody>
+                  <a:tcPr>
+                    <a:solidFill>
+                      <a:srgbClr val="273C42"/>
+                    </a:solidFill>
+                  </a:tcPr>
+                </a:tc>
+                <a:extLst>
+                  <a:ext uri="{0D108BD9-81ED-4DB2-BD59-A6C34878D82A}">
+                    <a16:rowId xmlns:a16="http://schemas.microsoft.com/office/drawing/2014/main" val="2634130274"/>
+                  </a:ext>
+                </a:extLst>
+              </a:tr>
+            </a:tbl>
+          </a:graphicData>
+        </a:graphic>
+      </p:graphicFrame>
+      <p:graphicFrame>
+        <p:nvGraphicFramePr>
+          <p:cNvPr id="10" name="Tabela 9">
+            <a:extLst>
+              <a:ext uri="{FF2B5EF4-FFF2-40B4-BE49-F238E27FC236}">
+                <a16:creationId xmlns:a16="http://schemas.microsoft.com/office/drawing/2014/main" id="{4B719ADC-B44A-89E3-CD7A-39158CC867E4}"/>
+              </a:ext>
+            </a:extLst>
+          </p:cNvPr>
+          <p:cNvGraphicFramePr>
+            <a:graphicFrameLocks noGrp="1"/>
+          </p:cNvGraphicFramePr>
+          <p:nvPr>
+            <p:extLst>
+              <p:ext uri="{D42A27DB-BD31-4B8C-83A1-F6EECF244321}">
+                <p14:modId xmlns:p14="http://schemas.microsoft.com/office/powerpoint/2010/main" val="1047074687"/>
+              </p:ext>
+            </p:extLst>
+          </p:nvPr>
+        </p:nvGraphicFramePr>
+        <p:xfrm>
+          <a:off x="6284039" y="7653818"/>
+          <a:ext cx="1546150" cy="457200"/>
+        </p:xfrm>
+        <a:graphic>
+          <a:graphicData uri="http://schemas.openxmlformats.org/drawingml/2006/table">
+            <a:tbl>
+              <a:tblPr firstRow="1" bandRow="1">
+                <a:tableStyleId>{5C22544A-7EE6-4342-B048-85BDC9FD1C3A}</a:tableStyleId>
+              </a:tblPr>
+              <a:tblGrid>
+                <a:gridCol w="380340">
+                  <a:extLst>
+                    <a:ext uri="{9D8B030D-6E8A-4147-A177-3AD203B41FA5}">
+                      <a16:colId xmlns:a16="http://schemas.microsoft.com/office/drawing/2014/main" val="1273461207"/>
+                    </a:ext>
+                  </a:extLst>
+                </a:gridCol>
+                <a:gridCol w="380340">
+                  <a:extLst>
+                    <a:ext uri="{9D8B030D-6E8A-4147-A177-3AD203B41FA5}">
+                      <a16:colId xmlns:a16="http://schemas.microsoft.com/office/drawing/2014/main" val="2581359381"/>
+                    </a:ext>
+                  </a:extLst>
+                </a:gridCol>
+                <a:gridCol w="380340">
+                  <a:extLst>
+                    <a:ext uri="{9D8B030D-6E8A-4147-A177-3AD203B41FA5}">
+                      <a16:colId xmlns:a16="http://schemas.microsoft.com/office/drawing/2014/main" val="3114199227"/>
+                    </a:ext>
+                  </a:extLst>
+                </a:gridCol>
+                <a:gridCol w="405130">
+                  <a:extLst>
+                    <a:ext uri="{9D8B030D-6E8A-4147-A177-3AD203B41FA5}">
+                      <a16:colId xmlns:a16="http://schemas.microsoft.com/office/drawing/2014/main" val="1888222357"/>
+                    </a:ext>
+                  </a:extLst>
+                </a:gridCol>
+              </a:tblGrid>
+              <a:tr h="370840">
+                <a:tc>
+                  <a:txBody>
+                    <a:bodyPr/>
+                    <a:lstStyle/>
+                    <a:p>
+                      <a:pPr marL="0" algn="ctr" defTabSz="960120" rtl="0" eaLnBrk="1" latinLnBrk="0" hangingPunct="1"/>
+                      <a:r>
+                        <a:rPr lang="pt-BR" sz="2400" b="1" kern="1200" dirty="0">
+                          <a:solidFill>
+                            <a:schemeClr val="lt1"/>
+                          </a:solidFill>
+                          <a:highlight>
+                            <a:srgbClr val="273C42"/>
+                          </a:highlight>
+                          <a:latin typeface="+mn-lt"/>
+                          <a:ea typeface="+mn-ea"/>
+                          <a:cs typeface="+mn-cs"/>
+                        </a:rPr>
+                        <a:t>9</a:t>
+                      </a:r>
+                    </a:p>
+                  </a:txBody>
+                  <a:tcPr>
+                    <a:solidFill>
+                      <a:srgbClr val="273C42"/>
+                    </a:solidFill>
+                  </a:tcPr>
+                </a:tc>
+                <a:tc>
+                  <a:txBody>
+                    <a:bodyPr/>
+                    <a:lstStyle/>
+                    <a:p>
+                      <a:pPr marL="0" algn="ctr" defTabSz="960120" rtl="0" eaLnBrk="1" latinLnBrk="0" hangingPunct="1"/>
+                      <a:r>
+                        <a:rPr lang="pt-BR" sz="2400" b="1" kern="1200" dirty="0">
+                          <a:solidFill>
+                            <a:schemeClr val="lt1"/>
+                          </a:solidFill>
+                          <a:highlight>
+                            <a:srgbClr val="273C42"/>
+                          </a:highlight>
+                          <a:latin typeface="+mn-lt"/>
+                          <a:ea typeface="+mn-ea"/>
+                          <a:cs typeface="+mn-cs"/>
+                        </a:rPr>
+                        <a:t>1</a:t>
+                      </a:r>
+                    </a:p>
+                  </a:txBody>
+                  <a:tcPr>
+                    <a:solidFill>
+                      <a:srgbClr val="273C42"/>
+                    </a:solidFill>
+                  </a:tcPr>
+                </a:tc>
+                <a:tc>
+                  <a:txBody>
+                    <a:bodyPr/>
+                    <a:lstStyle/>
+                    <a:p>
+                      <a:pPr marL="0" algn="ctr" defTabSz="960120" rtl="0" eaLnBrk="1" latinLnBrk="0" hangingPunct="1"/>
+                      <a:r>
+                        <a:rPr lang="pt-BR" sz="2400" b="1" kern="1200" dirty="0">
+                          <a:solidFill>
+                            <a:schemeClr val="lt1"/>
+                          </a:solidFill>
+                          <a:highlight>
+                            <a:srgbClr val="273C42"/>
+                          </a:highlight>
+                          <a:latin typeface="+mn-lt"/>
+                          <a:ea typeface="+mn-ea"/>
+                          <a:cs typeface="+mn-cs"/>
+                        </a:rPr>
+                        <a:t>4</a:t>
+                      </a:r>
+                    </a:p>
+                  </a:txBody>
+                  <a:tcPr>
+                    <a:solidFill>
+                      <a:srgbClr val="273C42"/>
+                    </a:solidFill>
+                  </a:tcPr>
+                </a:tc>
+                <a:tc>
+                  <a:txBody>
+                    <a:bodyPr/>
+                    <a:lstStyle/>
+                    <a:p>
+                      <a:pPr marL="0" algn="ctr" defTabSz="960120" rtl="0" eaLnBrk="1" latinLnBrk="0" hangingPunct="1"/>
+                      <a:r>
+                        <a:rPr lang="pt-BR" sz="2400" b="1" kern="1200" dirty="0">
+                          <a:solidFill>
+                            <a:schemeClr val="lt1"/>
+                          </a:solidFill>
+                          <a:highlight>
+                            <a:srgbClr val="273C42"/>
+                          </a:highlight>
+                          <a:latin typeface="+mn-lt"/>
+                          <a:ea typeface="+mn-ea"/>
+                          <a:cs typeface="+mn-cs"/>
+                        </a:rPr>
+                        <a:t>9</a:t>
+                      </a:r>
+                    </a:p>
+                  </a:txBody>
+                  <a:tcPr>
+                    <a:solidFill>
+                      <a:srgbClr val="273C42"/>
+                    </a:solidFill>
+                  </a:tcPr>
+                </a:tc>
+                <a:extLst>
+                  <a:ext uri="{0D108BD9-81ED-4DB2-BD59-A6C34878D82A}">
+                    <a16:rowId xmlns:a16="http://schemas.microsoft.com/office/drawing/2014/main" val="2634130274"/>
+                  </a:ext>
+                </a:extLst>
+              </a:tr>
+            </a:tbl>
+          </a:graphicData>
+        </a:graphic>
+      </p:graphicFrame>
+      <p:graphicFrame>
+        <p:nvGraphicFramePr>
+          <p:cNvPr id="15" name="Tabela 14">
+            <a:extLst>
+              <a:ext uri="{FF2B5EF4-FFF2-40B4-BE49-F238E27FC236}">
+                <a16:creationId xmlns:a16="http://schemas.microsoft.com/office/drawing/2014/main" id="{FE98154F-624E-58DD-ACD8-DE8B59AF9DA9}"/>
+              </a:ext>
+            </a:extLst>
+          </p:cNvPr>
+          <p:cNvGraphicFramePr>
+            <a:graphicFrameLocks noGrp="1"/>
+          </p:cNvGraphicFramePr>
+          <p:nvPr>
+            <p:extLst>
+              <p:ext uri="{D42A27DB-BD31-4B8C-83A1-F6EECF244321}">
+                <p14:modId xmlns:p14="http://schemas.microsoft.com/office/powerpoint/2010/main" val="3247125747"/>
+              </p:ext>
+            </p:extLst>
+          </p:nvPr>
+        </p:nvGraphicFramePr>
+        <p:xfrm>
+          <a:off x="2675673" y="8614559"/>
+          <a:ext cx="1141020" cy="457200"/>
+        </p:xfrm>
+        <a:graphic>
+          <a:graphicData uri="http://schemas.openxmlformats.org/drawingml/2006/table">
+            <a:tbl>
+              <a:tblPr firstRow="1" bandRow="1">
+                <a:tableStyleId>{5C22544A-7EE6-4342-B048-85BDC9FD1C3A}</a:tableStyleId>
+              </a:tblPr>
+              <a:tblGrid>
+                <a:gridCol w="380340">
+                  <a:extLst>
+                    <a:ext uri="{9D8B030D-6E8A-4147-A177-3AD203B41FA5}">
+                      <a16:colId xmlns:a16="http://schemas.microsoft.com/office/drawing/2014/main" val="548747222"/>
+                    </a:ext>
+                  </a:extLst>
+                </a:gridCol>
+                <a:gridCol w="380340">
+                  <a:extLst>
+                    <a:ext uri="{9D8B030D-6E8A-4147-A177-3AD203B41FA5}">
+                      <a16:colId xmlns:a16="http://schemas.microsoft.com/office/drawing/2014/main" val="1913042492"/>
+                    </a:ext>
+                  </a:extLst>
+                </a:gridCol>
+                <a:gridCol w="380340">
+                  <a:extLst>
+                    <a:ext uri="{9D8B030D-6E8A-4147-A177-3AD203B41FA5}">
+                      <a16:colId xmlns:a16="http://schemas.microsoft.com/office/drawing/2014/main" val="2369147691"/>
+                    </a:ext>
+                  </a:extLst>
+                </a:gridCol>
+              </a:tblGrid>
+              <a:tr h="370840">
+                <a:tc>
+                  <a:txBody>
+                    <a:bodyPr/>
+                    <a:lstStyle/>
+                    <a:p>
+                      <a:pPr algn="ctr"/>
+                      <a:r>
+                        <a:rPr lang="pt-BR" sz="2400" dirty="0">
+                          <a:highlight>
+                            <a:srgbClr val="273C42"/>
+                          </a:highlight>
+                        </a:rPr>
+                        <a:t>2</a:t>
+                      </a:r>
+                    </a:p>
+                  </a:txBody>
+                  <a:tcPr>
+                    <a:solidFill>
+                      <a:srgbClr val="273C42"/>
+                    </a:solidFill>
+                  </a:tcPr>
+                </a:tc>
+                <a:tc>
+                  <a:txBody>
+                    <a:bodyPr/>
+                    <a:lstStyle/>
+                    <a:p>
+                      <a:pPr algn="ctr"/>
+                      <a:r>
+                        <a:rPr lang="pt-BR" sz="2400" dirty="0">
+                          <a:highlight>
+                            <a:srgbClr val="273C42"/>
+                          </a:highlight>
+                        </a:rPr>
+                        <a:t>6</a:t>
+                      </a:r>
+                    </a:p>
+                  </a:txBody>
+                  <a:tcPr>
+                    <a:solidFill>
+                      <a:srgbClr val="273C42"/>
+                    </a:solidFill>
+                  </a:tcPr>
+                </a:tc>
+                <a:tc>
+                  <a:txBody>
+                    <a:bodyPr/>
+                    <a:lstStyle/>
+                    <a:p>
+                      <a:pPr algn="ctr"/>
+                      <a:r>
+                        <a:rPr lang="pt-BR" sz="2400" dirty="0">
+                          <a:highlight>
+                            <a:srgbClr val="273C42"/>
+                          </a:highlight>
+                        </a:rPr>
+                        <a:t>8</a:t>
+                      </a:r>
+                    </a:p>
+                  </a:txBody>
+                  <a:tcPr>
+                    <a:solidFill>
+                      <a:srgbClr val="273C42"/>
+                    </a:solidFill>
+                  </a:tcPr>
+                </a:tc>
+                <a:extLst>
+                  <a:ext uri="{0D108BD9-81ED-4DB2-BD59-A6C34878D82A}">
+                    <a16:rowId xmlns:a16="http://schemas.microsoft.com/office/drawing/2014/main" val="2634130274"/>
+                  </a:ext>
+                </a:extLst>
+              </a:tr>
+            </a:tbl>
+          </a:graphicData>
+        </a:graphic>
+      </p:graphicFrame>
+      <p:graphicFrame>
+        <p:nvGraphicFramePr>
+          <p:cNvPr id="16" name="Tabela 15">
+            <a:extLst>
+              <a:ext uri="{FF2B5EF4-FFF2-40B4-BE49-F238E27FC236}">
+                <a16:creationId xmlns:a16="http://schemas.microsoft.com/office/drawing/2014/main" id="{170B702B-350A-A535-23E6-AA2572DB280D}"/>
+              </a:ext>
+            </a:extLst>
+          </p:cNvPr>
+          <p:cNvGraphicFramePr>
+            <a:graphicFrameLocks noGrp="1"/>
+          </p:cNvGraphicFramePr>
+          <p:nvPr>
+            <p:extLst>
+              <p:ext uri="{D42A27DB-BD31-4B8C-83A1-F6EECF244321}">
+                <p14:modId xmlns:p14="http://schemas.microsoft.com/office/powerpoint/2010/main" val="1670362912"/>
+              </p:ext>
+            </p:extLst>
+          </p:nvPr>
+        </p:nvGraphicFramePr>
+        <p:xfrm>
+          <a:off x="4558528" y="8621833"/>
+          <a:ext cx="760680" cy="457200"/>
+        </p:xfrm>
+        <a:graphic>
+          <a:graphicData uri="http://schemas.openxmlformats.org/drawingml/2006/table">
+            <a:tbl>
+              <a:tblPr firstRow="1" bandRow="1">
+                <a:tableStyleId>{5C22544A-7EE6-4342-B048-85BDC9FD1C3A}</a:tableStyleId>
+              </a:tblPr>
+              <a:tblGrid>
+                <a:gridCol w="380340">
+                  <a:extLst>
+                    <a:ext uri="{9D8B030D-6E8A-4147-A177-3AD203B41FA5}">
+                      <a16:colId xmlns:a16="http://schemas.microsoft.com/office/drawing/2014/main" val="3137296532"/>
+                    </a:ext>
+                  </a:extLst>
+                </a:gridCol>
+                <a:gridCol w="380340">
+                  <a:extLst>
+                    <a:ext uri="{9D8B030D-6E8A-4147-A177-3AD203B41FA5}">
+                      <a16:colId xmlns:a16="http://schemas.microsoft.com/office/drawing/2014/main" val="2386916304"/>
+                    </a:ext>
+                  </a:extLst>
+                </a:gridCol>
+              </a:tblGrid>
+              <a:tr h="370840">
+                <a:tc>
+                  <a:txBody>
+                    <a:bodyPr/>
+                    <a:lstStyle/>
+                    <a:p>
+                      <a:pPr algn="ctr"/>
+                      <a:r>
+                        <a:rPr lang="pt-BR" sz="2400" dirty="0">
+                          <a:highlight>
+                            <a:srgbClr val="273C42"/>
+                          </a:highlight>
+                        </a:rPr>
+                        <a:t>2</a:t>
+                      </a:r>
+                    </a:p>
+                  </a:txBody>
+                  <a:tcPr>
+                    <a:solidFill>
+                      <a:srgbClr val="273C42"/>
+                    </a:solidFill>
+                  </a:tcPr>
+                </a:tc>
+                <a:tc>
+                  <a:txBody>
+                    <a:bodyPr/>
+                    <a:lstStyle/>
+                    <a:p>
+                      <a:pPr marL="0" algn="ctr" defTabSz="960120" rtl="0" eaLnBrk="1" latinLnBrk="0" hangingPunct="1"/>
+                      <a:r>
+                        <a:rPr lang="pt-BR" sz="2400" b="1" kern="1200" dirty="0">
+                          <a:solidFill>
+                            <a:schemeClr val="lt1"/>
+                          </a:solidFill>
+                          <a:highlight>
+                            <a:srgbClr val="273C42"/>
+                          </a:highlight>
+                          <a:latin typeface="+mn-lt"/>
+                          <a:ea typeface="+mn-ea"/>
+                          <a:cs typeface="+mn-cs"/>
+                        </a:rPr>
+                        <a:t>3</a:t>
+                      </a:r>
+                    </a:p>
+                  </a:txBody>
+                  <a:tcPr>
+                    <a:solidFill>
+                      <a:srgbClr val="273C42"/>
+                    </a:solidFill>
+                  </a:tcPr>
+                </a:tc>
+                <a:extLst>
+                  <a:ext uri="{0D108BD9-81ED-4DB2-BD59-A6C34878D82A}">
+                    <a16:rowId xmlns:a16="http://schemas.microsoft.com/office/drawing/2014/main" val="2634130274"/>
+                  </a:ext>
+                </a:extLst>
+              </a:tr>
+            </a:tbl>
+          </a:graphicData>
+        </a:graphic>
+      </p:graphicFrame>
+      <p:graphicFrame>
+        <p:nvGraphicFramePr>
+          <p:cNvPr id="17" name="Tabela 16">
+            <a:extLst>
+              <a:ext uri="{FF2B5EF4-FFF2-40B4-BE49-F238E27FC236}">
+                <a16:creationId xmlns:a16="http://schemas.microsoft.com/office/drawing/2014/main" id="{0CF63505-643E-ADFE-556C-19D683E91561}"/>
+              </a:ext>
+            </a:extLst>
+          </p:cNvPr>
+          <p:cNvGraphicFramePr>
+            <a:graphicFrameLocks noGrp="1"/>
+          </p:cNvGraphicFramePr>
+          <p:nvPr>
+            <p:extLst>
+              <p:ext uri="{D42A27DB-BD31-4B8C-83A1-F6EECF244321}">
+                <p14:modId xmlns:p14="http://schemas.microsoft.com/office/powerpoint/2010/main" val="2699251839"/>
+              </p:ext>
+            </p:extLst>
+          </p:nvPr>
+        </p:nvGraphicFramePr>
+        <p:xfrm>
+          <a:off x="5903699" y="8604228"/>
+          <a:ext cx="760680" cy="457200"/>
+        </p:xfrm>
+        <a:graphic>
+          <a:graphicData uri="http://schemas.openxmlformats.org/drawingml/2006/table">
+            <a:tbl>
+              <a:tblPr firstRow="1" bandRow="1">
+                <a:tableStyleId>{5C22544A-7EE6-4342-B048-85BDC9FD1C3A}</a:tableStyleId>
+              </a:tblPr>
+              <a:tblGrid>
+                <a:gridCol w="380340">
+                  <a:extLst>
+                    <a:ext uri="{9D8B030D-6E8A-4147-A177-3AD203B41FA5}">
+                      <a16:colId xmlns:a16="http://schemas.microsoft.com/office/drawing/2014/main" val="1273461207"/>
+                    </a:ext>
+                  </a:extLst>
+                </a:gridCol>
+                <a:gridCol w="380340">
+                  <a:extLst>
+                    <a:ext uri="{9D8B030D-6E8A-4147-A177-3AD203B41FA5}">
+                      <a16:colId xmlns:a16="http://schemas.microsoft.com/office/drawing/2014/main" val="2581359381"/>
+                    </a:ext>
+                  </a:extLst>
+                </a:gridCol>
+              </a:tblGrid>
+              <a:tr h="367179">
+                <a:tc>
+                  <a:txBody>
+                    <a:bodyPr/>
+                    <a:lstStyle/>
+                    <a:p>
+                      <a:pPr marL="0" algn="ctr" defTabSz="960120" rtl="0" eaLnBrk="1" latinLnBrk="0" hangingPunct="1"/>
+                      <a:r>
+                        <a:rPr lang="pt-BR" sz="2400" b="1" kern="1200" dirty="0">
+                          <a:solidFill>
+                            <a:schemeClr val="lt1"/>
+                          </a:solidFill>
+                          <a:highlight>
+                            <a:srgbClr val="273C42"/>
+                          </a:highlight>
+                          <a:latin typeface="+mn-lt"/>
+                          <a:ea typeface="+mn-ea"/>
+                          <a:cs typeface="+mn-cs"/>
+                        </a:rPr>
+                        <a:t>9</a:t>
+                      </a:r>
+                    </a:p>
+                  </a:txBody>
+                  <a:tcPr>
+                    <a:solidFill>
+                      <a:srgbClr val="273C42"/>
+                    </a:solidFill>
+                  </a:tcPr>
+                </a:tc>
+                <a:tc>
+                  <a:txBody>
+                    <a:bodyPr/>
+                    <a:lstStyle/>
+                    <a:p>
+                      <a:pPr marL="0" algn="ctr" defTabSz="960120" rtl="0" eaLnBrk="1" latinLnBrk="0" hangingPunct="1"/>
+                      <a:r>
+                        <a:rPr lang="pt-BR" sz="2400" b="1" kern="1200" dirty="0">
+                          <a:solidFill>
+                            <a:schemeClr val="lt1"/>
+                          </a:solidFill>
+                          <a:highlight>
+                            <a:srgbClr val="273C42"/>
+                          </a:highlight>
+                          <a:latin typeface="+mn-lt"/>
+                          <a:ea typeface="+mn-ea"/>
+                          <a:cs typeface="+mn-cs"/>
+                        </a:rPr>
+                        <a:t>1</a:t>
+                      </a:r>
+                    </a:p>
+                  </a:txBody>
+                  <a:tcPr>
+                    <a:solidFill>
+                      <a:srgbClr val="273C42"/>
+                    </a:solidFill>
+                  </a:tcPr>
+                </a:tc>
+                <a:extLst>
+                  <a:ext uri="{0D108BD9-81ED-4DB2-BD59-A6C34878D82A}">
+                    <a16:rowId xmlns:a16="http://schemas.microsoft.com/office/drawing/2014/main" val="2634130274"/>
+                  </a:ext>
+                </a:extLst>
+              </a:tr>
+            </a:tbl>
+          </a:graphicData>
+        </a:graphic>
+      </p:graphicFrame>
+      <p:graphicFrame>
+        <p:nvGraphicFramePr>
+          <p:cNvPr id="18" name="Tabela 17">
+            <a:extLst>
+              <a:ext uri="{FF2B5EF4-FFF2-40B4-BE49-F238E27FC236}">
+                <a16:creationId xmlns:a16="http://schemas.microsoft.com/office/drawing/2014/main" id="{684B312E-5CE9-9724-8749-D1D0676A236A}"/>
+              </a:ext>
+            </a:extLst>
+          </p:cNvPr>
+          <p:cNvGraphicFramePr>
+            <a:graphicFrameLocks noGrp="1"/>
+          </p:cNvGraphicFramePr>
+          <p:nvPr>
+            <p:extLst>
+              <p:ext uri="{D42A27DB-BD31-4B8C-83A1-F6EECF244321}">
+                <p14:modId xmlns:p14="http://schemas.microsoft.com/office/powerpoint/2010/main" val="1758920888"/>
+              </p:ext>
+            </p:extLst>
+          </p:nvPr>
+        </p:nvGraphicFramePr>
+        <p:xfrm>
+          <a:off x="7722918" y="8621833"/>
+          <a:ext cx="785470" cy="457200"/>
+        </p:xfrm>
+        <a:graphic>
+          <a:graphicData uri="http://schemas.openxmlformats.org/drawingml/2006/table">
+            <a:tbl>
+              <a:tblPr firstRow="1" bandRow="1">
+                <a:tableStyleId>{5C22544A-7EE6-4342-B048-85BDC9FD1C3A}</a:tableStyleId>
+              </a:tblPr>
+              <a:tblGrid>
+                <a:gridCol w="380340">
+                  <a:extLst>
+                    <a:ext uri="{9D8B030D-6E8A-4147-A177-3AD203B41FA5}">
+                      <a16:colId xmlns:a16="http://schemas.microsoft.com/office/drawing/2014/main" val="3114199227"/>
+                    </a:ext>
+                  </a:extLst>
+                </a:gridCol>
+                <a:gridCol w="405130">
+                  <a:extLst>
+                    <a:ext uri="{9D8B030D-6E8A-4147-A177-3AD203B41FA5}">
+                      <a16:colId xmlns:a16="http://schemas.microsoft.com/office/drawing/2014/main" val="1888222357"/>
+                    </a:ext>
+                  </a:extLst>
+                </a:gridCol>
+              </a:tblGrid>
+              <a:tr h="370840">
+                <a:tc>
+                  <a:txBody>
+                    <a:bodyPr/>
+                    <a:lstStyle/>
+                    <a:p>
+                      <a:pPr marL="0" algn="ctr" defTabSz="960120" rtl="0" eaLnBrk="1" latinLnBrk="0" hangingPunct="1"/>
+                      <a:r>
+                        <a:rPr lang="pt-BR" sz="2400" b="1" kern="1200" dirty="0">
+                          <a:solidFill>
+                            <a:schemeClr val="lt1"/>
+                          </a:solidFill>
+                          <a:highlight>
+                            <a:srgbClr val="273C42"/>
+                          </a:highlight>
+                          <a:latin typeface="+mn-lt"/>
+                          <a:ea typeface="+mn-ea"/>
+                          <a:cs typeface="+mn-cs"/>
+                        </a:rPr>
+                        <a:t>4</a:t>
+                      </a:r>
+                    </a:p>
+                  </a:txBody>
+                  <a:tcPr>
+                    <a:solidFill>
+                      <a:srgbClr val="273C42"/>
+                    </a:solidFill>
+                  </a:tcPr>
+                </a:tc>
+                <a:tc>
+                  <a:txBody>
+                    <a:bodyPr/>
+                    <a:lstStyle/>
+                    <a:p>
+                      <a:pPr marL="0" algn="ctr" defTabSz="960120" rtl="0" eaLnBrk="1" latinLnBrk="0" hangingPunct="1"/>
+                      <a:r>
+                        <a:rPr lang="pt-BR" sz="2400" b="1" kern="1200" dirty="0">
+                          <a:solidFill>
+                            <a:schemeClr val="lt1"/>
+                          </a:solidFill>
+                          <a:highlight>
+                            <a:srgbClr val="273C42"/>
+                          </a:highlight>
+                          <a:latin typeface="+mn-lt"/>
+                          <a:ea typeface="+mn-ea"/>
+                          <a:cs typeface="+mn-cs"/>
+                        </a:rPr>
+                        <a:t>9</a:t>
+                      </a:r>
+                    </a:p>
+                  </a:txBody>
+                  <a:tcPr>
+                    <a:solidFill>
+                      <a:srgbClr val="273C42"/>
+                    </a:solidFill>
+                  </a:tcPr>
+                </a:tc>
+                <a:extLst>
+                  <a:ext uri="{0D108BD9-81ED-4DB2-BD59-A6C34878D82A}">
+                    <a16:rowId xmlns:a16="http://schemas.microsoft.com/office/drawing/2014/main" val="2634130274"/>
+                  </a:ext>
+                </a:extLst>
+              </a:tr>
+            </a:tbl>
+          </a:graphicData>
+        </a:graphic>
+      </p:graphicFrame>
+      <p:sp>
+        <p:nvSpPr>
+          <p:cNvPr id="19" name="Seta: para a Direita 18">
+            <a:extLst>
+              <a:ext uri="{FF2B5EF4-FFF2-40B4-BE49-F238E27FC236}">
+                <a16:creationId xmlns:a16="http://schemas.microsoft.com/office/drawing/2014/main" id="{BBD42C09-1FFA-4749-62D1-19252CEF4F2C}"/>
+              </a:ext>
+            </a:extLst>
+          </p:cNvPr>
+          <p:cNvSpPr/>
+          <p:nvPr/>
+        </p:nvSpPr>
+        <p:spPr>
+          <a:xfrm rot="9552161">
+            <a:off x="4171890" y="7295006"/>
+            <a:ext cx="811658" cy="214082"/>
+          </a:xfrm>
+          <a:prstGeom prst="rightArrow">
+            <a:avLst/>
+          </a:prstGeom>
+          <a:solidFill>
+            <a:srgbClr val="2F7586"/>
+          </a:solidFill>
+          <a:ln>
+            <a:noFill/>
+          </a:ln>
+        </p:spPr>
+        <p:style>
+          <a:lnRef idx="2">
+            <a:schemeClr val="accent1">
+              <a:shade val="15000"/>
+            </a:schemeClr>
+          </a:lnRef>
+          <a:fillRef idx="1">
+            <a:schemeClr val="accent1"/>
+          </a:fillRef>
+          <a:effectRef idx="0">
+            <a:schemeClr val="accent1"/>
+          </a:effectRef>
+          <a:fontRef idx="minor">
+            <a:schemeClr val="lt1"/>
+          </a:fontRef>
+        </p:style>
+        <p:txBody>
+          <a:bodyPr rtlCol="0" anchor="ctr"/>
+          <a:lstStyle/>
+          <a:p>
+            <a:pPr algn="ctr"/>
+            <a:endParaRPr lang="pt-BR">
+              <a:solidFill>
+                <a:schemeClr val="tx1"/>
+              </a:solidFill>
+            </a:endParaRPr>
+          </a:p>
+        </p:txBody>
+      </p:sp>
+      <p:sp>
+        <p:nvSpPr>
+          <p:cNvPr id="21" name="Seta: para a Direita 20">
+            <a:extLst>
+              <a:ext uri="{FF2B5EF4-FFF2-40B4-BE49-F238E27FC236}">
+                <a16:creationId xmlns:a16="http://schemas.microsoft.com/office/drawing/2014/main" id="{9443A951-2D89-EEC4-5306-942FBD6BB654}"/>
+              </a:ext>
+            </a:extLst>
+          </p:cNvPr>
+          <p:cNvSpPr/>
+          <p:nvPr/>
+        </p:nvSpPr>
+        <p:spPr>
+          <a:xfrm rot="9552161">
+            <a:off x="2955305" y="8263357"/>
+            <a:ext cx="811658" cy="214082"/>
+          </a:xfrm>
+          <a:prstGeom prst="rightArrow">
+            <a:avLst/>
+          </a:prstGeom>
+          <a:solidFill>
+            <a:srgbClr val="2F7586"/>
+          </a:solidFill>
+          <a:ln>
+            <a:noFill/>
+          </a:ln>
+        </p:spPr>
+        <p:style>
+          <a:lnRef idx="2">
+            <a:schemeClr val="accent1">
+              <a:shade val="15000"/>
+            </a:schemeClr>
+          </a:lnRef>
+          <a:fillRef idx="1">
+            <a:schemeClr val="accent1"/>
+          </a:fillRef>
+          <a:effectRef idx="0">
+            <a:schemeClr val="accent1"/>
+          </a:effectRef>
+          <a:fontRef idx="minor">
+            <a:schemeClr val="lt1"/>
+          </a:fontRef>
+        </p:style>
+        <p:txBody>
+          <a:bodyPr rtlCol="0" anchor="ctr"/>
+          <a:lstStyle/>
+          <a:p>
+            <a:pPr algn="ctr"/>
+            <a:endParaRPr lang="pt-BR">
+              <a:solidFill>
+                <a:schemeClr val="tx1"/>
+              </a:solidFill>
+            </a:endParaRPr>
+          </a:p>
+        </p:txBody>
+      </p:sp>
+      <p:sp>
+        <p:nvSpPr>
+          <p:cNvPr id="22" name="Seta: para a Direita 21">
+            <a:extLst>
+              <a:ext uri="{FF2B5EF4-FFF2-40B4-BE49-F238E27FC236}">
+                <a16:creationId xmlns:a16="http://schemas.microsoft.com/office/drawing/2014/main" id="{1AAD1C44-794D-577D-7981-95FED7C118AA}"/>
+              </a:ext>
+            </a:extLst>
+          </p:cNvPr>
+          <p:cNvSpPr/>
+          <p:nvPr/>
+        </p:nvSpPr>
+        <p:spPr>
+          <a:xfrm rot="12047839" flipH="1">
+            <a:off x="5775772" y="7296128"/>
+            <a:ext cx="811658" cy="214082"/>
+          </a:xfrm>
+          <a:prstGeom prst="rightArrow">
+            <a:avLst/>
+          </a:prstGeom>
+          <a:solidFill>
+            <a:srgbClr val="2F7586"/>
+          </a:solidFill>
+          <a:ln>
+            <a:noFill/>
+          </a:ln>
+        </p:spPr>
+        <p:style>
+          <a:lnRef idx="2">
+            <a:schemeClr val="accent1">
+              <a:shade val="15000"/>
+            </a:schemeClr>
+          </a:lnRef>
+          <a:fillRef idx="1">
+            <a:schemeClr val="accent1"/>
+          </a:fillRef>
+          <a:effectRef idx="0">
+            <a:schemeClr val="accent1"/>
+          </a:effectRef>
+          <a:fontRef idx="minor">
+            <a:schemeClr val="lt1"/>
+          </a:fontRef>
+        </p:style>
+        <p:txBody>
+          <a:bodyPr rtlCol="0" anchor="ctr"/>
+          <a:lstStyle/>
+          <a:p>
+            <a:pPr algn="ctr"/>
+            <a:endParaRPr lang="pt-BR">
+              <a:solidFill>
+                <a:schemeClr val="tx1"/>
+              </a:solidFill>
+            </a:endParaRPr>
+          </a:p>
+        </p:txBody>
+      </p:sp>
+      <p:sp>
+        <p:nvSpPr>
+          <p:cNvPr id="23" name="Seta: para a Direita 22">
+            <a:extLst>
+              <a:ext uri="{FF2B5EF4-FFF2-40B4-BE49-F238E27FC236}">
+                <a16:creationId xmlns:a16="http://schemas.microsoft.com/office/drawing/2014/main" id="{E2A7CE06-C7C4-D2EF-721B-510BF0C53786}"/>
+              </a:ext>
+            </a:extLst>
+          </p:cNvPr>
+          <p:cNvSpPr/>
+          <p:nvPr/>
+        </p:nvSpPr>
+        <p:spPr>
+          <a:xfrm rot="12047839" flipH="1">
+            <a:off x="7229352" y="8222106"/>
+            <a:ext cx="811658" cy="214082"/>
+          </a:xfrm>
+          <a:prstGeom prst="rightArrow">
+            <a:avLst/>
+          </a:prstGeom>
+          <a:solidFill>
+            <a:srgbClr val="2F7586"/>
+          </a:solidFill>
+          <a:ln>
+            <a:noFill/>
+          </a:ln>
+        </p:spPr>
+        <p:style>
+          <a:lnRef idx="2">
+            <a:schemeClr val="accent1">
+              <a:shade val="15000"/>
+            </a:schemeClr>
+          </a:lnRef>
+          <a:fillRef idx="1">
+            <a:schemeClr val="accent1"/>
+          </a:fillRef>
+          <a:effectRef idx="0">
+            <a:schemeClr val="accent1"/>
+          </a:effectRef>
+          <a:fontRef idx="minor">
+            <a:schemeClr val="lt1"/>
+          </a:fontRef>
+        </p:style>
+        <p:txBody>
+          <a:bodyPr rtlCol="0" anchor="ctr"/>
+          <a:lstStyle/>
+          <a:p>
+            <a:pPr algn="ctr"/>
+            <a:endParaRPr lang="pt-BR">
+              <a:solidFill>
+                <a:schemeClr val="tx1"/>
+              </a:solidFill>
+            </a:endParaRPr>
+          </a:p>
+        </p:txBody>
+      </p:sp>
+      <p:sp>
+        <p:nvSpPr>
+          <p:cNvPr id="24" name="Seta: para a Direita 23">
+            <a:extLst>
+              <a:ext uri="{FF2B5EF4-FFF2-40B4-BE49-F238E27FC236}">
+                <a16:creationId xmlns:a16="http://schemas.microsoft.com/office/drawing/2014/main" id="{2416116F-A15D-0B3A-FFE1-82AECEC9C6D0}"/>
+              </a:ext>
+            </a:extLst>
+          </p:cNvPr>
+          <p:cNvSpPr/>
+          <p:nvPr/>
+        </p:nvSpPr>
+        <p:spPr>
+          <a:xfrm rot="12047839" flipH="1">
+            <a:off x="4152699" y="8253025"/>
+            <a:ext cx="811658" cy="214082"/>
+          </a:xfrm>
+          <a:prstGeom prst="rightArrow">
+            <a:avLst/>
+          </a:prstGeom>
+          <a:solidFill>
+            <a:srgbClr val="2F7586"/>
+          </a:solidFill>
+          <a:ln>
+            <a:noFill/>
+          </a:ln>
+        </p:spPr>
+        <p:style>
+          <a:lnRef idx="2">
+            <a:schemeClr val="accent1">
+              <a:shade val="15000"/>
+            </a:schemeClr>
+          </a:lnRef>
+          <a:fillRef idx="1">
+            <a:schemeClr val="accent1"/>
+          </a:fillRef>
+          <a:effectRef idx="0">
+            <a:schemeClr val="accent1"/>
+          </a:effectRef>
+          <a:fontRef idx="minor">
+            <a:schemeClr val="lt1"/>
+          </a:fontRef>
+        </p:style>
+        <p:txBody>
+          <a:bodyPr rtlCol="0" anchor="ctr"/>
+          <a:lstStyle/>
+          <a:p>
+            <a:pPr algn="ctr"/>
+            <a:endParaRPr lang="pt-BR">
+              <a:solidFill>
+                <a:schemeClr val="tx1"/>
+              </a:solidFill>
+            </a:endParaRPr>
+          </a:p>
+        </p:txBody>
+      </p:sp>
+      <p:sp>
+        <p:nvSpPr>
+          <p:cNvPr id="25" name="Seta: para a Direita 24">
+            <a:extLst>
+              <a:ext uri="{FF2B5EF4-FFF2-40B4-BE49-F238E27FC236}">
+                <a16:creationId xmlns:a16="http://schemas.microsoft.com/office/drawing/2014/main" id="{8A96735F-432E-01BA-3744-D34DEBFAA81F}"/>
+              </a:ext>
+            </a:extLst>
+          </p:cNvPr>
+          <p:cNvSpPr/>
+          <p:nvPr/>
+        </p:nvSpPr>
+        <p:spPr>
+          <a:xfrm rot="9552161">
+            <a:off x="6227832" y="8196072"/>
+            <a:ext cx="811658" cy="214082"/>
+          </a:xfrm>
+          <a:prstGeom prst="rightArrow">
+            <a:avLst/>
+          </a:prstGeom>
+          <a:solidFill>
+            <a:srgbClr val="2F7586"/>
+          </a:solidFill>
+          <a:ln>
+            <a:noFill/>
+          </a:ln>
+        </p:spPr>
+        <p:style>
+          <a:lnRef idx="2">
+            <a:schemeClr val="accent1">
+              <a:shade val="15000"/>
+            </a:schemeClr>
+          </a:lnRef>
+          <a:fillRef idx="1">
+            <a:schemeClr val="accent1"/>
+          </a:fillRef>
+          <a:effectRef idx="0">
+            <a:schemeClr val="accent1"/>
+          </a:effectRef>
+          <a:fontRef idx="minor">
+            <a:schemeClr val="lt1"/>
+          </a:fontRef>
+        </p:style>
+        <p:txBody>
+          <a:bodyPr rtlCol="0" anchor="ctr"/>
+          <a:lstStyle/>
+          <a:p>
+            <a:pPr algn="ctr"/>
+            <a:endParaRPr lang="pt-BR">
+              <a:solidFill>
+                <a:schemeClr val="tx1"/>
+              </a:solidFill>
+            </a:endParaRPr>
+          </a:p>
+        </p:txBody>
+      </p:sp>
+      <p:graphicFrame>
+        <p:nvGraphicFramePr>
+          <p:cNvPr id="26" name="Tabela 25">
+            <a:extLst>
+              <a:ext uri="{FF2B5EF4-FFF2-40B4-BE49-F238E27FC236}">
+                <a16:creationId xmlns:a16="http://schemas.microsoft.com/office/drawing/2014/main" id="{FBCD199B-5CFD-8969-062E-23A167CAA7A3}"/>
+              </a:ext>
+            </a:extLst>
+          </p:cNvPr>
+          <p:cNvGraphicFramePr>
+            <a:graphicFrameLocks noGrp="1"/>
+          </p:cNvGraphicFramePr>
+          <p:nvPr>
+            <p:extLst>
+              <p:ext uri="{D42A27DB-BD31-4B8C-83A1-F6EECF244321}">
+                <p14:modId xmlns:p14="http://schemas.microsoft.com/office/powerpoint/2010/main" val="30667890"/>
+              </p:ext>
+            </p:extLst>
+          </p:nvPr>
+        </p:nvGraphicFramePr>
+        <p:xfrm>
+          <a:off x="2284762" y="9742238"/>
+          <a:ext cx="760680" cy="457200"/>
+        </p:xfrm>
+        <a:graphic>
+          <a:graphicData uri="http://schemas.openxmlformats.org/drawingml/2006/table">
+            <a:tbl>
+              <a:tblPr firstRow="1" bandRow="1">
+                <a:tableStyleId>{5C22544A-7EE6-4342-B048-85BDC9FD1C3A}</a:tableStyleId>
+              </a:tblPr>
+              <a:tblGrid>
+                <a:gridCol w="380340">
+                  <a:extLst>
+                    <a:ext uri="{9D8B030D-6E8A-4147-A177-3AD203B41FA5}">
+                      <a16:colId xmlns:a16="http://schemas.microsoft.com/office/drawing/2014/main" val="548747222"/>
+                    </a:ext>
+                  </a:extLst>
+                </a:gridCol>
+                <a:gridCol w="380340">
+                  <a:extLst>
+                    <a:ext uri="{9D8B030D-6E8A-4147-A177-3AD203B41FA5}">
+                      <a16:colId xmlns:a16="http://schemas.microsoft.com/office/drawing/2014/main" val="1913042492"/>
+                    </a:ext>
+                  </a:extLst>
+                </a:gridCol>
+              </a:tblGrid>
+              <a:tr h="370840">
+                <a:tc>
+                  <a:txBody>
+                    <a:bodyPr/>
+                    <a:lstStyle/>
+                    <a:p>
+                      <a:pPr algn="ctr"/>
+                      <a:r>
+                        <a:rPr lang="pt-BR" sz="2400" dirty="0">
+                          <a:highlight>
+                            <a:srgbClr val="273C42"/>
+                          </a:highlight>
+                        </a:rPr>
+                        <a:t>2</a:t>
+                      </a:r>
+                    </a:p>
+                  </a:txBody>
+                  <a:tcPr>
+                    <a:solidFill>
+                      <a:srgbClr val="273C42"/>
+                    </a:solidFill>
+                  </a:tcPr>
+                </a:tc>
+                <a:tc>
+                  <a:txBody>
+                    <a:bodyPr/>
+                    <a:lstStyle/>
+                    <a:p>
+                      <a:pPr algn="ctr"/>
+                      <a:r>
+                        <a:rPr lang="pt-BR" sz="2400" dirty="0">
+                          <a:highlight>
+                            <a:srgbClr val="273C42"/>
+                          </a:highlight>
+                        </a:rPr>
+                        <a:t>6</a:t>
+                      </a:r>
+                    </a:p>
+                  </a:txBody>
+                  <a:tcPr>
+                    <a:solidFill>
+                      <a:srgbClr val="273C42"/>
+                    </a:solidFill>
+                  </a:tcPr>
+                </a:tc>
+                <a:extLst>
+                  <a:ext uri="{0D108BD9-81ED-4DB2-BD59-A6C34878D82A}">
+                    <a16:rowId xmlns:a16="http://schemas.microsoft.com/office/drawing/2014/main" val="2634130274"/>
+                  </a:ext>
+                </a:extLst>
+              </a:tr>
+            </a:tbl>
+          </a:graphicData>
+        </a:graphic>
+      </p:graphicFrame>
+      <p:graphicFrame>
+        <p:nvGraphicFramePr>
+          <p:cNvPr id="28" name="Tabela 27">
+            <a:extLst>
+              <a:ext uri="{FF2B5EF4-FFF2-40B4-BE49-F238E27FC236}">
+                <a16:creationId xmlns:a16="http://schemas.microsoft.com/office/drawing/2014/main" id="{2AC5D9E3-DDEE-2A48-87E2-F5899538F789}"/>
+              </a:ext>
+            </a:extLst>
+          </p:cNvPr>
+          <p:cNvGraphicFramePr>
+            <a:graphicFrameLocks noGrp="1"/>
+          </p:cNvGraphicFramePr>
+          <p:nvPr>
+            <p:extLst>
+              <p:ext uri="{D42A27DB-BD31-4B8C-83A1-F6EECF244321}">
+                <p14:modId xmlns:p14="http://schemas.microsoft.com/office/powerpoint/2010/main" val="2561654316"/>
+              </p:ext>
+            </p:extLst>
+          </p:nvPr>
+        </p:nvGraphicFramePr>
+        <p:xfrm>
+          <a:off x="3873542" y="9733079"/>
+          <a:ext cx="380340" cy="457200"/>
+        </p:xfrm>
+        <a:graphic>
+          <a:graphicData uri="http://schemas.openxmlformats.org/drawingml/2006/table">
+            <a:tbl>
+              <a:tblPr firstRow="1" bandRow="1">
+                <a:tableStyleId>{5C22544A-7EE6-4342-B048-85BDC9FD1C3A}</a:tableStyleId>
+              </a:tblPr>
+              <a:tblGrid>
+                <a:gridCol w="380340">
+                  <a:extLst>
+                    <a:ext uri="{9D8B030D-6E8A-4147-A177-3AD203B41FA5}">
+                      <a16:colId xmlns:a16="http://schemas.microsoft.com/office/drawing/2014/main" val="548747222"/>
+                    </a:ext>
+                  </a:extLst>
+                </a:gridCol>
+              </a:tblGrid>
+              <a:tr h="370840">
+                <a:tc>
+                  <a:txBody>
+                    <a:bodyPr/>
+                    <a:lstStyle/>
+                    <a:p>
+                      <a:pPr algn="ctr"/>
+                      <a:r>
+                        <a:rPr lang="pt-BR" sz="2400" dirty="0">
+                          <a:solidFill>
+                            <a:srgbClr val="7BE1DC"/>
+                          </a:solidFill>
+                          <a:highlight>
+                            <a:srgbClr val="273C42"/>
+                          </a:highlight>
+                        </a:rPr>
+                        <a:t>8</a:t>
+                      </a:r>
+                    </a:p>
+                  </a:txBody>
+                  <a:tcPr>
+                    <a:solidFill>
+                      <a:srgbClr val="273C42"/>
+                    </a:solidFill>
+                  </a:tcPr>
+                </a:tc>
+                <a:extLst>
+                  <a:ext uri="{0D108BD9-81ED-4DB2-BD59-A6C34878D82A}">
+                    <a16:rowId xmlns:a16="http://schemas.microsoft.com/office/drawing/2014/main" val="2634130274"/>
+                  </a:ext>
+                </a:extLst>
+              </a:tr>
+            </a:tbl>
+          </a:graphicData>
+        </a:graphic>
+      </p:graphicFrame>
+      <p:sp>
+        <p:nvSpPr>
+          <p:cNvPr id="29" name="Seta: para a Direita 28">
+            <a:extLst>
+              <a:ext uri="{FF2B5EF4-FFF2-40B4-BE49-F238E27FC236}">
+                <a16:creationId xmlns:a16="http://schemas.microsoft.com/office/drawing/2014/main" id="{077F4E6A-AC80-BBE0-860D-F9171791D8ED}"/>
+              </a:ext>
+            </a:extLst>
+          </p:cNvPr>
+          <p:cNvSpPr/>
+          <p:nvPr/>
+        </p:nvSpPr>
+        <p:spPr>
+          <a:xfrm rot="13965769" flipH="1">
+            <a:off x="3494527" y="9295733"/>
+            <a:ext cx="664986" cy="206320"/>
+          </a:xfrm>
+          <a:prstGeom prst="rightArrow">
+            <a:avLst/>
+          </a:prstGeom>
+          <a:solidFill>
+            <a:srgbClr val="2F7586"/>
+          </a:solidFill>
+          <a:ln>
+            <a:noFill/>
+          </a:ln>
+        </p:spPr>
+        <p:style>
+          <a:lnRef idx="2">
+            <a:schemeClr val="accent1">
+              <a:shade val="15000"/>
+            </a:schemeClr>
+          </a:lnRef>
+          <a:fillRef idx="1">
+            <a:schemeClr val="accent1"/>
+          </a:fillRef>
+          <a:effectRef idx="0">
+            <a:schemeClr val="accent1"/>
+          </a:effectRef>
+          <a:fontRef idx="minor">
+            <a:schemeClr val="lt1"/>
+          </a:fontRef>
+        </p:style>
+        <p:txBody>
+          <a:bodyPr rtlCol="0" anchor="ctr"/>
+          <a:lstStyle/>
+          <a:p>
+            <a:pPr algn="ctr"/>
+            <a:endParaRPr lang="pt-BR">
+              <a:solidFill>
+                <a:schemeClr val="tx1"/>
+              </a:solidFill>
+            </a:endParaRPr>
+          </a:p>
+        </p:txBody>
+      </p:sp>
+      <p:graphicFrame>
+        <p:nvGraphicFramePr>
+          <p:cNvPr id="30" name="Tabela 29">
+            <a:extLst>
+              <a:ext uri="{FF2B5EF4-FFF2-40B4-BE49-F238E27FC236}">
+                <a16:creationId xmlns:a16="http://schemas.microsoft.com/office/drawing/2014/main" id="{477CE554-FE72-2CCB-B33F-6A4041F2352C}"/>
+              </a:ext>
+            </a:extLst>
+          </p:cNvPr>
+          <p:cNvGraphicFramePr>
+            <a:graphicFrameLocks noGrp="1"/>
+          </p:cNvGraphicFramePr>
+          <p:nvPr>
+            <p:extLst>
+              <p:ext uri="{D42A27DB-BD31-4B8C-83A1-F6EECF244321}">
+                <p14:modId xmlns:p14="http://schemas.microsoft.com/office/powerpoint/2010/main" val="2166454217"/>
+              </p:ext>
+            </p:extLst>
+          </p:nvPr>
+        </p:nvGraphicFramePr>
+        <p:xfrm>
+          <a:off x="4430773" y="9733079"/>
+          <a:ext cx="380340" cy="457200"/>
+        </p:xfrm>
+        <a:graphic>
+          <a:graphicData uri="http://schemas.openxmlformats.org/drawingml/2006/table">
+            <a:tbl>
+              <a:tblPr firstRow="1" bandRow="1">
+                <a:tableStyleId>{5C22544A-7EE6-4342-B048-85BDC9FD1C3A}</a:tableStyleId>
+              </a:tblPr>
+              <a:tblGrid>
+                <a:gridCol w="380340">
+                  <a:extLst>
+                    <a:ext uri="{9D8B030D-6E8A-4147-A177-3AD203B41FA5}">
+                      <a16:colId xmlns:a16="http://schemas.microsoft.com/office/drawing/2014/main" val="3137296532"/>
+                    </a:ext>
+                  </a:extLst>
+                </a:gridCol>
+              </a:tblGrid>
+              <a:tr h="370840">
+                <a:tc>
+                  <a:txBody>
+                    <a:bodyPr/>
+                    <a:lstStyle/>
+                    <a:p>
+                      <a:pPr algn="ctr"/>
+                      <a:r>
+                        <a:rPr lang="pt-BR" sz="2400" dirty="0">
+                          <a:solidFill>
+                            <a:srgbClr val="7BE1DC"/>
+                          </a:solidFill>
+                          <a:highlight>
+                            <a:srgbClr val="273C42"/>
+                          </a:highlight>
+                        </a:rPr>
+                        <a:t>2</a:t>
+                      </a:r>
+                    </a:p>
+                  </a:txBody>
+                  <a:tcPr>
+                    <a:solidFill>
+                      <a:srgbClr val="273C42"/>
+                    </a:solidFill>
+                  </a:tcPr>
+                </a:tc>
+                <a:extLst>
+                  <a:ext uri="{0D108BD9-81ED-4DB2-BD59-A6C34878D82A}">
+                    <a16:rowId xmlns:a16="http://schemas.microsoft.com/office/drawing/2014/main" val="2634130274"/>
+                  </a:ext>
+                </a:extLst>
+              </a:tr>
+            </a:tbl>
+          </a:graphicData>
+        </a:graphic>
+      </p:graphicFrame>
+      <p:sp>
+        <p:nvSpPr>
+          <p:cNvPr id="31" name="Seta: para a Direita 30">
+            <a:extLst>
+              <a:ext uri="{FF2B5EF4-FFF2-40B4-BE49-F238E27FC236}">
+                <a16:creationId xmlns:a16="http://schemas.microsoft.com/office/drawing/2014/main" id="{1F17BCBD-2217-9F0E-9328-DAD11C9CECC1}"/>
+              </a:ext>
+            </a:extLst>
+          </p:cNvPr>
+          <p:cNvSpPr/>
+          <p:nvPr/>
+        </p:nvSpPr>
+        <p:spPr>
+          <a:xfrm rot="7634231">
+            <a:off x="2556956" y="9303008"/>
+            <a:ext cx="664986" cy="206320"/>
+          </a:xfrm>
+          <a:prstGeom prst="rightArrow">
+            <a:avLst/>
+          </a:prstGeom>
+          <a:solidFill>
+            <a:srgbClr val="2F7586"/>
+          </a:solidFill>
+          <a:ln>
+            <a:noFill/>
+          </a:ln>
+        </p:spPr>
+        <p:style>
+          <a:lnRef idx="2">
+            <a:schemeClr val="accent1">
+              <a:shade val="15000"/>
+            </a:schemeClr>
+          </a:lnRef>
+          <a:fillRef idx="1">
+            <a:schemeClr val="accent1"/>
+          </a:fillRef>
+          <a:effectRef idx="0">
+            <a:schemeClr val="accent1"/>
+          </a:effectRef>
+          <a:fontRef idx="minor">
+            <a:schemeClr val="lt1"/>
+          </a:fontRef>
+        </p:style>
+        <p:txBody>
+          <a:bodyPr rtlCol="0" anchor="ctr"/>
+          <a:lstStyle/>
+          <a:p>
+            <a:pPr algn="ctr"/>
+            <a:endParaRPr lang="pt-BR">
+              <a:solidFill>
+                <a:schemeClr val="tx1"/>
+              </a:solidFill>
+            </a:endParaRPr>
+          </a:p>
+        </p:txBody>
+      </p:sp>
+      <p:graphicFrame>
+        <p:nvGraphicFramePr>
+          <p:cNvPr id="32" name="Tabela 31">
+            <a:extLst>
+              <a:ext uri="{FF2B5EF4-FFF2-40B4-BE49-F238E27FC236}">
+                <a16:creationId xmlns:a16="http://schemas.microsoft.com/office/drawing/2014/main" id="{06C8B21E-E047-5182-96C4-2905E2B0840D}"/>
+              </a:ext>
+            </a:extLst>
+          </p:cNvPr>
+          <p:cNvGraphicFramePr>
+            <a:graphicFrameLocks noGrp="1"/>
+          </p:cNvGraphicFramePr>
+          <p:nvPr>
+            <p:extLst>
+              <p:ext uri="{D42A27DB-BD31-4B8C-83A1-F6EECF244321}">
+                <p14:modId xmlns:p14="http://schemas.microsoft.com/office/powerpoint/2010/main" val="272271007"/>
+              </p:ext>
+            </p:extLst>
+          </p:nvPr>
+        </p:nvGraphicFramePr>
+        <p:xfrm>
+          <a:off x="5129038" y="9733079"/>
+          <a:ext cx="380340" cy="457200"/>
+        </p:xfrm>
+        <a:graphic>
+          <a:graphicData uri="http://schemas.openxmlformats.org/drawingml/2006/table">
+            <a:tbl>
+              <a:tblPr firstRow="1" bandRow="1">
+                <a:tableStyleId>{5C22544A-7EE6-4342-B048-85BDC9FD1C3A}</a:tableStyleId>
+              </a:tblPr>
+              <a:tblGrid>
+                <a:gridCol w="380340">
+                  <a:extLst>
+                    <a:ext uri="{9D8B030D-6E8A-4147-A177-3AD203B41FA5}">
+                      <a16:colId xmlns:a16="http://schemas.microsoft.com/office/drawing/2014/main" val="3137296532"/>
+                    </a:ext>
+                  </a:extLst>
+                </a:gridCol>
+              </a:tblGrid>
+              <a:tr h="370840">
+                <a:tc>
+                  <a:txBody>
+                    <a:bodyPr/>
+                    <a:lstStyle/>
+                    <a:p>
+                      <a:pPr algn="ctr"/>
+                      <a:r>
+                        <a:rPr lang="pt-BR" sz="2400" dirty="0">
+                          <a:solidFill>
+                            <a:srgbClr val="7BE1DC"/>
+                          </a:solidFill>
+                          <a:highlight>
+                            <a:srgbClr val="273C42"/>
+                          </a:highlight>
+                        </a:rPr>
+                        <a:t>3</a:t>
+                      </a:r>
+                    </a:p>
+                  </a:txBody>
+                  <a:tcPr>
+                    <a:solidFill>
+                      <a:srgbClr val="273C42"/>
+                    </a:solidFill>
+                  </a:tcPr>
+                </a:tc>
+                <a:extLst>
+                  <a:ext uri="{0D108BD9-81ED-4DB2-BD59-A6C34878D82A}">
+                    <a16:rowId xmlns:a16="http://schemas.microsoft.com/office/drawing/2014/main" val="2634130274"/>
+                  </a:ext>
+                </a:extLst>
+              </a:tr>
+            </a:tbl>
+          </a:graphicData>
+        </a:graphic>
+      </p:graphicFrame>
+      <p:sp>
+        <p:nvSpPr>
+          <p:cNvPr id="34" name="Seta: para a Direita 33">
+            <a:extLst>
+              <a:ext uri="{FF2B5EF4-FFF2-40B4-BE49-F238E27FC236}">
+                <a16:creationId xmlns:a16="http://schemas.microsoft.com/office/drawing/2014/main" id="{8F618C97-F376-D20D-B3DD-A62D8E320213}"/>
+              </a:ext>
+            </a:extLst>
+          </p:cNvPr>
+          <p:cNvSpPr/>
+          <p:nvPr/>
+        </p:nvSpPr>
+        <p:spPr>
+          <a:xfrm rot="4277120">
+            <a:off x="4936511" y="9246154"/>
+            <a:ext cx="542662" cy="206320"/>
+          </a:xfrm>
+          <a:prstGeom prst="rightArrow">
+            <a:avLst/>
+          </a:prstGeom>
+          <a:solidFill>
+            <a:srgbClr val="2F7586"/>
+          </a:solidFill>
+          <a:ln>
+            <a:noFill/>
+          </a:ln>
+        </p:spPr>
+        <p:style>
+          <a:lnRef idx="2">
+            <a:schemeClr val="accent1">
+              <a:shade val="15000"/>
+            </a:schemeClr>
+          </a:lnRef>
+          <a:fillRef idx="1">
+            <a:schemeClr val="accent1"/>
+          </a:fillRef>
+          <a:effectRef idx="0">
+            <a:schemeClr val="accent1"/>
+          </a:effectRef>
+          <a:fontRef idx="minor">
+            <a:schemeClr val="lt1"/>
+          </a:fontRef>
+        </p:style>
+        <p:txBody>
+          <a:bodyPr rtlCol="0" anchor="ctr"/>
+          <a:lstStyle/>
+          <a:p>
+            <a:pPr algn="ctr"/>
+            <a:endParaRPr lang="pt-BR">
+              <a:solidFill>
+                <a:schemeClr val="tx1"/>
+              </a:solidFill>
+            </a:endParaRPr>
+          </a:p>
+        </p:txBody>
+      </p:sp>
+      <p:sp>
+        <p:nvSpPr>
+          <p:cNvPr id="35" name="Seta: para a Direita 34">
+            <a:extLst>
+              <a:ext uri="{FF2B5EF4-FFF2-40B4-BE49-F238E27FC236}">
+                <a16:creationId xmlns:a16="http://schemas.microsoft.com/office/drawing/2014/main" id="{1A701487-9D2F-ABFB-5FE7-CA4B954C5709}"/>
+              </a:ext>
+            </a:extLst>
+          </p:cNvPr>
+          <p:cNvSpPr/>
+          <p:nvPr/>
+        </p:nvSpPr>
+        <p:spPr>
+          <a:xfrm rot="17322880" flipH="1">
+            <a:off x="4413382" y="9246128"/>
+            <a:ext cx="542662" cy="206320"/>
+          </a:xfrm>
+          <a:prstGeom prst="rightArrow">
+            <a:avLst/>
+          </a:prstGeom>
+          <a:solidFill>
+            <a:srgbClr val="2F7586"/>
+          </a:solidFill>
+          <a:ln>
+            <a:noFill/>
+          </a:ln>
+        </p:spPr>
+        <p:style>
+          <a:lnRef idx="2">
+            <a:schemeClr val="accent1">
+              <a:shade val="15000"/>
+            </a:schemeClr>
+          </a:lnRef>
+          <a:fillRef idx="1">
+            <a:schemeClr val="accent1"/>
+          </a:fillRef>
+          <a:effectRef idx="0">
+            <a:schemeClr val="accent1"/>
+          </a:effectRef>
+          <a:fontRef idx="minor">
+            <a:schemeClr val="lt1"/>
+          </a:fontRef>
+        </p:style>
+        <p:txBody>
+          <a:bodyPr rtlCol="0" anchor="ctr"/>
+          <a:lstStyle/>
+          <a:p>
+            <a:pPr algn="ctr"/>
+            <a:endParaRPr lang="pt-BR">
+              <a:solidFill>
+                <a:schemeClr val="tx1"/>
+              </a:solidFill>
+            </a:endParaRPr>
+          </a:p>
+        </p:txBody>
+      </p:sp>
+      <p:sp>
+        <p:nvSpPr>
+          <p:cNvPr id="36" name="Seta: para a Direita 35">
+            <a:extLst>
+              <a:ext uri="{FF2B5EF4-FFF2-40B4-BE49-F238E27FC236}">
+                <a16:creationId xmlns:a16="http://schemas.microsoft.com/office/drawing/2014/main" id="{17D6ABD2-048F-70E2-D708-98330E3C66F1}"/>
+              </a:ext>
+            </a:extLst>
+          </p:cNvPr>
+          <p:cNvSpPr/>
+          <p:nvPr/>
+        </p:nvSpPr>
+        <p:spPr>
+          <a:xfrm rot="4277120">
+            <a:off x="6327663" y="9246128"/>
+            <a:ext cx="542662" cy="206320"/>
+          </a:xfrm>
+          <a:prstGeom prst="rightArrow">
+            <a:avLst/>
+          </a:prstGeom>
+          <a:solidFill>
+            <a:srgbClr val="2F7586"/>
+          </a:solidFill>
+          <a:ln>
+            <a:noFill/>
+          </a:ln>
+        </p:spPr>
+        <p:style>
+          <a:lnRef idx="2">
+            <a:schemeClr val="accent1">
+              <a:shade val="15000"/>
+            </a:schemeClr>
+          </a:lnRef>
+          <a:fillRef idx="1">
+            <a:schemeClr val="accent1"/>
+          </a:fillRef>
+          <a:effectRef idx="0">
+            <a:schemeClr val="accent1"/>
+          </a:effectRef>
+          <a:fontRef idx="minor">
+            <a:schemeClr val="lt1"/>
+          </a:fontRef>
+        </p:style>
+        <p:txBody>
+          <a:bodyPr rtlCol="0" anchor="ctr"/>
+          <a:lstStyle/>
+          <a:p>
+            <a:pPr algn="ctr"/>
+            <a:endParaRPr lang="pt-BR">
+              <a:solidFill>
+                <a:schemeClr val="tx1"/>
+              </a:solidFill>
+            </a:endParaRPr>
+          </a:p>
+        </p:txBody>
+      </p:sp>
+      <p:sp>
+        <p:nvSpPr>
+          <p:cNvPr id="37" name="Seta: para a Direita 36">
+            <a:extLst>
+              <a:ext uri="{FF2B5EF4-FFF2-40B4-BE49-F238E27FC236}">
+                <a16:creationId xmlns:a16="http://schemas.microsoft.com/office/drawing/2014/main" id="{DD1990CE-2376-C0E9-8C22-02E17A117511}"/>
+              </a:ext>
+            </a:extLst>
+          </p:cNvPr>
+          <p:cNvSpPr/>
+          <p:nvPr/>
+        </p:nvSpPr>
+        <p:spPr>
+          <a:xfrm rot="17322880" flipH="1">
+            <a:off x="5804534" y="9246102"/>
+            <a:ext cx="542662" cy="206320"/>
+          </a:xfrm>
+          <a:prstGeom prst="rightArrow">
+            <a:avLst/>
+          </a:prstGeom>
+          <a:solidFill>
+            <a:srgbClr val="2F7586"/>
+          </a:solidFill>
+          <a:ln>
+            <a:noFill/>
+          </a:ln>
+        </p:spPr>
+        <p:style>
+          <a:lnRef idx="2">
+            <a:schemeClr val="accent1">
+              <a:shade val="15000"/>
+            </a:schemeClr>
+          </a:lnRef>
+          <a:fillRef idx="1">
+            <a:schemeClr val="accent1"/>
+          </a:fillRef>
+          <a:effectRef idx="0">
+            <a:schemeClr val="accent1"/>
+          </a:effectRef>
+          <a:fontRef idx="minor">
+            <a:schemeClr val="lt1"/>
+          </a:fontRef>
+        </p:style>
+        <p:txBody>
+          <a:bodyPr rtlCol="0" anchor="ctr"/>
+          <a:lstStyle/>
+          <a:p>
+            <a:pPr algn="ctr"/>
+            <a:endParaRPr lang="pt-BR">
+              <a:solidFill>
+                <a:schemeClr val="tx1"/>
+              </a:solidFill>
+            </a:endParaRPr>
+          </a:p>
+        </p:txBody>
+      </p:sp>
+      <p:graphicFrame>
+        <p:nvGraphicFramePr>
+          <p:cNvPr id="38" name="Tabela 37">
+            <a:extLst>
+              <a:ext uri="{FF2B5EF4-FFF2-40B4-BE49-F238E27FC236}">
+                <a16:creationId xmlns:a16="http://schemas.microsoft.com/office/drawing/2014/main" id="{EDEAF8A2-862E-192D-0C53-759E7CCB6ED0}"/>
+              </a:ext>
+            </a:extLst>
+          </p:cNvPr>
+          <p:cNvGraphicFramePr>
+            <a:graphicFrameLocks noGrp="1"/>
+          </p:cNvGraphicFramePr>
+          <p:nvPr>
+            <p:extLst>
+              <p:ext uri="{D42A27DB-BD31-4B8C-83A1-F6EECF244321}">
+                <p14:modId xmlns:p14="http://schemas.microsoft.com/office/powerpoint/2010/main" val="3379038808"/>
+              </p:ext>
+            </p:extLst>
+          </p:nvPr>
+        </p:nvGraphicFramePr>
+        <p:xfrm>
+          <a:off x="5764208" y="9733079"/>
+          <a:ext cx="380340" cy="457200"/>
+        </p:xfrm>
+        <a:graphic>
+          <a:graphicData uri="http://schemas.openxmlformats.org/drawingml/2006/table">
+            <a:tbl>
+              <a:tblPr firstRow="1" bandRow="1">
+                <a:tableStyleId>{5C22544A-7EE6-4342-B048-85BDC9FD1C3A}</a:tableStyleId>
+              </a:tblPr>
+              <a:tblGrid>
+                <a:gridCol w="380340">
+                  <a:extLst>
+                    <a:ext uri="{9D8B030D-6E8A-4147-A177-3AD203B41FA5}">
+                      <a16:colId xmlns:a16="http://schemas.microsoft.com/office/drawing/2014/main" val="3137296532"/>
+                    </a:ext>
+                  </a:extLst>
+                </a:gridCol>
+              </a:tblGrid>
+              <a:tr h="370840">
+                <a:tc>
+                  <a:txBody>
+                    <a:bodyPr/>
+                    <a:lstStyle/>
+                    <a:p>
+                      <a:pPr algn="ctr"/>
+                      <a:r>
+                        <a:rPr lang="pt-BR" sz="2400" dirty="0">
+                          <a:solidFill>
+                            <a:srgbClr val="7BE1DC"/>
+                          </a:solidFill>
+                          <a:highlight>
+                            <a:srgbClr val="273C42"/>
+                          </a:highlight>
+                        </a:rPr>
+                        <a:t>9</a:t>
+                      </a:r>
+                    </a:p>
+                  </a:txBody>
+                  <a:tcPr>
+                    <a:solidFill>
+                      <a:srgbClr val="273C42"/>
+                    </a:solidFill>
+                  </a:tcPr>
+                </a:tc>
+                <a:extLst>
+                  <a:ext uri="{0D108BD9-81ED-4DB2-BD59-A6C34878D82A}">
+                    <a16:rowId xmlns:a16="http://schemas.microsoft.com/office/drawing/2014/main" val="2634130274"/>
+                  </a:ext>
+                </a:extLst>
+              </a:tr>
+            </a:tbl>
+          </a:graphicData>
+        </a:graphic>
+      </p:graphicFrame>
+      <p:graphicFrame>
+        <p:nvGraphicFramePr>
+          <p:cNvPr id="39" name="Tabela 38">
+            <a:extLst>
+              <a:ext uri="{FF2B5EF4-FFF2-40B4-BE49-F238E27FC236}">
+                <a16:creationId xmlns:a16="http://schemas.microsoft.com/office/drawing/2014/main" id="{1A6DFFFC-C637-4E91-9C7C-C674371AFDE5}"/>
+              </a:ext>
+            </a:extLst>
+          </p:cNvPr>
+          <p:cNvGraphicFramePr>
+            <a:graphicFrameLocks noGrp="1"/>
+          </p:cNvGraphicFramePr>
+          <p:nvPr>
+            <p:extLst>
+              <p:ext uri="{D42A27DB-BD31-4B8C-83A1-F6EECF244321}">
+                <p14:modId xmlns:p14="http://schemas.microsoft.com/office/powerpoint/2010/main" val="2588025561"/>
+              </p:ext>
+            </p:extLst>
+          </p:nvPr>
+        </p:nvGraphicFramePr>
+        <p:xfrm>
+          <a:off x="6495182" y="9742238"/>
+          <a:ext cx="405130" cy="457200"/>
+        </p:xfrm>
+        <a:graphic>
+          <a:graphicData uri="http://schemas.openxmlformats.org/drawingml/2006/table">
+            <a:tbl>
+              <a:tblPr firstRow="1" bandRow="1">
+                <a:tableStyleId>{5C22544A-7EE6-4342-B048-85BDC9FD1C3A}</a:tableStyleId>
+              </a:tblPr>
+              <a:tblGrid>
+                <a:gridCol w="405130">
+                  <a:extLst>
+                    <a:ext uri="{9D8B030D-6E8A-4147-A177-3AD203B41FA5}">
+                      <a16:colId xmlns:a16="http://schemas.microsoft.com/office/drawing/2014/main" val="3137296532"/>
+                    </a:ext>
+                  </a:extLst>
+                </a:gridCol>
+              </a:tblGrid>
+              <a:tr h="370840">
+                <a:tc>
+                  <a:txBody>
+                    <a:bodyPr/>
+                    <a:lstStyle/>
+                    <a:p>
+                      <a:pPr algn="ctr"/>
+                      <a:r>
+                        <a:rPr lang="pt-BR" sz="2400" dirty="0">
+                          <a:solidFill>
+                            <a:srgbClr val="7BE1DC"/>
+                          </a:solidFill>
+                          <a:highlight>
+                            <a:srgbClr val="273C42"/>
+                          </a:highlight>
+                        </a:rPr>
+                        <a:t>1</a:t>
+                      </a:r>
+                    </a:p>
+                  </a:txBody>
+                  <a:tcPr>
+                    <a:solidFill>
+                      <a:srgbClr val="273C42"/>
+                    </a:solidFill>
+                  </a:tcPr>
+                </a:tc>
+                <a:extLst>
+                  <a:ext uri="{0D108BD9-81ED-4DB2-BD59-A6C34878D82A}">
+                    <a16:rowId xmlns:a16="http://schemas.microsoft.com/office/drawing/2014/main" val="2634130274"/>
+                  </a:ext>
+                </a:extLst>
+              </a:tr>
+            </a:tbl>
+          </a:graphicData>
+        </a:graphic>
+      </p:graphicFrame>
+      <p:graphicFrame>
+        <p:nvGraphicFramePr>
+          <p:cNvPr id="40" name="Tabela 39">
+            <a:extLst>
+              <a:ext uri="{FF2B5EF4-FFF2-40B4-BE49-F238E27FC236}">
+                <a16:creationId xmlns:a16="http://schemas.microsoft.com/office/drawing/2014/main" id="{298CB808-49B7-8EE3-F892-79288F6ADF99}"/>
+              </a:ext>
+            </a:extLst>
+          </p:cNvPr>
+          <p:cNvGraphicFramePr>
+            <a:graphicFrameLocks noGrp="1"/>
+          </p:cNvGraphicFramePr>
+          <p:nvPr>
+            <p:extLst>
+              <p:ext uri="{D42A27DB-BD31-4B8C-83A1-F6EECF244321}">
+                <p14:modId xmlns:p14="http://schemas.microsoft.com/office/powerpoint/2010/main" val="2752742634"/>
+              </p:ext>
+            </p:extLst>
+          </p:nvPr>
+        </p:nvGraphicFramePr>
+        <p:xfrm>
+          <a:off x="7593425" y="9700688"/>
+          <a:ext cx="380340" cy="457200"/>
+        </p:xfrm>
+        <a:graphic>
+          <a:graphicData uri="http://schemas.openxmlformats.org/drawingml/2006/table">
+            <a:tbl>
+              <a:tblPr firstRow="1" bandRow="1">
+                <a:tableStyleId>{5C22544A-7EE6-4342-B048-85BDC9FD1C3A}</a:tableStyleId>
+              </a:tblPr>
+              <a:tblGrid>
+                <a:gridCol w="380340">
+                  <a:extLst>
+                    <a:ext uri="{9D8B030D-6E8A-4147-A177-3AD203B41FA5}">
+                      <a16:colId xmlns:a16="http://schemas.microsoft.com/office/drawing/2014/main" val="3137296532"/>
+                    </a:ext>
+                  </a:extLst>
+                </a:gridCol>
+              </a:tblGrid>
+              <a:tr h="370840">
+                <a:tc>
+                  <a:txBody>
+                    <a:bodyPr/>
+                    <a:lstStyle/>
+                    <a:p>
+                      <a:pPr algn="ctr"/>
+                      <a:r>
+                        <a:rPr lang="pt-BR" sz="2400" dirty="0">
+                          <a:solidFill>
+                            <a:srgbClr val="7BE1DC"/>
+                          </a:solidFill>
+                          <a:highlight>
+                            <a:srgbClr val="273C42"/>
+                          </a:highlight>
+                        </a:rPr>
+                        <a:t>4</a:t>
+                      </a:r>
+                    </a:p>
+                  </a:txBody>
+                  <a:tcPr>
+                    <a:solidFill>
+                      <a:srgbClr val="273C42"/>
+                    </a:solidFill>
+                  </a:tcPr>
+                </a:tc>
+                <a:extLst>
+                  <a:ext uri="{0D108BD9-81ED-4DB2-BD59-A6C34878D82A}">
+                    <a16:rowId xmlns:a16="http://schemas.microsoft.com/office/drawing/2014/main" val="2634130274"/>
+                  </a:ext>
+                </a:extLst>
+              </a:tr>
+            </a:tbl>
+          </a:graphicData>
+        </a:graphic>
+      </p:graphicFrame>
+      <p:graphicFrame>
+        <p:nvGraphicFramePr>
+          <p:cNvPr id="41" name="Tabela 40">
+            <a:extLst>
+              <a:ext uri="{FF2B5EF4-FFF2-40B4-BE49-F238E27FC236}">
+                <a16:creationId xmlns:a16="http://schemas.microsoft.com/office/drawing/2014/main" id="{B10653E2-27E8-C97E-6984-4E7671FED79A}"/>
+              </a:ext>
+            </a:extLst>
+          </p:cNvPr>
+          <p:cNvGraphicFramePr>
+            <a:graphicFrameLocks noGrp="1"/>
+          </p:cNvGraphicFramePr>
+          <p:nvPr>
+            <p:extLst>
+              <p:ext uri="{D42A27DB-BD31-4B8C-83A1-F6EECF244321}">
+                <p14:modId xmlns:p14="http://schemas.microsoft.com/office/powerpoint/2010/main" val="2998302151"/>
+              </p:ext>
+            </p:extLst>
+          </p:nvPr>
+        </p:nvGraphicFramePr>
+        <p:xfrm>
+          <a:off x="8228595" y="9700688"/>
+          <a:ext cx="405130" cy="457200"/>
+        </p:xfrm>
+        <a:graphic>
+          <a:graphicData uri="http://schemas.openxmlformats.org/drawingml/2006/table">
+            <a:tbl>
+              <a:tblPr firstRow="1" bandRow="1">
+                <a:tableStyleId>{5C22544A-7EE6-4342-B048-85BDC9FD1C3A}</a:tableStyleId>
+              </a:tblPr>
+              <a:tblGrid>
+                <a:gridCol w="405130">
+                  <a:extLst>
+                    <a:ext uri="{9D8B030D-6E8A-4147-A177-3AD203B41FA5}">
+                      <a16:colId xmlns:a16="http://schemas.microsoft.com/office/drawing/2014/main" val="3137296532"/>
+                    </a:ext>
+                  </a:extLst>
+                </a:gridCol>
+              </a:tblGrid>
+              <a:tr h="370840">
+                <a:tc>
+                  <a:txBody>
+                    <a:bodyPr/>
+                    <a:lstStyle/>
+                    <a:p>
+                      <a:pPr algn="ctr"/>
+                      <a:r>
+                        <a:rPr lang="pt-BR" sz="2400" dirty="0">
+                          <a:solidFill>
+                            <a:srgbClr val="7BE1DC"/>
+                          </a:solidFill>
+                          <a:highlight>
+                            <a:srgbClr val="273C42"/>
+                          </a:highlight>
+                        </a:rPr>
+                        <a:t>9</a:t>
+                      </a:r>
+                    </a:p>
+                  </a:txBody>
+                  <a:tcPr>
+                    <a:solidFill>
+                      <a:srgbClr val="273C42"/>
+                    </a:solidFill>
+                  </a:tcPr>
+                </a:tc>
+                <a:extLst>
+                  <a:ext uri="{0D108BD9-81ED-4DB2-BD59-A6C34878D82A}">
+                    <a16:rowId xmlns:a16="http://schemas.microsoft.com/office/drawing/2014/main" val="2634130274"/>
+                  </a:ext>
+                </a:extLst>
+              </a:tr>
+            </a:tbl>
+          </a:graphicData>
+        </a:graphic>
+      </p:graphicFrame>
+      <p:sp>
+        <p:nvSpPr>
+          <p:cNvPr id="42" name="Seta: para a Direita 41">
+            <a:extLst>
+              <a:ext uri="{FF2B5EF4-FFF2-40B4-BE49-F238E27FC236}">
+                <a16:creationId xmlns:a16="http://schemas.microsoft.com/office/drawing/2014/main" id="{39AE1E9B-07B9-8B14-919B-38B3374E322E}"/>
+              </a:ext>
+            </a:extLst>
+          </p:cNvPr>
+          <p:cNvSpPr/>
+          <p:nvPr/>
+        </p:nvSpPr>
+        <p:spPr>
+          <a:xfrm rot="4277120">
+            <a:off x="8142028" y="9270040"/>
+            <a:ext cx="542662" cy="206320"/>
+          </a:xfrm>
+          <a:prstGeom prst="rightArrow">
+            <a:avLst/>
+          </a:prstGeom>
+          <a:solidFill>
+            <a:srgbClr val="2F7586"/>
+          </a:solidFill>
+          <a:ln>
+            <a:noFill/>
+          </a:ln>
+        </p:spPr>
+        <p:style>
+          <a:lnRef idx="2">
+            <a:schemeClr val="accent1">
+              <a:shade val="15000"/>
+            </a:schemeClr>
+          </a:lnRef>
+          <a:fillRef idx="1">
+            <a:schemeClr val="accent1"/>
+          </a:fillRef>
+          <a:effectRef idx="0">
+            <a:schemeClr val="accent1"/>
+          </a:effectRef>
+          <a:fontRef idx="minor">
+            <a:schemeClr val="lt1"/>
+          </a:fontRef>
+        </p:style>
+        <p:txBody>
+          <a:bodyPr rtlCol="0" anchor="ctr"/>
+          <a:lstStyle/>
+          <a:p>
+            <a:pPr algn="ctr"/>
+            <a:endParaRPr lang="pt-BR">
+              <a:solidFill>
+                <a:schemeClr val="tx1"/>
+              </a:solidFill>
+            </a:endParaRPr>
+          </a:p>
+        </p:txBody>
+      </p:sp>
+      <p:sp>
+        <p:nvSpPr>
+          <p:cNvPr id="43" name="Seta: para a Direita 42">
+            <a:extLst>
+              <a:ext uri="{FF2B5EF4-FFF2-40B4-BE49-F238E27FC236}">
+                <a16:creationId xmlns:a16="http://schemas.microsoft.com/office/drawing/2014/main" id="{C87EA5B6-910B-CCF4-ED3B-ACE6D37AE609}"/>
+              </a:ext>
+            </a:extLst>
+          </p:cNvPr>
+          <p:cNvSpPr/>
+          <p:nvPr/>
+        </p:nvSpPr>
+        <p:spPr>
+          <a:xfrm rot="17322880" flipH="1">
+            <a:off x="7618899" y="9270014"/>
+            <a:ext cx="542662" cy="206320"/>
+          </a:xfrm>
+          <a:prstGeom prst="rightArrow">
+            <a:avLst/>
+          </a:prstGeom>
+          <a:solidFill>
+            <a:srgbClr val="2F7586"/>
+          </a:solidFill>
+          <a:ln>
+            <a:noFill/>
+          </a:ln>
+        </p:spPr>
+        <p:style>
+          <a:lnRef idx="2">
+            <a:schemeClr val="accent1">
+              <a:shade val="15000"/>
+            </a:schemeClr>
+          </a:lnRef>
+          <a:fillRef idx="1">
+            <a:schemeClr val="accent1"/>
+          </a:fillRef>
+          <a:effectRef idx="0">
+            <a:schemeClr val="accent1"/>
+          </a:effectRef>
+          <a:fontRef idx="minor">
+            <a:schemeClr val="lt1"/>
+          </a:fontRef>
+        </p:style>
+        <p:txBody>
+          <a:bodyPr rtlCol="0" anchor="ctr"/>
+          <a:lstStyle/>
+          <a:p>
+            <a:pPr algn="ctr"/>
+            <a:endParaRPr lang="pt-BR">
+              <a:solidFill>
+                <a:schemeClr val="tx1"/>
+              </a:solidFill>
+            </a:endParaRPr>
+          </a:p>
+        </p:txBody>
+      </p:sp>
+      <p:graphicFrame>
+        <p:nvGraphicFramePr>
+          <p:cNvPr id="44" name="Tabela 43">
+            <a:extLst>
+              <a:ext uri="{FF2B5EF4-FFF2-40B4-BE49-F238E27FC236}">
+                <a16:creationId xmlns:a16="http://schemas.microsoft.com/office/drawing/2014/main" id="{ED82F031-F0C7-0A9E-8BAD-F60EEA2B128B}"/>
+              </a:ext>
+            </a:extLst>
+          </p:cNvPr>
+          <p:cNvGraphicFramePr>
+            <a:graphicFrameLocks noGrp="1"/>
+          </p:cNvGraphicFramePr>
+          <p:nvPr>
+            <p:extLst>
+              <p:ext uri="{D42A27DB-BD31-4B8C-83A1-F6EECF244321}">
+                <p14:modId xmlns:p14="http://schemas.microsoft.com/office/powerpoint/2010/main" val="1758597550"/>
+              </p:ext>
+            </p:extLst>
+          </p:nvPr>
+        </p:nvGraphicFramePr>
+        <p:xfrm>
+          <a:off x="2196340" y="10784639"/>
+          <a:ext cx="380340" cy="457200"/>
+        </p:xfrm>
+        <a:graphic>
+          <a:graphicData uri="http://schemas.openxmlformats.org/drawingml/2006/table">
+            <a:tbl>
+              <a:tblPr firstRow="1" bandRow="1">
+                <a:tableStyleId>{5C22544A-7EE6-4342-B048-85BDC9FD1C3A}</a:tableStyleId>
+              </a:tblPr>
+              <a:tblGrid>
+                <a:gridCol w="380340">
+                  <a:extLst>
+                    <a:ext uri="{9D8B030D-6E8A-4147-A177-3AD203B41FA5}">
+                      <a16:colId xmlns:a16="http://schemas.microsoft.com/office/drawing/2014/main" val="548747222"/>
+                    </a:ext>
+                  </a:extLst>
+                </a:gridCol>
+              </a:tblGrid>
+              <a:tr h="370840">
+                <a:tc>
+                  <a:txBody>
+                    <a:bodyPr/>
+                    <a:lstStyle/>
+                    <a:p>
+                      <a:pPr algn="ctr"/>
+                      <a:r>
+                        <a:rPr lang="pt-BR" sz="2400" dirty="0">
+                          <a:solidFill>
+                            <a:srgbClr val="7BE1DC"/>
+                          </a:solidFill>
+                          <a:highlight>
+                            <a:srgbClr val="273C42"/>
+                          </a:highlight>
+                        </a:rPr>
+                        <a:t>2</a:t>
+                      </a:r>
+                    </a:p>
+                  </a:txBody>
+                  <a:tcPr>
+                    <a:solidFill>
+                      <a:srgbClr val="273C42"/>
+                    </a:solidFill>
+                  </a:tcPr>
+                </a:tc>
+                <a:extLst>
+                  <a:ext uri="{0D108BD9-81ED-4DB2-BD59-A6C34878D82A}">
+                    <a16:rowId xmlns:a16="http://schemas.microsoft.com/office/drawing/2014/main" val="2634130274"/>
+                  </a:ext>
+                </a:extLst>
+              </a:tr>
+            </a:tbl>
+          </a:graphicData>
+        </a:graphic>
+      </p:graphicFrame>
+      <p:graphicFrame>
+        <p:nvGraphicFramePr>
+          <p:cNvPr id="45" name="Tabela 44">
+            <a:extLst>
+              <a:ext uri="{FF2B5EF4-FFF2-40B4-BE49-F238E27FC236}">
+                <a16:creationId xmlns:a16="http://schemas.microsoft.com/office/drawing/2014/main" id="{B4C048B7-A671-BE32-D38B-BC04708F39F0}"/>
+              </a:ext>
+            </a:extLst>
+          </p:cNvPr>
+          <p:cNvGraphicFramePr>
+            <a:graphicFrameLocks noGrp="1"/>
+          </p:cNvGraphicFramePr>
+          <p:nvPr>
+            <p:extLst>
+              <p:ext uri="{D42A27DB-BD31-4B8C-83A1-F6EECF244321}">
+                <p14:modId xmlns:p14="http://schemas.microsoft.com/office/powerpoint/2010/main" val="1827730361"/>
+              </p:ext>
+            </p:extLst>
+          </p:nvPr>
+        </p:nvGraphicFramePr>
+        <p:xfrm>
+          <a:off x="2753571" y="10784639"/>
+          <a:ext cx="380340" cy="457200"/>
+        </p:xfrm>
+        <a:graphic>
+          <a:graphicData uri="http://schemas.openxmlformats.org/drawingml/2006/table">
+            <a:tbl>
+              <a:tblPr firstRow="1" bandRow="1">
+                <a:tableStyleId>{5C22544A-7EE6-4342-B048-85BDC9FD1C3A}</a:tableStyleId>
+              </a:tblPr>
+              <a:tblGrid>
+                <a:gridCol w="380340">
+                  <a:extLst>
+                    <a:ext uri="{9D8B030D-6E8A-4147-A177-3AD203B41FA5}">
+                      <a16:colId xmlns:a16="http://schemas.microsoft.com/office/drawing/2014/main" val="3137296532"/>
+                    </a:ext>
+                  </a:extLst>
+                </a:gridCol>
+              </a:tblGrid>
+              <a:tr h="370840">
+                <a:tc>
+                  <a:txBody>
+                    <a:bodyPr/>
+                    <a:lstStyle/>
+                    <a:p>
+                      <a:pPr algn="ctr"/>
+                      <a:r>
+                        <a:rPr lang="pt-BR" sz="2400" dirty="0">
+                          <a:solidFill>
+                            <a:srgbClr val="7BE1DC"/>
+                          </a:solidFill>
+                          <a:highlight>
+                            <a:srgbClr val="273C42"/>
+                          </a:highlight>
+                        </a:rPr>
+                        <a:t>6</a:t>
+                      </a:r>
+                    </a:p>
+                  </a:txBody>
+                  <a:tcPr>
+                    <a:solidFill>
+                      <a:srgbClr val="273C42"/>
+                    </a:solidFill>
+                  </a:tcPr>
+                </a:tc>
+                <a:extLst>
+                  <a:ext uri="{0D108BD9-81ED-4DB2-BD59-A6C34878D82A}">
+                    <a16:rowId xmlns:a16="http://schemas.microsoft.com/office/drawing/2014/main" val="2634130274"/>
+                  </a:ext>
+                </a:extLst>
+              </a:tr>
+            </a:tbl>
+          </a:graphicData>
+        </a:graphic>
+      </p:graphicFrame>
+      <p:sp>
+        <p:nvSpPr>
+          <p:cNvPr id="46" name="Seta: para a Direita 45">
+            <a:extLst>
+              <a:ext uri="{FF2B5EF4-FFF2-40B4-BE49-F238E27FC236}">
+                <a16:creationId xmlns:a16="http://schemas.microsoft.com/office/drawing/2014/main" id="{80E88C33-450F-96C2-4D47-496F15ED7DD7}"/>
+              </a:ext>
+            </a:extLst>
+          </p:cNvPr>
+          <p:cNvSpPr/>
+          <p:nvPr/>
+        </p:nvSpPr>
+        <p:spPr>
+          <a:xfrm rot="4277120">
+            <a:off x="2647967" y="10356398"/>
+            <a:ext cx="542662" cy="206320"/>
+          </a:xfrm>
+          <a:prstGeom prst="rightArrow">
+            <a:avLst/>
+          </a:prstGeom>
+          <a:solidFill>
+            <a:srgbClr val="2F7586"/>
+          </a:solidFill>
+          <a:ln>
+            <a:noFill/>
+          </a:ln>
+        </p:spPr>
+        <p:style>
+          <a:lnRef idx="2">
+            <a:schemeClr val="accent1">
+              <a:shade val="15000"/>
+            </a:schemeClr>
+          </a:lnRef>
+          <a:fillRef idx="1">
+            <a:schemeClr val="accent1"/>
+          </a:fillRef>
+          <a:effectRef idx="0">
+            <a:schemeClr val="accent1"/>
+          </a:effectRef>
+          <a:fontRef idx="minor">
+            <a:schemeClr val="lt1"/>
+          </a:fontRef>
+        </p:style>
+        <p:txBody>
+          <a:bodyPr rtlCol="0" anchor="ctr"/>
+          <a:lstStyle/>
+          <a:p>
+            <a:pPr algn="ctr"/>
+            <a:endParaRPr lang="pt-BR">
+              <a:solidFill>
+                <a:schemeClr val="tx1"/>
+              </a:solidFill>
+            </a:endParaRPr>
+          </a:p>
+        </p:txBody>
+      </p:sp>
+      <p:sp>
+        <p:nvSpPr>
+          <p:cNvPr id="47" name="Seta: para a Direita 46">
+            <a:extLst>
+              <a:ext uri="{FF2B5EF4-FFF2-40B4-BE49-F238E27FC236}">
+                <a16:creationId xmlns:a16="http://schemas.microsoft.com/office/drawing/2014/main" id="{FCA6A38F-86FC-2261-C6B4-0BAD4766E61A}"/>
+              </a:ext>
+            </a:extLst>
+          </p:cNvPr>
+          <p:cNvSpPr/>
+          <p:nvPr/>
+        </p:nvSpPr>
+        <p:spPr>
+          <a:xfrm rot="17322880" flipH="1">
+            <a:off x="2124838" y="10356372"/>
+            <a:ext cx="542662" cy="206320"/>
+          </a:xfrm>
+          <a:prstGeom prst="rightArrow">
+            <a:avLst/>
+          </a:prstGeom>
+          <a:solidFill>
+            <a:srgbClr val="2F7586"/>
+          </a:solidFill>
+          <a:ln>
+            <a:noFill/>
+          </a:ln>
+        </p:spPr>
+        <p:style>
+          <a:lnRef idx="2">
+            <a:schemeClr val="accent1">
+              <a:shade val="15000"/>
+            </a:schemeClr>
+          </a:lnRef>
+          <a:fillRef idx="1">
+            <a:schemeClr val="accent1"/>
+          </a:fillRef>
+          <a:effectRef idx="0">
+            <a:schemeClr val="accent1"/>
+          </a:effectRef>
+          <a:fontRef idx="minor">
+            <a:schemeClr val="lt1"/>
+          </a:fontRef>
+        </p:style>
+        <p:txBody>
+          <a:bodyPr rtlCol="0" anchor="ctr"/>
+          <a:lstStyle/>
+          <a:p>
+            <a:pPr algn="ctr"/>
+            <a:endParaRPr lang="pt-BR">
+              <a:solidFill>
+                <a:schemeClr val="tx1"/>
+              </a:solidFill>
+            </a:endParaRPr>
+          </a:p>
+        </p:txBody>
+      </p:sp>
+      <p:sp>
+        <p:nvSpPr>
+          <p:cNvPr id="48" name="Espaço Reservado para Rodapé 10">
+            <a:extLst>
+              <a:ext uri="{FF2B5EF4-FFF2-40B4-BE49-F238E27FC236}">
+                <a16:creationId xmlns:a16="http://schemas.microsoft.com/office/drawing/2014/main" id="{385CA180-CE12-DEA2-4391-06E941A4189E}"/>
+              </a:ext>
+            </a:extLst>
+          </p:cNvPr>
+          <p:cNvSpPr>
+            <a:spLocks noGrp="1"/>
+          </p:cNvSpPr>
+          <p:nvPr>
+            <p:ph type="ftr" sz="quarter" idx="11"/>
+          </p:nvPr>
+        </p:nvSpPr>
+        <p:spPr>
+          <a:xfrm>
+            <a:off x="2820353" y="11865188"/>
+            <a:ext cx="4030027" cy="681567"/>
+          </a:xfrm>
+        </p:spPr>
+        <p:txBody>
+          <a:bodyPr/>
+          <a:lstStyle/>
+          <a:p>
+            <a:r>
+              <a:rPr lang="pt-BR" dirty="0"/>
+              <a:t>ALGORITIMOS DE ORDENAÇÃO – Jefferson Mesquita</a:t>
+            </a:r>
+          </a:p>
+        </p:txBody>
+      </p:sp>
     </p:spTree>
     <p:extLst>
       <p:ext uri="{BB962C8B-B14F-4D97-AF65-F5344CB8AC3E}">
@@ -4410,50 +7230,6 @@
       </p:grpSpPr>
       <p:sp>
         <p:nvSpPr>
-          <p:cNvPr id="2" name="texto_componente">
-            <a:extLst>
-              <a:ext uri="{FF2B5EF4-FFF2-40B4-BE49-F238E27FC236}">
-                <a16:creationId xmlns:a16="http://schemas.microsoft.com/office/drawing/2014/main" id="{5F8A268F-DF04-2C6F-1AF7-579F8D46FDD0}"/>
-              </a:ext>
-            </a:extLst>
-          </p:cNvPr>
-          <p:cNvSpPr txBox="1"/>
-          <p:nvPr/>
-        </p:nvSpPr>
-        <p:spPr>
-          <a:xfrm>
-            <a:off x="870768" y="2822078"/>
-            <a:ext cx="7816645" cy="2308324"/>
-          </a:xfrm>
-          <a:prstGeom prst="rect">
-            <a:avLst/>
-          </a:prstGeom>
-          <a:noFill/>
-        </p:spPr>
-        <p:txBody>
-          <a:bodyPr wrap="square" rtlCol="0">
-            <a:spAutoFit/>
-          </a:bodyPr>
-          <a:lstStyle/>
-          <a:p>
-            <a:pPr algn="ctr"/>
-            <a:r>
-              <a:rPr lang="pt-BR" sz="2400" dirty="0"/>
-              <a:t>O seletor de filho direto é semelhante ao seletor de descendente, mas seleciona apenas os elementos filhos diretos de um elemento pai. Por exemplo, para estilizar apenas os parágrafos que são filhos diretos de uma </a:t>
-            </a:r>
-            <a:r>
-              <a:rPr lang="pt-BR" sz="2400" dirty="0" err="1"/>
-              <a:t>div</a:t>
-            </a:r>
-            <a:r>
-              <a:rPr lang="pt-BR" sz="2400" dirty="0"/>
-              <a:t> com a classe "destaque", você pode usar o seletor .destaque &gt; p. Veja o exemplo</a:t>
-            </a:r>
-          </a:p>
-        </p:txBody>
-      </p:sp>
-      <p:sp>
-        <p:nvSpPr>
           <p:cNvPr id="3" name="titulo_componente">
             <a:extLst>
               <a:ext uri="{FF2B5EF4-FFF2-40B4-BE49-F238E27FC236}">
@@ -4484,65 +7260,7 @@
               <a:rPr lang="pt-BR" sz="4000" dirty="0">
                 <a:latin typeface="Impact" panose="020B0806030902050204" pitchFamily="34" charset="0"/>
               </a:rPr>
-              <a:t> SELETOR DE FILHO DIRETO</a:t>
-            </a:r>
-          </a:p>
-        </p:txBody>
-      </p:sp>
-      <p:pic>
-        <p:nvPicPr>
-          <p:cNvPr id="6" name="Imagem 5">
-            <a:extLst>
-              <a:ext uri="{FF2B5EF4-FFF2-40B4-BE49-F238E27FC236}">
-                <a16:creationId xmlns:a16="http://schemas.microsoft.com/office/drawing/2014/main" id="{E37A2726-DEDE-D6F8-5606-6CD681A8B339}"/>
-              </a:ext>
-            </a:extLst>
-          </p:cNvPr>
-          <p:cNvPicPr>
-            <a:picLocks noChangeAspect="1"/>
-          </p:cNvPicPr>
-          <p:nvPr/>
-        </p:nvPicPr>
-        <p:blipFill>
-          <a:blip r:embed="rId2"/>
-          <a:stretch>
-            <a:fillRect/>
-          </a:stretch>
-        </p:blipFill>
-        <p:spPr>
-          <a:xfrm>
-            <a:off x="0" y="4916449"/>
-            <a:ext cx="9601200" cy="4384548"/>
-          </a:xfrm>
-          <a:prstGeom prst="rect">
-            <a:avLst/>
-          </a:prstGeom>
-        </p:spPr>
-      </p:pic>
-      <p:sp>
-        <p:nvSpPr>
-          <p:cNvPr id="11" name="Espaço Reservado para Rodapé 10">
-            <a:extLst>
-              <a:ext uri="{FF2B5EF4-FFF2-40B4-BE49-F238E27FC236}">
-                <a16:creationId xmlns:a16="http://schemas.microsoft.com/office/drawing/2014/main" id="{1C2FB977-C576-929A-11F8-065104F07336}"/>
-              </a:ext>
-            </a:extLst>
-          </p:cNvPr>
-          <p:cNvSpPr>
-            <a:spLocks noGrp="1"/>
-          </p:cNvSpPr>
-          <p:nvPr>
-            <p:ph type="ftr" sz="quarter" idx="11"/>
-          </p:nvPr>
-        </p:nvSpPr>
-        <p:spPr/>
-        <p:txBody>
-          <a:bodyPr/>
-          <a:lstStyle/>
-          <a:p>
-            <a:r>
-              <a:rPr lang="pt-BR"/>
-              <a:t>SELETORES CSS PARA JEDIS - FELIPE AGUIAR</a:t>
+              <a:t>Exemplo de código</a:t>
             </a:r>
           </a:p>
         </p:txBody>
@@ -4576,113 +7294,6 @@
           </a:p>
         </p:txBody>
       </p:sp>
-      <p:pic>
-        <p:nvPicPr>
-          <p:cNvPr id="13" name="Picture 8" descr="Would you like to see new lightsaber variants in the future? | Fandom">
-            <a:extLst>
-              <a:ext uri="{FF2B5EF4-FFF2-40B4-BE49-F238E27FC236}">
-                <a16:creationId xmlns:a16="http://schemas.microsoft.com/office/drawing/2014/main" id="{4E14F219-994E-D2D9-CDB3-F00CFDFF6616}"/>
-              </a:ext>
-            </a:extLst>
-          </p:cNvPr>
-          <p:cNvPicPr>
-            <a:picLocks noChangeAspect="1" noChangeArrowheads="1"/>
-          </p:cNvPicPr>
-          <p:nvPr/>
-        </p:nvPicPr>
-        <p:blipFill>
-          <a:blip r:embed="rId3">
-            <a:extLst>
-              <a:ext uri="{BEBA8EAE-BF5A-486C-A8C5-ECC9F3942E4B}">
-                <a14:imgProps xmlns:a14="http://schemas.microsoft.com/office/drawing/2010/main">
-                  <a14:imgLayer r:embed="rId4">
-                    <a14:imgEffect>
-                      <a14:brightnessContrast bright="40000" contrast="20000"/>
-                    </a14:imgEffect>
-                  </a14:imgLayer>
-                </a14:imgProps>
-              </a:ext>
-              <a:ext uri="{28A0092B-C50C-407E-A947-70E740481C1C}">
-                <a14:useLocalDpi xmlns:a14="http://schemas.microsoft.com/office/drawing/2010/main" val="0"/>
-              </a:ext>
-            </a:extLst>
-          </a:blip>
-          <a:srcRect/>
-          <a:stretch>
-            <a:fillRect/>
-          </a:stretch>
-        </p:blipFill>
-        <p:spPr bwMode="auto">
-          <a:xfrm rot="1987839">
-            <a:off x="3038474" y="971271"/>
-            <a:ext cx="3524250" cy="2447925"/>
-          </a:xfrm>
-          <a:prstGeom prst="rect">
-            <a:avLst/>
-          </a:prstGeom>
-          <a:noFill/>
-          <a:extLst>
-            <a:ext uri="{909E8E84-426E-40DD-AFC4-6F175D3DCCD1}">
-              <a14:hiddenFill xmlns:a14="http://schemas.microsoft.com/office/drawing/2010/main">
-                <a:solidFill>
-                  <a:srgbClr val="FFFFFF"/>
-                </a:solidFill>
-              </a14:hiddenFill>
-            </a:ext>
-          </a:extLst>
-        </p:spPr>
-      </p:pic>
-      <p:pic>
-        <p:nvPicPr>
-          <p:cNvPr id="14" name="logo_css" descr="Ícone&#10;&#10;Descrição gerada automaticamente">
-            <a:extLst>
-              <a:ext uri="{FF2B5EF4-FFF2-40B4-BE49-F238E27FC236}">
-                <a16:creationId xmlns:a16="http://schemas.microsoft.com/office/drawing/2014/main" id="{EBCB20CD-08E1-2EC3-7810-0B62B57993E6}"/>
-              </a:ext>
-            </a:extLst>
-          </p:cNvPr>
-          <p:cNvPicPr>
-            <a:picLocks noChangeAspect="1"/>
-          </p:cNvPicPr>
-          <p:nvPr/>
-        </p:nvPicPr>
-        <p:blipFill rotWithShape="1">
-          <a:blip r:embed="rId5">
-            <a:duotone>
-              <a:schemeClr val="bg2">
-                <a:shade val="45000"/>
-                <a:satMod val="135000"/>
-              </a:schemeClr>
-              <a:prstClr val="white"/>
-            </a:duotone>
-            <a:extLst>
-              <a:ext uri="{BEBA8EAE-BF5A-486C-A8C5-ECC9F3942E4B}">
-                <a14:imgProps xmlns:a14="http://schemas.microsoft.com/office/drawing/2010/main">
-                  <a14:imgLayer r:embed="rId6">
-                    <a14:imgEffect>
-                      <a14:brightnessContrast bright="40000" contrast="40000"/>
-                    </a14:imgEffect>
-                  </a14:imgLayer>
-                </a14:imgProps>
-              </a:ext>
-              <a:ext uri="{28A0092B-C50C-407E-A947-70E740481C1C}">
-                <a14:useLocalDpi xmlns:a14="http://schemas.microsoft.com/office/drawing/2010/main" val="0"/>
-              </a:ext>
-            </a:extLst>
-          </a:blip>
-          <a:srcRect t="-3689"/>
-          <a:stretch/>
-        </p:blipFill>
-        <p:spPr>
-          <a:xfrm>
-            <a:off x="3535992" y="9979522"/>
-            <a:ext cx="2529215" cy="1484352"/>
-          </a:xfrm>
-          <a:prstGeom prst="rect">
-            <a:avLst/>
-          </a:prstGeom>
-        </p:spPr>
-      </p:pic>
       <p:sp>
         <p:nvSpPr>
           <p:cNvPr id="4" name="Retângulo 3">
@@ -4753,6 +7364,411 @@
           </a:p>
         </p:txBody>
       </p:sp>
+      <p:pic>
+        <p:nvPicPr>
+          <p:cNvPr id="7" name="Imagem 6">
+            <a:extLst>
+              <a:ext uri="{FF2B5EF4-FFF2-40B4-BE49-F238E27FC236}">
+                <a16:creationId xmlns:a16="http://schemas.microsoft.com/office/drawing/2014/main" id="{857F323E-21B2-AB98-CE9F-8664F3F3C5A7}"/>
+              </a:ext>
+            </a:extLst>
+          </p:cNvPr>
+          <p:cNvPicPr>
+            <a:picLocks noChangeAspect="1"/>
+          </p:cNvPicPr>
+          <p:nvPr/>
+        </p:nvPicPr>
+        <p:blipFill>
+          <a:blip r:embed="rId2"/>
+          <a:stretch>
+            <a:fillRect/>
+          </a:stretch>
+        </p:blipFill>
+        <p:spPr>
+          <a:xfrm>
+            <a:off x="795281" y="1744126"/>
+            <a:ext cx="8145837" cy="4589370"/>
+          </a:xfrm>
+          <a:prstGeom prst="rect">
+            <a:avLst/>
+          </a:prstGeom>
+        </p:spPr>
+      </p:pic>
+      <p:sp>
+        <p:nvSpPr>
+          <p:cNvPr id="8" name="texto_componente">
+            <a:extLst>
+              <a:ext uri="{FF2B5EF4-FFF2-40B4-BE49-F238E27FC236}">
+                <a16:creationId xmlns:a16="http://schemas.microsoft.com/office/drawing/2014/main" id="{A3DB2989-C108-6138-D842-1F6FA06CE8F7}"/>
+              </a:ext>
+            </a:extLst>
+          </p:cNvPr>
+          <p:cNvSpPr txBox="1"/>
+          <p:nvPr/>
+        </p:nvSpPr>
+        <p:spPr>
+          <a:xfrm>
+            <a:off x="795280" y="6297725"/>
+            <a:ext cx="8145837" cy="5078313"/>
+          </a:xfrm>
+          <a:prstGeom prst="rect">
+            <a:avLst/>
+          </a:prstGeom>
+          <a:noFill/>
+        </p:spPr>
+        <p:txBody>
+          <a:bodyPr wrap="square" rtlCol="0">
+            <a:spAutoFit/>
+          </a:bodyPr>
+          <a:lstStyle/>
+          <a:p>
+            <a:endParaRPr lang="pt-BR" dirty="0"/>
+          </a:p>
+          <a:p>
+            <a:r>
+              <a:rPr lang="pt-BR" dirty="0"/>
+              <a:t>Este código implementa o algoritmo de ordenação Merge </a:t>
+            </a:r>
+            <a:r>
+              <a:rPr lang="pt-BR" dirty="0" err="1"/>
+              <a:t>Sort</a:t>
+            </a:r>
+            <a:r>
+              <a:rPr lang="pt-BR" dirty="0"/>
+              <a:t> em C#. Vou explicar de maneira clara e objetiva o que cada parte do código faz:</a:t>
+            </a:r>
+          </a:p>
+          <a:p>
+            <a:endParaRPr lang="pt-BR" dirty="0"/>
+          </a:p>
+          <a:p>
+            <a:r>
+              <a:rPr lang="pt-BR" b="1" dirty="0" err="1"/>
+              <a:t>MergeSort</a:t>
+            </a:r>
+            <a:r>
+              <a:rPr lang="pt-BR" b="1" dirty="0"/>
+              <a:t>(</a:t>
+            </a:r>
+            <a:r>
+              <a:rPr lang="pt-BR" b="1" dirty="0" err="1"/>
+              <a:t>int</a:t>
+            </a:r>
+            <a:r>
+              <a:rPr lang="pt-BR" b="1" dirty="0"/>
+              <a:t>[] </a:t>
+            </a:r>
+            <a:r>
+              <a:rPr lang="pt-BR" b="1" dirty="0" err="1"/>
+              <a:t>array</a:t>
+            </a:r>
+            <a:r>
+              <a:rPr lang="pt-BR" b="1" dirty="0"/>
+              <a:t>, </a:t>
+            </a:r>
+            <a:r>
+              <a:rPr lang="pt-BR" b="1" dirty="0" err="1"/>
+              <a:t>int</a:t>
+            </a:r>
+            <a:r>
+              <a:rPr lang="pt-BR" b="1" dirty="0"/>
+              <a:t> </a:t>
+            </a:r>
+            <a:r>
+              <a:rPr lang="pt-BR" b="1" dirty="0" err="1"/>
+              <a:t>left</a:t>
+            </a:r>
+            <a:r>
+              <a:rPr lang="pt-BR" b="1" dirty="0"/>
+              <a:t>, </a:t>
+            </a:r>
+            <a:r>
+              <a:rPr lang="pt-BR" b="1" dirty="0" err="1"/>
+              <a:t>int</a:t>
+            </a:r>
+            <a:r>
+              <a:rPr lang="pt-BR" b="1" dirty="0"/>
+              <a:t> </a:t>
+            </a:r>
+            <a:r>
+              <a:rPr lang="pt-BR" b="1" dirty="0" err="1"/>
+              <a:t>right</a:t>
+            </a:r>
+            <a:r>
+              <a:rPr lang="pt-BR" b="1" dirty="0"/>
+              <a:t>):</a:t>
+            </a:r>
+          </a:p>
+          <a:p>
+            <a:pPr marL="285750" indent="-285750">
+              <a:buFont typeface="Arial" panose="020B0604020202020204" pitchFamily="34" charset="0"/>
+              <a:buChar char="•"/>
+            </a:pPr>
+            <a:endParaRPr lang="pt-BR" dirty="0"/>
+          </a:p>
+          <a:p>
+            <a:pPr marL="285750" indent="-285750">
+              <a:buFont typeface="Arial" panose="020B0604020202020204" pitchFamily="34" charset="0"/>
+              <a:buChar char="•"/>
+            </a:pPr>
+            <a:r>
+              <a:rPr lang="pt-BR" dirty="0"/>
+              <a:t>Esta é a função principal do algoritmo Merge </a:t>
+            </a:r>
+            <a:r>
+              <a:rPr lang="pt-BR" dirty="0" err="1"/>
+              <a:t>Sort</a:t>
+            </a:r>
+            <a:r>
+              <a:rPr lang="pt-BR" dirty="0"/>
+              <a:t>.</a:t>
+            </a:r>
+          </a:p>
+          <a:p>
+            <a:pPr marL="285750" indent="-285750">
+              <a:buFont typeface="Arial" panose="020B0604020202020204" pitchFamily="34" charset="0"/>
+              <a:buChar char="•"/>
+            </a:pPr>
+            <a:r>
+              <a:rPr lang="pt-BR" dirty="0"/>
+              <a:t>Ela recebe como entrada um </a:t>
+            </a:r>
+            <a:r>
+              <a:rPr lang="pt-BR" dirty="0" err="1"/>
+              <a:t>array</a:t>
+            </a:r>
+            <a:r>
+              <a:rPr lang="pt-BR" dirty="0"/>
+              <a:t> de inteiros (</a:t>
+            </a:r>
+            <a:r>
+              <a:rPr lang="pt-BR" dirty="0" err="1"/>
+              <a:t>array</a:t>
+            </a:r>
+            <a:r>
+              <a:rPr lang="pt-BR" dirty="0"/>
+              <a:t>) e dois índices, </a:t>
+            </a:r>
+            <a:r>
+              <a:rPr lang="pt-BR" dirty="0" err="1"/>
+              <a:t>left</a:t>
+            </a:r>
+            <a:r>
+              <a:rPr lang="pt-BR" dirty="0"/>
+              <a:t> e </a:t>
+            </a:r>
+            <a:r>
+              <a:rPr lang="pt-BR" dirty="0" err="1"/>
+              <a:t>right</a:t>
+            </a:r>
+            <a:r>
+              <a:rPr lang="pt-BR" dirty="0"/>
+              <a:t>, que indicam os limites esquerdo e direito do </a:t>
+            </a:r>
+            <a:r>
+              <a:rPr lang="pt-BR" dirty="0" err="1"/>
+              <a:t>subarray</a:t>
+            </a:r>
+            <a:r>
+              <a:rPr lang="pt-BR" dirty="0"/>
+              <a:t> a ser ordenado.</a:t>
+            </a:r>
+          </a:p>
+          <a:p>
+            <a:pPr marL="285750" indent="-285750">
+              <a:buFont typeface="Arial" panose="020B0604020202020204" pitchFamily="34" charset="0"/>
+              <a:buChar char="•"/>
+            </a:pPr>
+            <a:r>
+              <a:rPr lang="pt-BR" dirty="0"/>
+              <a:t>A função começa verificando se o índice </a:t>
+            </a:r>
+            <a:r>
+              <a:rPr lang="pt-BR" dirty="0" err="1"/>
+              <a:t>left</a:t>
+            </a:r>
+            <a:r>
+              <a:rPr lang="pt-BR" dirty="0"/>
+              <a:t> é menor que o índice </a:t>
+            </a:r>
+            <a:r>
+              <a:rPr lang="pt-BR" dirty="0" err="1"/>
+              <a:t>right</a:t>
+            </a:r>
+            <a:r>
+              <a:rPr lang="pt-BR" dirty="0"/>
+              <a:t>, garantindo que ainda há elementos para serem ordenados no </a:t>
+            </a:r>
+            <a:r>
+              <a:rPr lang="pt-BR" dirty="0" err="1"/>
+              <a:t>subarray</a:t>
+            </a:r>
+            <a:r>
+              <a:rPr lang="pt-BR" dirty="0"/>
+              <a:t>.</a:t>
+            </a:r>
+          </a:p>
+          <a:p>
+            <a:pPr marL="285750" indent="-285750">
+              <a:buFont typeface="Arial" panose="020B0604020202020204" pitchFamily="34" charset="0"/>
+              <a:buChar char="•"/>
+            </a:pPr>
+            <a:r>
+              <a:rPr lang="pt-BR" dirty="0"/>
+              <a:t>Se essa condição for verdadeira, a função calcula o índice do meio (</a:t>
+            </a:r>
+            <a:r>
+              <a:rPr lang="pt-BR" dirty="0" err="1"/>
+              <a:t>middle</a:t>
+            </a:r>
+            <a:r>
+              <a:rPr lang="pt-BR" dirty="0"/>
+              <a:t>) do </a:t>
+            </a:r>
+            <a:r>
+              <a:rPr lang="pt-BR" dirty="0" err="1"/>
+              <a:t>subarray</a:t>
+            </a:r>
+            <a:r>
+              <a:rPr lang="pt-BR" dirty="0"/>
+              <a:t>, dividindo a soma de </a:t>
+            </a:r>
+            <a:r>
+              <a:rPr lang="pt-BR" dirty="0" err="1"/>
+              <a:t>left</a:t>
+            </a:r>
+            <a:r>
+              <a:rPr lang="pt-BR" dirty="0"/>
+              <a:t> e </a:t>
+            </a:r>
+            <a:r>
+              <a:rPr lang="pt-BR" dirty="0" err="1"/>
+              <a:t>right</a:t>
+            </a:r>
+            <a:r>
+              <a:rPr lang="pt-BR" dirty="0"/>
+              <a:t> por 2.</a:t>
+            </a:r>
+          </a:p>
+          <a:p>
+            <a:pPr marL="285750" indent="-285750">
+              <a:buFont typeface="Arial" panose="020B0604020202020204" pitchFamily="34" charset="0"/>
+              <a:buChar char="•"/>
+            </a:pPr>
+            <a:r>
+              <a:rPr lang="pt-BR" dirty="0"/>
+              <a:t>Em seguida, a função chama recursivamente </a:t>
+            </a:r>
+            <a:r>
+              <a:rPr lang="pt-BR" dirty="0" err="1"/>
+              <a:t>MergeSort</a:t>
+            </a:r>
+            <a:r>
+              <a:rPr lang="pt-BR" dirty="0"/>
+              <a:t> duas vezes: uma para ordenar a metade esquerda do </a:t>
+            </a:r>
+            <a:r>
+              <a:rPr lang="pt-BR" dirty="0" err="1"/>
+              <a:t>subarray</a:t>
+            </a:r>
+            <a:r>
+              <a:rPr lang="pt-BR" dirty="0"/>
+              <a:t> (</a:t>
+            </a:r>
+            <a:r>
+              <a:rPr lang="pt-BR" dirty="0" err="1"/>
+              <a:t>left</a:t>
+            </a:r>
+            <a:r>
+              <a:rPr lang="pt-BR" dirty="0"/>
+              <a:t> até </a:t>
+            </a:r>
+            <a:r>
+              <a:rPr lang="pt-BR" dirty="0" err="1"/>
+              <a:t>middle</a:t>
+            </a:r>
+            <a:r>
+              <a:rPr lang="pt-BR" dirty="0"/>
+              <a:t>) e outra para ordenar a metade direita do </a:t>
+            </a:r>
+            <a:r>
+              <a:rPr lang="pt-BR" dirty="0" err="1"/>
+              <a:t>subarray</a:t>
+            </a:r>
+            <a:r>
+              <a:rPr lang="pt-BR" dirty="0"/>
+              <a:t> (</a:t>
+            </a:r>
+            <a:r>
+              <a:rPr lang="pt-BR" dirty="0" err="1"/>
+              <a:t>middle</a:t>
+            </a:r>
+            <a:r>
+              <a:rPr lang="pt-BR" dirty="0"/>
+              <a:t> + 1 até </a:t>
+            </a:r>
+            <a:r>
+              <a:rPr lang="pt-BR" dirty="0" err="1"/>
+              <a:t>right</a:t>
+            </a:r>
+            <a:r>
+              <a:rPr lang="pt-BR" dirty="0"/>
+              <a:t>).</a:t>
+            </a:r>
+          </a:p>
+          <a:p>
+            <a:pPr marL="285750" indent="-285750">
+              <a:buFont typeface="Arial" panose="020B0604020202020204" pitchFamily="34" charset="0"/>
+              <a:buChar char="•"/>
+            </a:pPr>
+            <a:r>
+              <a:rPr lang="pt-BR" dirty="0"/>
+              <a:t>Após ordenar as duas metades, a função chama a função Merge para mesclar as duas metades ordenadas em um único </a:t>
+            </a:r>
+            <a:r>
+              <a:rPr lang="pt-BR" dirty="0" err="1"/>
+              <a:t>subarray</a:t>
+            </a:r>
+            <a:r>
+              <a:rPr lang="pt-BR" dirty="0"/>
+              <a:t> ordenado.</a:t>
+            </a:r>
+          </a:p>
+        </p:txBody>
+      </p:sp>
+      <p:sp>
+        <p:nvSpPr>
+          <p:cNvPr id="9" name="Espaço Reservado para Rodapé 10">
+            <a:extLst>
+              <a:ext uri="{FF2B5EF4-FFF2-40B4-BE49-F238E27FC236}">
+                <a16:creationId xmlns:a16="http://schemas.microsoft.com/office/drawing/2014/main" id="{044DF6DC-C259-19B2-6D0A-00A05E8E13C3}"/>
+              </a:ext>
+            </a:extLst>
+          </p:cNvPr>
+          <p:cNvSpPr>
+            <a:spLocks noGrp="1"/>
+          </p:cNvSpPr>
+          <p:nvPr>
+            <p:ph type="ftr" sz="quarter" idx="11"/>
+          </p:nvPr>
+        </p:nvSpPr>
+        <p:spPr>
+          <a:xfrm>
+            <a:off x="2820353" y="11865188"/>
+            <a:ext cx="4030027" cy="681567"/>
+          </a:xfrm>
+        </p:spPr>
+        <p:txBody>
+          <a:bodyPr/>
+          <a:lstStyle/>
+          <a:p>
+            <a:r>
+              <a:rPr lang="pt-BR" dirty="0"/>
+              <a:t>ALGORITIMOS DE ORDENAÇÃO – Jefferson Mesquita</a:t>
+            </a:r>
+          </a:p>
+        </p:txBody>
+      </p:sp>
     </p:spTree>
     <p:extLst>
       <p:ext uri="{BB962C8B-B14F-4D97-AF65-F5344CB8AC3E}">
@@ -4887,10 +7903,72 @@
       </p:sp>
       <p:sp>
         <p:nvSpPr>
-          <p:cNvPr id="5" name="Retângulo 4">
+          <p:cNvPr id="11" name="Espaço Reservado para Número de Slide 10">
             <a:extLst>
               <a:ext uri="{FF2B5EF4-FFF2-40B4-BE49-F238E27FC236}">
-                <a16:creationId xmlns:a16="http://schemas.microsoft.com/office/drawing/2014/main" id="{FA80E993-76DA-56CE-427C-CE1D83BD30C1}"/>
+                <a16:creationId xmlns:a16="http://schemas.microsoft.com/office/drawing/2014/main" id="{37204EBB-9793-B1C1-E210-A22022EFF37C}"/>
+              </a:ext>
+            </a:extLst>
+          </p:cNvPr>
+          <p:cNvSpPr>
+            <a:spLocks noGrp="1"/>
+          </p:cNvSpPr>
+          <p:nvPr>
+            <p:ph type="sldNum" sz="quarter" idx="12"/>
+          </p:nvPr>
+        </p:nvSpPr>
+        <p:spPr/>
+        <p:txBody>
+          <a:bodyPr/>
+          <a:lstStyle/>
+          <a:p>
+            <a:fld id="{9BB46D60-96CE-4402-8D7C-2F4B1C382689}" type="slidenum">
+              <a:rPr lang="pt-BR" smtClean="0"/>
+              <a:t>12</a:t>
+            </a:fld>
+            <a:endParaRPr lang="pt-BR"/>
+          </a:p>
+        </p:txBody>
+      </p:sp>
+      <p:sp>
+        <p:nvSpPr>
+          <p:cNvPr id="4" name="Espaço Reservado para Rodapé 10">
+            <a:extLst>
+              <a:ext uri="{FF2B5EF4-FFF2-40B4-BE49-F238E27FC236}">
+                <a16:creationId xmlns:a16="http://schemas.microsoft.com/office/drawing/2014/main" id="{E2FD5A0D-C040-2A5B-107C-88DC456BAA57}"/>
+              </a:ext>
+            </a:extLst>
+          </p:cNvPr>
+          <p:cNvSpPr>
+            <a:spLocks noGrp="1"/>
+          </p:cNvSpPr>
+          <p:nvPr>
+            <p:ph type="ftr" sz="quarter" idx="11"/>
+          </p:nvPr>
+        </p:nvSpPr>
+        <p:spPr>
+          <a:xfrm>
+            <a:off x="2820353" y="11865188"/>
+            <a:ext cx="4030027" cy="681567"/>
+          </a:xfrm>
+        </p:spPr>
+        <p:txBody>
+          <a:bodyPr/>
+          <a:lstStyle/>
+          <a:p>
+            <a:r>
+              <a:rPr lang="pt-BR" dirty="0"/>
+              <a:t>ALGORITIMOS DE ORDENAÇÃO – Jefferson Mesquita</a:t>
+            </a:r>
+          </a:p>
+        </p:txBody>
+      </p:sp>
+      <p:sp>
+        <p:nvSpPr>
+          <p:cNvPr id="6" name="Retângulo 5">
+            <a:extLst>
+              <a:ext uri="{FF2B5EF4-FFF2-40B4-BE49-F238E27FC236}">
+                <a16:creationId xmlns:a16="http://schemas.microsoft.com/office/drawing/2014/main" id="{7FCC3895-543D-37F6-70F0-370FA8BACF44}"/>
               </a:ext>
             </a:extLst>
           </p:cNvPr>
@@ -4899,7 +7977,7 @@
         </p:nvSpPr>
         <p:spPr>
           <a:xfrm>
-            <a:off x="976944" y="8776129"/>
+            <a:off x="976944" y="7545726"/>
             <a:ext cx="7731978" cy="106262"/>
           </a:xfrm>
           <a:prstGeom prst="rect">
@@ -4908,7 +7986,9 @@
           <a:gradFill flip="none" rotWithShape="1">
             <a:gsLst>
               <a:gs pos="0">
-                <a:srgbClr val="11FFFE"/>
+                <a:srgbClr val="273C42">
+                  <a:alpha val="25000"/>
+                </a:srgbClr>
               </a:gs>
               <a:gs pos="74000">
                 <a:schemeClr val="accent1">
@@ -4921,9 +8001,6 @@
                   <a:lumMod val="45000"/>
                   <a:lumOff val="55000"/>
                 </a:schemeClr>
-              </a:gs>
-              <a:gs pos="100000">
-                <a:srgbClr val="36ABFF"/>
               </a:gs>
             </a:gsLst>
             <a:lin ang="10800000" scaled="1"/>
@@ -4954,63 +8031,6 @@
           <a:lstStyle/>
           <a:p>
             <a:pPr algn="ctr"/>
-            <a:endParaRPr lang="pt-BR"/>
-          </a:p>
-        </p:txBody>
-      </p:sp>
-      <p:sp>
-        <p:nvSpPr>
-          <p:cNvPr id="10" name="Espaço Reservado para Rodapé 9">
-            <a:extLst>
-              <a:ext uri="{FF2B5EF4-FFF2-40B4-BE49-F238E27FC236}">
-                <a16:creationId xmlns:a16="http://schemas.microsoft.com/office/drawing/2014/main" id="{15C797C3-6F1E-3AA4-4225-55DBA1A40907}"/>
-              </a:ext>
-            </a:extLst>
-          </p:cNvPr>
-          <p:cNvSpPr>
-            <a:spLocks noGrp="1"/>
-          </p:cNvSpPr>
-          <p:nvPr>
-            <p:ph type="ftr" sz="quarter" idx="11"/>
-          </p:nvPr>
-        </p:nvSpPr>
-        <p:spPr/>
-        <p:txBody>
-          <a:bodyPr/>
-          <a:lstStyle/>
-          <a:p>
-            <a:r>
-              <a:rPr lang="pt-BR"/>
-              <a:t>SELETORES CSS PARA JEDIS - FELIPE AGUIAR</a:t>
-            </a:r>
-          </a:p>
-        </p:txBody>
-      </p:sp>
-      <p:sp>
-        <p:nvSpPr>
-          <p:cNvPr id="11" name="Espaço Reservado para Número de Slide 10">
-            <a:extLst>
-              <a:ext uri="{FF2B5EF4-FFF2-40B4-BE49-F238E27FC236}">
-                <a16:creationId xmlns:a16="http://schemas.microsoft.com/office/drawing/2014/main" id="{37204EBB-9793-B1C1-E210-A22022EFF37C}"/>
-              </a:ext>
-            </a:extLst>
-          </p:cNvPr>
-          <p:cNvSpPr>
-            <a:spLocks noGrp="1"/>
-          </p:cNvSpPr>
-          <p:nvPr>
-            <p:ph type="sldNum" sz="quarter" idx="12"/>
-          </p:nvPr>
-        </p:nvSpPr>
-        <p:spPr/>
-        <p:txBody>
-          <a:bodyPr/>
-          <a:lstStyle/>
-          <a:p>
-            <a:fld id="{9BB46D60-96CE-4402-8D7C-2F4B1C382689}" type="slidenum">
-              <a:rPr lang="pt-BR" smtClean="0"/>
-              <a:t>12</a:t>
-            </a:fld>
             <a:endParaRPr lang="pt-BR"/>
           </a:p>
         </p:txBody>
@@ -5160,14 +8180,19 @@
             <p:ph type="ftr" sz="quarter" idx="11"/>
           </p:nvPr>
         </p:nvSpPr>
-        <p:spPr/>
+        <p:spPr>
+          <a:xfrm>
+            <a:off x="2820353" y="11865188"/>
+            <a:ext cx="4030027" cy="681567"/>
+          </a:xfrm>
+        </p:spPr>
         <p:txBody>
           <a:bodyPr/>
           <a:lstStyle/>
           <a:p>
             <a:r>
-              <a:rPr lang="pt-BR"/>
-              <a:t>SELETORES CSS PARA JEDIS - FELIPE AGUIAR</a:t>
+              <a:rPr lang="pt-BR" dirty="0"/>
+              <a:t>ALGORITIMOS DE ORDENAÇÃO – Jefferson Mesquita</a:t>
             </a:r>
           </a:p>
         </p:txBody>
@@ -5201,150 +8226,6 @@
           </a:p>
         </p:txBody>
       </p:sp>
-      <p:pic>
-        <p:nvPicPr>
-          <p:cNvPr id="14" name="Picture 8" descr="Would you like to see new lightsaber variants in the future? | Fandom">
-            <a:extLst>
-              <a:ext uri="{FF2B5EF4-FFF2-40B4-BE49-F238E27FC236}">
-                <a16:creationId xmlns:a16="http://schemas.microsoft.com/office/drawing/2014/main" id="{7695C4A0-10A4-51FD-7FCE-43223D6F684A}"/>
-              </a:ext>
-            </a:extLst>
-          </p:cNvPr>
-          <p:cNvPicPr>
-            <a:picLocks noChangeAspect="1" noChangeArrowheads="1"/>
-          </p:cNvPicPr>
-          <p:nvPr/>
-        </p:nvPicPr>
-        <p:blipFill>
-          <a:blip r:embed="rId2">
-            <a:extLst>
-              <a:ext uri="{BEBA8EAE-BF5A-486C-A8C5-ECC9F3942E4B}">
-                <a14:imgProps xmlns:a14="http://schemas.microsoft.com/office/drawing/2010/main">
-                  <a14:imgLayer r:embed="rId3">
-                    <a14:imgEffect>
-                      <a14:brightnessContrast bright="40000" contrast="20000"/>
-                    </a14:imgEffect>
-                  </a14:imgLayer>
-                </a14:imgProps>
-              </a:ext>
-              <a:ext uri="{28A0092B-C50C-407E-A947-70E740481C1C}">
-                <a14:useLocalDpi xmlns:a14="http://schemas.microsoft.com/office/drawing/2010/main" val="0"/>
-              </a:ext>
-            </a:extLst>
-          </a:blip>
-          <a:srcRect/>
-          <a:stretch>
-            <a:fillRect/>
-          </a:stretch>
-        </p:blipFill>
-        <p:spPr bwMode="auto">
-          <a:xfrm rot="1987839">
-            <a:off x="2874115" y="971271"/>
-            <a:ext cx="3524250" cy="2447925"/>
-          </a:xfrm>
-          <a:prstGeom prst="rect">
-            <a:avLst/>
-          </a:prstGeom>
-          <a:noFill/>
-          <a:extLst>
-            <a:ext uri="{909E8E84-426E-40DD-AFC4-6F175D3DCCD1}">
-              <a14:hiddenFill xmlns:a14="http://schemas.microsoft.com/office/drawing/2010/main">
-                <a:solidFill>
-                  <a:srgbClr val="FFFFFF"/>
-                </a:solidFill>
-              </a14:hiddenFill>
-            </a:ext>
-          </a:extLst>
-        </p:spPr>
-      </p:pic>
-      <p:pic>
-        <p:nvPicPr>
-          <p:cNvPr id="13" name="Picture 8" descr="Would you like to see new lightsaber variants in the future? | Fandom">
-            <a:extLst>
-              <a:ext uri="{FF2B5EF4-FFF2-40B4-BE49-F238E27FC236}">
-                <a16:creationId xmlns:a16="http://schemas.microsoft.com/office/drawing/2014/main" id="{4CCAA8B8-6479-A21B-B3AF-4D0014CE7FB9}"/>
-              </a:ext>
-            </a:extLst>
-          </p:cNvPr>
-          <p:cNvPicPr>
-            <a:picLocks noChangeAspect="1" noChangeArrowheads="1"/>
-          </p:cNvPicPr>
-          <p:nvPr/>
-        </p:nvPicPr>
-        <p:blipFill>
-          <a:blip r:embed="rId2">
-            <a:extLst>
-              <a:ext uri="{BEBA8EAE-BF5A-486C-A8C5-ECC9F3942E4B}">
-                <a14:imgProps xmlns:a14="http://schemas.microsoft.com/office/drawing/2010/main">
-                  <a14:imgLayer r:embed="rId3">
-                    <a14:imgEffect>
-                      <a14:brightnessContrast bright="40000" contrast="20000"/>
-                    </a14:imgEffect>
-                  </a14:imgLayer>
-                </a14:imgProps>
-              </a:ext>
-              <a:ext uri="{28A0092B-C50C-407E-A947-70E740481C1C}">
-                <a14:useLocalDpi xmlns:a14="http://schemas.microsoft.com/office/drawing/2010/main" val="0"/>
-              </a:ext>
-            </a:extLst>
-          </a:blip>
-          <a:srcRect/>
-          <a:stretch>
-            <a:fillRect/>
-          </a:stretch>
-        </p:blipFill>
-        <p:spPr bwMode="auto">
-          <a:xfrm rot="1987839">
-            <a:off x="2874115" y="10006110"/>
-            <a:ext cx="3524250" cy="2447925"/>
-          </a:xfrm>
-          <a:prstGeom prst="rect">
-            <a:avLst/>
-          </a:prstGeom>
-          <a:noFill/>
-          <a:extLst>
-            <a:ext uri="{909E8E84-426E-40DD-AFC4-6F175D3DCCD1}">
-              <a14:hiddenFill xmlns:a14="http://schemas.microsoft.com/office/drawing/2010/main">
-                <a:solidFill>
-                  <a:srgbClr val="FFFFFF"/>
-                </a:solidFill>
-              </a14:hiddenFill>
-            </a:ext>
-          </a:extLst>
-        </p:spPr>
-      </p:pic>
-      <p:pic>
-        <p:nvPicPr>
-          <p:cNvPr id="7" name="Imagem 6">
-            <a:extLst>
-              <a:ext uri="{FF2B5EF4-FFF2-40B4-BE49-F238E27FC236}">
-                <a16:creationId xmlns:a16="http://schemas.microsoft.com/office/drawing/2014/main" id="{5ED159E2-8571-206E-9E7A-2DF40D16BA3A}"/>
-              </a:ext>
-            </a:extLst>
-          </p:cNvPr>
-          <p:cNvPicPr>
-            <a:picLocks noChangeAspect="1"/>
-          </p:cNvPicPr>
-          <p:nvPr/>
-        </p:nvPicPr>
-        <p:blipFill>
-          <a:blip r:embed="rId4"/>
-          <a:stretch>
-            <a:fillRect/>
-          </a:stretch>
-        </p:blipFill>
-        <p:spPr>
-          <a:xfrm>
-            <a:off x="997620" y="8092106"/>
-            <a:ext cx="7816645" cy="2299795"/>
-          </a:xfrm>
-          <a:prstGeom prst="roundRect">
-            <a:avLst>
-              <a:gd name="adj" fmla="val 8384"/>
-            </a:avLst>
-          </a:prstGeom>
-        </p:spPr>
-      </p:pic>
       <p:sp>
         <p:nvSpPr>
           <p:cNvPr id="8" name="Retângulo 7">
@@ -5393,9 +8274,9 @@
             <a:pPr algn="ctr"/>
             <a:r>
               <a:rPr lang="pt-BR" b="1" dirty="0">
-                <a:hlinkClick r:id="rId5"/>
+                <a:hlinkClick r:id="rId2"/>
               </a:rPr>
-              <a:t>https://github.com/felipeAguiarCode/prompts-recipe-to-create-a-ebook</a:t>
+              <a:t>https://github.com/jsmesquita/prompts-recipe-to-create-a-ebook</a:t>
             </a:r>
             <a:endParaRPr lang="pt-BR" b="1" dirty="0"/>
           </a:p>
@@ -5416,11 +8297,11 @@
           <p:nvPr/>
         </p:nvPicPr>
         <p:blipFill>
-          <a:blip r:embed="rId6">
+          <a:blip r:embed="rId3">
             <a:extLst>
               <a:ext uri="{BEBA8EAE-BF5A-486C-A8C5-ECC9F3942E4B}">
                 <a14:imgProps xmlns:a14="http://schemas.microsoft.com/office/drawing/2010/main">
-                  <a14:imgLayer r:embed="rId7">
+                  <a14:imgLayer r:embed="rId4">
                     <a14:imgEffect>
                       <a14:backgroundRemoval t="10000" b="90000" l="10000" r="90000"/>
                     </a14:imgEffect>
@@ -5527,6 +8408,36 @@
           </a:p>
         </p:txBody>
       </p:sp>
+      <p:pic>
+        <p:nvPicPr>
+          <p:cNvPr id="10" name="Imagem 9">
+            <a:extLst>
+              <a:ext uri="{FF2B5EF4-FFF2-40B4-BE49-F238E27FC236}">
+                <a16:creationId xmlns:a16="http://schemas.microsoft.com/office/drawing/2014/main" id="{262F62B5-9250-AEEE-C6E6-7ABB8B4346D9}"/>
+              </a:ext>
+            </a:extLst>
+          </p:cNvPr>
+          <p:cNvPicPr>
+            <a:picLocks noChangeAspect="1"/>
+          </p:cNvPicPr>
+          <p:nvPr/>
+        </p:nvPicPr>
+        <p:blipFill>
+          <a:blip r:embed="rId5"/>
+          <a:stretch>
+            <a:fillRect/>
+          </a:stretch>
+        </p:blipFill>
+        <p:spPr>
+          <a:xfrm>
+            <a:off x="975588" y="7848545"/>
+            <a:ext cx="7353300" cy="2952750"/>
+          </a:xfrm>
+          <a:prstGeom prst="rect">
+            <a:avLst/>
+          </a:prstGeom>
+        </p:spPr>
+      </p:pic>
     </p:spTree>
     <p:extLst>
       <p:ext uri="{BB962C8B-B14F-4D97-AF65-F5344CB8AC3E}">
@@ -5571,7 +8482,7 @@
         </p:nvSpPr>
         <p:spPr>
           <a:xfrm>
-            <a:off x="892277" y="3866965"/>
+            <a:off x="927043" y="4461808"/>
             <a:ext cx="7816645" cy="1938992"/>
           </a:xfrm>
           <a:prstGeom prst="rect">
@@ -5585,10 +8496,9 @@
           </a:bodyPr>
           <a:lstStyle/>
           <a:p>
-            <a:pPr algn="ctr"/>
             <a:r>
               <a:rPr lang="pt-BR" sz="2400" dirty="0"/>
-              <a:t>Se você é um desenvolvedor em C#, entender os algoritmos de ordenação é crucial para otimizar o desempenho dos seus programas. Neste ebook, vamos explorar os principais algoritmos de ordenação de uma maneira simples e prática, fornecendo exemplos de código em contextos reais.</a:t>
+              <a:t>Se você é um desenvolvedor em C#, entender os algoritmos de ordenação é crucial para otimizar o desempenho dos seus programas. Neste ebook, vamos explorar os principais algoritmos de ordenação de uma maneira simples e prática, fornecendo exemplos de código.</a:t>
             </a:r>
           </a:p>
         </p:txBody>
@@ -5741,34 +8651,6 @@
       </p:sp>
       <p:sp>
         <p:nvSpPr>
-          <p:cNvPr id="10" name="Espaço Reservado para Rodapé 9">
-            <a:extLst>
-              <a:ext uri="{FF2B5EF4-FFF2-40B4-BE49-F238E27FC236}">
-                <a16:creationId xmlns:a16="http://schemas.microsoft.com/office/drawing/2014/main" id="{D950483A-1B7C-BC8A-AFE0-E5A3B512FCEF}"/>
-              </a:ext>
-            </a:extLst>
-          </p:cNvPr>
-          <p:cNvSpPr>
-            <a:spLocks noGrp="1"/>
-          </p:cNvSpPr>
-          <p:nvPr>
-            <p:ph type="ftr" sz="quarter" idx="11"/>
-          </p:nvPr>
-        </p:nvSpPr>
-        <p:spPr/>
-        <p:txBody>
-          <a:bodyPr/>
-          <a:lstStyle/>
-          <a:p>
-            <a:r>
-              <a:rPr lang="pt-BR"/>
-              <a:t>SELETORES CSS PARA JEDIS - FELIPE AGUIAR</a:t>
-            </a:r>
-          </a:p>
-        </p:txBody>
-      </p:sp>
-      <p:sp>
-        <p:nvSpPr>
           <p:cNvPr id="11" name="Espaço Reservado para Número de Slide 10">
             <a:extLst>
               <a:ext uri="{FF2B5EF4-FFF2-40B4-BE49-F238E27FC236}">
@@ -5793,6 +8675,39 @@
               <a:t>2</a:t>
             </a:fld>
             <a:endParaRPr lang="pt-BR"/>
+          </a:p>
+        </p:txBody>
+      </p:sp>
+      <p:sp>
+        <p:nvSpPr>
+          <p:cNvPr id="6" name="Espaço Reservado para Rodapé 10">
+            <a:extLst>
+              <a:ext uri="{FF2B5EF4-FFF2-40B4-BE49-F238E27FC236}">
+                <a16:creationId xmlns:a16="http://schemas.microsoft.com/office/drawing/2014/main" id="{5EF27242-CCB7-546D-4D41-839E3BB7DB34}"/>
+              </a:ext>
+            </a:extLst>
+          </p:cNvPr>
+          <p:cNvSpPr>
+            <a:spLocks noGrp="1"/>
+          </p:cNvSpPr>
+          <p:nvPr>
+            <p:ph type="ftr" sz="quarter" idx="11"/>
+          </p:nvPr>
+        </p:nvSpPr>
+        <p:spPr>
+          <a:xfrm>
+            <a:off x="2820353" y="11865188"/>
+            <a:ext cx="4030027" cy="681567"/>
+          </a:xfrm>
+        </p:spPr>
+        <p:txBody>
+          <a:bodyPr/>
+          <a:lstStyle/>
+          <a:p>
+            <a:r>
+              <a:rPr lang="pt-BR" dirty="0"/>
+              <a:t>ALGORITIMOS DE ORDENAÇÃO – Jefferson Mesquita</a:t>
+            </a:r>
           </a:p>
         </p:txBody>
       </p:sp>
@@ -5880,126 +8795,6 @@
       </p:sp>
       <p:sp>
         <p:nvSpPr>
-          <p:cNvPr id="3" name="titulo_componente">
-            <a:extLst>
-              <a:ext uri="{FF2B5EF4-FFF2-40B4-BE49-F238E27FC236}">
-                <a16:creationId xmlns:a16="http://schemas.microsoft.com/office/drawing/2014/main" id="{93533FB0-D3C0-9791-4F72-0D1731465A20}"/>
-              </a:ext>
-            </a:extLst>
-          </p:cNvPr>
-          <p:cNvSpPr txBox="1"/>
-          <p:nvPr/>
-        </p:nvSpPr>
-        <p:spPr>
-          <a:xfrm>
-            <a:off x="892277" y="6004859"/>
-            <a:ext cx="7816645" cy="2800767"/>
-          </a:xfrm>
-          <a:prstGeom prst="rect">
-            <a:avLst/>
-          </a:prstGeom>
-          <a:noFill/>
-        </p:spPr>
-        <p:txBody>
-          <a:bodyPr wrap="square" rtlCol="0">
-            <a:spAutoFit/>
-          </a:bodyPr>
-          <a:lstStyle/>
-          <a:p>
-            <a:pPr algn="ctr"/>
-            <a:r>
-              <a:rPr lang="pt-BR" sz="8800" dirty="0">
-                <a:solidFill>
-                  <a:schemeClr val="bg1"/>
-                </a:solidFill>
-                <a:latin typeface="Impact" panose="020B0806030902050204" pitchFamily="34" charset="0"/>
-              </a:rPr>
-              <a:t>Bubble </a:t>
-            </a:r>
-            <a:r>
-              <a:rPr lang="pt-BR" sz="8800" dirty="0" err="1">
-                <a:solidFill>
-                  <a:schemeClr val="bg1"/>
-                </a:solidFill>
-                <a:latin typeface="Impact" panose="020B0806030902050204" pitchFamily="34" charset="0"/>
-              </a:rPr>
-              <a:t>Sort</a:t>
-            </a:r>
-            <a:br>
-              <a:rPr lang="pt-BR" sz="8800" dirty="0">
-                <a:solidFill>
-                  <a:schemeClr val="bg1"/>
-                </a:solidFill>
-                <a:latin typeface="Impact" panose="020B0806030902050204" pitchFamily="34" charset="0"/>
-              </a:rPr>
-            </a:br>
-            <a:r>
-              <a:rPr lang="pt-BR" sz="8800" dirty="0">
-                <a:solidFill>
-                  <a:schemeClr val="bg1"/>
-                </a:solidFill>
-                <a:latin typeface="Impact" panose="020B0806030902050204" pitchFamily="34" charset="0"/>
-              </a:rPr>
-              <a:t> </a:t>
-            </a:r>
-            <a:r>
-              <a:rPr lang="pt-BR" sz="5400" dirty="0">
-                <a:solidFill>
-                  <a:schemeClr val="bg1"/>
-                </a:solidFill>
-                <a:latin typeface="Impact" panose="020B0806030902050204" pitchFamily="34" charset="0"/>
-              </a:rPr>
-              <a:t>O Início da Jornada</a:t>
-            </a:r>
-          </a:p>
-        </p:txBody>
-      </p:sp>
-      <p:sp>
-        <p:nvSpPr>
-          <p:cNvPr id="4" name="titulo_componente">
-            <a:extLst>
-              <a:ext uri="{FF2B5EF4-FFF2-40B4-BE49-F238E27FC236}">
-                <a16:creationId xmlns:a16="http://schemas.microsoft.com/office/drawing/2014/main" id="{0E49EEBC-3AEF-FA23-4067-E0866590C14C}"/>
-              </a:ext>
-            </a:extLst>
-          </p:cNvPr>
-          <p:cNvSpPr txBox="1"/>
-          <p:nvPr/>
-        </p:nvSpPr>
-        <p:spPr>
-          <a:xfrm>
-            <a:off x="807610" y="2133601"/>
-            <a:ext cx="7816645" cy="4508927"/>
-          </a:xfrm>
-          <a:prstGeom prst="rect">
-            <a:avLst/>
-          </a:prstGeom>
-          <a:noFill/>
-        </p:spPr>
-        <p:txBody>
-          <a:bodyPr wrap="square" rtlCol="0">
-            <a:spAutoFit/>
-          </a:bodyPr>
-          <a:lstStyle/>
-          <a:p>
-            <a:pPr algn="ctr"/>
-            <a:r>
-              <a:rPr lang="pt-BR" sz="28700" dirty="0">
-                <a:ln>
-                  <a:solidFill>
-                    <a:srgbClr val="11FFFE"/>
-                  </a:solidFill>
-                </a:ln>
-                <a:noFill/>
-                <a:latin typeface="Impact" panose="020B0806030902050204" pitchFamily="34" charset="0"/>
-              </a:rPr>
-              <a:t>01</a:t>
-            </a:r>
-          </a:p>
-        </p:txBody>
-      </p:sp>
-      <p:sp>
-        <p:nvSpPr>
           <p:cNvPr id="5" name="Retângulo 4">
             <a:extLst>
               <a:ext uri="{FF2B5EF4-FFF2-40B4-BE49-F238E27FC236}">
@@ -6012,7 +8807,7 @@
         </p:nvSpPr>
         <p:spPr>
           <a:xfrm>
-            <a:off x="976944" y="8776129"/>
+            <a:off x="976944" y="7545726"/>
             <a:ext cx="7731978" cy="106262"/>
           </a:xfrm>
           <a:prstGeom prst="rect">
@@ -6021,7 +8816,9 @@
           <a:gradFill flip="none" rotWithShape="1">
             <a:gsLst>
               <a:gs pos="0">
-                <a:srgbClr val="11FFFE"/>
+                <a:srgbClr val="273C42">
+                  <a:alpha val="25000"/>
+                </a:srgbClr>
               </a:gs>
               <a:gs pos="74000">
                 <a:schemeClr val="accent1">
@@ -6034,9 +8831,6 @@
                   <a:lumMod val="45000"/>
                   <a:lumOff val="55000"/>
                 </a:schemeClr>
-              </a:gs>
-              <a:gs pos="100000">
-                <a:srgbClr val="36ABFF"/>
               </a:gs>
             </a:gsLst>
             <a:lin ang="10800000" scaled="1"/>
@@ -6073,90 +8867,6 @@
       </p:sp>
       <p:sp>
         <p:nvSpPr>
-          <p:cNvPr id="6" name="texto_componente">
-            <a:extLst>
-              <a:ext uri="{FF2B5EF4-FFF2-40B4-BE49-F238E27FC236}">
-                <a16:creationId xmlns:a16="http://schemas.microsoft.com/office/drawing/2014/main" id="{A8281A8C-F51B-8070-EE7F-AC4CBC315387}"/>
-              </a:ext>
-            </a:extLst>
-          </p:cNvPr>
-          <p:cNvSpPr txBox="1"/>
-          <p:nvPr/>
-        </p:nvSpPr>
-        <p:spPr>
-          <a:xfrm>
-            <a:off x="870768" y="9340866"/>
-            <a:ext cx="7816645" cy="1569660"/>
-          </a:xfrm>
-          <a:prstGeom prst="rect">
-            <a:avLst/>
-          </a:prstGeom>
-          <a:noFill/>
-        </p:spPr>
-        <p:txBody>
-          <a:bodyPr wrap="square" rtlCol="0">
-            <a:spAutoFit/>
-          </a:bodyPr>
-          <a:lstStyle/>
-          <a:p>
-            <a:pPr algn="ctr"/>
-            <a:r>
-              <a:rPr lang="pt-BR" sz="2400" dirty="0">
-                <a:solidFill>
-                  <a:schemeClr val="bg1"/>
-                </a:solidFill>
-              </a:rPr>
-              <a:t>O Bubble </a:t>
-            </a:r>
-            <a:r>
-              <a:rPr lang="pt-BR" sz="2400" dirty="0" err="1">
-                <a:solidFill>
-                  <a:schemeClr val="bg1"/>
-                </a:solidFill>
-              </a:rPr>
-              <a:t>Sort</a:t>
-            </a:r>
-            <a:r>
-              <a:rPr lang="pt-BR" sz="2400" dirty="0">
-                <a:solidFill>
-                  <a:schemeClr val="bg1"/>
-                </a:solidFill>
-              </a:rPr>
-              <a:t> é um dos algoritmos mais simples, mas não menos importante. Ele percorre a lista, comparando elementos adjacentes e os trocando se estiverem na ordem errada. Vamos ver como implementá-lo em C#:</a:t>
-            </a:r>
-          </a:p>
-        </p:txBody>
-      </p:sp>
-      <p:sp>
-        <p:nvSpPr>
-          <p:cNvPr id="10" name="Espaço Reservado para Rodapé 9">
-            <a:extLst>
-              <a:ext uri="{FF2B5EF4-FFF2-40B4-BE49-F238E27FC236}">
-                <a16:creationId xmlns:a16="http://schemas.microsoft.com/office/drawing/2014/main" id="{351BD98C-D072-63C9-21C3-E1219F48EB57}"/>
-              </a:ext>
-            </a:extLst>
-          </p:cNvPr>
-          <p:cNvSpPr>
-            <a:spLocks noGrp="1"/>
-          </p:cNvSpPr>
-          <p:nvPr>
-            <p:ph type="ftr" sz="quarter" idx="11"/>
-          </p:nvPr>
-        </p:nvSpPr>
-        <p:spPr/>
-        <p:txBody>
-          <a:bodyPr/>
-          <a:lstStyle/>
-          <a:p>
-            <a:r>
-              <a:rPr lang="pt-BR"/>
-              <a:t>SELETORES CSS PARA JEDIS - FELIPE AGUIAR</a:t>
-            </a:r>
-          </a:p>
-        </p:txBody>
-      </p:sp>
-      <p:sp>
-        <p:nvSpPr>
           <p:cNvPr id="11" name="Espaço Reservado para Número de Slide 10">
             <a:extLst>
               <a:ext uri="{FF2B5EF4-FFF2-40B4-BE49-F238E27FC236}">
@@ -6181,6 +8891,156 @@
               <a:t>3</a:t>
             </a:fld>
             <a:endParaRPr lang="pt-BR"/>
+          </a:p>
+        </p:txBody>
+      </p:sp>
+      <p:sp>
+        <p:nvSpPr>
+          <p:cNvPr id="7" name="Espaço Reservado para Rodapé 10">
+            <a:extLst>
+              <a:ext uri="{FF2B5EF4-FFF2-40B4-BE49-F238E27FC236}">
+                <a16:creationId xmlns:a16="http://schemas.microsoft.com/office/drawing/2014/main" id="{7C031492-1D8A-F083-54B4-2FB095D17B65}"/>
+              </a:ext>
+            </a:extLst>
+          </p:cNvPr>
+          <p:cNvSpPr>
+            <a:spLocks noGrp="1"/>
+          </p:cNvSpPr>
+          <p:nvPr>
+            <p:ph type="ftr" sz="quarter" idx="11"/>
+          </p:nvPr>
+        </p:nvSpPr>
+        <p:spPr>
+          <a:xfrm>
+            <a:off x="2820353" y="11865188"/>
+            <a:ext cx="4030027" cy="681567"/>
+          </a:xfrm>
+        </p:spPr>
+        <p:txBody>
+          <a:bodyPr/>
+          <a:lstStyle/>
+          <a:p>
+            <a:r>
+              <a:rPr lang="pt-BR" dirty="0"/>
+              <a:t>ALGORITIMOS DE ORDENAÇÃO – Jefferson Mesquita</a:t>
+            </a:r>
+          </a:p>
+        </p:txBody>
+      </p:sp>
+      <p:sp>
+        <p:nvSpPr>
+          <p:cNvPr id="9" name="titulo_componente">
+            <a:extLst>
+              <a:ext uri="{FF2B5EF4-FFF2-40B4-BE49-F238E27FC236}">
+                <a16:creationId xmlns:a16="http://schemas.microsoft.com/office/drawing/2014/main" id="{C1FE6673-20E1-C94F-6085-FD9ADD94B709}"/>
+              </a:ext>
+            </a:extLst>
+          </p:cNvPr>
+          <p:cNvSpPr txBox="1"/>
+          <p:nvPr/>
+        </p:nvSpPr>
+        <p:spPr>
+          <a:xfrm>
+            <a:off x="807609" y="6145342"/>
+            <a:ext cx="7816645" cy="2800767"/>
+          </a:xfrm>
+          <a:prstGeom prst="rect">
+            <a:avLst/>
+          </a:prstGeom>
+          <a:noFill/>
+        </p:spPr>
+        <p:txBody>
+          <a:bodyPr wrap="square" rtlCol="0">
+            <a:spAutoFit/>
+          </a:bodyPr>
+          <a:lstStyle/>
+          <a:p>
+            <a:pPr algn="ctr"/>
+            <a:r>
+              <a:rPr lang="pt-BR" sz="8800" dirty="0">
+                <a:solidFill>
+                  <a:schemeClr val="bg1"/>
+                </a:solidFill>
+                <a:latin typeface="Impact" panose="020B0806030902050204" pitchFamily="34" charset="0"/>
+              </a:rPr>
+              <a:t>Bubble </a:t>
+            </a:r>
+            <a:r>
+              <a:rPr lang="pt-BR" sz="8800" dirty="0" err="1">
+                <a:solidFill>
+                  <a:schemeClr val="bg1"/>
+                </a:solidFill>
+                <a:latin typeface="Impact" panose="020B0806030902050204" pitchFamily="34" charset="0"/>
+              </a:rPr>
+              <a:t>Sort</a:t>
+            </a:r>
+            <a:br>
+              <a:rPr lang="pt-BR" sz="8800" dirty="0">
+                <a:solidFill>
+                  <a:schemeClr val="bg1"/>
+                </a:solidFill>
+                <a:latin typeface="Impact" panose="020B0806030902050204" pitchFamily="34" charset="0"/>
+              </a:rPr>
+            </a:br>
+            <a:r>
+              <a:rPr lang="pt-BR" sz="8800" dirty="0">
+                <a:solidFill>
+                  <a:schemeClr val="bg1"/>
+                </a:solidFill>
+                <a:latin typeface="Impact" panose="020B0806030902050204" pitchFamily="34" charset="0"/>
+              </a:rPr>
+              <a:t> </a:t>
+            </a:r>
+            <a:r>
+              <a:rPr lang="pt-BR" sz="5400" dirty="0">
+                <a:solidFill>
+                  <a:schemeClr val="bg1"/>
+                </a:solidFill>
+                <a:latin typeface="Impact" panose="020B0806030902050204" pitchFamily="34" charset="0"/>
+              </a:rPr>
+              <a:t>O Início da Jornada</a:t>
+            </a:r>
+          </a:p>
+        </p:txBody>
+      </p:sp>
+      <p:sp>
+        <p:nvSpPr>
+          <p:cNvPr id="12" name="CaixaDeTexto 11">
+            <a:extLst>
+              <a:ext uri="{FF2B5EF4-FFF2-40B4-BE49-F238E27FC236}">
+                <a16:creationId xmlns:a16="http://schemas.microsoft.com/office/drawing/2014/main" id="{EDF5B574-C680-281F-59B2-C7F0F55ED448}"/>
+              </a:ext>
+            </a:extLst>
+          </p:cNvPr>
+          <p:cNvSpPr txBox="1"/>
+          <p:nvPr/>
+        </p:nvSpPr>
+        <p:spPr>
+          <a:xfrm>
+            <a:off x="2561666" y="1381570"/>
+            <a:ext cx="4308529" cy="4508927"/>
+          </a:xfrm>
+          <a:prstGeom prst="rect">
+            <a:avLst/>
+          </a:prstGeom>
+          <a:noFill/>
+        </p:spPr>
+        <p:txBody>
+          <a:bodyPr wrap="square" rtlCol="0">
+            <a:spAutoFit/>
+          </a:bodyPr>
+          <a:lstStyle/>
+          <a:p>
+            <a:pPr algn="ctr"/>
+            <a:r>
+              <a:rPr lang="pt-BR" sz="28700" dirty="0">
+                <a:solidFill>
+                  <a:srgbClr val="2F7586"/>
+                </a:solidFill>
+                <a:latin typeface="Impact" panose="020B0806030902050204" pitchFamily="34" charset="0"/>
+              </a:rPr>
+              <a:t>01</a:t>
+            </a:r>
           </a:p>
         </p:txBody>
       </p:sp>
@@ -6242,18 +9102,25 @@
           </a:bodyPr>
           <a:lstStyle/>
           <a:p>
-            <a:pPr algn="ctr"/>
             <a:r>
               <a:rPr lang="pt-BR" sz="2400" dirty="0"/>
-              <a:t>O seletor de elemento simples é usado para selecionar elementos com base em seu nome de </a:t>
-            </a:r>
-            <a:r>
-              <a:rPr lang="pt-BR" sz="2400" dirty="0" err="1"/>
-              <a:t>tag</a:t>
+              <a:t>O </a:t>
+            </a:r>
+            <a:r>
+              <a:rPr lang="pt-BR" sz="2400" b="1" dirty="0"/>
+              <a:t>Bubble </a:t>
+            </a:r>
+            <a:r>
+              <a:rPr lang="pt-BR" sz="2400" b="1" dirty="0" err="1"/>
+              <a:t>Sort</a:t>
+            </a:r>
+            <a:r>
+              <a:rPr lang="pt-BR" sz="2400" b="1" dirty="0"/>
+              <a:t> </a:t>
             </a:r>
             <a:r>
               <a:rPr lang="pt-BR" sz="2400" dirty="0"/>
-              <a:t>. Por exemplo, para estilizar todos os parágrafos em seu documento HTML, você pode usar o seletor de elemento p. Veja o exemplo abaixo:</a:t>
+              <a:t>é um dos algoritmos mais simples, mas não menos importante. Ele percorre a lista, comparando elementos adjacentes e os trocando se estiverem na ordem errada.</a:t>
             </a:r>
           </a:p>
         </p:txBody>
@@ -6290,35 +9157,7 @@
               <a:rPr lang="pt-BR" sz="4000" dirty="0">
                 <a:latin typeface="Impact" panose="020B0806030902050204" pitchFamily="34" charset="0"/>
               </a:rPr>
-              <a:t>SELETOR DE ELEMENTO SIMPLES</a:t>
-            </a:r>
-          </a:p>
-        </p:txBody>
-      </p:sp>
-      <p:sp>
-        <p:nvSpPr>
-          <p:cNvPr id="19" name="Espaço Reservado para Rodapé 18">
-            <a:extLst>
-              <a:ext uri="{FF2B5EF4-FFF2-40B4-BE49-F238E27FC236}">
-                <a16:creationId xmlns:a16="http://schemas.microsoft.com/office/drawing/2014/main" id="{106B9400-10F5-C4D9-5FB4-31020CF6081E}"/>
-              </a:ext>
-            </a:extLst>
-          </p:cNvPr>
-          <p:cNvSpPr>
-            <a:spLocks noGrp="1"/>
-          </p:cNvSpPr>
-          <p:nvPr>
-            <p:ph type="ftr" sz="quarter" idx="11"/>
-          </p:nvPr>
-        </p:nvSpPr>
-        <p:spPr/>
-        <p:txBody>
-          <a:bodyPr/>
-          <a:lstStyle/>
-          <a:p>
-            <a:r>
-              <a:rPr lang="pt-BR" dirty="0"/>
-              <a:t>SELETORES CSS PARA JEDIS - FELIPE AGUIAR</a:t>
+              <a:t>Como funciona?</a:t>
             </a:r>
           </a:p>
         </p:txBody>
@@ -6422,40 +9261,1411 @@
           </a:p>
         </p:txBody>
       </p:sp>
-      <p:pic>
-        <p:nvPicPr>
-          <p:cNvPr id="9" name="Imagem 8">
+      <p:graphicFrame>
+        <p:nvGraphicFramePr>
+          <p:cNvPr id="5" name="Tabela 4">
             <a:extLst>
               <a:ext uri="{FF2B5EF4-FFF2-40B4-BE49-F238E27FC236}">
-                <a16:creationId xmlns:a16="http://schemas.microsoft.com/office/drawing/2014/main" id="{614A320E-E8C0-8F3B-2A4E-A913E90B171F}"/>
+                <a16:creationId xmlns:a16="http://schemas.microsoft.com/office/drawing/2014/main" id="{A0D4C2C4-3262-F536-D9C6-D0C56200A0B4}"/>
               </a:ext>
             </a:extLst>
           </p:cNvPr>
-          <p:cNvPicPr>
-            <a:picLocks noChangeAspect="1"/>
-          </p:cNvPicPr>
+          <p:cNvGraphicFramePr>
+            <a:graphicFrameLocks noGrp="1"/>
+          </p:cNvGraphicFramePr>
+          <p:nvPr>
+            <p:extLst>
+              <p:ext uri="{D42A27DB-BD31-4B8C-83A1-F6EECF244321}">
+                <p14:modId xmlns:p14="http://schemas.microsoft.com/office/powerpoint/2010/main" val="1264032425"/>
+              </p:ext>
+            </p:extLst>
+          </p:nvPr>
+        </p:nvGraphicFramePr>
+        <p:xfrm>
+          <a:off x="1578690" y="5246546"/>
+          <a:ext cx="1979612" cy="457200"/>
+        </p:xfrm>
+        <a:graphic>
+          <a:graphicData uri="http://schemas.openxmlformats.org/drawingml/2006/table">
+            <a:tbl>
+              <a:tblPr firstRow="1" bandRow="1">
+                <a:tableStyleId>{5C22544A-7EE6-4342-B048-85BDC9FD1C3A}</a:tableStyleId>
+              </a:tblPr>
+              <a:tblGrid>
+                <a:gridCol w="405130">
+                  <a:extLst>
+                    <a:ext uri="{9D8B030D-6E8A-4147-A177-3AD203B41FA5}">
+                      <a16:colId xmlns:a16="http://schemas.microsoft.com/office/drawing/2014/main" val="548747222"/>
+                    </a:ext>
+                  </a:extLst>
+                </a:gridCol>
+                <a:gridCol w="405130">
+                  <a:extLst>
+                    <a:ext uri="{9D8B030D-6E8A-4147-A177-3AD203B41FA5}">
+                      <a16:colId xmlns:a16="http://schemas.microsoft.com/office/drawing/2014/main" val="1913042492"/>
+                    </a:ext>
+                  </a:extLst>
+                </a:gridCol>
+                <a:gridCol w="405130">
+                  <a:extLst>
+                    <a:ext uri="{9D8B030D-6E8A-4147-A177-3AD203B41FA5}">
+                      <a16:colId xmlns:a16="http://schemas.microsoft.com/office/drawing/2014/main" val="2369147691"/>
+                    </a:ext>
+                  </a:extLst>
+                </a:gridCol>
+                <a:gridCol w="405130">
+                  <a:extLst>
+                    <a:ext uri="{9D8B030D-6E8A-4147-A177-3AD203B41FA5}">
+                      <a16:colId xmlns:a16="http://schemas.microsoft.com/office/drawing/2014/main" val="3137296532"/>
+                    </a:ext>
+                  </a:extLst>
+                </a:gridCol>
+                <a:gridCol w="359092">
+                  <a:extLst>
+                    <a:ext uri="{9D8B030D-6E8A-4147-A177-3AD203B41FA5}">
+                      <a16:colId xmlns:a16="http://schemas.microsoft.com/office/drawing/2014/main" val="2386916304"/>
+                    </a:ext>
+                  </a:extLst>
+                </a:gridCol>
+              </a:tblGrid>
+              <a:tr h="370840">
+                <a:tc>
+                  <a:txBody>
+                    <a:bodyPr/>
+                    <a:lstStyle/>
+                    <a:p>
+                      <a:pPr algn="ctr"/>
+                      <a:r>
+                        <a:rPr lang="pt-BR" sz="2400" dirty="0">
+                          <a:highlight>
+                            <a:srgbClr val="273C42"/>
+                          </a:highlight>
+                        </a:rPr>
+                        <a:t>7</a:t>
+                      </a:r>
+                    </a:p>
+                  </a:txBody>
+                  <a:tcPr>
+                    <a:solidFill>
+                      <a:srgbClr val="273C42"/>
+                    </a:solidFill>
+                  </a:tcPr>
+                </a:tc>
+                <a:tc>
+                  <a:txBody>
+                    <a:bodyPr/>
+                    <a:lstStyle/>
+                    <a:p>
+                      <a:pPr algn="ctr"/>
+                      <a:r>
+                        <a:rPr lang="pt-BR" sz="2400" dirty="0">
+                          <a:highlight>
+                            <a:srgbClr val="273C42"/>
+                          </a:highlight>
+                        </a:rPr>
+                        <a:t>2</a:t>
+                      </a:r>
+                    </a:p>
+                  </a:txBody>
+                  <a:tcPr>
+                    <a:solidFill>
+                      <a:srgbClr val="273C42"/>
+                    </a:solidFill>
+                  </a:tcPr>
+                </a:tc>
+                <a:tc>
+                  <a:txBody>
+                    <a:bodyPr/>
+                    <a:lstStyle/>
+                    <a:p>
+                      <a:pPr algn="ctr"/>
+                      <a:r>
+                        <a:rPr lang="pt-BR" sz="2400" dirty="0">
+                          <a:highlight>
+                            <a:srgbClr val="273C42"/>
+                          </a:highlight>
+                        </a:rPr>
+                        <a:t>9</a:t>
+                      </a:r>
+                    </a:p>
+                  </a:txBody>
+                  <a:tcPr>
+                    <a:solidFill>
+                      <a:srgbClr val="273C42"/>
+                    </a:solidFill>
+                  </a:tcPr>
+                </a:tc>
+                <a:tc>
+                  <a:txBody>
+                    <a:bodyPr/>
+                    <a:lstStyle/>
+                    <a:p>
+                      <a:pPr algn="ctr"/>
+                      <a:r>
+                        <a:rPr lang="pt-BR" sz="2400" dirty="0">
+                          <a:highlight>
+                            <a:srgbClr val="273C42"/>
+                          </a:highlight>
+                        </a:rPr>
+                        <a:t>6</a:t>
+                      </a:r>
+                    </a:p>
+                  </a:txBody>
+                  <a:tcPr>
+                    <a:solidFill>
+                      <a:srgbClr val="273C42"/>
+                    </a:solidFill>
+                  </a:tcPr>
+                </a:tc>
+                <a:tc>
+                  <a:txBody>
+                    <a:bodyPr/>
+                    <a:lstStyle/>
+                    <a:p>
+                      <a:pPr algn="ctr"/>
+                      <a:r>
+                        <a:rPr lang="pt-BR" sz="2400" dirty="0">
+                          <a:highlight>
+                            <a:srgbClr val="273C42"/>
+                          </a:highlight>
+                        </a:rPr>
+                        <a:t>4</a:t>
+                      </a:r>
+                    </a:p>
+                  </a:txBody>
+                  <a:tcPr>
+                    <a:solidFill>
+                      <a:srgbClr val="273C42"/>
+                    </a:solidFill>
+                  </a:tcPr>
+                </a:tc>
+                <a:extLst>
+                  <a:ext uri="{0D108BD9-81ED-4DB2-BD59-A6C34878D82A}">
+                    <a16:rowId xmlns:a16="http://schemas.microsoft.com/office/drawing/2014/main" val="2634130274"/>
+                  </a:ext>
+                </a:extLst>
+              </a:tr>
+            </a:tbl>
+          </a:graphicData>
+        </a:graphic>
+      </p:graphicFrame>
+      <p:graphicFrame>
+        <p:nvGraphicFramePr>
+          <p:cNvPr id="6" name="Tabela 5">
+            <a:extLst>
+              <a:ext uri="{FF2B5EF4-FFF2-40B4-BE49-F238E27FC236}">
+                <a16:creationId xmlns:a16="http://schemas.microsoft.com/office/drawing/2014/main" id="{629CDBC1-7550-6725-F2BA-16EB641B20DA}"/>
+              </a:ext>
+            </a:extLst>
+          </p:cNvPr>
+          <p:cNvGraphicFramePr>
+            <a:graphicFrameLocks noGrp="1"/>
+          </p:cNvGraphicFramePr>
+          <p:nvPr>
+            <p:extLst>
+              <p:ext uri="{D42A27DB-BD31-4B8C-83A1-F6EECF244321}">
+                <p14:modId xmlns:p14="http://schemas.microsoft.com/office/powerpoint/2010/main" val="3688995827"/>
+              </p:ext>
+            </p:extLst>
+          </p:nvPr>
+        </p:nvGraphicFramePr>
+        <p:xfrm>
+          <a:off x="1574594" y="6109150"/>
+          <a:ext cx="1979612" cy="457200"/>
+        </p:xfrm>
+        <a:graphic>
+          <a:graphicData uri="http://schemas.openxmlformats.org/drawingml/2006/table">
+            <a:tbl>
+              <a:tblPr firstRow="1" bandRow="1">
+                <a:tableStyleId>{5C22544A-7EE6-4342-B048-85BDC9FD1C3A}</a:tableStyleId>
+              </a:tblPr>
+              <a:tblGrid>
+                <a:gridCol w="405130">
+                  <a:extLst>
+                    <a:ext uri="{9D8B030D-6E8A-4147-A177-3AD203B41FA5}">
+                      <a16:colId xmlns:a16="http://schemas.microsoft.com/office/drawing/2014/main" val="548747222"/>
+                    </a:ext>
+                  </a:extLst>
+                </a:gridCol>
+                <a:gridCol w="405130">
+                  <a:extLst>
+                    <a:ext uri="{9D8B030D-6E8A-4147-A177-3AD203B41FA5}">
+                      <a16:colId xmlns:a16="http://schemas.microsoft.com/office/drawing/2014/main" val="1913042492"/>
+                    </a:ext>
+                  </a:extLst>
+                </a:gridCol>
+                <a:gridCol w="405130">
+                  <a:extLst>
+                    <a:ext uri="{9D8B030D-6E8A-4147-A177-3AD203B41FA5}">
+                      <a16:colId xmlns:a16="http://schemas.microsoft.com/office/drawing/2014/main" val="2369147691"/>
+                    </a:ext>
+                  </a:extLst>
+                </a:gridCol>
+                <a:gridCol w="405130">
+                  <a:extLst>
+                    <a:ext uri="{9D8B030D-6E8A-4147-A177-3AD203B41FA5}">
+                      <a16:colId xmlns:a16="http://schemas.microsoft.com/office/drawing/2014/main" val="3137296532"/>
+                    </a:ext>
+                  </a:extLst>
+                </a:gridCol>
+                <a:gridCol w="359092">
+                  <a:extLst>
+                    <a:ext uri="{9D8B030D-6E8A-4147-A177-3AD203B41FA5}">
+                      <a16:colId xmlns:a16="http://schemas.microsoft.com/office/drawing/2014/main" val="2386916304"/>
+                    </a:ext>
+                  </a:extLst>
+                </a:gridCol>
+              </a:tblGrid>
+              <a:tr h="370840">
+                <a:tc>
+                  <a:txBody>
+                    <a:bodyPr/>
+                    <a:lstStyle/>
+                    <a:p>
+                      <a:pPr marL="0" algn="ctr" defTabSz="960120" rtl="0" eaLnBrk="1" latinLnBrk="0" hangingPunct="1"/>
+                      <a:r>
+                        <a:rPr lang="pt-BR" sz="2400" b="1" kern="1200" dirty="0">
+                          <a:solidFill>
+                            <a:schemeClr val="lt1"/>
+                          </a:solidFill>
+                          <a:highlight>
+                            <a:srgbClr val="273C42"/>
+                          </a:highlight>
+                          <a:latin typeface="+mn-lt"/>
+                          <a:ea typeface="+mn-ea"/>
+                          <a:cs typeface="+mn-cs"/>
+                        </a:rPr>
+                        <a:t>2</a:t>
+                      </a:r>
+                    </a:p>
+                  </a:txBody>
+                  <a:tcPr>
+                    <a:solidFill>
+                      <a:srgbClr val="273C42"/>
+                    </a:solidFill>
+                  </a:tcPr>
+                </a:tc>
+                <a:tc>
+                  <a:txBody>
+                    <a:bodyPr/>
+                    <a:lstStyle/>
+                    <a:p>
+                      <a:pPr marL="0" algn="ctr" defTabSz="960120" rtl="0" eaLnBrk="1" latinLnBrk="0" hangingPunct="1"/>
+                      <a:r>
+                        <a:rPr lang="pt-BR" sz="2400" b="1" kern="1200" dirty="0">
+                          <a:solidFill>
+                            <a:schemeClr val="lt1"/>
+                          </a:solidFill>
+                          <a:highlight>
+                            <a:srgbClr val="273C42"/>
+                          </a:highlight>
+                          <a:latin typeface="+mn-lt"/>
+                          <a:ea typeface="+mn-ea"/>
+                          <a:cs typeface="+mn-cs"/>
+                        </a:rPr>
+                        <a:t>7</a:t>
+                      </a:r>
+                    </a:p>
+                  </a:txBody>
+                  <a:tcPr>
+                    <a:solidFill>
+                      <a:srgbClr val="273C42"/>
+                    </a:solidFill>
+                  </a:tcPr>
+                </a:tc>
+                <a:tc>
+                  <a:txBody>
+                    <a:bodyPr/>
+                    <a:lstStyle/>
+                    <a:p>
+                      <a:pPr marL="0" algn="ctr" defTabSz="960120" rtl="0" eaLnBrk="1" latinLnBrk="0" hangingPunct="1"/>
+                      <a:r>
+                        <a:rPr lang="pt-BR" sz="2400" b="1" kern="1200" dirty="0">
+                          <a:solidFill>
+                            <a:schemeClr val="lt1"/>
+                          </a:solidFill>
+                          <a:highlight>
+                            <a:srgbClr val="273C42"/>
+                          </a:highlight>
+                          <a:latin typeface="+mn-lt"/>
+                          <a:ea typeface="+mn-ea"/>
+                          <a:cs typeface="+mn-cs"/>
+                        </a:rPr>
+                        <a:t>9</a:t>
+                      </a:r>
+                    </a:p>
+                  </a:txBody>
+                  <a:tcPr>
+                    <a:solidFill>
+                      <a:srgbClr val="273C42"/>
+                    </a:solidFill>
+                  </a:tcPr>
+                </a:tc>
+                <a:tc>
+                  <a:txBody>
+                    <a:bodyPr/>
+                    <a:lstStyle/>
+                    <a:p>
+                      <a:pPr marL="0" algn="ctr" defTabSz="960120" rtl="0" eaLnBrk="1" latinLnBrk="0" hangingPunct="1"/>
+                      <a:r>
+                        <a:rPr lang="pt-BR" sz="2400" b="1" kern="1200" dirty="0">
+                          <a:solidFill>
+                            <a:schemeClr val="lt1"/>
+                          </a:solidFill>
+                          <a:highlight>
+                            <a:srgbClr val="273C42"/>
+                          </a:highlight>
+                          <a:latin typeface="+mn-lt"/>
+                          <a:ea typeface="+mn-ea"/>
+                          <a:cs typeface="+mn-cs"/>
+                        </a:rPr>
+                        <a:t>6</a:t>
+                      </a:r>
+                    </a:p>
+                  </a:txBody>
+                  <a:tcPr>
+                    <a:solidFill>
+                      <a:srgbClr val="273C42"/>
+                    </a:solidFill>
+                  </a:tcPr>
+                </a:tc>
+                <a:tc>
+                  <a:txBody>
+                    <a:bodyPr/>
+                    <a:lstStyle/>
+                    <a:p>
+                      <a:pPr marL="0" algn="ctr" defTabSz="960120" rtl="0" eaLnBrk="1" latinLnBrk="0" hangingPunct="1"/>
+                      <a:r>
+                        <a:rPr lang="pt-BR" sz="2400" b="1" kern="1200" dirty="0">
+                          <a:solidFill>
+                            <a:schemeClr val="lt1"/>
+                          </a:solidFill>
+                          <a:highlight>
+                            <a:srgbClr val="273C42"/>
+                          </a:highlight>
+                          <a:latin typeface="+mn-lt"/>
+                          <a:ea typeface="+mn-ea"/>
+                          <a:cs typeface="+mn-cs"/>
+                        </a:rPr>
+                        <a:t>4</a:t>
+                      </a:r>
+                    </a:p>
+                  </a:txBody>
+                  <a:tcPr>
+                    <a:solidFill>
+                      <a:srgbClr val="273C42"/>
+                    </a:solidFill>
+                  </a:tcPr>
+                </a:tc>
+                <a:extLst>
+                  <a:ext uri="{0D108BD9-81ED-4DB2-BD59-A6C34878D82A}">
+                    <a16:rowId xmlns:a16="http://schemas.microsoft.com/office/drawing/2014/main" val="2634130274"/>
+                  </a:ext>
+                </a:extLst>
+              </a:tr>
+            </a:tbl>
+          </a:graphicData>
+        </a:graphic>
+      </p:graphicFrame>
+      <p:graphicFrame>
+        <p:nvGraphicFramePr>
+          <p:cNvPr id="7" name="Tabela 6">
+            <a:extLst>
+              <a:ext uri="{FF2B5EF4-FFF2-40B4-BE49-F238E27FC236}">
+                <a16:creationId xmlns:a16="http://schemas.microsoft.com/office/drawing/2014/main" id="{572F42DF-22BD-FBC3-2020-EA1FCF99A074}"/>
+              </a:ext>
+            </a:extLst>
+          </p:cNvPr>
+          <p:cNvGraphicFramePr>
+            <a:graphicFrameLocks noGrp="1"/>
+          </p:cNvGraphicFramePr>
+          <p:nvPr>
+            <p:extLst>
+              <p:ext uri="{D42A27DB-BD31-4B8C-83A1-F6EECF244321}">
+                <p14:modId xmlns:p14="http://schemas.microsoft.com/office/powerpoint/2010/main" val="3449624043"/>
+              </p:ext>
+            </p:extLst>
+          </p:nvPr>
+        </p:nvGraphicFramePr>
+        <p:xfrm>
+          <a:off x="1574594" y="6960059"/>
+          <a:ext cx="1979612" cy="457200"/>
+        </p:xfrm>
+        <a:graphic>
+          <a:graphicData uri="http://schemas.openxmlformats.org/drawingml/2006/table">
+            <a:tbl>
+              <a:tblPr firstRow="1" bandRow="1">
+                <a:tableStyleId>{5C22544A-7EE6-4342-B048-85BDC9FD1C3A}</a:tableStyleId>
+              </a:tblPr>
+              <a:tblGrid>
+                <a:gridCol w="405130">
+                  <a:extLst>
+                    <a:ext uri="{9D8B030D-6E8A-4147-A177-3AD203B41FA5}">
+                      <a16:colId xmlns:a16="http://schemas.microsoft.com/office/drawing/2014/main" val="548747222"/>
+                    </a:ext>
+                  </a:extLst>
+                </a:gridCol>
+                <a:gridCol w="405130">
+                  <a:extLst>
+                    <a:ext uri="{9D8B030D-6E8A-4147-A177-3AD203B41FA5}">
+                      <a16:colId xmlns:a16="http://schemas.microsoft.com/office/drawing/2014/main" val="1913042492"/>
+                    </a:ext>
+                  </a:extLst>
+                </a:gridCol>
+                <a:gridCol w="405130">
+                  <a:extLst>
+                    <a:ext uri="{9D8B030D-6E8A-4147-A177-3AD203B41FA5}">
+                      <a16:colId xmlns:a16="http://schemas.microsoft.com/office/drawing/2014/main" val="2369147691"/>
+                    </a:ext>
+                  </a:extLst>
+                </a:gridCol>
+                <a:gridCol w="405130">
+                  <a:extLst>
+                    <a:ext uri="{9D8B030D-6E8A-4147-A177-3AD203B41FA5}">
+                      <a16:colId xmlns:a16="http://schemas.microsoft.com/office/drawing/2014/main" val="3137296532"/>
+                    </a:ext>
+                  </a:extLst>
+                </a:gridCol>
+                <a:gridCol w="359092">
+                  <a:extLst>
+                    <a:ext uri="{9D8B030D-6E8A-4147-A177-3AD203B41FA5}">
+                      <a16:colId xmlns:a16="http://schemas.microsoft.com/office/drawing/2014/main" val="2386916304"/>
+                    </a:ext>
+                  </a:extLst>
+                </a:gridCol>
+              </a:tblGrid>
+              <a:tr h="370840">
+                <a:tc>
+                  <a:txBody>
+                    <a:bodyPr/>
+                    <a:lstStyle/>
+                    <a:p>
+                      <a:pPr marL="0" algn="ctr" defTabSz="960120" rtl="0" eaLnBrk="1" latinLnBrk="0" hangingPunct="1"/>
+                      <a:r>
+                        <a:rPr lang="pt-BR" sz="2400" b="1" kern="1200" dirty="0">
+                          <a:solidFill>
+                            <a:schemeClr val="lt1"/>
+                          </a:solidFill>
+                          <a:highlight>
+                            <a:srgbClr val="273C42"/>
+                          </a:highlight>
+                          <a:latin typeface="+mn-lt"/>
+                          <a:ea typeface="+mn-ea"/>
+                          <a:cs typeface="+mn-cs"/>
+                        </a:rPr>
+                        <a:t>2</a:t>
+                      </a:r>
+                    </a:p>
+                  </a:txBody>
+                  <a:tcPr>
+                    <a:solidFill>
+                      <a:srgbClr val="273C42"/>
+                    </a:solidFill>
+                  </a:tcPr>
+                </a:tc>
+                <a:tc>
+                  <a:txBody>
+                    <a:bodyPr/>
+                    <a:lstStyle/>
+                    <a:p>
+                      <a:pPr marL="0" algn="ctr" defTabSz="960120" rtl="0" eaLnBrk="1" latinLnBrk="0" hangingPunct="1"/>
+                      <a:r>
+                        <a:rPr lang="pt-BR" sz="2400" b="1" kern="1200" dirty="0">
+                          <a:solidFill>
+                            <a:schemeClr val="lt1"/>
+                          </a:solidFill>
+                          <a:highlight>
+                            <a:srgbClr val="273C42"/>
+                          </a:highlight>
+                          <a:latin typeface="+mn-lt"/>
+                          <a:ea typeface="+mn-ea"/>
+                          <a:cs typeface="+mn-cs"/>
+                        </a:rPr>
+                        <a:t>7</a:t>
+                      </a:r>
+                    </a:p>
+                  </a:txBody>
+                  <a:tcPr>
+                    <a:solidFill>
+                      <a:srgbClr val="273C42"/>
+                    </a:solidFill>
+                  </a:tcPr>
+                </a:tc>
+                <a:tc>
+                  <a:txBody>
+                    <a:bodyPr/>
+                    <a:lstStyle/>
+                    <a:p>
+                      <a:pPr marL="0" algn="ctr" defTabSz="960120" rtl="0" eaLnBrk="1" latinLnBrk="0" hangingPunct="1"/>
+                      <a:r>
+                        <a:rPr lang="pt-BR" sz="2400" b="1" kern="1200" dirty="0">
+                          <a:solidFill>
+                            <a:schemeClr val="lt1"/>
+                          </a:solidFill>
+                          <a:highlight>
+                            <a:srgbClr val="273C42"/>
+                          </a:highlight>
+                          <a:latin typeface="+mn-lt"/>
+                          <a:ea typeface="+mn-ea"/>
+                          <a:cs typeface="+mn-cs"/>
+                        </a:rPr>
+                        <a:t>9</a:t>
+                      </a:r>
+                    </a:p>
+                  </a:txBody>
+                  <a:tcPr>
+                    <a:solidFill>
+                      <a:srgbClr val="273C42"/>
+                    </a:solidFill>
+                  </a:tcPr>
+                </a:tc>
+                <a:tc>
+                  <a:txBody>
+                    <a:bodyPr/>
+                    <a:lstStyle/>
+                    <a:p>
+                      <a:pPr marL="0" algn="ctr" defTabSz="960120" rtl="0" eaLnBrk="1" latinLnBrk="0" hangingPunct="1"/>
+                      <a:r>
+                        <a:rPr lang="pt-BR" sz="2400" b="1" kern="1200" dirty="0">
+                          <a:solidFill>
+                            <a:schemeClr val="lt1"/>
+                          </a:solidFill>
+                          <a:highlight>
+                            <a:srgbClr val="273C42"/>
+                          </a:highlight>
+                          <a:latin typeface="+mn-lt"/>
+                          <a:ea typeface="+mn-ea"/>
+                          <a:cs typeface="+mn-cs"/>
+                        </a:rPr>
+                        <a:t>6</a:t>
+                      </a:r>
+                    </a:p>
+                  </a:txBody>
+                  <a:tcPr>
+                    <a:solidFill>
+                      <a:srgbClr val="273C42"/>
+                    </a:solidFill>
+                  </a:tcPr>
+                </a:tc>
+                <a:tc>
+                  <a:txBody>
+                    <a:bodyPr/>
+                    <a:lstStyle/>
+                    <a:p>
+                      <a:pPr marL="0" algn="ctr" defTabSz="960120" rtl="0" eaLnBrk="1" latinLnBrk="0" hangingPunct="1"/>
+                      <a:r>
+                        <a:rPr lang="pt-BR" sz="2400" b="1" kern="1200" dirty="0">
+                          <a:solidFill>
+                            <a:schemeClr val="lt1"/>
+                          </a:solidFill>
+                          <a:highlight>
+                            <a:srgbClr val="273C42"/>
+                          </a:highlight>
+                          <a:latin typeface="+mn-lt"/>
+                          <a:ea typeface="+mn-ea"/>
+                          <a:cs typeface="+mn-cs"/>
+                        </a:rPr>
+                        <a:t>4</a:t>
+                      </a:r>
+                    </a:p>
+                  </a:txBody>
+                  <a:tcPr>
+                    <a:solidFill>
+                      <a:srgbClr val="273C42"/>
+                    </a:solidFill>
+                  </a:tcPr>
+                </a:tc>
+                <a:extLst>
+                  <a:ext uri="{0D108BD9-81ED-4DB2-BD59-A6C34878D82A}">
+                    <a16:rowId xmlns:a16="http://schemas.microsoft.com/office/drawing/2014/main" val="2634130274"/>
+                  </a:ext>
+                </a:extLst>
+              </a:tr>
+            </a:tbl>
+          </a:graphicData>
+        </a:graphic>
+      </p:graphicFrame>
+      <p:graphicFrame>
+        <p:nvGraphicFramePr>
+          <p:cNvPr id="8" name="Tabela 7">
+            <a:extLst>
+              <a:ext uri="{FF2B5EF4-FFF2-40B4-BE49-F238E27FC236}">
+                <a16:creationId xmlns:a16="http://schemas.microsoft.com/office/drawing/2014/main" id="{2D277BDB-B930-EE34-CA64-A4257835A375}"/>
+              </a:ext>
+            </a:extLst>
+          </p:cNvPr>
+          <p:cNvGraphicFramePr>
+            <a:graphicFrameLocks noGrp="1"/>
+          </p:cNvGraphicFramePr>
+          <p:nvPr>
+            <p:extLst>
+              <p:ext uri="{D42A27DB-BD31-4B8C-83A1-F6EECF244321}">
+                <p14:modId xmlns:p14="http://schemas.microsoft.com/office/powerpoint/2010/main" val="1710320796"/>
+              </p:ext>
+            </p:extLst>
+          </p:nvPr>
+        </p:nvGraphicFramePr>
+        <p:xfrm>
+          <a:off x="1574594" y="7800731"/>
+          <a:ext cx="1979612" cy="457200"/>
+        </p:xfrm>
+        <a:graphic>
+          <a:graphicData uri="http://schemas.openxmlformats.org/drawingml/2006/table">
+            <a:tbl>
+              <a:tblPr firstRow="1" bandRow="1">
+                <a:tableStyleId>{5C22544A-7EE6-4342-B048-85BDC9FD1C3A}</a:tableStyleId>
+              </a:tblPr>
+              <a:tblGrid>
+                <a:gridCol w="405130">
+                  <a:extLst>
+                    <a:ext uri="{9D8B030D-6E8A-4147-A177-3AD203B41FA5}">
+                      <a16:colId xmlns:a16="http://schemas.microsoft.com/office/drawing/2014/main" val="548747222"/>
+                    </a:ext>
+                  </a:extLst>
+                </a:gridCol>
+                <a:gridCol w="405130">
+                  <a:extLst>
+                    <a:ext uri="{9D8B030D-6E8A-4147-A177-3AD203B41FA5}">
+                      <a16:colId xmlns:a16="http://schemas.microsoft.com/office/drawing/2014/main" val="1913042492"/>
+                    </a:ext>
+                  </a:extLst>
+                </a:gridCol>
+                <a:gridCol w="405130">
+                  <a:extLst>
+                    <a:ext uri="{9D8B030D-6E8A-4147-A177-3AD203B41FA5}">
+                      <a16:colId xmlns:a16="http://schemas.microsoft.com/office/drawing/2014/main" val="2369147691"/>
+                    </a:ext>
+                  </a:extLst>
+                </a:gridCol>
+                <a:gridCol w="405130">
+                  <a:extLst>
+                    <a:ext uri="{9D8B030D-6E8A-4147-A177-3AD203B41FA5}">
+                      <a16:colId xmlns:a16="http://schemas.microsoft.com/office/drawing/2014/main" val="3137296532"/>
+                    </a:ext>
+                  </a:extLst>
+                </a:gridCol>
+                <a:gridCol w="359092">
+                  <a:extLst>
+                    <a:ext uri="{9D8B030D-6E8A-4147-A177-3AD203B41FA5}">
+                      <a16:colId xmlns:a16="http://schemas.microsoft.com/office/drawing/2014/main" val="2386916304"/>
+                    </a:ext>
+                  </a:extLst>
+                </a:gridCol>
+              </a:tblGrid>
+              <a:tr h="370840">
+                <a:tc>
+                  <a:txBody>
+                    <a:bodyPr/>
+                    <a:lstStyle/>
+                    <a:p>
+                      <a:pPr marL="0" algn="ctr" defTabSz="960120" rtl="0" eaLnBrk="1" latinLnBrk="0" hangingPunct="1"/>
+                      <a:r>
+                        <a:rPr lang="pt-BR" sz="2400" b="1" kern="1200" dirty="0">
+                          <a:solidFill>
+                            <a:schemeClr val="lt1"/>
+                          </a:solidFill>
+                          <a:highlight>
+                            <a:srgbClr val="273C42"/>
+                          </a:highlight>
+                          <a:latin typeface="+mn-lt"/>
+                          <a:ea typeface="+mn-ea"/>
+                          <a:cs typeface="+mn-cs"/>
+                        </a:rPr>
+                        <a:t>2</a:t>
+                      </a:r>
+                    </a:p>
+                  </a:txBody>
+                  <a:tcPr>
+                    <a:solidFill>
+                      <a:srgbClr val="273C42"/>
+                    </a:solidFill>
+                  </a:tcPr>
+                </a:tc>
+                <a:tc>
+                  <a:txBody>
+                    <a:bodyPr/>
+                    <a:lstStyle/>
+                    <a:p>
+                      <a:pPr marL="0" algn="ctr" defTabSz="960120" rtl="0" eaLnBrk="1" latinLnBrk="0" hangingPunct="1"/>
+                      <a:r>
+                        <a:rPr lang="pt-BR" sz="2400" b="1" kern="1200" dirty="0">
+                          <a:solidFill>
+                            <a:schemeClr val="lt1"/>
+                          </a:solidFill>
+                          <a:highlight>
+                            <a:srgbClr val="273C42"/>
+                          </a:highlight>
+                          <a:latin typeface="+mn-lt"/>
+                          <a:ea typeface="+mn-ea"/>
+                          <a:cs typeface="+mn-cs"/>
+                        </a:rPr>
+                        <a:t>7</a:t>
+                      </a:r>
+                    </a:p>
+                  </a:txBody>
+                  <a:tcPr>
+                    <a:solidFill>
+                      <a:srgbClr val="273C42"/>
+                    </a:solidFill>
+                  </a:tcPr>
+                </a:tc>
+                <a:tc>
+                  <a:txBody>
+                    <a:bodyPr/>
+                    <a:lstStyle/>
+                    <a:p>
+                      <a:pPr marL="0" algn="ctr" defTabSz="960120" rtl="0" eaLnBrk="1" latinLnBrk="0" hangingPunct="1"/>
+                      <a:r>
+                        <a:rPr lang="pt-BR" sz="2400" b="1" kern="1200" dirty="0">
+                          <a:solidFill>
+                            <a:schemeClr val="lt1"/>
+                          </a:solidFill>
+                          <a:highlight>
+                            <a:srgbClr val="273C42"/>
+                          </a:highlight>
+                          <a:latin typeface="+mn-lt"/>
+                          <a:ea typeface="+mn-ea"/>
+                          <a:cs typeface="+mn-cs"/>
+                        </a:rPr>
+                        <a:t>6</a:t>
+                      </a:r>
+                    </a:p>
+                  </a:txBody>
+                  <a:tcPr>
+                    <a:solidFill>
+                      <a:srgbClr val="273C42"/>
+                    </a:solidFill>
+                  </a:tcPr>
+                </a:tc>
+                <a:tc>
+                  <a:txBody>
+                    <a:bodyPr/>
+                    <a:lstStyle/>
+                    <a:p>
+                      <a:pPr marL="0" algn="ctr" defTabSz="960120" rtl="0" eaLnBrk="1" latinLnBrk="0" hangingPunct="1"/>
+                      <a:r>
+                        <a:rPr lang="pt-BR" sz="2400" b="1" kern="1200" dirty="0">
+                          <a:solidFill>
+                            <a:schemeClr val="lt1"/>
+                          </a:solidFill>
+                          <a:highlight>
+                            <a:srgbClr val="273C42"/>
+                          </a:highlight>
+                          <a:latin typeface="+mn-lt"/>
+                          <a:ea typeface="+mn-ea"/>
+                          <a:cs typeface="+mn-cs"/>
+                        </a:rPr>
+                        <a:t>9</a:t>
+                      </a:r>
+                    </a:p>
+                  </a:txBody>
+                  <a:tcPr>
+                    <a:solidFill>
+                      <a:srgbClr val="273C42"/>
+                    </a:solidFill>
+                  </a:tcPr>
+                </a:tc>
+                <a:tc>
+                  <a:txBody>
+                    <a:bodyPr/>
+                    <a:lstStyle/>
+                    <a:p>
+                      <a:pPr marL="0" algn="ctr" defTabSz="960120" rtl="0" eaLnBrk="1" latinLnBrk="0" hangingPunct="1"/>
+                      <a:r>
+                        <a:rPr lang="pt-BR" sz="2400" b="1" kern="1200" dirty="0">
+                          <a:solidFill>
+                            <a:schemeClr val="lt1"/>
+                          </a:solidFill>
+                          <a:highlight>
+                            <a:srgbClr val="273C42"/>
+                          </a:highlight>
+                          <a:latin typeface="+mn-lt"/>
+                          <a:ea typeface="+mn-ea"/>
+                          <a:cs typeface="+mn-cs"/>
+                        </a:rPr>
+                        <a:t>4</a:t>
+                      </a:r>
+                    </a:p>
+                  </a:txBody>
+                  <a:tcPr>
+                    <a:solidFill>
+                      <a:srgbClr val="273C42"/>
+                    </a:solidFill>
+                  </a:tcPr>
+                </a:tc>
+                <a:extLst>
+                  <a:ext uri="{0D108BD9-81ED-4DB2-BD59-A6C34878D82A}">
+                    <a16:rowId xmlns:a16="http://schemas.microsoft.com/office/drawing/2014/main" val="2634130274"/>
+                  </a:ext>
+                </a:extLst>
+              </a:tr>
+            </a:tbl>
+          </a:graphicData>
+        </a:graphic>
+      </p:graphicFrame>
+      <p:graphicFrame>
+        <p:nvGraphicFramePr>
+          <p:cNvPr id="10" name="Tabela 9">
+            <a:extLst>
+              <a:ext uri="{FF2B5EF4-FFF2-40B4-BE49-F238E27FC236}">
+                <a16:creationId xmlns:a16="http://schemas.microsoft.com/office/drawing/2014/main" id="{8F8ED741-8C05-215B-549A-84E65694489E}"/>
+              </a:ext>
+            </a:extLst>
+          </p:cNvPr>
+          <p:cNvGraphicFramePr>
+            <a:graphicFrameLocks noGrp="1"/>
+          </p:cNvGraphicFramePr>
+          <p:nvPr>
+            <p:extLst>
+              <p:ext uri="{D42A27DB-BD31-4B8C-83A1-F6EECF244321}">
+                <p14:modId xmlns:p14="http://schemas.microsoft.com/office/powerpoint/2010/main" val="3472104249"/>
+              </p:ext>
+            </p:extLst>
+          </p:nvPr>
+        </p:nvGraphicFramePr>
+        <p:xfrm>
+          <a:off x="1574594" y="8658242"/>
+          <a:ext cx="1979612" cy="457200"/>
+        </p:xfrm>
+        <a:graphic>
+          <a:graphicData uri="http://schemas.openxmlformats.org/drawingml/2006/table">
+            <a:tbl>
+              <a:tblPr firstRow="1" bandRow="1">
+                <a:tableStyleId>{5C22544A-7EE6-4342-B048-85BDC9FD1C3A}</a:tableStyleId>
+              </a:tblPr>
+              <a:tblGrid>
+                <a:gridCol w="405130">
+                  <a:extLst>
+                    <a:ext uri="{9D8B030D-6E8A-4147-A177-3AD203B41FA5}">
+                      <a16:colId xmlns:a16="http://schemas.microsoft.com/office/drawing/2014/main" val="548747222"/>
+                    </a:ext>
+                  </a:extLst>
+                </a:gridCol>
+                <a:gridCol w="405130">
+                  <a:extLst>
+                    <a:ext uri="{9D8B030D-6E8A-4147-A177-3AD203B41FA5}">
+                      <a16:colId xmlns:a16="http://schemas.microsoft.com/office/drawing/2014/main" val="1913042492"/>
+                    </a:ext>
+                  </a:extLst>
+                </a:gridCol>
+                <a:gridCol w="405130">
+                  <a:extLst>
+                    <a:ext uri="{9D8B030D-6E8A-4147-A177-3AD203B41FA5}">
+                      <a16:colId xmlns:a16="http://schemas.microsoft.com/office/drawing/2014/main" val="2369147691"/>
+                    </a:ext>
+                  </a:extLst>
+                </a:gridCol>
+                <a:gridCol w="405130">
+                  <a:extLst>
+                    <a:ext uri="{9D8B030D-6E8A-4147-A177-3AD203B41FA5}">
+                      <a16:colId xmlns:a16="http://schemas.microsoft.com/office/drawing/2014/main" val="3137296532"/>
+                    </a:ext>
+                  </a:extLst>
+                </a:gridCol>
+                <a:gridCol w="359092">
+                  <a:extLst>
+                    <a:ext uri="{9D8B030D-6E8A-4147-A177-3AD203B41FA5}">
+                      <a16:colId xmlns:a16="http://schemas.microsoft.com/office/drawing/2014/main" val="2386916304"/>
+                    </a:ext>
+                  </a:extLst>
+                </a:gridCol>
+              </a:tblGrid>
+              <a:tr h="370840">
+                <a:tc>
+                  <a:txBody>
+                    <a:bodyPr/>
+                    <a:lstStyle/>
+                    <a:p>
+                      <a:pPr marL="0" algn="ctr" defTabSz="960120" rtl="0" eaLnBrk="1" latinLnBrk="0" hangingPunct="1"/>
+                      <a:r>
+                        <a:rPr lang="pt-BR" sz="2400" b="1" kern="1200" dirty="0">
+                          <a:solidFill>
+                            <a:schemeClr val="lt1"/>
+                          </a:solidFill>
+                          <a:highlight>
+                            <a:srgbClr val="273C42"/>
+                          </a:highlight>
+                          <a:latin typeface="+mn-lt"/>
+                          <a:ea typeface="+mn-ea"/>
+                          <a:cs typeface="+mn-cs"/>
+                        </a:rPr>
+                        <a:t>2</a:t>
+                      </a:r>
+                    </a:p>
+                  </a:txBody>
+                  <a:tcPr>
+                    <a:solidFill>
+                      <a:srgbClr val="273C42"/>
+                    </a:solidFill>
+                  </a:tcPr>
+                </a:tc>
+                <a:tc>
+                  <a:txBody>
+                    <a:bodyPr/>
+                    <a:lstStyle/>
+                    <a:p>
+                      <a:pPr marL="0" algn="ctr" defTabSz="960120" rtl="0" eaLnBrk="1" latinLnBrk="0" hangingPunct="1"/>
+                      <a:r>
+                        <a:rPr lang="pt-BR" sz="2400" b="1" kern="1200" dirty="0">
+                          <a:solidFill>
+                            <a:schemeClr val="lt1"/>
+                          </a:solidFill>
+                          <a:highlight>
+                            <a:srgbClr val="273C42"/>
+                          </a:highlight>
+                          <a:latin typeface="+mn-lt"/>
+                          <a:ea typeface="+mn-ea"/>
+                          <a:cs typeface="+mn-cs"/>
+                        </a:rPr>
+                        <a:t>7</a:t>
+                      </a:r>
+                    </a:p>
+                  </a:txBody>
+                  <a:tcPr>
+                    <a:solidFill>
+                      <a:srgbClr val="273C42"/>
+                    </a:solidFill>
+                  </a:tcPr>
+                </a:tc>
+                <a:tc>
+                  <a:txBody>
+                    <a:bodyPr/>
+                    <a:lstStyle/>
+                    <a:p>
+                      <a:pPr marL="0" algn="ctr" defTabSz="960120" rtl="0" eaLnBrk="1" latinLnBrk="0" hangingPunct="1"/>
+                      <a:r>
+                        <a:rPr lang="pt-BR" sz="2400" b="1" kern="1200" dirty="0">
+                          <a:solidFill>
+                            <a:schemeClr val="lt1"/>
+                          </a:solidFill>
+                          <a:highlight>
+                            <a:srgbClr val="273C42"/>
+                          </a:highlight>
+                          <a:latin typeface="+mn-lt"/>
+                          <a:ea typeface="+mn-ea"/>
+                          <a:cs typeface="+mn-cs"/>
+                        </a:rPr>
+                        <a:t>6</a:t>
+                      </a:r>
+                    </a:p>
+                  </a:txBody>
+                  <a:tcPr>
+                    <a:solidFill>
+                      <a:srgbClr val="273C42"/>
+                    </a:solidFill>
+                  </a:tcPr>
+                </a:tc>
+                <a:tc>
+                  <a:txBody>
+                    <a:bodyPr/>
+                    <a:lstStyle/>
+                    <a:p>
+                      <a:pPr marL="0" algn="ctr" defTabSz="960120" rtl="0" eaLnBrk="1" latinLnBrk="0" hangingPunct="1"/>
+                      <a:r>
+                        <a:rPr lang="pt-BR" sz="2400" b="1" kern="1200" dirty="0">
+                          <a:solidFill>
+                            <a:schemeClr val="lt1"/>
+                          </a:solidFill>
+                          <a:highlight>
+                            <a:srgbClr val="273C42"/>
+                          </a:highlight>
+                          <a:latin typeface="+mn-lt"/>
+                          <a:ea typeface="+mn-ea"/>
+                          <a:cs typeface="+mn-cs"/>
+                        </a:rPr>
+                        <a:t>4</a:t>
+                      </a:r>
+                    </a:p>
+                  </a:txBody>
+                  <a:tcPr>
+                    <a:solidFill>
+                      <a:srgbClr val="273C42"/>
+                    </a:solidFill>
+                  </a:tcPr>
+                </a:tc>
+                <a:tc>
+                  <a:txBody>
+                    <a:bodyPr/>
+                    <a:lstStyle/>
+                    <a:p>
+                      <a:pPr marL="0" algn="ctr" defTabSz="960120" rtl="0" eaLnBrk="1" latinLnBrk="0" hangingPunct="1"/>
+                      <a:r>
+                        <a:rPr lang="pt-BR" sz="2400" b="1" kern="1200" dirty="0">
+                          <a:solidFill>
+                            <a:schemeClr val="lt1"/>
+                          </a:solidFill>
+                          <a:highlight>
+                            <a:srgbClr val="273C42"/>
+                          </a:highlight>
+                          <a:latin typeface="+mn-lt"/>
+                          <a:ea typeface="+mn-ea"/>
+                          <a:cs typeface="+mn-cs"/>
+                        </a:rPr>
+                        <a:t>9</a:t>
+                      </a:r>
+                    </a:p>
+                  </a:txBody>
+                  <a:tcPr>
+                    <a:solidFill>
+                      <a:srgbClr val="273C42"/>
+                    </a:solidFill>
+                  </a:tcPr>
+                </a:tc>
+                <a:extLst>
+                  <a:ext uri="{0D108BD9-81ED-4DB2-BD59-A6C34878D82A}">
+                    <a16:rowId xmlns:a16="http://schemas.microsoft.com/office/drawing/2014/main" val="2634130274"/>
+                  </a:ext>
+                </a:extLst>
+              </a:tr>
+            </a:tbl>
+          </a:graphicData>
+        </a:graphic>
+      </p:graphicFrame>
+      <p:sp>
+        <p:nvSpPr>
+          <p:cNvPr id="42" name="CaixaDeTexto 41">
+            <a:extLst>
+              <a:ext uri="{FF2B5EF4-FFF2-40B4-BE49-F238E27FC236}">
+                <a16:creationId xmlns:a16="http://schemas.microsoft.com/office/drawing/2014/main" id="{F6FB3767-F3F7-33CD-675A-EE98508CCE4E}"/>
+              </a:ext>
+            </a:extLst>
+          </p:cNvPr>
+          <p:cNvSpPr txBox="1"/>
           <p:nvPr/>
-        </p:nvPicPr>
-        <p:blipFill>
-          <a:blip r:embed="rId2"/>
-          <a:stretch>
-            <a:fillRect/>
-          </a:stretch>
-        </p:blipFill>
+        </p:nvSpPr>
         <p:spPr>
           <a:xfrm>
-            <a:off x="892277" y="5339093"/>
-            <a:ext cx="7816645" cy="4640429"/>
+            <a:off x="3939540" y="5285710"/>
+            <a:ext cx="4478746" cy="400110"/>
           </a:xfrm>
           <a:prstGeom prst="rect">
             <a:avLst/>
           </a:prstGeom>
+          <a:noFill/>
         </p:spPr>
-      </p:pic>
+        <p:txBody>
+          <a:bodyPr wrap="square" rtlCol="0">
+            <a:spAutoFit/>
+          </a:bodyPr>
+          <a:lstStyle/>
+          <a:p>
+            <a:r>
+              <a:rPr lang="pt-BR" sz="2000" dirty="0"/>
+              <a:t>Troca de posição porque 7 é maior que 2</a:t>
+            </a:r>
+          </a:p>
+        </p:txBody>
+      </p:sp>
+      <p:sp>
+        <p:nvSpPr>
+          <p:cNvPr id="43" name="CaixaDeTexto 42">
+            <a:extLst>
+              <a:ext uri="{FF2B5EF4-FFF2-40B4-BE49-F238E27FC236}">
+                <a16:creationId xmlns:a16="http://schemas.microsoft.com/office/drawing/2014/main" id="{B2E7EDF7-24C1-BAC5-6823-1C7EEE3606EC}"/>
+              </a:ext>
+            </a:extLst>
+          </p:cNvPr>
+          <p:cNvSpPr txBox="1"/>
+          <p:nvPr/>
+        </p:nvSpPr>
+        <p:spPr>
+          <a:xfrm>
+            <a:off x="3939539" y="6045924"/>
+            <a:ext cx="4328159" cy="646331"/>
+          </a:xfrm>
+          <a:prstGeom prst="rect">
+            <a:avLst/>
+          </a:prstGeom>
+          <a:noFill/>
+        </p:spPr>
+        <p:txBody>
+          <a:bodyPr wrap="square" rtlCol="0">
+            <a:spAutoFit/>
+          </a:bodyPr>
+          <a:lstStyle/>
+          <a:p>
+            <a:r>
+              <a:rPr lang="pt-BR" dirty="0"/>
+              <a:t>Não é necessário trocar a posição porque 7 é menor que 9</a:t>
+            </a:r>
+          </a:p>
+        </p:txBody>
+      </p:sp>
+      <p:sp>
+        <p:nvSpPr>
+          <p:cNvPr id="44" name="CaixaDeTexto 43">
+            <a:extLst>
+              <a:ext uri="{FF2B5EF4-FFF2-40B4-BE49-F238E27FC236}">
+                <a16:creationId xmlns:a16="http://schemas.microsoft.com/office/drawing/2014/main" id="{251E0A7D-0662-7516-4FB3-096D10B499F1}"/>
+              </a:ext>
+            </a:extLst>
+          </p:cNvPr>
+          <p:cNvSpPr txBox="1"/>
+          <p:nvPr/>
+        </p:nvSpPr>
+        <p:spPr>
+          <a:xfrm>
+            <a:off x="3939540" y="6989993"/>
+            <a:ext cx="4478746" cy="369332"/>
+          </a:xfrm>
+          <a:prstGeom prst="rect">
+            <a:avLst/>
+          </a:prstGeom>
+          <a:noFill/>
+        </p:spPr>
+        <p:txBody>
+          <a:bodyPr wrap="square" rtlCol="0">
+            <a:spAutoFit/>
+          </a:bodyPr>
+          <a:lstStyle/>
+          <a:p>
+            <a:r>
+              <a:rPr lang="pt-BR" dirty="0"/>
+              <a:t>Troca de posição porque 9 é maior que 6</a:t>
+            </a:r>
+          </a:p>
+        </p:txBody>
+      </p:sp>
+      <p:sp>
+        <p:nvSpPr>
+          <p:cNvPr id="45" name="CaixaDeTexto 44">
+            <a:extLst>
+              <a:ext uri="{FF2B5EF4-FFF2-40B4-BE49-F238E27FC236}">
+                <a16:creationId xmlns:a16="http://schemas.microsoft.com/office/drawing/2014/main" id="{C930BAC2-89F2-78EE-31E9-91AC0D724B83}"/>
+              </a:ext>
+            </a:extLst>
+          </p:cNvPr>
+          <p:cNvSpPr txBox="1"/>
+          <p:nvPr/>
+        </p:nvSpPr>
+        <p:spPr>
+          <a:xfrm>
+            <a:off x="3939540" y="7844665"/>
+            <a:ext cx="4478746" cy="400110"/>
+          </a:xfrm>
+          <a:prstGeom prst="rect">
+            <a:avLst/>
+          </a:prstGeom>
+          <a:noFill/>
+        </p:spPr>
+        <p:txBody>
+          <a:bodyPr wrap="square" rtlCol="0">
+            <a:spAutoFit/>
+          </a:bodyPr>
+          <a:lstStyle/>
+          <a:p>
+            <a:r>
+              <a:rPr lang="pt-BR" sz="2000" dirty="0"/>
+              <a:t>Troca de posição porque 9 é maior que 4</a:t>
+            </a:r>
+          </a:p>
+        </p:txBody>
+      </p:sp>
+      <p:sp>
+        <p:nvSpPr>
+          <p:cNvPr id="46" name="Seta: Curva para Baixo 45">
+            <a:extLst>
+              <a:ext uri="{FF2B5EF4-FFF2-40B4-BE49-F238E27FC236}">
+                <a16:creationId xmlns:a16="http://schemas.microsoft.com/office/drawing/2014/main" id="{45C16CBC-C997-C3CB-06C8-9A5FC41073C4}"/>
+              </a:ext>
+            </a:extLst>
+          </p:cNvPr>
+          <p:cNvSpPr/>
+          <p:nvPr/>
+        </p:nvSpPr>
+        <p:spPr>
+          <a:xfrm flipH="1">
+            <a:off x="1784555" y="4952131"/>
+            <a:ext cx="361950" cy="266700"/>
+          </a:xfrm>
+          <a:prstGeom prst="curvedDownArrow">
+            <a:avLst/>
+          </a:prstGeom>
+          <a:solidFill>
+            <a:srgbClr val="2F7586"/>
+          </a:solidFill>
+          <a:ln>
+            <a:noFill/>
+          </a:ln>
+        </p:spPr>
+        <p:style>
+          <a:lnRef idx="2">
+            <a:schemeClr val="accent1">
+              <a:shade val="15000"/>
+            </a:schemeClr>
+          </a:lnRef>
+          <a:fillRef idx="1">
+            <a:schemeClr val="accent1"/>
+          </a:fillRef>
+          <a:effectRef idx="0">
+            <a:schemeClr val="accent1"/>
+          </a:effectRef>
+          <a:fontRef idx="minor">
+            <a:schemeClr val="lt1"/>
+          </a:fontRef>
+        </p:style>
+        <p:txBody>
+          <a:bodyPr rtlCol="0" anchor="ctr"/>
+          <a:lstStyle/>
+          <a:p>
+            <a:pPr algn="ctr"/>
+            <a:endParaRPr lang="pt-BR">
+              <a:solidFill>
+                <a:schemeClr val="tx1"/>
+              </a:solidFill>
+            </a:endParaRPr>
+          </a:p>
+        </p:txBody>
+      </p:sp>
+      <p:sp>
+        <p:nvSpPr>
+          <p:cNvPr id="50" name="Seta: Curva para Baixo 49">
+            <a:extLst>
+              <a:ext uri="{FF2B5EF4-FFF2-40B4-BE49-F238E27FC236}">
+                <a16:creationId xmlns:a16="http://schemas.microsoft.com/office/drawing/2014/main" id="{C34B2D23-94A5-9F3D-D26B-E2C7546792E9}"/>
+              </a:ext>
+            </a:extLst>
+          </p:cNvPr>
+          <p:cNvSpPr/>
+          <p:nvPr/>
+        </p:nvSpPr>
+        <p:spPr>
+          <a:xfrm flipH="1">
+            <a:off x="2595356" y="6678569"/>
+            <a:ext cx="361950" cy="266700"/>
+          </a:xfrm>
+          <a:prstGeom prst="curvedDownArrow">
+            <a:avLst/>
+          </a:prstGeom>
+          <a:solidFill>
+            <a:srgbClr val="2F7586"/>
+          </a:solidFill>
+          <a:ln>
+            <a:noFill/>
+          </a:ln>
+        </p:spPr>
+        <p:style>
+          <a:lnRef idx="2">
+            <a:schemeClr val="accent1">
+              <a:shade val="15000"/>
+            </a:schemeClr>
+          </a:lnRef>
+          <a:fillRef idx="1">
+            <a:schemeClr val="accent1"/>
+          </a:fillRef>
+          <a:effectRef idx="0">
+            <a:schemeClr val="accent1"/>
+          </a:effectRef>
+          <a:fontRef idx="minor">
+            <a:schemeClr val="lt1"/>
+          </a:fontRef>
+        </p:style>
+        <p:txBody>
+          <a:bodyPr rtlCol="0" anchor="ctr"/>
+          <a:lstStyle/>
+          <a:p>
+            <a:pPr algn="ctr"/>
+            <a:endParaRPr lang="pt-BR">
+              <a:solidFill>
+                <a:schemeClr val="tx1"/>
+              </a:solidFill>
+            </a:endParaRPr>
+          </a:p>
+        </p:txBody>
+      </p:sp>
+      <p:sp>
+        <p:nvSpPr>
+          <p:cNvPr id="51" name="Seta: Curva para Baixo 50">
+            <a:extLst>
+              <a:ext uri="{FF2B5EF4-FFF2-40B4-BE49-F238E27FC236}">
+                <a16:creationId xmlns:a16="http://schemas.microsoft.com/office/drawing/2014/main" id="{035827DB-6A19-904E-A8AC-D2DEA36DD2E2}"/>
+              </a:ext>
+            </a:extLst>
+          </p:cNvPr>
+          <p:cNvSpPr/>
+          <p:nvPr/>
+        </p:nvSpPr>
+        <p:spPr>
+          <a:xfrm flipH="1">
+            <a:off x="2595356" y="7525347"/>
+            <a:ext cx="361950" cy="266700"/>
+          </a:xfrm>
+          <a:prstGeom prst="curvedDownArrow">
+            <a:avLst/>
+          </a:prstGeom>
+          <a:solidFill>
+            <a:srgbClr val="2F7586"/>
+          </a:solidFill>
+          <a:ln>
+            <a:noFill/>
+          </a:ln>
+        </p:spPr>
+        <p:style>
+          <a:lnRef idx="2">
+            <a:schemeClr val="accent1">
+              <a:shade val="15000"/>
+            </a:schemeClr>
+          </a:lnRef>
+          <a:fillRef idx="1">
+            <a:schemeClr val="accent1"/>
+          </a:fillRef>
+          <a:effectRef idx="0">
+            <a:schemeClr val="accent1"/>
+          </a:effectRef>
+          <a:fontRef idx="minor">
+            <a:schemeClr val="lt1"/>
+          </a:fontRef>
+        </p:style>
+        <p:txBody>
+          <a:bodyPr rtlCol="0" anchor="ctr"/>
+          <a:lstStyle/>
+          <a:p>
+            <a:pPr algn="ctr"/>
+            <a:endParaRPr lang="pt-BR">
+              <a:solidFill>
+                <a:schemeClr val="tx1"/>
+              </a:solidFill>
+            </a:endParaRPr>
+          </a:p>
+        </p:txBody>
+      </p:sp>
+      <p:sp>
+        <p:nvSpPr>
+          <p:cNvPr id="52" name="Espaço Reservado para Rodapé 10">
+            <a:extLst>
+              <a:ext uri="{FF2B5EF4-FFF2-40B4-BE49-F238E27FC236}">
+                <a16:creationId xmlns:a16="http://schemas.microsoft.com/office/drawing/2014/main" id="{0774450F-E835-59D0-A336-41E6F9A96E10}"/>
+              </a:ext>
+            </a:extLst>
+          </p:cNvPr>
+          <p:cNvSpPr>
+            <a:spLocks noGrp="1"/>
+          </p:cNvSpPr>
+          <p:nvPr>
+            <p:ph type="ftr" sz="quarter" idx="11"/>
+          </p:nvPr>
+        </p:nvSpPr>
+        <p:spPr>
+          <a:xfrm>
+            <a:off x="2820353" y="11865188"/>
+            <a:ext cx="4030027" cy="681567"/>
+          </a:xfrm>
+        </p:spPr>
+        <p:txBody>
+          <a:bodyPr/>
+          <a:lstStyle/>
+          <a:p>
+            <a:r>
+              <a:rPr lang="pt-BR" dirty="0"/>
+              <a:t>ALGORITIMOS DE ORDENAÇÃO – Jefferson Mesquita</a:t>
+            </a:r>
+          </a:p>
+        </p:txBody>
+      </p:sp>
     </p:spTree>
     <p:extLst>
       <p:ext uri="{BB962C8B-B14F-4D97-AF65-F5344CB8AC3E}">
-        <p14:creationId xmlns:p14="http://schemas.microsoft.com/office/powerpoint/2010/main" val="796699739"/>
+        <p14:creationId xmlns:p14="http://schemas.microsoft.com/office/powerpoint/2010/main" val="3627447268"/>
       </p:ext>
     </p:extLst>
   </p:cSld>
@@ -6484,50 +10694,6 @@
       </p:grpSpPr>
       <p:sp>
         <p:nvSpPr>
-          <p:cNvPr id="2" name="texto_componente">
-            <a:extLst>
-              <a:ext uri="{FF2B5EF4-FFF2-40B4-BE49-F238E27FC236}">
-                <a16:creationId xmlns:a16="http://schemas.microsoft.com/office/drawing/2014/main" id="{5F8A268F-DF04-2C6F-1AF7-579F8D46FDD0}"/>
-              </a:ext>
-            </a:extLst>
-          </p:cNvPr>
-          <p:cNvSpPr txBox="1"/>
-          <p:nvPr/>
-        </p:nvSpPr>
-        <p:spPr>
-          <a:xfrm>
-            <a:off x="870768" y="2822078"/>
-            <a:ext cx="7816645" cy="1938992"/>
-          </a:xfrm>
-          <a:prstGeom prst="rect">
-            <a:avLst/>
-          </a:prstGeom>
-          <a:noFill/>
-        </p:spPr>
-        <p:txBody>
-          <a:bodyPr wrap="square" rtlCol="0">
-            <a:spAutoFit/>
-          </a:bodyPr>
-          <a:lstStyle/>
-          <a:p>
-            <a:pPr algn="ctr"/>
-            <a:r>
-              <a:rPr lang="pt-BR" sz="2400" dirty="0"/>
-              <a:t>Você também pode usar uma classe em conjunto com o seletor de elemento para direcionar elementos específicos. Por exemplo, para estilizar apenas os parágrafos com a classe "destaque", você pode usar o seletor </a:t>
-            </a:r>
-            <a:r>
-              <a:rPr lang="pt-BR" sz="2400" dirty="0" err="1"/>
-              <a:t>p.destaque</a:t>
-            </a:r>
-            <a:r>
-              <a:rPr lang="pt-BR" sz="2400" dirty="0"/>
-              <a:t>. Veja o exemplo:</a:t>
-            </a:r>
-          </a:p>
-        </p:txBody>
-      </p:sp>
-      <p:sp>
-        <p:nvSpPr>
           <p:cNvPr id="3" name="titulo_componente">
             <a:extLst>
               <a:ext uri="{FF2B5EF4-FFF2-40B4-BE49-F238E27FC236}">
@@ -6540,7 +10706,7 @@
         </p:nvSpPr>
         <p:spPr>
           <a:xfrm>
-            <a:off x="1460704" y="806736"/>
+            <a:off x="1784555" y="832096"/>
             <a:ext cx="7816645" cy="707886"/>
           </a:xfrm>
           <a:prstGeom prst="rect">
@@ -6558,75 +10724,17 @@
               <a:rPr lang="pt-BR" sz="4000" dirty="0">
                 <a:latin typeface="Impact" panose="020B0806030902050204" pitchFamily="34" charset="0"/>
               </a:rPr>
-              <a:t>SELETOR DE ELEMENTO COM CLASSE</a:t>
-            </a:r>
-          </a:p>
-        </p:txBody>
-      </p:sp>
-      <p:pic>
-        <p:nvPicPr>
-          <p:cNvPr id="6" name="Imagem 5">
+              <a:t>Exemplo de código</a:t>
+            </a:r>
+          </a:p>
+        </p:txBody>
+      </p:sp>
+      <p:sp>
+        <p:nvSpPr>
+          <p:cNvPr id="20" name="Espaço Reservado para Número de Slide 19">
             <a:extLst>
               <a:ext uri="{FF2B5EF4-FFF2-40B4-BE49-F238E27FC236}">
-                <a16:creationId xmlns:a16="http://schemas.microsoft.com/office/drawing/2014/main" id="{6FB2751F-08A0-9941-129D-A547A9D0BF5A}"/>
-              </a:ext>
-            </a:extLst>
-          </p:cNvPr>
-          <p:cNvPicPr>
-            <a:picLocks noChangeAspect="1"/>
-          </p:cNvPicPr>
-          <p:nvPr/>
-        </p:nvPicPr>
-        <p:blipFill>
-          <a:blip r:embed="rId2"/>
-          <a:stretch>
-            <a:fillRect/>
-          </a:stretch>
-        </p:blipFill>
-        <p:spPr>
-          <a:xfrm>
-            <a:off x="0" y="4975442"/>
-            <a:ext cx="9601200" cy="4384548"/>
-          </a:xfrm>
-          <a:prstGeom prst="rect">
-            <a:avLst/>
-          </a:prstGeom>
-        </p:spPr>
-      </p:pic>
-      <p:sp>
-        <p:nvSpPr>
-          <p:cNvPr id="10" name="Espaço Reservado para Rodapé 9">
-            <a:extLst>
-              <a:ext uri="{FF2B5EF4-FFF2-40B4-BE49-F238E27FC236}">
-                <a16:creationId xmlns:a16="http://schemas.microsoft.com/office/drawing/2014/main" id="{2C3508E1-2709-5CFF-2270-FDDC6B1B9923}"/>
-              </a:ext>
-            </a:extLst>
-          </p:cNvPr>
-          <p:cNvSpPr>
-            <a:spLocks noGrp="1"/>
-          </p:cNvSpPr>
-          <p:nvPr>
-            <p:ph type="ftr" sz="quarter" idx="11"/>
-          </p:nvPr>
-        </p:nvSpPr>
-        <p:spPr/>
-        <p:txBody>
-          <a:bodyPr/>
-          <a:lstStyle/>
-          <a:p>
-            <a:r>
-              <a:rPr lang="pt-BR"/>
-              <a:t>SELETORES CSS PARA JEDIS - FELIPE AGUIAR</a:t>
-            </a:r>
-          </a:p>
-        </p:txBody>
-      </p:sp>
-      <p:sp>
-        <p:nvSpPr>
-          <p:cNvPr id="11" name="Espaço Reservado para Número de Slide 10">
-            <a:extLst>
-              <a:ext uri="{FF2B5EF4-FFF2-40B4-BE49-F238E27FC236}">
-                <a16:creationId xmlns:a16="http://schemas.microsoft.com/office/drawing/2014/main" id="{23368C93-F191-8BB0-76CF-5C194CD192BA}"/>
+                <a16:creationId xmlns:a16="http://schemas.microsoft.com/office/drawing/2014/main" id="{919B02F9-1256-559A-957D-87AA95AA16BE}"/>
               </a:ext>
             </a:extLst>
           </p:cNvPr>
@@ -6650,119 +10758,12 @@
           </a:p>
         </p:txBody>
       </p:sp>
-      <p:pic>
-        <p:nvPicPr>
-          <p:cNvPr id="13" name="Picture 8" descr="Would you like to see new lightsaber variants in the future? | Fandom">
-            <a:extLst>
-              <a:ext uri="{FF2B5EF4-FFF2-40B4-BE49-F238E27FC236}">
-                <a16:creationId xmlns:a16="http://schemas.microsoft.com/office/drawing/2014/main" id="{4F69F2E5-CDE8-7FB0-C4CB-899ED78E5B32}"/>
-              </a:ext>
-            </a:extLst>
-          </p:cNvPr>
-          <p:cNvPicPr>
-            <a:picLocks noChangeAspect="1" noChangeArrowheads="1"/>
-          </p:cNvPicPr>
-          <p:nvPr/>
-        </p:nvPicPr>
-        <p:blipFill>
-          <a:blip r:embed="rId3">
-            <a:extLst>
-              <a:ext uri="{BEBA8EAE-BF5A-486C-A8C5-ECC9F3942E4B}">
-                <a14:imgProps xmlns:a14="http://schemas.microsoft.com/office/drawing/2010/main">
-                  <a14:imgLayer r:embed="rId4">
-                    <a14:imgEffect>
-                      <a14:brightnessContrast bright="40000" contrast="20000"/>
-                    </a14:imgEffect>
-                  </a14:imgLayer>
-                </a14:imgProps>
-              </a:ext>
-              <a:ext uri="{28A0092B-C50C-407E-A947-70E740481C1C}">
-                <a14:useLocalDpi xmlns:a14="http://schemas.microsoft.com/office/drawing/2010/main" val="0"/>
-              </a:ext>
-            </a:extLst>
-          </a:blip>
-          <a:srcRect/>
-          <a:stretch>
-            <a:fillRect/>
-          </a:stretch>
-        </p:blipFill>
-        <p:spPr bwMode="auto">
-          <a:xfrm rot="1987839">
-            <a:off x="3038474" y="971271"/>
-            <a:ext cx="3524250" cy="2447925"/>
-          </a:xfrm>
-          <a:prstGeom prst="rect">
-            <a:avLst/>
-          </a:prstGeom>
-          <a:noFill/>
-          <a:extLst>
-            <a:ext uri="{909E8E84-426E-40DD-AFC4-6F175D3DCCD1}">
-              <a14:hiddenFill xmlns:a14="http://schemas.microsoft.com/office/drawing/2010/main">
-                <a:solidFill>
-                  <a:srgbClr val="FFFFFF"/>
-                </a:solidFill>
-              </a14:hiddenFill>
-            </a:ext>
-          </a:extLst>
-        </p:spPr>
-      </p:pic>
-      <p:pic>
-        <p:nvPicPr>
-          <p:cNvPr id="14" name="logo_css" descr="Ícone&#10;&#10;Descrição gerada automaticamente">
-            <a:extLst>
-              <a:ext uri="{FF2B5EF4-FFF2-40B4-BE49-F238E27FC236}">
-                <a16:creationId xmlns:a16="http://schemas.microsoft.com/office/drawing/2014/main" id="{234D8C20-5D32-6AC9-6FEB-60B98BE564A6}"/>
-              </a:ext>
-            </a:extLst>
-          </p:cNvPr>
-          <p:cNvPicPr>
-            <a:picLocks noChangeAspect="1"/>
-          </p:cNvPicPr>
-          <p:nvPr/>
-        </p:nvPicPr>
-        <p:blipFill rotWithShape="1">
-          <a:blip r:embed="rId5">
-            <a:duotone>
-              <a:schemeClr val="bg2">
-                <a:shade val="45000"/>
-                <a:satMod val="135000"/>
-              </a:schemeClr>
-              <a:prstClr val="white"/>
-            </a:duotone>
-            <a:extLst>
-              <a:ext uri="{BEBA8EAE-BF5A-486C-A8C5-ECC9F3942E4B}">
-                <a14:imgProps xmlns:a14="http://schemas.microsoft.com/office/drawing/2010/main">
-                  <a14:imgLayer r:embed="rId6">
-                    <a14:imgEffect>
-                      <a14:brightnessContrast bright="40000" contrast="40000"/>
-                    </a14:imgEffect>
-                  </a14:imgLayer>
-                </a14:imgProps>
-              </a:ext>
-              <a:ext uri="{28A0092B-C50C-407E-A947-70E740481C1C}">
-                <a14:useLocalDpi xmlns:a14="http://schemas.microsoft.com/office/drawing/2010/main" val="0"/>
-              </a:ext>
-            </a:extLst>
-          </a:blip>
-          <a:srcRect t="-3689"/>
-          <a:stretch/>
-        </p:blipFill>
-        <p:spPr>
-          <a:xfrm>
-            <a:off x="3535992" y="9979522"/>
-            <a:ext cx="2529215" cy="1484352"/>
-          </a:xfrm>
-          <a:prstGeom prst="rect">
-            <a:avLst/>
-          </a:prstGeom>
-        </p:spPr>
-      </p:pic>
       <p:sp>
         <p:nvSpPr>
           <p:cNvPr id="4" name="Retângulo 3">
             <a:extLst>
               <a:ext uri="{FF2B5EF4-FFF2-40B4-BE49-F238E27FC236}">
-                <a16:creationId xmlns:a16="http://schemas.microsoft.com/office/drawing/2014/main" id="{68BCB3A0-8C6E-B2FD-E064-5A85D2A0311E}"/>
+                <a16:creationId xmlns:a16="http://schemas.microsoft.com/office/drawing/2014/main" id="{32BBF213-CA86-228F-5D85-826252C2B6BB}"/>
               </a:ext>
             </a:extLst>
           </p:cNvPr>
@@ -6827,10 +10828,184 @@
           </a:p>
         </p:txBody>
       </p:sp>
+      <p:pic>
+        <p:nvPicPr>
+          <p:cNvPr id="9" name="Imagem 8">
+            <a:extLst>
+              <a:ext uri="{FF2B5EF4-FFF2-40B4-BE49-F238E27FC236}">
+                <a16:creationId xmlns:a16="http://schemas.microsoft.com/office/drawing/2014/main" id="{614A320E-E8C0-8F3B-2A4E-A913E90B171F}"/>
+              </a:ext>
+            </a:extLst>
+          </p:cNvPr>
+          <p:cNvPicPr>
+            <a:picLocks noChangeAspect="1"/>
+          </p:cNvPicPr>
+          <p:nvPr/>
+        </p:nvPicPr>
+        <p:blipFill>
+          <a:blip r:embed="rId2"/>
+          <a:stretch>
+            <a:fillRect/>
+          </a:stretch>
+        </p:blipFill>
+        <p:spPr>
+          <a:xfrm>
+            <a:off x="795279" y="2062156"/>
+            <a:ext cx="8210338" cy="4874149"/>
+          </a:xfrm>
+          <a:prstGeom prst="rect">
+            <a:avLst/>
+          </a:prstGeom>
+        </p:spPr>
+      </p:pic>
+      <p:sp>
+        <p:nvSpPr>
+          <p:cNvPr id="5" name="CaixaDeTexto 4">
+            <a:extLst>
+              <a:ext uri="{FF2B5EF4-FFF2-40B4-BE49-F238E27FC236}">
+                <a16:creationId xmlns:a16="http://schemas.microsoft.com/office/drawing/2014/main" id="{BFAAF3D7-CBFE-759A-1469-2BCDE34B1C70}"/>
+              </a:ext>
+            </a:extLst>
+          </p:cNvPr>
+          <p:cNvSpPr txBox="1"/>
+          <p:nvPr/>
+        </p:nvSpPr>
+        <p:spPr>
+          <a:xfrm>
+            <a:off x="795279" y="7277088"/>
+            <a:ext cx="8210337" cy="3139321"/>
+          </a:xfrm>
+          <a:prstGeom prst="rect">
+            <a:avLst/>
+          </a:prstGeom>
+          <a:noFill/>
+        </p:spPr>
+        <p:txBody>
+          <a:bodyPr wrap="square" rtlCol="0">
+            <a:spAutoFit/>
+          </a:bodyPr>
+          <a:lstStyle/>
+          <a:p>
+            <a:pPr marL="285750" indent="-285750">
+              <a:buFont typeface="Arial" panose="020B0604020202020204" pitchFamily="34" charset="0"/>
+              <a:buChar char="•"/>
+            </a:pPr>
+            <a:r>
+              <a:rPr lang="pt-BR" dirty="0"/>
+              <a:t>A função </a:t>
+            </a:r>
+            <a:r>
+              <a:rPr lang="pt-BR" dirty="0" err="1"/>
+              <a:t>BubbleSort</a:t>
+            </a:r>
+            <a:r>
+              <a:rPr lang="pt-BR" dirty="0"/>
+              <a:t> recebe como entrada um </a:t>
+            </a:r>
+            <a:r>
+              <a:rPr lang="pt-BR" dirty="0" err="1"/>
+              <a:t>array</a:t>
+            </a:r>
+            <a:r>
+              <a:rPr lang="pt-BR" dirty="0"/>
+              <a:t> de inteiros.</a:t>
+            </a:r>
+          </a:p>
+          <a:p>
+            <a:pPr marL="285750" indent="-285750">
+              <a:buFont typeface="Arial" panose="020B0604020202020204" pitchFamily="34" charset="0"/>
+              <a:buChar char="•"/>
+            </a:pPr>
+            <a:r>
+              <a:rPr lang="pt-BR" dirty="0"/>
+              <a:t>Um loop externo percorre o </a:t>
+            </a:r>
+            <a:r>
+              <a:rPr lang="pt-BR" dirty="0" err="1"/>
+              <a:t>array</a:t>
+            </a:r>
+            <a:r>
+              <a:rPr lang="pt-BR" dirty="0"/>
+              <a:t> da esquerda para a direita, exceto pelo último elemento, já que ao final de cada iteração deste loop, o maior elemento da lista é colocado na sua posição correta.</a:t>
+            </a:r>
+          </a:p>
+          <a:p>
+            <a:pPr marL="285750" indent="-285750">
+              <a:buFont typeface="Arial" panose="020B0604020202020204" pitchFamily="34" charset="0"/>
+              <a:buChar char="•"/>
+            </a:pPr>
+            <a:r>
+              <a:rPr lang="pt-BR" dirty="0"/>
+              <a:t>Dentro do loop externo, há um loop interno que percorre a parte não ordenada do </a:t>
+            </a:r>
+            <a:r>
+              <a:rPr lang="pt-BR" dirty="0" err="1"/>
+              <a:t>array</a:t>
+            </a:r>
+            <a:r>
+              <a:rPr lang="pt-BR" dirty="0"/>
+              <a:t>. Este loop compara cada elemento com o próximo elemento na lista.</a:t>
+            </a:r>
+          </a:p>
+          <a:p>
+            <a:pPr marL="285750" indent="-285750">
+              <a:buFont typeface="Arial" panose="020B0604020202020204" pitchFamily="34" charset="0"/>
+              <a:buChar char="•"/>
+            </a:pPr>
+            <a:r>
+              <a:rPr lang="pt-BR" dirty="0"/>
+              <a:t>Se o elemento atual for maior que o próximo elemento, os dois elementos são trocados de posição.</a:t>
+            </a:r>
+          </a:p>
+          <a:p>
+            <a:pPr marL="285750" indent="-285750">
+              <a:buFont typeface="Arial" panose="020B0604020202020204" pitchFamily="34" charset="0"/>
+              <a:buChar char="•"/>
+            </a:pPr>
+            <a:r>
+              <a:rPr lang="pt-BR" dirty="0"/>
+              <a:t>Esse processo continua até que todos os elementos estejam ordenados, o que é feito após repetir o loop externo até o penúltimo elemento, garantindo que o último elemento já esteja na posição correta.</a:t>
+            </a:r>
+          </a:p>
+        </p:txBody>
+      </p:sp>
+      <p:sp>
+        <p:nvSpPr>
+          <p:cNvPr id="6" name="Espaço Reservado para Rodapé 10">
+            <a:extLst>
+              <a:ext uri="{FF2B5EF4-FFF2-40B4-BE49-F238E27FC236}">
+                <a16:creationId xmlns:a16="http://schemas.microsoft.com/office/drawing/2014/main" id="{A61ADD21-E5BA-AB2F-E60F-A4B9A1154C5C}"/>
+              </a:ext>
+            </a:extLst>
+          </p:cNvPr>
+          <p:cNvSpPr>
+            <a:spLocks noGrp="1"/>
+          </p:cNvSpPr>
+          <p:nvPr>
+            <p:ph type="ftr" sz="quarter" idx="11"/>
+          </p:nvPr>
+        </p:nvSpPr>
+        <p:spPr>
+          <a:xfrm>
+            <a:off x="2820353" y="11865188"/>
+            <a:ext cx="4030027" cy="681567"/>
+          </a:xfrm>
+        </p:spPr>
+        <p:txBody>
+          <a:bodyPr/>
+          <a:lstStyle/>
+          <a:p>
+            <a:r>
+              <a:rPr lang="pt-BR" dirty="0"/>
+              <a:t>ALGORITIMOS DE ORDENAÇÃO – Jefferson Mesquita</a:t>
+            </a:r>
+          </a:p>
+        </p:txBody>
+      </p:sp>
     </p:spTree>
     <p:extLst>
       <p:ext uri="{BB962C8B-B14F-4D97-AF65-F5344CB8AC3E}">
-        <p14:creationId xmlns:p14="http://schemas.microsoft.com/office/powerpoint/2010/main" val="2185512117"/>
+        <p14:creationId xmlns:p14="http://schemas.microsoft.com/office/powerpoint/2010/main" val="796699739"/>
       </p:ext>
     </p:extLst>
   </p:cSld>
@@ -6911,10 +11086,39 @@
       </p:sp>
       <p:sp>
         <p:nvSpPr>
-          <p:cNvPr id="4" name="titulo_componente">
+          <p:cNvPr id="11" name="Espaço Reservado para Número de Slide 10">
             <a:extLst>
               <a:ext uri="{FF2B5EF4-FFF2-40B4-BE49-F238E27FC236}">
-                <a16:creationId xmlns:a16="http://schemas.microsoft.com/office/drawing/2014/main" id="{0E49EEBC-3AEF-FA23-4067-E0866590C14C}"/>
+                <a16:creationId xmlns:a16="http://schemas.microsoft.com/office/drawing/2014/main" id="{ED097E9B-2BDA-D42C-D47C-437D8B79E252}"/>
+              </a:ext>
+            </a:extLst>
+          </p:cNvPr>
+          <p:cNvSpPr>
+            <a:spLocks noGrp="1"/>
+          </p:cNvSpPr>
+          <p:nvPr>
+            <p:ph type="sldNum" sz="quarter" idx="12"/>
+          </p:nvPr>
+        </p:nvSpPr>
+        <p:spPr/>
+        <p:txBody>
+          <a:bodyPr/>
+          <a:lstStyle/>
+          <a:p>
+            <a:fld id="{9BB46D60-96CE-4402-8D7C-2F4B1C382689}" type="slidenum">
+              <a:rPr lang="pt-BR" smtClean="0"/>
+              <a:t>6</a:t>
+            </a:fld>
+            <a:endParaRPr lang="pt-BR"/>
+          </a:p>
+        </p:txBody>
+      </p:sp>
+      <p:sp>
+        <p:nvSpPr>
+          <p:cNvPr id="7" name="titulo_componente">
+            <a:extLst>
+              <a:ext uri="{FF2B5EF4-FFF2-40B4-BE49-F238E27FC236}">
+                <a16:creationId xmlns:a16="http://schemas.microsoft.com/office/drawing/2014/main" id="{EB80C994-558B-E5F7-80C0-A73EAD71C00D}"/>
               </a:ext>
             </a:extLst>
           </p:cNvPr>
@@ -6923,8 +11127,8 @@
         </p:nvSpPr>
         <p:spPr>
           <a:xfrm>
-            <a:off x="807610" y="2133601"/>
-            <a:ext cx="7816645" cy="4508927"/>
+            <a:off x="892277" y="6004859"/>
+            <a:ext cx="7816645" cy="2800767"/>
           </a:xfrm>
           <a:prstGeom prst="rect">
             <a:avLst/>
@@ -6939,26 +11143,100 @@
           <a:p>
             <a:pPr algn="ctr"/>
             <a:r>
-              <a:rPr lang="pt-BR" sz="28700" dirty="0">
-                <a:ln>
-                  <a:solidFill>
-                    <a:srgbClr val="11FFFE"/>
-                  </a:solidFill>
-                </a:ln>
-                <a:noFill/>
+              <a:rPr lang="pt-BR" sz="8800" dirty="0" err="1">
+                <a:solidFill>
+                  <a:schemeClr val="bg1"/>
+                </a:solidFill>
                 <a:latin typeface="Impact" panose="020B0806030902050204" pitchFamily="34" charset="0"/>
               </a:rPr>
-              <a:t>02</a:t>
-            </a:r>
-          </a:p>
-        </p:txBody>
-      </p:sp>
-      <p:sp>
-        <p:nvSpPr>
-          <p:cNvPr id="5" name="Retângulo 4">
+              <a:t>Insertion</a:t>
+            </a:r>
+            <a:r>
+              <a:rPr lang="pt-BR" sz="8800" dirty="0">
+                <a:solidFill>
+                  <a:schemeClr val="bg1"/>
+                </a:solidFill>
+                <a:latin typeface="Impact" panose="020B0806030902050204" pitchFamily="34" charset="0"/>
+              </a:rPr>
+              <a:t> </a:t>
+            </a:r>
+            <a:r>
+              <a:rPr lang="pt-BR" sz="8800" dirty="0" err="1">
+                <a:solidFill>
+                  <a:schemeClr val="bg1"/>
+                </a:solidFill>
+                <a:latin typeface="Impact" panose="020B0806030902050204" pitchFamily="34" charset="0"/>
+              </a:rPr>
+              <a:t>Sort</a:t>
+            </a:r>
+            <a:br>
+              <a:rPr lang="pt-BR" sz="8800" dirty="0">
+                <a:solidFill>
+                  <a:schemeClr val="bg1"/>
+                </a:solidFill>
+                <a:latin typeface="Impact" panose="020B0806030902050204" pitchFamily="34" charset="0"/>
+              </a:rPr>
+            </a:br>
+            <a:r>
+              <a:rPr lang="pt-BR" sz="8800" dirty="0">
+                <a:solidFill>
+                  <a:schemeClr val="bg1"/>
+                </a:solidFill>
+                <a:latin typeface="Impact" panose="020B0806030902050204" pitchFamily="34" charset="0"/>
+              </a:rPr>
+              <a:t> </a:t>
+            </a:r>
+            <a:r>
+              <a:rPr lang="pt-BR" sz="5400" dirty="0">
+                <a:solidFill>
+                  <a:schemeClr val="bg1"/>
+                </a:solidFill>
+                <a:latin typeface="Impact" panose="020B0806030902050204" pitchFamily="34" charset="0"/>
+              </a:rPr>
+              <a:t>Construindo a Ordem</a:t>
+            </a:r>
+          </a:p>
+        </p:txBody>
+      </p:sp>
+      <p:sp>
+        <p:nvSpPr>
+          <p:cNvPr id="3" name="Espaço Reservado para Rodapé 10">
             <a:extLst>
               <a:ext uri="{FF2B5EF4-FFF2-40B4-BE49-F238E27FC236}">
-                <a16:creationId xmlns:a16="http://schemas.microsoft.com/office/drawing/2014/main" id="{FA80E993-76DA-56CE-427C-CE1D83BD30C1}"/>
+                <a16:creationId xmlns:a16="http://schemas.microsoft.com/office/drawing/2014/main" id="{B2B7699E-0B50-CC84-F143-7BDE04A13CA5}"/>
+              </a:ext>
+            </a:extLst>
+          </p:cNvPr>
+          <p:cNvSpPr>
+            <a:spLocks noGrp="1"/>
+          </p:cNvSpPr>
+          <p:nvPr>
+            <p:ph type="ftr" sz="quarter" idx="11"/>
+          </p:nvPr>
+        </p:nvSpPr>
+        <p:spPr>
+          <a:xfrm>
+            <a:off x="2820353" y="11865188"/>
+            <a:ext cx="4030027" cy="681567"/>
+          </a:xfrm>
+        </p:spPr>
+        <p:txBody>
+          <a:bodyPr/>
+          <a:lstStyle/>
+          <a:p>
+            <a:r>
+              <a:rPr lang="pt-BR" dirty="0"/>
+              <a:t>ALGORITIMOS DE ORDENAÇÃO – Jefferson Mesquita</a:t>
+            </a:r>
+          </a:p>
+        </p:txBody>
+      </p:sp>
+      <p:sp>
+        <p:nvSpPr>
+          <p:cNvPr id="9" name="Retângulo 8">
+            <a:extLst>
+              <a:ext uri="{FF2B5EF4-FFF2-40B4-BE49-F238E27FC236}">
+                <a16:creationId xmlns:a16="http://schemas.microsoft.com/office/drawing/2014/main" id="{14B6163C-646F-7DE2-B3A0-84B248E15DD2}"/>
               </a:ext>
             </a:extLst>
           </p:cNvPr>
@@ -6967,7 +11245,7 @@
         </p:nvSpPr>
         <p:spPr>
           <a:xfrm>
-            <a:off x="976944" y="8776129"/>
+            <a:off x="976944" y="7545726"/>
             <a:ext cx="7731978" cy="106262"/>
           </a:xfrm>
           <a:prstGeom prst="rect">
@@ -6976,7 +11254,9 @@
           <a:gradFill flip="none" rotWithShape="1">
             <a:gsLst>
               <a:gs pos="0">
-                <a:srgbClr val="11FFFE"/>
+                <a:srgbClr val="273C42">
+                  <a:alpha val="25000"/>
+                </a:srgbClr>
               </a:gs>
               <a:gs pos="74000">
                 <a:schemeClr val="accent1">
@@ -6989,9 +11269,6 @@
                   <a:lumMod val="45000"/>
                   <a:lumOff val="55000"/>
                 </a:schemeClr>
-              </a:gs>
-              <a:gs pos="100000">
-                <a:srgbClr val="36ABFF"/>
               </a:gs>
             </a:gsLst>
             <a:lin ang="10800000" scaled="1"/>
@@ -7028,10 +11305,10 @@
       </p:sp>
       <p:sp>
         <p:nvSpPr>
-          <p:cNvPr id="6" name="texto_componente">
+          <p:cNvPr id="12" name="CaixaDeTexto 11">
             <a:extLst>
               <a:ext uri="{FF2B5EF4-FFF2-40B4-BE49-F238E27FC236}">
-                <a16:creationId xmlns:a16="http://schemas.microsoft.com/office/drawing/2014/main" id="{4F6127F0-6CC7-2E82-46AB-DF602C5CC776}"/>
+                <a16:creationId xmlns:a16="http://schemas.microsoft.com/office/drawing/2014/main" id="{721D7F5F-2E26-6B53-4AD2-BB240C0287FE}"/>
               </a:ext>
             </a:extLst>
           </p:cNvPr>
@@ -7040,8 +11317,8 @@
         </p:nvSpPr>
         <p:spPr>
           <a:xfrm>
-            <a:off x="870768" y="9340866"/>
-            <a:ext cx="7816645" cy="1569660"/>
+            <a:off x="2561666" y="1381570"/>
+            <a:ext cx="4308529" cy="4508927"/>
           </a:xfrm>
           <a:prstGeom prst="rect">
             <a:avLst/>
@@ -7056,201 +11333,13 @@
           <a:p>
             <a:pPr algn="ctr"/>
             <a:r>
-              <a:rPr lang="pt-BR" sz="2400" b="0" i="0" dirty="0">
+              <a:rPr lang="pt-BR" sz="28700" dirty="0">
                 <a:solidFill>
-                  <a:srgbClr val="ECECEC"/>
-                </a:solidFill>
-                <a:effectLst/>
-                <a:latin typeface="Söhne"/>
-              </a:rPr>
-              <a:t>O </a:t>
-            </a:r>
-            <a:r>
-              <a:rPr lang="pt-BR" sz="2400" b="0" i="0" dirty="0" err="1">
-                <a:solidFill>
-                  <a:srgbClr val="ECECEC"/>
-                </a:solidFill>
-                <a:effectLst/>
-                <a:latin typeface="Söhne"/>
-              </a:rPr>
-              <a:t>Insertion</a:t>
-            </a:r>
-            <a:r>
-              <a:rPr lang="pt-BR" sz="2400" b="0" i="0" dirty="0">
-                <a:solidFill>
-                  <a:srgbClr val="ECECEC"/>
-                </a:solidFill>
-                <a:effectLst/>
-                <a:latin typeface="Söhne"/>
-              </a:rPr>
-              <a:t> </a:t>
-            </a:r>
-            <a:r>
-              <a:rPr lang="pt-BR" sz="2400" b="0" i="0" dirty="0" err="1">
-                <a:solidFill>
-                  <a:srgbClr val="ECECEC"/>
-                </a:solidFill>
-                <a:effectLst/>
-                <a:latin typeface="Söhne"/>
-              </a:rPr>
-              <a:t>Sort</a:t>
-            </a:r>
-            <a:r>
-              <a:rPr lang="pt-BR" sz="2400" b="0" i="0" dirty="0">
-                <a:solidFill>
-                  <a:srgbClr val="ECECEC"/>
-                </a:solidFill>
-                <a:effectLst/>
-                <a:latin typeface="Söhne"/>
-              </a:rPr>
-              <a:t> é eficiente para listas pequenas. Ele constrói a lista ordenada um item de cada vez, movendo cada elemento para sua posição correta. Vejamos como implementá-lo:</a:t>
-            </a:r>
-            <a:endParaRPr lang="pt-BR" sz="2400" dirty="0">
-              <a:solidFill>
-                <a:schemeClr val="bg1"/>
-              </a:solidFill>
-            </a:endParaRPr>
-          </a:p>
-        </p:txBody>
-      </p:sp>
-      <p:sp>
-        <p:nvSpPr>
-          <p:cNvPr id="10" name="Espaço Reservado para Rodapé 9">
-            <a:extLst>
-              <a:ext uri="{FF2B5EF4-FFF2-40B4-BE49-F238E27FC236}">
-                <a16:creationId xmlns:a16="http://schemas.microsoft.com/office/drawing/2014/main" id="{90E6D8A5-1A1A-B921-5118-21A6BD3F4E3D}"/>
-              </a:ext>
-            </a:extLst>
-          </p:cNvPr>
-          <p:cNvSpPr>
-            <a:spLocks noGrp="1"/>
-          </p:cNvSpPr>
-          <p:nvPr>
-            <p:ph type="ftr" sz="quarter" idx="11"/>
-          </p:nvPr>
-        </p:nvSpPr>
-        <p:spPr/>
-        <p:txBody>
-          <a:bodyPr/>
-          <a:lstStyle/>
-          <a:p>
-            <a:r>
-              <a:rPr lang="pt-BR"/>
-              <a:t>SELETORES CSS PARA JEDIS - FELIPE AGUIAR</a:t>
-            </a:r>
-          </a:p>
-        </p:txBody>
-      </p:sp>
-      <p:sp>
-        <p:nvSpPr>
-          <p:cNvPr id="11" name="Espaço Reservado para Número de Slide 10">
-            <a:extLst>
-              <a:ext uri="{FF2B5EF4-FFF2-40B4-BE49-F238E27FC236}">
-                <a16:creationId xmlns:a16="http://schemas.microsoft.com/office/drawing/2014/main" id="{ED097E9B-2BDA-D42C-D47C-437D8B79E252}"/>
-              </a:ext>
-            </a:extLst>
-          </p:cNvPr>
-          <p:cNvSpPr>
-            <a:spLocks noGrp="1"/>
-          </p:cNvSpPr>
-          <p:nvPr>
-            <p:ph type="sldNum" sz="quarter" idx="12"/>
-          </p:nvPr>
-        </p:nvSpPr>
-        <p:spPr/>
-        <p:txBody>
-          <a:bodyPr/>
-          <a:lstStyle/>
-          <a:p>
-            <a:fld id="{9BB46D60-96CE-4402-8D7C-2F4B1C382689}" type="slidenum">
-              <a:rPr lang="pt-BR" smtClean="0"/>
-              <a:t>6</a:t>
-            </a:fld>
-            <a:endParaRPr lang="pt-BR"/>
-          </a:p>
-        </p:txBody>
-      </p:sp>
-      <p:sp>
-        <p:nvSpPr>
-          <p:cNvPr id="7" name="titulo_componente">
-            <a:extLst>
-              <a:ext uri="{FF2B5EF4-FFF2-40B4-BE49-F238E27FC236}">
-                <a16:creationId xmlns:a16="http://schemas.microsoft.com/office/drawing/2014/main" id="{EB80C994-558B-E5F7-80C0-A73EAD71C00D}"/>
-              </a:ext>
-            </a:extLst>
-          </p:cNvPr>
-          <p:cNvSpPr txBox="1"/>
-          <p:nvPr/>
-        </p:nvSpPr>
-        <p:spPr>
-          <a:xfrm>
-            <a:off x="892277" y="6004859"/>
-            <a:ext cx="7816645" cy="2800767"/>
-          </a:xfrm>
-          <a:prstGeom prst="rect">
-            <a:avLst/>
-          </a:prstGeom>
-          <a:noFill/>
-        </p:spPr>
-        <p:txBody>
-          <a:bodyPr wrap="square" rtlCol="0">
-            <a:spAutoFit/>
-          </a:bodyPr>
-          <a:lstStyle/>
-          <a:p>
-            <a:pPr algn="ctr"/>
-            <a:r>
-              <a:rPr lang="pt-BR" sz="8800" dirty="0" err="1">
-                <a:solidFill>
-                  <a:schemeClr val="bg1"/>
+                  <a:srgbClr val="2F7586"/>
                 </a:solidFill>
                 <a:latin typeface="Impact" panose="020B0806030902050204" pitchFamily="34" charset="0"/>
               </a:rPr>
-              <a:t>Insertion</a:t>
-            </a:r>
-            <a:r>
-              <a:rPr lang="pt-BR" sz="8800" dirty="0">
-                <a:solidFill>
-                  <a:schemeClr val="bg1"/>
-                </a:solidFill>
-                <a:latin typeface="Impact" panose="020B0806030902050204" pitchFamily="34" charset="0"/>
-              </a:rPr>
-              <a:t> </a:t>
-            </a:r>
-            <a:r>
-              <a:rPr lang="pt-BR" sz="8800" dirty="0" err="1">
-                <a:solidFill>
-                  <a:schemeClr val="bg1"/>
-                </a:solidFill>
-                <a:latin typeface="Impact" panose="020B0806030902050204" pitchFamily="34" charset="0"/>
-              </a:rPr>
-              <a:t>Sort</a:t>
-            </a:r>
-            <a:br>
-              <a:rPr lang="pt-BR" sz="8800" dirty="0">
-                <a:solidFill>
-                  <a:schemeClr val="bg1"/>
-                </a:solidFill>
-                <a:latin typeface="Impact" panose="020B0806030902050204" pitchFamily="34" charset="0"/>
-              </a:rPr>
-            </a:br>
-            <a:r>
-              <a:rPr lang="pt-BR" sz="8800" dirty="0">
-                <a:solidFill>
-                  <a:schemeClr val="bg1"/>
-                </a:solidFill>
-                <a:latin typeface="Impact" panose="020B0806030902050204" pitchFamily="34" charset="0"/>
-              </a:rPr>
-              <a:t> </a:t>
-            </a:r>
-            <a:r>
-              <a:rPr lang="pt-BR" sz="5400" dirty="0">
-                <a:solidFill>
-                  <a:schemeClr val="bg1"/>
-                </a:solidFill>
-                <a:latin typeface="Impact" panose="020B0806030902050204" pitchFamily="34" charset="0"/>
-              </a:rPr>
-              <a:t>Construindo a Ordem</a:t>
+              <a:t>02</a:t>
             </a:r>
           </a:p>
         </p:txBody>
@@ -7300,7 +11389,7 @@
         <p:spPr>
           <a:xfrm>
             <a:off x="870768" y="2822078"/>
-            <a:ext cx="7816645" cy="1569660"/>
+            <a:ext cx="7816645" cy="1938992"/>
           </a:xfrm>
           <a:prstGeom prst="rect">
             <a:avLst/>
@@ -7313,10 +11402,35 @@
           </a:bodyPr>
           <a:lstStyle/>
           <a:p>
-            <a:pPr algn="ctr"/>
             <a:r>
               <a:rPr lang="pt-BR" sz="2400" dirty="0"/>
-              <a:t>O seletor de classe permite que você direcione elementos com base em suas classes. Por exemplo, para estilizar todos os elementos com a classe "botão", você pode usar o seletor .botão. Veja o exemplo:</a:t>
+              <a:t>O </a:t>
+            </a:r>
+            <a:r>
+              <a:rPr lang="pt-BR" sz="2400" dirty="0" err="1"/>
+              <a:t>Insertion</a:t>
+            </a:r>
+            <a:r>
+              <a:rPr lang="pt-BR" sz="2400" dirty="0"/>
+              <a:t> </a:t>
+            </a:r>
+            <a:r>
+              <a:rPr lang="pt-BR" sz="2400" dirty="0" err="1"/>
+              <a:t>Sort</a:t>
+            </a:r>
+            <a:r>
+              <a:rPr lang="pt-BR" sz="2400" dirty="0"/>
+              <a:t> é eficiente para listas pequenas. Ele constrói a lista ordenada um item de cada vez, movendo cada elemento para sua posição correta.</a:t>
+            </a:r>
+            <a:br>
+              <a:rPr lang="pt-BR" sz="2400" dirty="0"/>
+            </a:br>
+            <a:br>
+              <a:rPr lang="pt-BR" sz="2400" dirty="0"/>
+            </a:br>
+            <a:r>
+              <a:rPr lang="pt-BR" sz="2400" dirty="0"/>
+              <a:t>Vejamos como implementá-lo:</a:t>
             </a:r>
           </a:p>
         </p:txBody>
@@ -7335,7 +11449,7 @@
         </p:nvSpPr>
         <p:spPr>
           <a:xfrm>
-            <a:off x="2799855" y="806736"/>
+            <a:off x="3360293" y="802598"/>
             <a:ext cx="7816645" cy="707886"/>
           </a:xfrm>
           <a:prstGeom prst="rect">
@@ -7353,45 +11467,17 @@
               <a:rPr lang="pt-BR" sz="4000" dirty="0">
                 <a:latin typeface="Impact" panose="020B0806030902050204" pitchFamily="34" charset="0"/>
               </a:rPr>
-              <a:t>SELETOR DE CLASSE</a:t>
-            </a:r>
-          </a:p>
-        </p:txBody>
-      </p:sp>
-      <p:sp>
-        <p:nvSpPr>
-          <p:cNvPr id="10" name="Espaço Reservado para Rodapé 9">
+              <a:t>Como funciona?</a:t>
+            </a:r>
+          </a:p>
+        </p:txBody>
+      </p:sp>
+      <p:sp>
+        <p:nvSpPr>
+          <p:cNvPr id="12" name="Espaço Reservado para Número de Slide 11">
             <a:extLst>
               <a:ext uri="{FF2B5EF4-FFF2-40B4-BE49-F238E27FC236}">
-                <a16:creationId xmlns:a16="http://schemas.microsoft.com/office/drawing/2014/main" id="{D2798D93-ED72-CD33-880D-2C72AA1C45F0}"/>
-              </a:ext>
-            </a:extLst>
-          </p:cNvPr>
-          <p:cNvSpPr>
-            <a:spLocks noGrp="1"/>
-          </p:cNvSpPr>
-          <p:nvPr>
-            <p:ph type="ftr" sz="quarter" idx="11"/>
-          </p:nvPr>
-        </p:nvSpPr>
-        <p:spPr/>
-        <p:txBody>
-          <a:bodyPr/>
-          <a:lstStyle/>
-          <a:p>
-            <a:r>
-              <a:rPr lang="pt-BR"/>
-              <a:t>SELETORES CSS PARA JEDIS - FELIPE AGUIAR</a:t>
-            </a:r>
-          </a:p>
-        </p:txBody>
-      </p:sp>
-      <p:sp>
-        <p:nvSpPr>
-          <p:cNvPr id="11" name="Espaço Reservado para Número de Slide 10">
-            <a:extLst>
-              <a:ext uri="{FF2B5EF4-FFF2-40B4-BE49-F238E27FC236}">
-                <a16:creationId xmlns:a16="http://schemas.microsoft.com/office/drawing/2014/main" id="{51B58DE0-4197-A9DA-3C15-1110405E5E7A}"/>
+                <a16:creationId xmlns:a16="http://schemas.microsoft.com/office/drawing/2014/main" id="{E74BF1F5-AB5B-FE30-A4A2-5DCD1ECEB8D7}"/>
               </a:ext>
             </a:extLst>
           </p:cNvPr>
@@ -7415,119 +11501,12 @@
           </a:p>
         </p:txBody>
       </p:sp>
-      <p:pic>
-        <p:nvPicPr>
-          <p:cNvPr id="13" name="Picture 8" descr="Would you like to see new lightsaber variants in the future? | Fandom">
-            <a:extLst>
-              <a:ext uri="{FF2B5EF4-FFF2-40B4-BE49-F238E27FC236}">
-                <a16:creationId xmlns:a16="http://schemas.microsoft.com/office/drawing/2014/main" id="{A03BE2BD-1CCA-12BC-A40F-EE2A3201B764}"/>
-              </a:ext>
-            </a:extLst>
-          </p:cNvPr>
-          <p:cNvPicPr>
-            <a:picLocks noChangeAspect="1" noChangeArrowheads="1"/>
-          </p:cNvPicPr>
-          <p:nvPr/>
-        </p:nvPicPr>
-        <p:blipFill>
-          <a:blip r:embed="rId2">
-            <a:extLst>
-              <a:ext uri="{BEBA8EAE-BF5A-486C-A8C5-ECC9F3942E4B}">
-                <a14:imgProps xmlns:a14="http://schemas.microsoft.com/office/drawing/2010/main">
-                  <a14:imgLayer r:embed="rId3">
-                    <a14:imgEffect>
-                      <a14:brightnessContrast bright="40000" contrast="20000"/>
-                    </a14:imgEffect>
-                  </a14:imgLayer>
-                </a14:imgProps>
-              </a:ext>
-              <a:ext uri="{28A0092B-C50C-407E-A947-70E740481C1C}">
-                <a14:useLocalDpi xmlns:a14="http://schemas.microsoft.com/office/drawing/2010/main" val="0"/>
-              </a:ext>
-            </a:extLst>
-          </a:blip>
-          <a:srcRect/>
-          <a:stretch>
-            <a:fillRect/>
-          </a:stretch>
-        </p:blipFill>
-        <p:spPr bwMode="auto">
-          <a:xfrm rot="1987839">
-            <a:off x="3038474" y="971271"/>
-            <a:ext cx="3524250" cy="2447925"/>
-          </a:xfrm>
-          <a:prstGeom prst="rect">
-            <a:avLst/>
-          </a:prstGeom>
-          <a:noFill/>
-          <a:extLst>
-            <a:ext uri="{909E8E84-426E-40DD-AFC4-6F175D3DCCD1}">
-              <a14:hiddenFill xmlns:a14="http://schemas.microsoft.com/office/drawing/2010/main">
-                <a:solidFill>
-                  <a:srgbClr val="FFFFFF"/>
-                </a:solidFill>
-              </a14:hiddenFill>
-            </a:ext>
-          </a:extLst>
-        </p:spPr>
-      </p:pic>
-      <p:pic>
-        <p:nvPicPr>
-          <p:cNvPr id="14" name="logo_css" descr="Ícone&#10;&#10;Descrição gerada automaticamente">
-            <a:extLst>
-              <a:ext uri="{FF2B5EF4-FFF2-40B4-BE49-F238E27FC236}">
-                <a16:creationId xmlns:a16="http://schemas.microsoft.com/office/drawing/2014/main" id="{0D3A0626-5486-8A0B-F407-2B7942FBD423}"/>
-              </a:ext>
-            </a:extLst>
-          </p:cNvPr>
-          <p:cNvPicPr>
-            <a:picLocks noChangeAspect="1"/>
-          </p:cNvPicPr>
-          <p:nvPr/>
-        </p:nvPicPr>
-        <p:blipFill rotWithShape="1">
-          <a:blip r:embed="rId4">
-            <a:duotone>
-              <a:schemeClr val="bg2">
-                <a:shade val="45000"/>
-                <a:satMod val="135000"/>
-              </a:schemeClr>
-              <a:prstClr val="white"/>
-            </a:duotone>
-            <a:extLst>
-              <a:ext uri="{BEBA8EAE-BF5A-486C-A8C5-ECC9F3942E4B}">
-                <a14:imgProps xmlns:a14="http://schemas.microsoft.com/office/drawing/2010/main">
-                  <a14:imgLayer r:embed="rId5">
-                    <a14:imgEffect>
-                      <a14:brightnessContrast bright="40000" contrast="40000"/>
-                    </a14:imgEffect>
-                  </a14:imgLayer>
-                </a14:imgProps>
-              </a:ext>
-              <a:ext uri="{28A0092B-C50C-407E-A947-70E740481C1C}">
-                <a14:useLocalDpi xmlns:a14="http://schemas.microsoft.com/office/drawing/2010/main" val="0"/>
-              </a:ext>
-            </a:extLst>
-          </a:blip>
-          <a:srcRect t="-3689"/>
-          <a:stretch/>
-        </p:blipFill>
-        <p:spPr>
-          <a:xfrm>
-            <a:off x="3535992" y="9979522"/>
-            <a:ext cx="2529215" cy="1484352"/>
-          </a:xfrm>
-          <a:prstGeom prst="rect">
-            <a:avLst/>
-          </a:prstGeom>
-        </p:spPr>
-      </p:pic>
       <p:sp>
         <p:nvSpPr>
           <p:cNvPr id="4" name="Retângulo 3">
             <a:extLst>
               <a:ext uri="{FF2B5EF4-FFF2-40B4-BE49-F238E27FC236}">
-                <a16:creationId xmlns:a16="http://schemas.microsoft.com/office/drawing/2014/main" id="{A8E3E8E5-3440-B2DE-15BA-D2A49A63AF59}"/>
+                <a16:creationId xmlns:a16="http://schemas.microsoft.com/office/drawing/2014/main" id="{09DEF69C-D29E-E7F1-9D19-CAA075700FEF}"/>
               </a:ext>
             </a:extLst>
           </p:cNvPr>
@@ -7592,40 +11571,796 @@
           </a:p>
         </p:txBody>
       </p:sp>
-      <p:pic>
-        <p:nvPicPr>
-          <p:cNvPr id="8" name="Imagem 7">
+      <p:graphicFrame>
+        <p:nvGraphicFramePr>
+          <p:cNvPr id="5" name="Tabela 4">
             <a:extLst>
               <a:ext uri="{FF2B5EF4-FFF2-40B4-BE49-F238E27FC236}">
-                <a16:creationId xmlns:a16="http://schemas.microsoft.com/office/drawing/2014/main" id="{8FB5372F-2998-C2ED-F207-8B24DD63E9D4}"/>
+                <a16:creationId xmlns:a16="http://schemas.microsoft.com/office/drawing/2014/main" id="{C78360A6-3C36-00D4-9F4B-5D7E96204537}"/>
               </a:ext>
             </a:extLst>
           </p:cNvPr>
-          <p:cNvPicPr>
-            <a:picLocks noChangeAspect="1"/>
-          </p:cNvPicPr>
+          <p:cNvGraphicFramePr>
+            <a:graphicFrameLocks noGrp="1"/>
+          </p:cNvGraphicFramePr>
+          <p:nvPr>
+            <p:extLst>
+              <p:ext uri="{D42A27DB-BD31-4B8C-83A1-F6EECF244321}">
+                <p14:modId xmlns:p14="http://schemas.microsoft.com/office/powerpoint/2010/main" val="1673406757"/>
+              </p:ext>
+            </p:extLst>
+          </p:nvPr>
+        </p:nvGraphicFramePr>
+        <p:xfrm>
+          <a:off x="1796405" y="6523803"/>
+          <a:ext cx="1979612" cy="457200"/>
+        </p:xfrm>
+        <a:graphic>
+          <a:graphicData uri="http://schemas.openxmlformats.org/drawingml/2006/table">
+            <a:tbl>
+              <a:tblPr firstRow="1" bandRow="1">
+                <a:tableStyleId>{5C22544A-7EE6-4342-B048-85BDC9FD1C3A}</a:tableStyleId>
+              </a:tblPr>
+              <a:tblGrid>
+                <a:gridCol w="405130">
+                  <a:extLst>
+                    <a:ext uri="{9D8B030D-6E8A-4147-A177-3AD203B41FA5}">
+                      <a16:colId xmlns:a16="http://schemas.microsoft.com/office/drawing/2014/main" val="548747222"/>
+                    </a:ext>
+                  </a:extLst>
+                </a:gridCol>
+                <a:gridCol w="405130">
+                  <a:extLst>
+                    <a:ext uri="{9D8B030D-6E8A-4147-A177-3AD203B41FA5}">
+                      <a16:colId xmlns:a16="http://schemas.microsoft.com/office/drawing/2014/main" val="1913042492"/>
+                    </a:ext>
+                  </a:extLst>
+                </a:gridCol>
+                <a:gridCol w="405130">
+                  <a:extLst>
+                    <a:ext uri="{9D8B030D-6E8A-4147-A177-3AD203B41FA5}">
+                      <a16:colId xmlns:a16="http://schemas.microsoft.com/office/drawing/2014/main" val="2369147691"/>
+                    </a:ext>
+                  </a:extLst>
+                </a:gridCol>
+                <a:gridCol w="405130">
+                  <a:extLst>
+                    <a:ext uri="{9D8B030D-6E8A-4147-A177-3AD203B41FA5}">
+                      <a16:colId xmlns:a16="http://schemas.microsoft.com/office/drawing/2014/main" val="3137296532"/>
+                    </a:ext>
+                  </a:extLst>
+                </a:gridCol>
+                <a:gridCol w="359092">
+                  <a:extLst>
+                    <a:ext uri="{9D8B030D-6E8A-4147-A177-3AD203B41FA5}">
+                      <a16:colId xmlns:a16="http://schemas.microsoft.com/office/drawing/2014/main" val="2386916304"/>
+                    </a:ext>
+                  </a:extLst>
+                </a:gridCol>
+              </a:tblGrid>
+              <a:tr h="370840">
+                <a:tc>
+                  <a:txBody>
+                    <a:bodyPr/>
+                    <a:lstStyle/>
+                    <a:p>
+                      <a:pPr algn="ctr"/>
+                      <a:r>
+                        <a:rPr lang="pt-BR" sz="2400" dirty="0">
+                          <a:highlight>
+                            <a:srgbClr val="273C42"/>
+                          </a:highlight>
+                        </a:rPr>
+                        <a:t>7</a:t>
+                      </a:r>
+                    </a:p>
+                  </a:txBody>
+                  <a:tcPr>
+                    <a:solidFill>
+                      <a:srgbClr val="273C42"/>
+                    </a:solidFill>
+                  </a:tcPr>
+                </a:tc>
+                <a:tc>
+                  <a:txBody>
+                    <a:bodyPr/>
+                    <a:lstStyle/>
+                    <a:p>
+                      <a:pPr algn="ctr"/>
+                      <a:r>
+                        <a:rPr lang="pt-BR" sz="2400" dirty="0">
+                          <a:highlight>
+                            <a:srgbClr val="273C42"/>
+                          </a:highlight>
+                        </a:rPr>
+                        <a:t>4</a:t>
+                      </a:r>
+                    </a:p>
+                  </a:txBody>
+                  <a:tcPr>
+                    <a:solidFill>
+                      <a:srgbClr val="273C42"/>
+                    </a:solidFill>
+                  </a:tcPr>
+                </a:tc>
+                <a:tc>
+                  <a:txBody>
+                    <a:bodyPr/>
+                    <a:lstStyle/>
+                    <a:p>
+                      <a:pPr algn="ctr"/>
+                      <a:r>
+                        <a:rPr lang="pt-BR" sz="2400" dirty="0">
+                          <a:highlight>
+                            <a:srgbClr val="273C42"/>
+                          </a:highlight>
+                        </a:rPr>
+                        <a:t>9</a:t>
+                      </a:r>
+                    </a:p>
+                  </a:txBody>
+                  <a:tcPr>
+                    <a:solidFill>
+                      <a:srgbClr val="273C42"/>
+                    </a:solidFill>
+                  </a:tcPr>
+                </a:tc>
+                <a:tc>
+                  <a:txBody>
+                    <a:bodyPr/>
+                    <a:lstStyle/>
+                    <a:p>
+                      <a:pPr algn="ctr"/>
+                      <a:r>
+                        <a:rPr lang="pt-BR" sz="2400" dirty="0">
+                          <a:highlight>
+                            <a:srgbClr val="273C42"/>
+                          </a:highlight>
+                        </a:rPr>
+                        <a:t>6</a:t>
+                      </a:r>
+                    </a:p>
+                  </a:txBody>
+                  <a:tcPr>
+                    <a:solidFill>
+                      <a:srgbClr val="273C42"/>
+                    </a:solidFill>
+                  </a:tcPr>
+                </a:tc>
+                <a:tc>
+                  <a:txBody>
+                    <a:bodyPr/>
+                    <a:lstStyle/>
+                    <a:p>
+                      <a:pPr algn="ctr"/>
+                      <a:r>
+                        <a:rPr lang="pt-BR" sz="2400" dirty="0">
+                          <a:solidFill>
+                            <a:srgbClr val="2E7D8B"/>
+                          </a:solidFill>
+                          <a:highlight>
+                            <a:srgbClr val="273C42"/>
+                          </a:highlight>
+                        </a:rPr>
+                        <a:t>2</a:t>
+                      </a:r>
+                    </a:p>
+                  </a:txBody>
+                  <a:tcPr>
+                    <a:solidFill>
+                      <a:srgbClr val="273C42"/>
+                    </a:solidFill>
+                  </a:tcPr>
+                </a:tc>
+                <a:extLst>
+                  <a:ext uri="{0D108BD9-81ED-4DB2-BD59-A6C34878D82A}">
+                    <a16:rowId xmlns:a16="http://schemas.microsoft.com/office/drawing/2014/main" val="2634130274"/>
+                  </a:ext>
+                </a:extLst>
+              </a:tr>
+            </a:tbl>
+          </a:graphicData>
+        </a:graphic>
+      </p:graphicFrame>
+      <p:sp>
+        <p:nvSpPr>
+          <p:cNvPr id="6" name="CaixaDeTexto 5">
+            <a:extLst>
+              <a:ext uri="{FF2B5EF4-FFF2-40B4-BE49-F238E27FC236}">
+                <a16:creationId xmlns:a16="http://schemas.microsoft.com/office/drawing/2014/main" id="{39ED7388-E094-3E0A-BB74-F32B5770DFF4}"/>
+              </a:ext>
+            </a:extLst>
+          </p:cNvPr>
+          <p:cNvSpPr txBox="1"/>
           <p:nvPr/>
-        </p:nvPicPr>
-        <p:blipFill>
-          <a:blip r:embed="rId6"/>
-          <a:stretch>
-            <a:fillRect/>
-          </a:stretch>
-        </p:blipFill>
+        </p:nvSpPr>
         <p:spPr>
           <a:xfrm>
-            <a:off x="1101260" y="5395250"/>
-            <a:ext cx="7398680" cy="4439208"/>
+            <a:off x="2047490" y="7714343"/>
+            <a:ext cx="4951073" cy="1323439"/>
           </a:xfrm>
           <a:prstGeom prst="rect">
             <a:avLst/>
           </a:prstGeom>
+          <a:noFill/>
         </p:spPr>
-      </p:pic>
+        <p:txBody>
+          <a:bodyPr wrap="square" rtlCol="0">
+            <a:spAutoFit/>
+          </a:bodyPr>
+          <a:lstStyle/>
+          <a:p>
+            <a:r>
+              <a:rPr lang="pt-BR" sz="2000" dirty="0"/>
+              <a:t>Verifica se o valor a esquerda é maior e movimenta uma posição. Este processo se repete até que o número da esquerda seja menor ou não exista posição a esquerda.</a:t>
+            </a:r>
+          </a:p>
+        </p:txBody>
+      </p:sp>
+      <p:graphicFrame>
+        <p:nvGraphicFramePr>
+          <p:cNvPr id="19" name="Tabela 18">
+            <a:extLst>
+              <a:ext uri="{FF2B5EF4-FFF2-40B4-BE49-F238E27FC236}">
+                <a16:creationId xmlns:a16="http://schemas.microsoft.com/office/drawing/2014/main" id="{9A354F23-C8F6-2B4E-D425-A363ED0B6F8F}"/>
+              </a:ext>
+            </a:extLst>
+          </p:cNvPr>
+          <p:cNvGraphicFramePr>
+            <a:graphicFrameLocks noGrp="1"/>
+          </p:cNvGraphicFramePr>
+          <p:nvPr>
+            <p:extLst>
+              <p:ext uri="{D42A27DB-BD31-4B8C-83A1-F6EECF244321}">
+                <p14:modId xmlns:p14="http://schemas.microsoft.com/office/powerpoint/2010/main" val="2128500647"/>
+              </p:ext>
+            </p:extLst>
+          </p:nvPr>
+        </p:nvGraphicFramePr>
+        <p:xfrm>
+          <a:off x="4928256" y="6523803"/>
+          <a:ext cx="1979612" cy="457200"/>
+        </p:xfrm>
+        <a:graphic>
+          <a:graphicData uri="http://schemas.openxmlformats.org/drawingml/2006/table">
+            <a:tbl>
+              <a:tblPr firstRow="1" bandRow="1">
+                <a:tableStyleId>{5C22544A-7EE6-4342-B048-85BDC9FD1C3A}</a:tableStyleId>
+              </a:tblPr>
+              <a:tblGrid>
+                <a:gridCol w="405130">
+                  <a:extLst>
+                    <a:ext uri="{9D8B030D-6E8A-4147-A177-3AD203B41FA5}">
+                      <a16:colId xmlns:a16="http://schemas.microsoft.com/office/drawing/2014/main" val="548747222"/>
+                    </a:ext>
+                  </a:extLst>
+                </a:gridCol>
+                <a:gridCol w="405130">
+                  <a:extLst>
+                    <a:ext uri="{9D8B030D-6E8A-4147-A177-3AD203B41FA5}">
+                      <a16:colId xmlns:a16="http://schemas.microsoft.com/office/drawing/2014/main" val="1913042492"/>
+                    </a:ext>
+                  </a:extLst>
+                </a:gridCol>
+                <a:gridCol w="405130">
+                  <a:extLst>
+                    <a:ext uri="{9D8B030D-6E8A-4147-A177-3AD203B41FA5}">
+                      <a16:colId xmlns:a16="http://schemas.microsoft.com/office/drawing/2014/main" val="2369147691"/>
+                    </a:ext>
+                  </a:extLst>
+                </a:gridCol>
+                <a:gridCol w="405130">
+                  <a:extLst>
+                    <a:ext uri="{9D8B030D-6E8A-4147-A177-3AD203B41FA5}">
+                      <a16:colId xmlns:a16="http://schemas.microsoft.com/office/drawing/2014/main" val="3137296532"/>
+                    </a:ext>
+                  </a:extLst>
+                </a:gridCol>
+                <a:gridCol w="359092">
+                  <a:extLst>
+                    <a:ext uri="{9D8B030D-6E8A-4147-A177-3AD203B41FA5}">
+                      <a16:colId xmlns:a16="http://schemas.microsoft.com/office/drawing/2014/main" val="2386916304"/>
+                    </a:ext>
+                  </a:extLst>
+                </a:gridCol>
+              </a:tblGrid>
+              <a:tr h="370840">
+                <a:tc>
+                  <a:txBody>
+                    <a:bodyPr/>
+                    <a:lstStyle/>
+                    <a:p>
+                      <a:pPr algn="ctr"/>
+                      <a:r>
+                        <a:rPr lang="pt-BR" sz="2400" dirty="0">
+                          <a:solidFill>
+                            <a:srgbClr val="2F7586"/>
+                          </a:solidFill>
+                          <a:highlight>
+                            <a:srgbClr val="273C42"/>
+                          </a:highlight>
+                        </a:rPr>
+                        <a:t>2</a:t>
+                      </a:r>
+                    </a:p>
+                  </a:txBody>
+                  <a:tcPr>
+                    <a:solidFill>
+                      <a:srgbClr val="273C42"/>
+                    </a:solidFill>
+                  </a:tcPr>
+                </a:tc>
+                <a:tc>
+                  <a:txBody>
+                    <a:bodyPr/>
+                    <a:lstStyle/>
+                    <a:p>
+                      <a:pPr algn="ctr"/>
+                      <a:r>
+                        <a:rPr lang="pt-BR" sz="2400" dirty="0">
+                          <a:highlight>
+                            <a:srgbClr val="273C42"/>
+                          </a:highlight>
+                        </a:rPr>
+                        <a:t>7</a:t>
+                      </a:r>
+                    </a:p>
+                  </a:txBody>
+                  <a:tcPr>
+                    <a:solidFill>
+                      <a:srgbClr val="273C42"/>
+                    </a:solidFill>
+                  </a:tcPr>
+                </a:tc>
+                <a:tc>
+                  <a:txBody>
+                    <a:bodyPr/>
+                    <a:lstStyle/>
+                    <a:p>
+                      <a:pPr algn="ctr"/>
+                      <a:r>
+                        <a:rPr lang="pt-BR" sz="2400" dirty="0">
+                          <a:highlight>
+                            <a:srgbClr val="273C42"/>
+                          </a:highlight>
+                        </a:rPr>
+                        <a:t>4</a:t>
+                      </a:r>
+                    </a:p>
+                  </a:txBody>
+                  <a:tcPr>
+                    <a:solidFill>
+                      <a:srgbClr val="273C42"/>
+                    </a:solidFill>
+                  </a:tcPr>
+                </a:tc>
+                <a:tc>
+                  <a:txBody>
+                    <a:bodyPr/>
+                    <a:lstStyle/>
+                    <a:p>
+                      <a:pPr algn="ctr"/>
+                      <a:r>
+                        <a:rPr lang="pt-BR" sz="2400" dirty="0">
+                          <a:highlight>
+                            <a:srgbClr val="273C42"/>
+                          </a:highlight>
+                        </a:rPr>
+                        <a:t>9</a:t>
+                      </a:r>
+                    </a:p>
+                  </a:txBody>
+                  <a:tcPr>
+                    <a:solidFill>
+                      <a:srgbClr val="273C42"/>
+                    </a:solidFill>
+                  </a:tcPr>
+                </a:tc>
+                <a:tc>
+                  <a:txBody>
+                    <a:bodyPr/>
+                    <a:lstStyle/>
+                    <a:p>
+                      <a:pPr algn="ctr"/>
+                      <a:r>
+                        <a:rPr lang="pt-BR" sz="2400" dirty="0">
+                          <a:highlight>
+                            <a:srgbClr val="273C42"/>
+                          </a:highlight>
+                        </a:rPr>
+                        <a:t>6</a:t>
+                      </a:r>
+                    </a:p>
+                  </a:txBody>
+                  <a:tcPr>
+                    <a:solidFill>
+                      <a:srgbClr val="273C42"/>
+                    </a:solidFill>
+                  </a:tcPr>
+                </a:tc>
+                <a:extLst>
+                  <a:ext uri="{0D108BD9-81ED-4DB2-BD59-A6C34878D82A}">
+                    <a16:rowId xmlns:a16="http://schemas.microsoft.com/office/drawing/2014/main" val="2634130274"/>
+                  </a:ext>
+                </a:extLst>
+              </a:tr>
+            </a:tbl>
+          </a:graphicData>
+        </a:graphic>
+      </p:graphicFrame>
+      <p:sp>
+        <p:nvSpPr>
+          <p:cNvPr id="20" name="Seta: Curva para Baixo 19">
+            <a:extLst>
+              <a:ext uri="{FF2B5EF4-FFF2-40B4-BE49-F238E27FC236}">
+                <a16:creationId xmlns:a16="http://schemas.microsoft.com/office/drawing/2014/main" id="{4472A662-F25C-2D45-0588-0E575B1E6C1D}"/>
+              </a:ext>
+            </a:extLst>
+          </p:cNvPr>
+          <p:cNvSpPr/>
+          <p:nvPr/>
+        </p:nvSpPr>
+        <p:spPr>
+          <a:xfrm flipH="1">
+            <a:off x="2852965" y="6211834"/>
+            <a:ext cx="361950" cy="266700"/>
+          </a:xfrm>
+          <a:prstGeom prst="curvedDownArrow">
+            <a:avLst/>
+          </a:prstGeom>
+          <a:solidFill>
+            <a:srgbClr val="2F7586"/>
+          </a:solidFill>
+          <a:ln>
+            <a:noFill/>
+          </a:ln>
+        </p:spPr>
+        <p:style>
+          <a:lnRef idx="2">
+            <a:schemeClr val="accent1">
+              <a:shade val="15000"/>
+            </a:schemeClr>
+          </a:lnRef>
+          <a:fillRef idx="1">
+            <a:schemeClr val="accent1"/>
+          </a:fillRef>
+          <a:effectRef idx="0">
+            <a:schemeClr val="accent1"/>
+          </a:effectRef>
+          <a:fontRef idx="minor">
+            <a:schemeClr val="lt1"/>
+          </a:fontRef>
+        </p:style>
+        <p:txBody>
+          <a:bodyPr rtlCol="0" anchor="ctr"/>
+          <a:lstStyle/>
+          <a:p>
+            <a:pPr algn="ctr"/>
+            <a:endParaRPr lang="pt-BR">
+              <a:solidFill>
+                <a:schemeClr val="tx1"/>
+              </a:solidFill>
+            </a:endParaRPr>
+          </a:p>
+        </p:txBody>
+      </p:sp>
+      <p:sp>
+        <p:nvSpPr>
+          <p:cNvPr id="21" name="Seta: Curva para Baixo 20">
+            <a:extLst>
+              <a:ext uri="{FF2B5EF4-FFF2-40B4-BE49-F238E27FC236}">
+                <a16:creationId xmlns:a16="http://schemas.microsoft.com/office/drawing/2014/main" id="{38E82E2F-96AA-5C5A-44D2-0E36ADC3729A}"/>
+              </a:ext>
+            </a:extLst>
+          </p:cNvPr>
+          <p:cNvSpPr/>
+          <p:nvPr/>
+        </p:nvSpPr>
+        <p:spPr>
+          <a:xfrm flipH="1">
+            <a:off x="2370365" y="6211834"/>
+            <a:ext cx="361950" cy="266700"/>
+          </a:xfrm>
+          <a:prstGeom prst="curvedDownArrow">
+            <a:avLst/>
+          </a:prstGeom>
+          <a:solidFill>
+            <a:srgbClr val="2F7586"/>
+          </a:solidFill>
+          <a:ln>
+            <a:noFill/>
+          </a:ln>
+        </p:spPr>
+        <p:style>
+          <a:lnRef idx="2">
+            <a:schemeClr val="accent1">
+              <a:shade val="15000"/>
+            </a:schemeClr>
+          </a:lnRef>
+          <a:fillRef idx="1">
+            <a:schemeClr val="accent1"/>
+          </a:fillRef>
+          <a:effectRef idx="0">
+            <a:schemeClr val="accent1"/>
+          </a:effectRef>
+          <a:fontRef idx="minor">
+            <a:schemeClr val="lt1"/>
+          </a:fontRef>
+        </p:style>
+        <p:txBody>
+          <a:bodyPr rtlCol="0" anchor="ctr"/>
+          <a:lstStyle/>
+          <a:p>
+            <a:pPr algn="ctr"/>
+            <a:endParaRPr lang="pt-BR">
+              <a:solidFill>
+                <a:schemeClr val="tx1"/>
+              </a:solidFill>
+            </a:endParaRPr>
+          </a:p>
+        </p:txBody>
+      </p:sp>
+      <p:sp>
+        <p:nvSpPr>
+          <p:cNvPr id="22" name="Seta: Curva para Baixo 21">
+            <a:extLst>
+              <a:ext uri="{FF2B5EF4-FFF2-40B4-BE49-F238E27FC236}">
+                <a16:creationId xmlns:a16="http://schemas.microsoft.com/office/drawing/2014/main" id="{4356E418-653B-E1C9-C1AC-636E447A0CE3}"/>
+              </a:ext>
+            </a:extLst>
+          </p:cNvPr>
+          <p:cNvSpPr/>
+          <p:nvPr/>
+        </p:nvSpPr>
+        <p:spPr>
+          <a:xfrm flipH="1">
+            <a:off x="1887765" y="6211834"/>
+            <a:ext cx="361950" cy="266700"/>
+          </a:xfrm>
+          <a:prstGeom prst="curvedDownArrow">
+            <a:avLst/>
+          </a:prstGeom>
+          <a:solidFill>
+            <a:srgbClr val="2F7586"/>
+          </a:solidFill>
+          <a:ln>
+            <a:noFill/>
+          </a:ln>
+        </p:spPr>
+        <p:style>
+          <a:lnRef idx="2">
+            <a:schemeClr val="accent1">
+              <a:shade val="15000"/>
+            </a:schemeClr>
+          </a:lnRef>
+          <a:fillRef idx="1">
+            <a:schemeClr val="accent1"/>
+          </a:fillRef>
+          <a:effectRef idx="0">
+            <a:schemeClr val="accent1"/>
+          </a:effectRef>
+          <a:fontRef idx="minor">
+            <a:schemeClr val="lt1"/>
+          </a:fontRef>
+        </p:style>
+        <p:txBody>
+          <a:bodyPr rtlCol="0" anchor="ctr"/>
+          <a:lstStyle/>
+          <a:p>
+            <a:pPr algn="ctr"/>
+            <a:endParaRPr lang="pt-BR">
+              <a:solidFill>
+                <a:schemeClr val="tx1"/>
+              </a:solidFill>
+            </a:endParaRPr>
+          </a:p>
+        </p:txBody>
+      </p:sp>
+      <p:sp>
+        <p:nvSpPr>
+          <p:cNvPr id="23" name="Seta: Curva para Baixo 22">
+            <a:extLst>
+              <a:ext uri="{FF2B5EF4-FFF2-40B4-BE49-F238E27FC236}">
+                <a16:creationId xmlns:a16="http://schemas.microsoft.com/office/drawing/2014/main" id="{014282AF-91CD-47FD-3FD5-EA674E15226D}"/>
+              </a:ext>
+            </a:extLst>
+          </p:cNvPr>
+          <p:cNvSpPr/>
+          <p:nvPr/>
+        </p:nvSpPr>
+        <p:spPr>
+          <a:xfrm flipH="1">
+            <a:off x="3278415" y="6211834"/>
+            <a:ext cx="361950" cy="266700"/>
+          </a:xfrm>
+          <a:prstGeom prst="curvedDownArrow">
+            <a:avLst/>
+          </a:prstGeom>
+          <a:solidFill>
+            <a:srgbClr val="2F7586"/>
+          </a:solidFill>
+          <a:ln>
+            <a:noFill/>
+          </a:ln>
+        </p:spPr>
+        <p:style>
+          <a:lnRef idx="2">
+            <a:schemeClr val="accent1">
+              <a:shade val="15000"/>
+            </a:schemeClr>
+          </a:lnRef>
+          <a:fillRef idx="1">
+            <a:schemeClr val="accent1"/>
+          </a:fillRef>
+          <a:effectRef idx="0">
+            <a:schemeClr val="accent1"/>
+          </a:effectRef>
+          <a:fontRef idx="minor">
+            <a:schemeClr val="lt1"/>
+          </a:fontRef>
+        </p:style>
+        <p:txBody>
+          <a:bodyPr rtlCol="0" anchor="ctr"/>
+          <a:lstStyle/>
+          <a:p>
+            <a:pPr algn="ctr"/>
+            <a:endParaRPr lang="pt-BR">
+              <a:solidFill>
+                <a:schemeClr val="tx1"/>
+              </a:solidFill>
+            </a:endParaRPr>
+          </a:p>
+        </p:txBody>
+      </p:sp>
+      <p:sp>
+        <p:nvSpPr>
+          <p:cNvPr id="24" name="Seta: para a Direita 23">
+            <a:extLst>
+              <a:ext uri="{FF2B5EF4-FFF2-40B4-BE49-F238E27FC236}">
+                <a16:creationId xmlns:a16="http://schemas.microsoft.com/office/drawing/2014/main" id="{B934265C-14AE-743C-C268-7D7ADCE1C46A}"/>
+              </a:ext>
+            </a:extLst>
+          </p:cNvPr>
+          <p:cNvSpPr/>
+          <p:nvPr/>
+        </p:nvSpPr>
+        <p:spPr>
+          <a:xfrm>
+            <a:off x="3971707" y="6676571"/>
+            <a:ext cx="811658" cy="214082"/>
+          </a:xfrm>
+          <a:prstGeom prst="rightArrow">
+            <a:avLst/>
+          </a:prstGeom>
+          <a:solidFill>
+            <a:srgbClr val="2F7586"/>
+          </a:solidFill>
+          <a:ln>
+            <a:noFill/>
+          </a:ln>
+        </p:spPr>
+        <p:style>
+          <a:lnRef idx="2">
+            <a:schemeClr val="accent1">
+              <a:shade val="15000"/>
+            </a:schemeClr>
+          </a:lnRef>
+          <a:fillRef idx="1">
+            <a:schemeClr val="accent1"/>
+          </a:fillRef>
+          <a:effectRef idx="0">
+            <a:schemeClr val="accent1"/>
+          </a:effectRef>
+          <a:fontRef idx="minor">
+            <a:schemeClr val="lt1"/>
+          </a:fontRef>
+        </p:style>
+        <p:txBody>
+          <a:bodyPr rtlCol="0" anchor="ctr"/>
+          <a:lstStyle/>
+          <a:p>
+            <a:pPr algn="ctr"/>
+            <a:endParaRPr lang="pt-BR">
+              <a:solidFill>
+                <a:schemeClr val="tx1"/>
+              </a:solidFill>
+            </a:endParaRPr>
+          </a:p>
+        </p:txBody>
+      </p:sp>
+      <p:sp>
+        <p:nvSpPr>
+          <p:cNvPr id="25" name="Seta: para a Direita 24">
+            <a:extLst>
+              <a:ext uri="{FF2B5EF4-FFF2-40B4-BE49-F238E27FC236}">
+                <a16:creationId xmlns:a16="http://schemas.microsoft.com/office/drawing/2014/main" id="{853009E5-3B3E-5975-7EB9-7FBADF391407}"/>
+              </a:ext>
+            </a:extLst>
+          </p:cNvPr>
+          <p:cNvSpPr/>
+          <p:nvPr/>
+        </p:nvSpPr>
+        <p:spPr>
+          <a:xfrm rot="16200000">
+            <a:off x="3320775" y="7278525"/>
+            <a:ext cx="581354" cy="214082"/>
+          </a:xfrm>
+          <a:prstGeom prst="rightArrow">
+            <a:avLst/>
+          </a:prstGeom>
+          <a:solidFill>
+            <a:srgbClr val="2F7586"/>
+          </a:solidFill>
+          <a:ln>
+            <a:noFill/>
+          </a:ln>
+        </p:spPr>
+        <p:style>
+          <a:lnRef idx="2">
+            <a:schemeClr val="accent1">
+              <a:shade val="15000"/>
+            </a:schemeClr>
+          </a:lnRef>
+          <a:fillRef idx="1">
+            <a:schemeClr val="accent1"/>
+          </a:fillRef>
+          <a:effectRef idx="0">
+            <a:schemeClr val="accent1"/>
+          </a:effectRef>
+          <a:fontRef idx="minor">
+            <a:schemeClr val="lt1"/>
+          </a:fontRef>
+        </p:style>
+        <p:txBody>
+          <a:bodyPr rtlCol="0" anchor="ctr"/>
+          <a:lstStyle/>
+          <a:p>
+            <a:pPr algn="ctr"/>
+            <a:endParaRPr lang="pt-BR">
+              <a:solidFill>
+                <a:schemeClr val="tx1"/>
+              </a:solidFill>
+            </a:endParaRPr>
+          </a:p>
+        </p:txBody>
+      </p:sp>
+      <p:sp>
+        <p:nvSpPr>
+          <p:cNvPr id="27" name="Espaço Reservado para Rodapé 10">
+            <a:extLst>
+              <a:ext uri="{FF2B5EF4-FFF2-40B4-BE49-F238E27FC236}">
+                <a16:creationId xmlns:a16="http://schemas.microsoft.com/office/drawing/2014/main" id="{BF93CBD5-B307-947C-CB2D-0519D7C51306}"/>
+              </a:ext>
+            </a:extLst>
+          </p:cNvPr>
+          <p:cNvSpPr>
+            <a:spLocks noGrp="1"/>
+          </p:cNvSpPr>
+          <p:nvPr>
+            <p:ph type="ftr" sz="quarter" idx="11"/>
+          </p:nvPr>
+        </p:nvSpPr>
+        <p:spPr>
+          <a:xfrm>
+            <a:off x="2820353" y="11865188"/>
+            <a:ext cx="4030027" cy="681567"/>
+          </a:xfrm>
+        </p:spPr>
+        <p:txBody>
+          <a:bodyPr/>
+          <a:lstStyle/>
+          <a:p>
+            <a:r>
+              <a:rPr lang="pt-BR" dirty="0"/>
+              <a:t>ALGORITIMOS DE ORDENAÇÃO – Jefferson Mesquita</a:t>
+            </a:r>
+          </a:p>
+        </p:txBody>
+      </p:sp>
     </p:spTree>
     <p:extLst>
       <p:ext uri="{BB962C8B-B14F-4D97-AF65-F5344CB8AC3E}">
-        <p14:creationId xmlns:p14="http://schemas.microsoft.com/office/powerpoint/2010/main" val="3385887854"/>
+        <p14:creationId xmlns:p14="http://schemas.microsoft.com/office/powerpoint/2010/main" val="3136556412"/>
       </p:ext>
     </p:extLst>
   </p:cSld>
@@ -7666,8 +12401,8 @@
         </p:nvSpPr>
         <p:spPr>
           <a:xfrm>
-            <a:off x="870768" y="2822078"/>
-            <a:ext cx="7816645" cy="1569660"/>
+            <a:off x="913786" y="6874259"/>
+            <a:ext cx="8027331" cy="3693319"/>
           </a:xfrm>
           <a:prstGeom prst="rect">
             <a:avLst/>
@@ -7680,10 +12415,145 @@
           </a:bodyPr>
           <a:lstStyle/>
           <a:p>
-            <a:pPr algn="ctr"/>
-            <a:r>
-              <a:rPr lang="pt-BR" sz="2400" dirty="0"/>
-              <a:t>O seletor de ID é usado para direcionar um elemento específico com base em seu ID exclusivo. Por exemplo, para estilizar um elemento com o ID "cabeçalho", você pode usar o seletor #cabeçalho. Veja o exemplo</a:t>
+            <a:pPr marL="285750" indent="-285750">
+              <a:buFont typeface="Arial" panose="020B0604020202020204" pitchFamily="34" charset="0"/>
+              <a:buChar char="•"/>
+            </a:pPr>
+            <a:r>
+              <a:rPr lang="pt-BR" dirty="0"/>
+              <a:t>A função </a:t>
+            </a:r>
+            <a:r>
+              <a:rPr lang="pt-BR" dirty="0" err="1"/>
+              <a:t>InsertionSort</a:t>
+            </a:r>
+            <a:r>
+              <a:rPr lang="pt-BR" dirty="0"/>
+              <a:t> recebe como entrada um </a:t>
+            </a:r>
+            <a:r>
+              <a:rPr lang="pt-BR" dirty="0" err="1"/>
+              <a:t>array</a:t>
+            </a:r>
+            <a:r>
+              <a:rPr lang="pt-BR" dirty="0"/>
+              <a:t> de inteiros.</a:t>
+            </a:r>
+          </a:p>
+          <a:p>
+            <a:pPr marL="285750" indent="-285750">
+              <a:buFont typeface="Arial" panose="020B0604020202020204" pitchFamily="34" charset="0"/>
+              <a:buChar char="•"/>
+            </a:pPr>
+            <a:r>
+              <a:rPr lang="pt-BR" dirty="0"/>
+              <a:t>Um loop externo percorre o </a:t>
+            </a:r>
+            <a:r>
+              <a:rPr lang="pt-BR" dirty="0" err="1"/>
+              <a:t>array</a:t>
+            </a:r>
+            <a:r>
+              <a:rPr lang="pt-BR" dirty="0"/>
+              <a:t>, começando do segundo elemento (índice 1) até o último.</a:t>
+            </a:r>
+          </a:p>
+          <a:p>
+            <a:pPr marL="285750" indent="-285750">
+              <a:buFont typeface="Arial" panose="020B0604020202020204" pitchFamily="34" charset="0"/>
+              <a:buChar char="•"/>
+            </a:pPr>
+            <a:r>
+              <a:rPr lang="pt-BR" dirty="0"/>
+              <a:t>Para cada elemento do loop externo, o algoritmo salva o valor do elemento atual em uma variável chamada </a:t>
+            </a:r>
+            <a:r>
+              <a:rPr lang="pt-BR" dirty="0" err="1"/>
+              <a:t>key</a:t>
+            </a:r>
+            <a:r>
+              <a:rPr lang="pt-BR" dirty="0"/>
+              <a:t>.</a:t>
+            </a:r>
+          </a:p>
+          <a:p>
+            <a:pPr marL="285750" indent="-285750">
+              <a:buFont typeface="Arial" panose="020B0604020202020204" pitchFamily="34" charset="0"/>
+              <a:buChar char="•"/>
+            </a:pPr>
+            <a:r>
+              <a:rPr lang="pt-BR" dirty="0"/>
+              <a:t>Em seguida, um loop interno é iniciado para comparar o elemento atual com os elementos à sua esquerda (elementos já ordenados).</a:t>
+            </a:r>
+          </a:p>
+          <a:p>
+            <a:pPr marL="285750" indent="-285750">
+              <a:buFont typeface="Arial" panose="020B0604020202020204" pitchFamily="34" charset="0"/>
+              <a:buChar char="•"/>
+            </a:pPr>
+            <a:r>
+              <a:rPr lang="pt-BR" dirty="0"/>
+              <a:t>Enquanto o elemento à esquerda for maior que o valor de </a:t>
+            </a:r>
+            <a:r>
+              <a:rPr lang="pt-BR" dirty="0" err="1"/>
+              <a:t>key</a:t>
+            </a:r>
+            <a:r>
+              <a:rPr lang="pt-BR" dirty="0"/>
+              <a:t> e não atingirmos o início do </a:t>
+            </a:r>
+            <a:r>
+              <a:rPr lang="pt-BR" dirty="0" err="1"/>
+              <a:t>array</a:t>
+            </a:r>
+            <a:r>
+              <a:rPr lang="pt-BR" dirty="0"/>
+              <a:t>, os elementos são deslocados uma posição para a direita.</a:t>
+            </a:r>
+          </a:p>
+          <a:p>
+            <a:pPr marL="285750" indent="-285750">
+              <a:buFont typeface="Arial" panose="020B0604020202020204" pitchFamily="34" charset="0"/>
+              <a:buChar char="•"/>
+            </a:pPr>
+            <a:r>
+              <a:rPr lang="pt-BR" dirty="0"/>
+              <a:t>Após encontrar a posição correta para o elemento </a:t>
+            </a:r>
+            <a:r>
+              <a:rPr lang="pt-BR" dirty="0" err="1"/>
+              <a:t>key</a:t>
+            </a:r>
+            <a:r>
+              <a:rPr lang="pt-BR" dirty="0"/>
+              <a:t>, ele é inserido nessa posição no </a:t>
+            </a:r>
+            <a:r>
+              <a:rPr lang="pt-BR" dirty="0" err="1"/>
+              <a:t>array</a:t>
+            </a:r>
+            <a:r>
+              <a:rPr lang="pt-BR" dirty="0"/>
+              <a:t> ordenado.</a:t>
+            </a:r>
+          </a:p>
+          <a:p>
+            <a:pPr marL="285750" indent="-285750">
+              <a:buFont typeface="Arial" panose="020B0604020202020204" pitchFamily="34" charset="0"/>
+              <a:buChar char="•"/>
+            </a:pPr>
+            <a:r>
+              <a:rPr lang="pt-BR" dirty="0"/>
+              <a:t>Este processo é repetido para cada elemento não ordenado, resultando em um </a:t>
+            </a:r>
+            <a:r>
+              <a:rPr lang="pt-BR" dirty="0" err="1"/>
+              <a:t>array</a:t>
+            </a:r>
+            <a:r>
+              <a:rPr lang="pt-BR" dirty="0"/>
+              <a:t> totalmente ordenado ao final da execução do algoritmo.</a:t>
             </a:r>
           </a:p>
         </p:txBody>
@@ -7702,7 +12572,7 @@
         </p:nvSpPr>
         <p:spPr>
           <a:xfrm>
-            <a:off x="3360293" y="802598"/>
+            <a:off x="2799855" y="806736"/>
             <a:ext cx="7816645" cy="707886"/>
           </a:xfrm>
           <a:prstGeom prst="rect">
@@ -7720,75 +12590,17 @@
               <a:rPr lang="pt-BR" sz="4000" dirty="0">
                 <a:latin typeface="Impact" panose="020B0806030902050204" pitchFamily="34" charset="0"/>
               </a:rPr>
-              <a:t>SELETOR DE ID</a:t>
-            </a:r>
-          </a:p>
-        </p:txBody>
-      </p:sp>
-      <p:pic>
-        <p:nvPicPr>
-          <p:cNvPr id="7" name="Imagem 6">
+              <a:t>Exemplo de código</a:t>
+            </a:r>
+          </a:p>
+        </p:txBody>
+      </p:sp>
+      <p:sp>
+        <p:nvSpPr>
+          <p:cNvPr id="11" name="Espaço Reservado para Número de Slide 10">
             <a:extLst>
               <a:ext uri="{FF2B5EF4-FFF2-40B4-BE49-F238E27FC236}">
-                <a16:creationId xmlns:a16="http://schemas.microsoft.com/office/drawing/2014/main" id="{185CF9CB-4CC1-DE44-FE12-DBFD067567E4}"/>
-              </a:ext>
-            </a:extLst>
-          </p:cNvPr>
-          <p:cNvPicPr>
-            <a:picLocks noChangeAspect="1"/>
-          </p:cNvPicPr>
-          <p:nvPr/>
-        </p:nvPicPr>
-        <p:blipFill>
-          <a:blip r:embed="rId2"/>
-          <a:stretch>
-            <a:fillRect/>
-          </a:stretch>
-        </p:blipFill>
-        <p:spPr>
-          <a:xfrm>
-            <a:off x="0" y="5093429"/>
-            <a:ext cx="9601200" cy="4384548"/>
-          </a:xfrm>
-          <a:prstGeom prst="rect">
-            <a:avLst/>
-          </a:prstGeom>
-        </p:spPr>
-      </p:pic>
-      <p:sp>
-        <p:nvSpPr>
-          <p:cNvPr id="11" name="Espaço Reservado para Rodapé 10">
-            <a:extLst>
-              <a:ext uri="{FF2B5EF4-FFF2-40B4-BE49-F238E27FC236}">
-                <a16:creationId xmlns:a16="http://schemas.microsoft.com/office/drawing/2014/main" id="{13705D91-2830-D276-4CDD-D1D05BFB2A5F}"/>
-              </a:ext>
-            </a:extLst>
-          </p:cNvPr>
-          <p:cNvSpPr>
-            <a:spLocks noGrp="1"/>
-          </p:cNvSpPr>
-          <p:nvPr>
-            <p:ph type="ftr" sz="quarter" idx="11"/>
-          </p:nvPr>
-        </p:nvSpPr>
-        <p:spPr/>
-        <p:txBody>
-          <a:bodyPr/>
-          <a:lstStyle/>
-          <a:p>
-            <a:r>
-              <a:rPr lang="pt-BR"/>
-              <a:t>SELETORES CSS PARA JEDIS - FELIPE AGUIAR</a:t>
-            </a:r>
-          </a:p>
-        </p:txBody>
-      </p:sp>
-      <p:sp>
-        <p:nvSpPr>
-          <p:cNvPr id="12" name="Espaço Reservado para Número de Slide 11">
-            <a:extLst>
-              <a:ext uri="{FF2B5EF4-FFF2-40B4-BE49-F238E27FC236}">
-                <a16:creationId xmlns:a16="http://schemas.microsoft.com/office/drawing/2014/main" id="{E74BF1F5-AB5B-FE30-A4A2-5DCD1ECEB8D7}"/>
+                <a16:creationId xmlns:a16="http://schemas.microsoft.com/office/drawing/2014/main" id="{51B58DE0-4197-A9DA-3C15-1110405E5E7A}"/>
               </a:ext>
             </a:extLst>
           </p:cNvPr>
@@ -7812,119 +12624,12 @@
           </a:p>
         </p:txBody>
       </p:sp>
-      <p:pic>
-        <p:nvPicPr>
-          <p:cNvPr id="13" name="Picture 8" descr="Would you like to see new lightsaber variants in the future? | Fandom">
-            <a:extLst>
-              <a:ext uri="{FF2B5EF4-FFF2-40B4-BE49-F238E27FC236}">
-                <a16:creationId xmlns:a16="http://schemas.microsoft.com/office/drawing/2014/main" id="{4958DF4A-2CF7-9A4E-97F2-AE1C614A2B4A}"/>
-              </a:ext>
-            </a:extLst>
-          </p:cNvPr>
-          <p:cNvPicPr>
-            <a:picLocks noChangeAspect="1" noChangeArrowheads="1"/>
-          </p:cNvPicPr>
-          <p:nvPr/>
-        </p:nvPicPr>
-        <p:blipFill>
-          <a:blip r:embed="rId3">
-            <a:extLst>
-              <a:ext uri="{BEBA8EAE-BF5A-486C-A8C5-ECC9F3942E4B}">
-                <a14:imgProps xmlns:a14="http://schemas.microsoft.com/office/drawing/2010/main">
-                  <a14:imgLayer r:embed="rId4">
-                    <a14:imgEffect>
-                      <a14:brightnessContrast bright="40000" contrast="20000"/>
-                    </a14:imgEffect>
-                  </a14:imgLayer>
-                </a14:imgProps>
-              </a:ext>
-              <a:ext uri="{28A0092B-C50C-407E-A947-70E740481C1C}">
-                <a14:useLocalDpi xmlns:a14="http://schemas.microsoft.com/office/drawing/2010/main" val="0"/>
-              </a:ext>
-            </a:extLst>
-          </a:blip>
-          <a:srcRect/>
-          <a:stretch>
-            <a:fillRect/>
-          </a:stretch>
-        </p:blipFill>
-        <p:spPr bwMode="auto">
-          <a:xfrm rot="1987839">
-            <a:off x="3038474" y="971271"/>
-            <a:ext cx="3524250" cy="2447925"/>
-          </a:xfrm>
-          <a:prstGeom prst="rect">
-            <a:avLst/>
-          </a:prstGeom>
-          <a:noFill/>
-          <a:extLst>
-            <a:ext uri="{909E8E84-426E-40DD-AFC4-6F175D3DCCD1}">
-              <a14:hiddenFill xmlns:a14="http://schemas.microsoft.com/office/drawing/2010/main">
-                <a:solidFill>
-                  <a:srgbClr val="FFFFFF"/>
-                </a:solidFill>
-              </a14:hiddenFill>
-            </a:ext>
-          </a:extLst>
-        </p:spPr>
-      </p:pic>
-      <p:pic>
-        <p:nvPicPr>
-          <p:cNvPr id="14" name="logo_css" descr="Ícone&#10;&#10;Descrição gerada automaticamente">
-            <a:extLst>
-              <a:ext uri="{FF2B5EF4-FFF2-40B4-BE49-F238E27FC236}">
-                <a16:creationId xmlns:a16="http://schemas.microsoft.com/office/drawing/2014/main" id="{9EE0F1E8-A076-473F-33BC-D45EBBA3F9E0}"/>
-              </a:ext>
-            </a:extLst>
-          </p:cNvPr>
-          <p:cNvPicPr>
-            <a:picLocks noChangeAspect="1"/>
-          </p:cNvPicPr>
-          <p:nvPr/>
-        </p:nvPicPr>
-        <p:blipFill rotWithShape="1">
-          <a:blip r:embed="rId5">
-            <a:duotone>
-              <a:schemeClr val="bg2">
-                <a:shade val="45000"/>
-                <a:satMod val="135000"/>
-              </a:schemeClr>
-              <a:prstClr val="white"/>
-            </a:duotone>
-            <a:extLst>
-              <a:ext uri="{BEBA8EAE-BF5A-486C-A8C5-ECC9F3942E4B}">
-                <a14:imgProps xmlns:a14="http://schemas.microsoft.com/office/drawing/2010/main">
-                  <a14:imgLayer r:embed="rId6">
-                    <a14:imgEffect>
-                      <a14:brightnessContrast bright="40000" contrast="40000"/>
-                    </a14:imgEffect>
-                  </a14:imgLayer>
-                </a14:imgProps>
-              </a:ext>
-              <a:ext uri="{28A0092B-C50C-407E-A947-70E740481C1C}">
-                <a14:useLocalDpi xmlns:a14="http://schemas.microsoft.com/office/drawing/2010/main" val="0"/>
-              </a:ext>
-            </a:extLst>
-          </a:blip>
-          <a:srcRect t="-3689"/>
-          <a:stretch/>
-        </p:blipFill>
-        <p:spPr>
-          <a:xfrm>
-            <a:off x="3535992" y="9979522"/>
-            <a:ext cx="2529215" cy="1484352"/>
-          </a:xfrm>
-          <a:prstGeom prst="rect">
-            <a:avLst/>
-          </a:prstGeom>
-        </p:spPr>
-      </p:pic>
       <p:sp>
         <p:nvSpPr>
           <p:cNvPr id="4" name="Retângulo 3">
             <a:extLst>
               <a:ext uri="{FF2B5EF4-FFF2-40B4-BE49-F238E27FC236}">
-                <a16:creationId xmlns:a16="http://schemas.microsoft.com/office/drawing/2014/main" id="{09DEF69C-D29E-E7F1-9D19-CAA075700FEF}"/>
+                <a16:creationId xmlns:a16="http://schemas.microsoft.com/office/drawing/2014/main" id="{A8E3E8E5-3440-B2DE-15BA-D2A49A63AF59}"/>
               </a:ext>
             </a:extLst>
           </p:cNvPr>
@@ -7989,10 +12694,73 @@
           </a:p>
         </p:txBody>
       </p:sp>
+      <p:pic>
+        <p:nvPicPr>
+          <p:cNvPr id="8" name="Imagem 7">
+            <a:extLst>
+              <a:ext uri="{FF2B5EF4-FFF2-40B4-BE49-F238E27FC236}">
+                <a16:creationId xmlns:a16="http://schemas.microsoft.com/office/drawing/2014/main" id="{8FB5372F-2998-C2ED-F207-8B24DD63E9D4}"/>
+              </a:ext>
+            </a:extLst>
+          </p:cNvPr>
+          <p:cNvPicPr>
+            <a:picLocks noChangeAspect="1"/>
+          </p:cNvPicPr>
+          <p:nvPr/>
+        </p:nvPicPr>
+        <p:blipFill>
+          <a:blip r:embed="rId2"/>
+          <a:stretch>
+            <a:fillRect/>
+          </a:stretch>
+        </p:blipFill>
+        <p:spPr>
+          <a:xfrm>
+            <a:off x="913786" y="1786241"/>
+            <a:ext cx="8027331" cy="4816399"/>
+          </a:xfrm>
+          <a:prstGeom prst="rect">
+            <a:avLst/>
+          </a:prstGeom>
+        </p:spPr>
+      </p:pic>
+      <p:sp>
+        <p:nvSpPr>
+          <p:cNvPr id="5" name="Espaço Reservado para Rodapé 10">
+            <a:extLst>
+              <a:ext uri="{FF2B5EF4-FFF2-40B4-BE49-F238E27FC236}">
+                <a16:creationId xmlns:a16="http://schemas.microsoft.com/office/drawing/2014/main" id="{BAE8EC00-AAB8-C6B5-2BBA-A48CE5AAE020}"/>
+              </a:ext>
+            </a:extLst>
+          </p:cNvPr>
+          <p:cNvSpPr>
+            <a:spLocks noGrp="1"/>
+          </p:cNvSpPr>
+          <p:nvPr>
+            <p:ph type="ftr" sz="quarter" idx="11"/>
+          </p:nvPr>
+        </p:nvSpPr>
+        <p:spPr>
+          <a:xfrm>
+            <a:off x="2820353" y="11865188"/>
+            <a:ext cx="4030027" cy="681567"/>
+          </a:xfrm>
+        </p:spPr>
+        <p:txBody>
+          <a:bodyPr/>
+          <a:lstStyle/>
+          <a:p>
+            <a:r>
+              <a:rPr lang="pt-BR" dirty="0"/>
+              <a:t>ALGORITIMOS DE ORDENAÇÃO – Jefferson Mesquita</a:t>
+            </a:r>
+          </a:p>
+        </p:txBody>
+      </p:sp>
     </p:spTree>
     <p:extLst>
       <p:ext uri="{BB962C8B-B14F-4D97-AF65-F5344CB8AC3E}">
-        <p14:creationId xmlns:p14="http://schemas.microsoft.com/office/powerpoint/2010/main" val="3136556412"/>
+        <p14:creationId xmlns:p14="http://schemas.microsoft.com/office/powerpoint/2010/main" val="3385887854"/>
       </p:ext>
     </p:extLst>
   </p:cSld>
@@ -8073,10 +12841,39 @@
       </p:sp>
       <p:sp>
         <p:nvSpPr>
-          <p:cNvPr id="4" name="titulo_componente">
+          <p:cNvPr id="11" name="Espaço Reservado para Número de Slide 10">
             <a:extLst>
               <a:ext uri="{FF2B5EF4-FFF2-40B4-BE49-F238E27FC236}">
-                <a16:creationId xmlns:a16="http://schemas.microsoft.com/office/drawing/2014/main" id="{0E49EEBC-3AEF-FA23-4067-E0866590C14C}"/>
+                <a16:creationId xmlns:a16="http://schemas.microsoft.com/office/drawing/2014/main" id="{CFFF15F9-9106-7134-AA2D-FD2E7ED9EEB6}"/>
+              </a:ext>
+            </a:extLst>
+          </p:cNvPr>
+          <p:cNvSpPr>
+            <a:spLocks noGrp="1"/>
+          </p:cNvSpPr>
+          <p:nvPr>
+            <p:ph type="sldNum" sz="quarter" idx="12"/>
+          </p:nvPr>
+        </p:nvSpPr>
+        <p:spPr/>
+        <p:txBody>
+          <a:bodyPr/>
+          <a:lstStyle/>
+          <a:p>
+            <a:fld id="{9BB46D60-96CE-4402-8D7C-2F4B1C382689}" type="slidenum">
+              <a:rPr lang="pt-BR" smtClean="0"/>
+              <a:t>9</a:t>
+            </a:fld>
+            <a:endParaRPr lang="pt-BR"/>
+          </a:p>
+        </p:txBody>
+      </p:sp>
+      <p:sp>
+        <p:nvSpPr>
+          <p:cNvPr id="7" name="titulo_componente">
+            <a:extLst>
+              <a:ext uri="{FF2B5EF4-FFF2-40B4-BE49-F238E27FC236}">
+                <a16:creationId xmlns:a16="http://schemas.microsoft.com/office/drawing/2014/main" id="{C9BF7689-5C9B-8C58-E73A-B4B3672F8D4B}"/>
               </a:ext>
             </a:extLst>
           </p:cNvPr>
@@ -8085,8 +12882,8 @@
         </p:nvSpPr>
         <p:spPr>
           <a:xfrm>
-            <a:off x="807610" y="2133601"/>
-            <a:ext cx="7816645" cy="4508927"/>
+            <a:off x="892277" y="6004859"/>
+            <a:ext cx="7816645" cy="2800767"/>
           </a:xfrm>
           <a:prstGeom prst="rect">
             <a:avLst/>
@@ -8101,26 +12898,91 @@
           <a:p>
             <a:pPr algn="ctr"/>
             <a:r>
-              <a:rPr lang="pt-BR" sz="28700" dirty="0">
-                <a:ln>
-                  <a:solidFill>
-                    <a:srgbClr val="11FFFE"/>
-                  </a:solidFill>
-                </a:ln>
-                <a:noFill/>
+              <a:rPr lang="pt-BR" sz="8800" dirty="0">
+                <a:solidFill>
+                  <a:schemeClr val="bg1"/>
+                </a:solidFill>
                 <a:latin typeface="Impact" panose="020B0806030902050204" pitchFamily="34" charset="0"/>
               </a:rPr>
-              <a:t>03</a:t>
-            </a:r>
-          </a:p>
-        </p:txBody>
-      </p:sp>
-      <p:sp>
-        <p:nvSpPr>
-          <p:cNvPr id="5" name="Retângulo 4">
+              <a:t>Merge </a:t>
+            </a:r>
+            <a:r>
+              <a:rPr lang="pt-BR" sz="8800" dirty="0" err="1">
+                <a:solidFill>
+                  <a:schemeClr val="bg1"/>
+                </a:solidFill>
+                <a:latin typeface="Impact" panose="020B0806030902050204" pitchFamily="34" charset="0"/>
+              </a:rPr>
+              <a:t>Sort</a:t>
+            </a:r>
+            <a:br>
+              <a:rPr lang="pt-BR" sz="8800" dirty="0">
+                <a:solidFill>
+                  <a:schemeClr val="bg1"/>
+                </a:solidFill>
+                <a:latin typeface="Impact" panose="020B0806030902050204" pitchFamily="34" charset="0"/>
+              </a:rPr>
+            </a:br>
+            <a:r>
+              <a:rPr lang="pt-BR" sz="8800" dirty="0">
+                <a:solidFill>
+                  <a:schemeClr val="bg1"/>
+                </a:solidFill>
+                <a:latin typeface="Impact" panose="020B0806030902050204" pitchFamily="34" charset="0"/>
+              </a:rPr>
+              <a:t> </a:t>
+            </a:r>
+            <a:r>
+              <a:rPr lang="pt-BR" sz="5400" dirty="0">
+                <a:solidFill>
+                  <a:schemeClr val="bg1"/>
+                </a:solidFill>
+                <a:latin typeface="Impact" panose="020B0806030902050204" pitchFamily="34" charset="0"/>
+              </a:rPr>
+              <a:t>Dividir para Conquistar</a:t>
+            </a:r>
+          </a:p>
+        </p:txBody>
+      </p:sp>
+      <p:sp>
+        <p:nvSpPr>
+          <p:cNvPr id="3" name="Espaço Reservado para Rodapé 10">
             <a:extLst>
               <a:ext uri="{FF2B5EF4-FFF2-40B4-BE49-F238E27FC236}">
-                <a16:creationId xmlns:a16="http://schemas.microsoft.com/office/drawing/2014/main" id="{FA80E993-76DA-56CE-427C-CE1D83BD30C1}"/>
+                <a16:creationId xmlns:a16="http://schemas.microsoft.com/office/drawing/2014/main" id="{7F0BCA12-9176-2890-6A89-8D9D8D591D31}"/>
+              </a:ext>
+            </a:extLst>
+          </p:cNvPr>
+          <p:cNvSpPr>
+            <a:spLocks noGrp="1"/>
+          </p:cNvSpPr>
+          <p:nvPr>
+            <p:ph type="ftr" sz="quarter" idx="11"/>
+          </p:nvPr>
+        </p:nvSpPr>
+        <p:spPr>
+          <a:xfrm>
+            <a:off x="2820353" y="11865188"/>
+            <a:ext cx="4030027" cy="681567"/>
+          </a:xfrm>
+        </p:spPr>
+        <p:txBody>
+          <a:bodyPr/>
+          <a:lstStyle/>
+          <a:p>
+            <a:r>
+              <a:rPr lang="pt-BR" dirty="0"/>
+              <a:t>ALGORITIMOS DE ORDENAÇÃO – Jefferson Mesquita</a:t>
+            </a:r>
+          </a:p>
+        </p:txBody>
+      </p:sp>
+      <p:sp>
+        <p:nvSpPr>
+          <p:cNvPr id="8" name="Retângulo 7">
+            <a:extLst>
+              <a:ext uri="{FF2B5EF4-FFF2-40B4-BE49-F238E27FC236}">
+                <a16:creationId xmlns:a16="http://schemas.microsoft.com/office/drawing/2014/main" id="{9CB028E0-1BE7-60D9-E6C5-8DA5FA0D9A4D}"/>
               </a:ext>
             </a:extLst>
           </p:cNvPr>
@@ -8129,7 +12991,7 @@
         </p:nvSpPr>
         <p:spPr>
           <a:xfrm>
-            <a:off x="976944" y="8776129"/>
+            <a:off x="976944" y="7545726"/>
             <a:ext cx="7731978" cy="106262"/>
           </a:xfrm>
           <a:prstGeom prst="rect">
@@ -8138,7 +13000,9 @@
           <a:gradFill flip="none" rotWithShape="1">
             <a:gsLst>
               <a:gs pos="0">
-                <a:srgbClr val="11FFFE"/>
+                <a:srgbClr val="273C42">
+                  <a:alpha val="25000"/>
+                </a:srgbClr>
               </a:gs>
               <a:gs pos="74000">
                 <a:schemeClr val="accent1">
@@ -8151,9 +13015,6 @@
                   <a:lumMod val="45000"/>
                   <a:lumOff val="55000"/>
                 </a:schemeClr>
-              </a:gs>
-              <a:gs pos="100000">
-                <a:srgbClr val="36ABFF"/>
               </a:gs>
             </a:gsLst>
             <a:lin ang="10800000" scaled="1"/>
@@ -8190,10 +13051,10 @@
       </p:sp>
       <p:sp>
         <p:nvSpPr>
-          <p:cNvPr id="6" name="texto_componente">
+          <p:cNvPr id="9" name="CaixaDeTexto 8">
             <a:extLst>
               <a:ext uri="{FF2B5EF4-FFF2-40B4-BE49-F238E27FC236}">
-                <a16:creationId xmlns:a16="http://schemas.microsoft.com/office/drawing/2014/main" id="{1A38D318-280C-0E99-2186-7D919CA59191}"/>
+                <a16:creationId xmlns:a16="http://schemas.microsoft.com/office/drawing/2014/main" id="{FD5D9015-3C05-CA94-09CE-5C329B1F118E}"/>
               </a:ext>
             </a:extLst>
           </p:cNvPr>
@@ -8202,8 +13063,8 @@
         </p:nvSpPr>
         <p:spPr>
           <a:xfrm>
-            <a:off x="870768" y="9340866"/>
-            <a:ext cx="7816645" cy="830997"/>
+            <a:off x="2561666" y="1381570"/>
+            <a:ext cx="4308529" cy="4508927"/>
           </a:xfrm>
           <a:prstGeom prst="rect">
             <a:avLst/>
@@ -8218,161 +13079,13 @@
           <a:p>
             <a:pPr algn="ctr"/>
             <a:r>
-              <a:rPr lang="pt-BR" sz="2400" dirty="0">
+              <a:rPr lang="pt-BR" sz="28700" dirty="0">
                 <a:solidFill>
-                  <a:schemeClr val="bg1"/>
-                </a:solidFill>
-              </a:rPr>
-              <a:t>O Merge </a:t>
-            </a:r>
-            <a:r>
-              <a:rPr lang="pt-BR" sz="2400" dirty="0" err="1">
-                <a:solidFill>
-                  <a:schemeClr val="bg1"/>
-                </a:solidFill>
-              </a:rPr>
-              <a:t>Sort</a:t>
-            </a:r>
-            <a:r>
-              <a:rPr lang="pt-BR" sz="2400" dirty="0">
-                <a:solidFill>
-                  <a:schemeClr val="bg1"/>
-                </a:solidFill>
-              </a:rPr>
-              <a:t> é eficiente e usa a estratégia "dividir para conquistar". Vamos ver sua implementação em C#:</a:t>
-            </a:r>
-          </a:p>
-        </p:txBody>
-      </p:sp>
-      <p:sp>
-        <p:nvSpPr>
-          <p:cNvPr id="10" name="Espaço Reservado para Rodapé 9">
-            <a:extLst>
-              <a:ext uri="{FF2B5EF4-FFF2-40B4-BE49-F238E27FC236}">
-                <a16:creationId xmlns:a16="http://schemas.microsoft.com/office/drawing/2014/main" id="{ED5FF5DA-5CF2-1E22-3C5B-B6117E870A73}"/>
-              </a:ext>
-            </a:extLst>
-          </p:cNvPr>
-          <p:cNvSpPr>
-            <a:spLocks noGrp="1"/>
-          </p:cNvSpPr>
-          <p:nvPr>
-            <p:ph type="ftr" sz="quarter" idx="11"/>
-          </p:nvPr>
-        </p:nvSpPr>
-        <p:spPr/>
-        <p:txBody>
-          <a:bodyPr/>
-          <a:lstStyle/>
-          <a:p>
-            <a:r>
-              <a:rPr lang="pt-BR"/>
-              <a:t>SELETORES CSS PARA JEDIS - FELIPE AGUIAR</a:t>
-            </a:r>
-          </a:p>
-        </p:txBody>
-      </p:sp>
-      <p:sp>
-        <p:nvSpPr>
-          <p:cNvPr id="11" name="Espaço Reservado para Número de Slide 10">
-            <a:extLst>
-              <a:ext uri="{FF2B5EF4-FFF2-40B4-BE49-F238E27FC236}">
-                <a16:creationId xmlns:a16="http://schemas.microsoft.com/office/drawing/2014/main" id="{CFFF15F9-9106-7134-AA2D-FD2E7ED9EEB6}"/>
-              </a:ext>
-            </a:extLst>
-          </p:cNvPr>
-          <p:cNvSpPr>
-            <a:spLocks noGrp="1"/>
-          </p:cNvSpPr>
-          <p:nvPr>
-            <p:ph type="sldNum" sz="quarter" idx="12"/>
-          </p:nvPr>
-        </p:nvSpPr>
-        <p:spPr/>
-        <p:txBody>
-          <a:bodyPr/>
-          <a:lstStyle/>
-          <a:p>
-            <a:fld id="{9BB46D60-96CE-4402-8D7C-2F4B1C382689}" type="slidenum">
-              <a:rPr lang="pt-BR" smtClean="0"/>
-              <a:t>9</a:t>
-            </a:fld>
-            <a:endParaRPr lang="pt-BR"/>
-          </a:p>
-        </p:txBody>
-      </p:sp>
-      <p:sp>
-        <p:nvSpPr>
-          <p:cNvPr id="7" name="titulo_componente">
-            <a:extLst>
-              <a:ext uri="{FF2B5EF4-FFF2-40B4-BE49-F238E27FC236}">
-                <a16:creationId xmlns:a16="http://schemas.microsoft.com/office/drawing/2014/main" id="{C9BF7689-5C9B-8C58-E73A-B4B3672F8D4B}"/>
-              </a:ext>
-            </a:extLst>
-          </p:cNvPr>
-          <p:cNvSpPr txBox="1"/>
-          <p:nvPr/>
-        </p:nvSpPr>
-        <p:spPr>
-          <a:xfrm>
-            <a:off x="892277" y="6004859"/>
-            <a:ext cx="7816645" cy="2800767"/>
-          </a:xfrm>
-          <a:prstGeom prst="rect">
-            <a:avLst/>
-          </a:prstGeom>
-          <a:noFill/>
-        </p:spPr>
-        <p:txBody>
-          <a:bodyPr wrap="square" rtlCol="0">
-            <a:spAutoFit/>
-          </a:bodyPr>
-          <a:lstStyle/>
-          <a:p>
-            <a:pPr algn="ctr"/>
-            <a:r>
-              <a:rPr lang="pt-BR" sz="8800" dirty="0">
-                <a:solidFill>
-                  <a:schemeClr val="bg1"/>
+                  <a:srgbClr val="2F7586"/>
                 </a:solidFill>
                 <a:latin typeface="Impact" panose="020B0806030902050204" pitchFamily="34" charset="0"/>
               </a:rPr>
-              <a:t>Merge </a:t>
-            </a:r>
-            <a:r>
-              <a:rPr lang="pt-BR" sz="8800" dirty="0" err="1">
-                <a:solidFill>
-                  <a:schemeClr val="bg1"/>
-                </a:solidFill>
-                <a:latin typeface="Impact" panose="020B0806030902050204" pitchFamily="34" charset="0"/>
-              </a:rPr>
-              <a:t>Sort</a:t>
-            </a:r>
-            <a:br>
-              <a:rPr lang="pt-BR" sz="8800" dirty="0">
-                <a:solidFill>
-                  <a:schemeClr val="bg1"/>
-                </a:solidFill>
-                <a:latin typeface="Impact" panose="020B0806030902050204" pitchFamily="34" charset="0"/>
-              </a:rPr>
-            </a:br>
-            <a:r>
-              <a:rPr lang="pt-BR" sz="8800" dirty="0">
-                <a:solidFill>
-                  <a:schemeClr val="bg1"/>
-                </a:solidFill>
-                <a:latin typeface="Impact" panose="020B0806030902050204" pitchFamily="34" charset="0"/>
-              </a:rPr>
-              <a:t> </a:t>
-            </a:r>
-            <a:r>
-              <a:rPr lang="pt-BR" sz="5400" dirty="0">
-                <a:solidFill>
-                  <a:schemeClr val="bg1"/>
-                </a:solidFill>
-                <a:latin typeface="Impact" panose="020B0806030902050204" pitchFamily="34" charset="0"/>
-              </a:rPr>
-              <a:t>Dividir para Conquistar</a:t>
+              <a:t>03</a:t>
             </a:r>
           </a:p>
         </p:txBody>
